--- a/gla/figures/gated_linear_attention.pptx
+++ b/gla/figures/gated_linear_attention.pptx
@@ -5,14 +5,15 @@
     <p:sldMasterId id="2147483648" r:id="rId1"/>
   </p:sldMasterIdLst>
   <p:notesMasterIdLst>
-    <p:notesMasterId r:id="rId7"/>
+    <p:notesMasterId r:id="rId8"/>
   </p:notesMasterIdLst>
   <p:sldIdLst>
     <p:sldId id="256" r:id="rId2"/>
     <p:sldId id="257" r:id="rId3"/>
     <p:sldId id="258" r:id="rId4"/>
-    <p:sldId id="259" r:id="rId5"/>
-    <p:sldId id="260" r:id="rId6"/>
+    <p:sldId id="261" r:id="rId5"/>
+    <p:sldId id="259" r:id="rId6"/>
+    <p:sldId id="260" r:id="rId7"/>
   </p:sldIdLst>
   <p:sldSz cx="12192000" cy="6858000"/>
   <p:notesSz cx="6858000" cy="9144000"/>
@@ -119,7 +120,7 @@
             <a:srgbClr val="A4A3A4"/>
           </p15:clr>
         </p15:guide>
-        <p15:guide id="2" pos="5564" userDrawn="1">
+        <p15:guide id="2" pos="3931" userDrawn="1">
           <p15:clr>
             <a:srgbClr val="A4A3A4"/>
           </p15:clr>
@@ -226,7 +227,7 @@
           <a:p>
             <a:fld id="{6A3D4BF0-8A3B-5645-B26E-DC10AE83E29C}" type="datetimeFigureOut">
               <a:rPr kumimoji="1" lang="zh-CN" altLang="en-US" smtClean="0"/>
-              <a:t>2024/7/7</a:t>
+              <a:t>2024/7/8</a:t>
             </a:fld>
             <a:endParaRPr kumimoji="1" lang="zh-CN" altLang="en-US"/>
           </a:p>
@@ -724,7 +725,7 @@
           <a:p>
             <a:fld id="{80B26E25-A30C-4F48-94C0-D22EAF05D14A}" type="datetimeFigureOut">
               <a:rPr kumimoji="1" lang="zh-CN" altLang="en-US" smtClean="0"/>
-              <a:t>2024/7/7</a:t>
+              <a:t>2024/7/8</a:t>
             </a:fld>
             <a:endParaRPr kumimoji="1" lang="zh-CN" altLang="en-US"/>
           </a:p>
@@ -922,7 +923,7 @@
           <a:p>
             <a:fld id="{80B26E25-A30C-4F48-94C0-D22EAF05D14A}" type="datetimeFigureOut">
               <a:rPr kumimoji="1" lang="zh-CN" altLang="en-US" smtClean="0"/>
-              <a:t>2024/7/7</a:t>
+              <a:t>2024/7/8</a:t>
             </a:fld>
             <a:endParaRPr kumimoji="1" lang="zh-CN" altLang="en-US"/>
           </a:p>
@@ -1130,7 +1131,7 @@
           <a:p>
             <a:fld id="{80B26E25-A30C-4F48-94C0-D22EAF05D14A}" type="datetimeFigureOut">
               <a:rPr kumimoji="1" lang="zh-CN" altLang="en-US" smtClean="0"/>
-              <a:t>2024/7/7</a:t>
+              <a:t>2024/7/8</a:t>
             </a:fld>
             <a:endParaRPr kumimoji="1" lang="zh-CN" altLang="en-US"/>
           </a:p>
@@ -1328,7 +1329,7 @@
           <a:p>
             <a:fld id="{80B26E25-A30C-4F48-94C0-D22EAF05D14A}" type="datetimeFigureOut">
               <a:rPr kumimoji="1" lang="zh-CN" altLang="en-US" smtClean="0"/>
-              <a:t>2024/7/7</a:t>
+              <a:t>2024/7/8</a:t>
             </a:fld>
             <a:endParaRPr kumimoji="1" lang="zh-CN" altLang="en-US"/>
           </a:p>
@@ -1603,7 +1604,7 @@
           <a:p>
             <a:fld id="{80B26E25-A30C-4F48-94C0-D22EAF05D14A}" type="datetimeFigureOut">
               <a:rPr kumimoji="1" lang="zh-CN" altLang="en-US" smtClean="0"/>
-              <a:t>2024/7/7</a:t>
+              <a:t>2024/7/8</a:t>
             </a:fld>
             <a:endParaRPr kumimoji="1" lang="zh-CN" altLang="en-US"/>
           </a:p>
@@ -1868,7 +1869,7 @@
           <a:p>
             <a:fld id="{80B26E25-A30C-4F48-94C0-D22EAF05D14A}" type="datetimeFigureOut">
               <a:rPr kumimoji="1" lang="zh-CN" altLang="en-US" smtClean="0"/>
-              <a:t>2024/7/7</a:t>
+              <a:t>2024/7/8</a:t>
             </a:fld>
             <a:endParaRPr kumimoji="1" lang="zh-CN" altLang="en-US"/>
           </a:p>
@@ -2280,7 +2281,7 @@
           <a:p>
             <a:fld id="{80B26E25-A30C-4F48-94C0-D22EAF05D14A}" type="datetimeFigureOut">
               <a:rPr kumimoji="1" lang="zh-CN" altLang="en-US" smtClean="0"/>
-              <a:t>2024/7/7</a:t>
+              <a:t>2024/7/8</a:t>
             </a:fld>
             <a:endParaRPr kumimoji="1" lang="zh-CN" altLang="en-US"/>
           </a:p>
@@ -2421,7 +2422,7 @@
           <a:p>
             <a:fld id="{80B26E25-A30C-4F48-94C0-D22EAF05D14A}" type="datetimeFigureOut">
               <a:rPr kumimoji="1" lang="zh-CN" altLang="en-US" smtClean="0"/>
-              <a:t>2024/7/7</a:t>
+              <a:t>2024/7/8</a:t>
             </a:fld>
             <a:endParaRPr kumimoji="1" lang="zh-CN" altLang="en-US"/>
           </a:p>
@@ -2534,7 +2535,7 @@
           <a:p>
             <a:fld id="{80B26E25-A30C-4F48-94C0-D22EAF05D14A}" type="datetimeFigureOut">
               <a:rPr kumimoji="1" lang="zh-CN" altLang="en-US" smtClean="0"/>
-              <a:t>2024/7/7</a:t>
+              <a:t>2024/7/8</a:t>
             </a:fld>
             <a:endParaRPr kumimoji="1" lang="zh-CN" altLang="en-US"/>
           </a:p>
@@ -2845,7 +2846,7 @@
           <a:p>
             <a:fld id="{80B26E25-A30C-4F48-94C0-D22EAF05D14A}" type="datetimeFigureOut">
               <a:rPr kumimoji="1" lang="zh-CN" altLang="en-US" smtClean="0"/>
-              <a:t>2024/7/7</a:t>
+              <a:t>2024/7/8</a:t>
             </a:fld>
             <a:endParaRPr kumimoji="1" lang="zh-CN" altLang="en-US"/>
           </a:p>
@@ -3133,7 +3134,7 @@
           <a:p>
             <a:fld id="{80B26E25-A30C-4F48-94C0-D22EAF05D14A}" type="datetimeFigureOut">
               <a:rPr kumimoji="1" lang="zh-CN" altLang="en-US" smtClean="0"/>
-              <a:t>2024/7/7</a:t>
+              <a:t>2024/7/8</a:t>
             </a:fld>
             <a:endParaRPr kumimoji="1" lang="zh-CN" altLang="en-US"/>
           </a:p>
@@ -3374,7 +3375,7 @@
           <a:p>
             <a:fld id="{80B26E25-A30C-4F48-94C0-D22EAF05D14A}" type="datetimeFigureOut">
               <a:rPr kumimoji="1" lang="zh-CN" altLang="en-US" smtClean="0"/>
-              <a:t>2024/7/7</a:t>
+              <a:t>2024/7/8</a:t>
             </a:fld>
             <a:endParaRPr kumimoji="1" lang="zh-CN" altLang="en-US"/>
           </a:p>
@@ -12796,6 +12797,521 @@
           </p:sp>
         </mc:Fallback>
       </mc:AlternateContent>
+      <mc:AlternateContent xmlns:mc="http://schemas.openxmlformats.org/markup-compatibility/2006">
+        <mc:Choice xmlns:a14="http://schemas.microsoft.com/office/drawing/2010/main" Requires="a14">
+          <p:sp>
+            <p:nvSpPr>
+              <p:cNvPr id="3" name="文本框 2">
+                <a:extLst>
+                  <a:ext uri="{FF2B5EF4-FFF2-40B4-BE49-F238E27FC236}">
+                    <a16:creationId xmlns:a16="http://schemas.microsoft.com/office/drawing/2014/main" id="{698E45D9-1629-D240-85EE-2D7B02DBB2C5}"/>
+                  </a:ext>
+                </a:extLst>
+              </p:cNvPr>
+              <p:cNvSpPr txBox="1"/>
+              <p:nvPr/>
+            </p:nvSpPr>
+            <p:spPr>
+              <a:xfrm>
+                <a:off x="3287919" y="3007599"/>
+                <a:ext cx="232436" cy="276999"/>
+              </a:xfrm>
+              <a:prstGeom prst="rect">
+                <a:avLst/>
+              </a:prstGeom>
+              <a:noFill/>
+            </p:spPr>
+            <p:txBody>
+              <a:bodyPr wrap="none" lIns="0" tIns="0" rIns="0" bIns="0" rtlCol="0">
+                <a:spAutoFit/>
+              </a:bodyPr>
+              <a:lstStyle/>
+              <a:p>
+                <a:pPr/>
+                <a14:m>
+                  <m:oMathPara xmlns:m="http://schemas.openxmlformats.org/officeDocument/2006/math">
+                    <m:oMathParaPr>
+                      <m:jc m:val="centerGroup"/>
+                    </m:oMathParaPr>
+                    <m:oMath xmlns:m="http://schemas.openxmlformats.org/officeDocument/2006/math">
+                      <m:r>
+                        <a:rPr kumimoji="1" lang="en-US" altLang="zh-CN" b="1" i="1" smtClean="0">
+                          <a:solidFill>
+                            <a:srgbClr val="92D050"/>
+                          </a:solidFill>
+                          <a:latin typeface="Cambria Math" panose="02040503050406030204" pitchFamily="18" charset="0"/>
+                        </a:rPr>
+                        <m:t>𝑸</m:t>
+                      </m:r>
+                    </m:oMath>
+                  </m:oMathPara>
+                </a14:m>
+                <a:endParaRPr kumimoji="1" lang="zh-CN" altLang="en-US" b="1" i="1" dirty="0">
+                  <a:solidFill>
+                    <a:srgbClr val="92D050"/>
+                  </a:solidFill>
+                </a:endParaRPr>
+              </a:p>
+            </p:txBody>
+          </p:sp>
+        </mc:Choice>
+        <mc:Fallback>
+          <p:sp>
+            <p:nvSpPr>
+              <p:cNvPr id="3" name="文本框 2">
+                <a:extLst>
+                  <a:ext uri="{FF2B5EF4-FFF2-40B4-BE49-F238E27FC236}">
+                    <a16:creationId xmlns:a16="http://schemas.microsoft.com/office/drawing/2014/main" id="{698E45D9-1629-D240-85EE-2D7B02DBB2C5}"/>
+                  </a:ext>
+                </a:extLst>
+              </p:cNvPr>
+              <p:cNvSpPr txBox="1">
+                <a:spLocks noRot="1" noChangeAspect="1" noMove="1" noResize="1" noEditPoints="1" noAdjustHandles="1" noChangeArrowheads="1" noChangeShapeType="1" noTextEdit="1"/>
+              </p:cNvSpPr>
+              <p:nvPr/>
+            </p:nvSpPr>
+            <p:spPr>
+              <a:xfrm>
+                <a:off x="3287919" y="3007599"/>
+                <a:ext cx="232436" cy="276999"/>
+              </a:xfrm>
+              <a:prstGeom prst="rect">
+                <a:avLst/>
+              </a:prstGeom>
+              <a:blipFill>
+                <a:blip r:embed="rId56"/>
+                <a:stretch>
+                  <a:fillRect l="-26316" r="-31579" b="-26087"/>
+                </a:stretch>
+              </a:blipFill>
+            </p:spPr>
+            <p:txBody>
+              <a:bodyPr/>
+              <a:lstStyle/>
+              <a:p>
+                <a:r>
+                  <a:rPr lang="zh-CN" altLang="en-US">
+                    <a:noFill/>
+                  </a:rPr>
+                  <a:t> </a:t>
+                </a:r>
+              </a:p>
+            </p:txBody>
+          </p:sp>
+        </mc:Fallback>
+      </mc:AlternateContent>
+      <mc:AlternateContent xmlns:mc="http://schemas.openxmlformats.org/markup-compatibility/2006">
+        <mc:Choice xmlns:a14="http://schemas.microsoft.com/office/drawing/2010/main" Requires="a14">
+          <p:sp>
+            <p:nvSpPr>
+              <p:cNvPr id="4" name="文本框 3">
+                <a:extLst>
+                  <a:ext uri="{FF2B5EF4-FFF2-40B4-BE49-F238E27FC236}">
+                    <a16:creationId xmlns:a16="http://schemas.microsoft.com/office/drawing/2014/main" id="{BA50B857-DC39-E43E-9B16-52FB4BCABB5B}"/>
+                  </a:ext>
+                </a:extLst>
+              </p:cNvPr>
+              <p:cNvSpPr txBox="1"/>
+              <p:nvPr/>
+            </p:nvSpPr>
+            <p:spPr>
+              <a:xfrm>
+                <a:off x="4233974" y="3624294"/>
+                <a:ext cx="240450" cy="276999"/>
+              </a:xfrm>
+              <a:prstGeom prst="rect">
+                <a:avLst/>
+              </a:prstGeom>
+              <a:noFill/>
+            </p:spPr>
+            <p:txBody>
+              <a:bodyPr wrap="none" lIns="0" tIns="0" rIns="0" bIns="0" rtlCol="0">
+                <a:spAutoFit/>
+              </a:bodyPr>
+              <a:lstStyle/>
+              <a:p>
+                <a:pPr/>
+                <a14:m>
+                  <m:oMathPara xmlns:m="http://schemas.openxmlformats.org/officeDocument/2006/math">
+                    <m:oMathParaPr>
+                      <m:jc m:val="centerGroup"/>
+                    </m:oMathParaPr>
+                    <m:oMath xmlns:m="http://schemas.openxmlformats.org/officeDocument/2006/math">
+                      <m:r>
+                        <a:rPr kumimoji="1" lang="en-US" altLang="zh-CN" b="1" i="1" smtClean="0">
+                          <a:solidFill>
+                            <a:srgbClr val="92D050"/>
+                          </a:solidFill>
+                          <a:latin typeface="Cambria Math" panose="02040503050406030204" pitchFamily="18" charset="0"/>
+                        </a:rPr>
+                        <m:t>𝑲</m:t>
+                      </m:r>
+                    </m:oMath>
+                  </m:oMathPara>
+                </a14:m>
+                <a:endParaRPr kumimoji="1" lang="zh-CN" altLang="en-US" b="1" i="1" dirty="0">
+                  <a:solidFill>
+                    <a:srgbClr val="92D050"/>
+                  </a:solidFill>
+                </a:endParaRPr>
+              </a:p>
+            </p:txBody>
+          </p:sp>
+        </mc:Choice>
+        <mc:Fallback>
+          <p:sp>
+            <p:nvSpPr>
+              <p:cNvPr id="4" name="文本框 3">
+                <a:extLst>
+                  <a:ext uri="{FF2B5EF4-FFF2-40B4-BE49-F238E27FC236}">
+                    <a16:creationId xmlns:a16="http://schemas.microsoft.com/office/drawing/2014/main" id="{BA50B857-DC39-E43E-9B16-52FB4BCABB5B}"/>
+                  </a:ext>
+                </a:extLst>
+              </p:cNvPr>
+              <p:cNvSpPr txBox="1">
+                <a:spLocks noRot="1" noChangeAspect="1" noMove="1" noResize="1" noEditPoints="1" noAdjustHandles="1" noChangeArrowheads="1" noChangeShapeType="1" noTextEdit="1"/>
+              </p:cNvSpPr>
+              <p:nvPr/>
+            </p:nvSpPr>
+            <p:spPr>
+              <a:xfrm>
+                <a:off x="4233974" y="3624294"/>
+                <a:ext cx="240450" cy="276999"/>
+              </a:xfrm>
+              <a:prstGeom prst="rect">
+                <a:avLst/>
+              </a:prstGeom>
+              <a:blipFill>
+                <a:blip r:embed="rId57"/>
+                <a:stretch>
+                  <a:fillRect l="-20000" r="-20000" b="-4348"/>
+                </a:stretch>
+              </a:blipFill>
+            </p:spPr>
+            <p:txBody>
+              <a:bodyPr/>
+              <a:lstStyle/>
+              <a:p>
+                <a:r>
+                  <a:rPr lang="zh-CN" altLang="en-US">
+                    <a:noFill/>
+                  </a:rPr>
+                  <a:t> </a:t>
+                </a:r>
+              </a:p>
+            </p:txBody>
+          </p:sp>
+        </mc:Fallback>
+      </mc:AlternateContent>
+      <mc:AlternateContent xmlns:mc="http://schemas.openxmlformats.org/markup-compatibility/2006">
+        <mc:Choice xmlns:a14="http://schemas.microsoft.com/office/drawing/2010/main" Requires="a14">
+          <p:sp>
+            <p:nvSpPr>
+              <p:cNvPr id="5" name="文本框 4">
+                <a:extLst>
+                  <a:ext uri="{FF2B5EF4-FFF2-40B4-BE49-F238E27FC236}">
+                    <a16:creationId xmlns:a16="http://schemas.microsoft.com/office/drawing/2014/main" id="{D5EBCD08-EEA9-6FD0-214A-12A14E6EBB96}"/>
+                  </a:ext>
+                </a:extLst>
+              </p:cNvPr>
+              <p:cNvSpPr txBox="1"/>
+              <p:nvPr/>
+            </p:nvSpPr>
+            <p:spPr>
+              <a:xfrm>
+                <a:off x="5200618" y="3639164"/>
+                <a:ext cx="214098" cy="276999"/>
+              </a:xfrm>
+              <a:prstGeom prst="rect">
+                <a:avLst/>
+              </a:prstGeom>
+              <a:noFill/>
+            </p:spPr>
+            <p:txBody>
+              <a:bodyPr wrap="none" lIns="0" tIns="0" rIns="0" bIns="0" rtlCol="0">
+                <a:spAutoFit/>
+              </a:bodyPr>
+              <a:lstStyle/>
+              <a:p>
+                <a:pPr/>
+                <a14:m>
+                  <m:oMathPara xmlns:m="http://schemas.openxmlformats.org/officeDocument/2006/math">
+                    <m:oMathParaPr>
+                      <m:jc m:val="centerGroup"/>
+                    </m:oMathParaPr>
+                    <m:oMath xmlns:m="http://schemas.openxmlformats.org/officeDocument/2006/math">
+                      <m:r>
+                        <a:rPr kumimoji="1" lang="en-US" altLang="zh-CN" b="1" i="1" smtClean="0">
+                          <a:solidFill>
+                            <a:srgbClr val="92D050"/>
+                          </a:solidFill>
+                          <a:latin typeface="Cambria Math" panose="02040503050406030204" pitchFamily="18" charset="0"/>
+                        </a:rPr>
+                        <m:t>𝑽</m:t>
+                      </m:r>
+                    </m:oMath>
+                  </m:oMathPara>
+                </a14:m>
+                <a:endParaRPr kumimoji="1" lang="zh-CN" altLang="en-US" b="1" i="1" dirty="0">
+                  <a:solidFill>
+                    <a:srgbClr val="92D050"/>
+                  </a:solidFill>
+                </a:endParaRPr>
+              </a:p>
+            </p:txBody>
+          </p:sp>
+        </mc:Choice>
+        <mc:Fallback>
+          <p:sp>
+            <p:nvSpPr>
+              <p:cNvPr id="5" name="文本框 4">
+                <a:extLst>
+                  <a:ext uri="{FF2B5EF4-FFF2-40B4-BE49-F238E27FC236}">
+                    <a16:creationId xmlns:a16="http://schemas.microsoft.com/office/drawing/2014/main" id="{D5EBCD08-EEA9-6FD0-214A-12A14E6EBB96}"/>
+                  </a:ext>
+                </a:extLst>
+              </p:cNvPr>
+              <p:cNvSpPr txBox="1">
+                <a:spLocks noRot="1" noChangeAspect="1" noMove="1" noResize="1" noEditPoints="1" noAdjustHandles="1" noChangeArrowheads="1" noChangeShapeType="1" noTextEdit="1"/>
+              </p:cNvSpPr>
+              <p:nvPr/>
+            </p:nvSpPr>
+            <p:spPr>
+              <a:xfrm>
+                <a:off x="5200618" y="3639164"/>
+                <a:ext cx="214098" cy="276999"/>
+              </a:xfrm>
+              <a:prstGeom prst="rect">
+                <a:avLst/>
+              </a:prstGeom>
+              <a:blipFill>
+                <a:blip r:embed="rId58"/>
+                <a:stretch>
+                  <a:fillRect l="-22222" r="-22222" b="-4348"/>
+                </a:stretch>
+              </a:blipFill>
+            </p:spPr>
+            <p:txBody>
+              <a:bodyPr/>
+              <a:lstStyle/>
+              <a:p>
+                <a:r>
+                  <a:rPr lang="zh-CN" altLang="en-US">
+                    <a:noFill/>
+                  </a:rPr>
+                  <a:t> </a:t>
+                </a:r>
+              </a:p>
+            </p:txBody>
+          </p:sp>
+        </mc:Fallback>
+      </mc:AlternateContent>
+      <mc:AlternateContent xmlns:mc="http://schemas.openxmlformats.org/markup-compatibility/2006">
+        <mc:Choice xmlns:a14="http://schemas.microsoft.com/office/drawing/2010/main" Requires="a14">
+          <p:sp>
+            <p:nvSpPr>
+              <p:cNvPr id="6" name="文本框 5">
+                <a:extLst>
+                  <a:ext uri="{FF2B5EF4-FFF2-40B4-BE49-F238E27FC236}">
+                    <a16:creationId xmlns:a16="http://schemas.microsoft.com/office/drawing/2014/main" id="{2A48BAFE-43E1-1272-C83E-311F998A034A}"/>
+                  </a:ext>
+                </a:extLst>
+              </p:cNvPr>
+              <p:cNvSpPr txBox="1"/>
+              <p:nvPr/>
+            </p:nvSpPr>
+            <p:spPr>
+              <a:xfrm>
+                <a:off x="6270063" y="3074133"/>
+                <a:ext cx="218521" cy="276999"/>
+              </a:xfrm>
+              <a:prstGeom prst="rect">
+                <a:avLst/>
+              </a:prstGeom>
+              <a:noFill/>
+            </p:spPr>
+            <p:txBody>
+              <a:bodyPr wrap="none" lIns="0" tIns="0" rIns="0" bIns="0" rtlCol="0">
+                <a:spAutoFit/>
+              </a:bodyPr>
+              <a:lstStyle/>
+              <a:p>
+                <a:pPr/>
+                <a14:m>
+                  <m:oMathPara xmlns:m="http://schemas.openxmlformats.org/officeDocument/2006/math">
+                    <m:oMathParaPr>
+                      <m:jc m:val="centerGroup"/>
+                    </m:oMathParaPr>
+                    <m:oMath xmlns:m="http://schemas.openxmlformats.org/officeDocument/2006/math">
+                      <m:r>
+                        <a:rPr kumimoji="1" lang="en-US" altLang="zh-CN" b="1" i="1" smtClean="0">
+                          <a:solidFill>
+                            <a:srgbClr val="92D050"/>
+                          </a:solidFill>
+                          <a:latin typeface="Cambria Math" panose="02040503050406030204" pitchFamily="18" charset="0"/>
+                        </a:rPr>
+                        <m:t>𝑮</m:t>
+                      </m:r>
+                    </m:oMath>
+                  </m:oMathPara>
+                </a14:m>
+                <a:endParaRPr kumimoji="1" lang="zh-CN" altLang="en-US" b="1" i="1" dirty="0">
+                  <a:solidFill>
+                    <a:srgbClr val="92D050"/>
+                  </a:solidFill>
+                </a:endParaRPr>
+              </a:p>
+            </p:txBody>
+          </p:sp>
+        </mc:Choice>
+        <mc:Fallback>
+          <p:sp>
+            <p:nvSpPr>
+              <p:cNvPr id="6" name="文本框 5">
+                <a:extLst>
+                  <a:ext uri="{FF2B5EF4-FFF2-40B4-BE49-F238E27FC236}">
+                    <a16:creationId xmlns:a16="http://schemas.microsoft.com/office/drawing/2014/main" id="{2A48BAFE-43E1-1272-C83E-311F998A034A}"/>
+                  </a:ext>
+                </a:extLst>
+              </p:cNvPr>
+              <p:cNvSpPr txBox="1">
+                <a:spLocks noRot="1" noChangeAspect="1" noMove="1" noResize="1" noEditPoints="1" noAdjustHandles="1" noChangeArrowheads="1" noChangeShapeType="1" noTextEdit="1"/>
+              </p:cNvSpPr>
+              <p:nvPr/>
+            </p:nvSpPr>
+            <p:spPr>
+              <a:xfrm>
+                <a:off x="6270063" y="3074133"/>
+                <a:ext cx="218521" cy="276999"/>
+              </a:xfrm>
+              <a:prstGeom prst="rect">
+                <a:avLst/>
+              </a:prstGeom>
+              <a:blipFill>
+                <a:blip r:embed="rId59"/>
+                <a:stretch>
+                  <a:fillRect l="-16667" r="-22222" b="-8696"/>
+                </a:stretch>
+              </a:blipFill>
+            </p:spPr>
+            <p:txBody>
+              <a:bodyPr/>
+              <a:lstStyle/>
+              <a:p>
+                <a:r>
+                  <a:rPr lang="zh-CN" altLang="en-US">
+                    <a:noFill/>
+                  </a:rPr>
+                  <a:t> </a:t>
+                </a:r>
+              </a:p>
+            </p:txBody>
+          </p:sp>
+        </mc:Fallback>
+      </mc:AlternateContent>
+      <mc:AlternateContent xmlns:mc="http://schemas.openxmlformats.org/markup-compatibility/2006">
+        <mc:Choice xmlns:a14="http://schemas.microsoft.com/office/drawing/2010/main" Requires="a14">
+          <p:sp>
+            <p:nvSpPr>
+              <p:cNvPr id="7" name="文本框 6">
+                <a:extLst>
+                  <a:ext uri="{FF2B5EF4-FFF2-40B4-BE49-F238E27FC236}">
+                    <a16:creationId xmlns:a16="http://schemas.microsoft.com/office/drawing/2014/main" id="{E9288E1F-3773-400B-5F56-49658E913E25}"/>
+                  </a:ext>
+                </a:extLst>
+              </p:cNvPr>
+              <p:cNvSpPr txBox="1"/>
+              <p:nvPr/>
+            </p:nvSpPr>
+            <p:spPr>
+              <a:xfrm>
+                <a:off x="5559166" y="2233933"/>
+                <a:ext cx="232435" cy="276999"/>
+              </a:xfrm>
+              <a:prstGeom prst="rect">
+                <a:avLst/>
+              </a:prstGeom>
+              <a:noFill/>
+            </p:spPr>
+            <p:txBody>
+              <a:bodyPr wrap="none" lIns="0" tIns="0" rIns="0" bIns="0" rtlCol="0">
+                <a:spAutoFit/>
+              </a:bodyPr>
+              <a:lstStyle/>
+              <a:p>
+                <a:pPr/>
+                <a14:m>
+                  <m:oMathPara xmlns:m="http://schemas.openxmlformats.org/officeDocument/2006/math">
+                    <m:oMathParaPr>
+                      <m:jc m:val="centerGroup"/>
+                    </m:oMathParaPr>
+                    <m:oMath xmlns:m="http://schemas.openxmlformats.org/officeDocument/2006/math">
+                      <m:r>
+                        <a:rPr kumimoji="1" lang="en-US" altLang="zh-CN" b="1" i="1" smtClean="0">
+                          <a:solidFill>
+                            <a:srgbClr val="92D050"/>
+                          </a:solidFill>
+                          <a:latin typeface="Cambria Math" panose="02040503050406030204" pitchFamily="18" charset="0"/>
+                        </a:rPr>
+                        <m:t>𝑶</m:t>
+                      </m:r>
+                    </m:oMath>
+                  </m:oMathPara>
+                </a14:m>
+                <a:endParaRPr kumimoji="1" lang="zh-CN" altLang="en-US" b="1" i="1" dirty="0">
+                  <a:solidFill>
+                    <a:srgbClr val="92D050"/>
+                  </a:solidFill>
+                </a:endParaRPr>
+              </a:p>
+            </p:txBody>
+          </p:sp>
+        </mc:Choice>
+        <mc:Fallback>
+          <p:sp>
+            <p:nvSpPr>
+              <p:cNvPr id="7" name="文本框 6">
+                <a:extLst>
+                  <a:ext uri="{FF2B5EF4-FFF2-40B4-BE49-F238E27FC236}">
+                    <a16:creationId xmlns:a16="http://schemas.microsoft.com/office/drawing/2014/main" id="{E9288E1F-3773-400B-5F56-49658E913E25}"/>
+                  </a:ext>
+                </a:extLst>
+              </p:cNvPr>
+              <p:cNvSpPr txBox="1">
+                <a:spLocks noRot="1" noChangeAspect="1" noMove="1" noResize="1" noEditPoints="1" noAdjustHandles="1" noChangeArrowheads="1" noChangeShapeType="1" noTextEdit="1"/>
+              </p:cNvSpPr>
+              <p:nvPr/>
+            </p:nvSpPr>
+            <p:spPr>
+              <a:xfrm>
+                <a:off x="5559166" y="2233933"/>
+                <a:ext cx="232435" cy="276999"/>
+              </a:xfrm>
+              <a:prstGeom prst="rect">
+                <a:avLst/>
+              </a:prstGeom>
+              <a:blipFill>
+                <a:blip r:embed="rId60"/>
+                <a:stretch>
+                  <a:fillRect l="-20000" r="-15000" b="-8696"/>
+                </a:stretch>
+              </a:blipFill>
+            </p:spPr>
+            <p:txBody>
+              <a:bodyPr/>
+              <a:lstStyle/>
+              <a:p>
+                <a:r>
+                  <a:rPr lang="zh-CN" altLang="en-US">
+                    <a:noFill/>
+                  </a:rPr>
+                  <a:t> </a:t>
+                </a:r>
+              </a:p>
+            </p:txBody>
+          </p:sp>
+        </mc:Fallback>
+      </mc:AlternateContent>
     </p:spTree>
     <p:extLst>
       <p:ext uri="{BB962C8B-B14F-4D97-AF65-F5344CB8AC3E}">
@@ -13840,8 +14356,8 @@
           </p:sp>
         </mc:Fallback>
       </mc:AlternateContent>
-      <mc:AlternateContent xmlns:mc="http://schemas.openxmlformats.org/markup-compatibility/2006">
-        <mc:Choice xmlns:a14="http://schemas.microsoft.com/office/drawing/2010/main" Requires="a14">
+      <mc:AlternateContent xmlns:mc="http://schemas.openxmlformats.org/markup-compatibility/2006" xmlns:a14="http://schemas.microsoft.com/office/drawing/2010/main">
+        <mc:Choice Requires="a14">
           <p:sp>
             <p:nvSpPr>
               <p:cNvPr id="14" name="文本框 13">
@@ -13916,7 +14432,7 @@
             </p:txBody>
           </p:sp>
         </mc:Choice>
-        <mc:Fallback>
+        <mc:Fallback xmlns="">
           <p:sp>
             <p:nvSpPr>
               <p:cNvPr id="14" name="文本框 13">
@@ -14093,8 +14609,8 @@
           </a:p>
         </p:txBody>
       </p:sp>
-      <mc:AlternateContent xmlns:mc="http://schemas.openxmlformats.org/markup-compatibility/2006">
-        <mc:Choice xmlns:a14="http://schemas.microsoft.com/office/drawing/2010/main" Requires="a14">
+      <mc:AlternateContent xmlns:mc="http://schemas.openxmlformats.org/markup-compatibility/2006" xmlns:a14="http://schemas.microsoft.com/office/drawing/2010/main">
+        <mc:Choice Requires="a14">
           <p:sp>
             <p:nvSpPr>
               <p:cNvPr id="12" name="矩形 11">
@@ -14208,7 +14724,7 @@
             </p:txBody>
           </p:sp>
         </mc:Choice>
-        <mc:Fallback>
+        <mc:Fallback xmlns="">
           <p:sp>
             <p:nvSpPr>
               <p:cNvPr id="12" name="矩形 11">
@@ -14261,8 +14777,8 @@
           </p:sp>
         </mc:Fallback>
       </mc:AlternateContent>
-      <mc:AlternateContent xmlns:mc="http://schemas.openxmlformats.org/markup-compatibility/2006">
-        <mc:Choice xmlns:a14="http://schemas.microsoft.com/office/drawing/2010/main" Requires="a14">
+      <mc:AlternateContent xmlns:mc="http://schemas.openxmlformats.org/markup-compatibility/2006" xmlns:a14="http://schemas.microsoft.com/office/drawing/2010/main">
+        <mc:Choice Requires="a14">
           <p:sp>
             <p:nvSpPr>
               <p:cNvPr id="13" name="文本框 12">
@@ -14337,7 +14853,7 @@
             </p:txBody>
           </p:sp>
         </mc:Choice>
-        <mc:Fallback>
+        <mc:Fallback xmlns="">
           <p:sp>
             <p:nvSpPr>
               <p:cNvPr id="13" name="文本框 12">
@@ -14382,8 +14898,8 @@
           </p:sp>
         </mc:Fallback>
       </mc:AlternateContent>
-      <mc:AlternateContent xmlns:mc="http://schemas.openxmlformats.org/markup-compatibility/2006">
-        <mc:Choice xmlns:a14="http://schemas.microsoft.com/office/drawing/2010/main" Requires="a14">
+      <mc:AlternateContent xmlns:mc="http://schemas.openxmlformats.org/markup-compatibility/2006" xmlns:a14="http://schemas.microsoft.com/office/drawing/2010/main">
+        <mc:Choice Requires="a14">
           <p:sp>
             <p:nvSpPr>
               <p:cNvPr id="15" name="矩形 14">
@@ -14507,7 +15023,7 @@
             </p:txBody>
           </p:sp>
         </mc:Choice>
-        <mc:Fallback>
+        <mc:Fallback xmlns="">
           <p:sp>
             <p:nvSpPr>
               <p:cNvPr id="15" name="矩形 14">
@@ -14560,8 +15076,8 @@
           </p:sp>
         </mc:Fallback>
       </mc:AlternateContent>
-      <mc:AlternateContent xmlns:mc="http://schemas.openxmlformats.org/markup-compatibility/2006">
-        <mc:Choice xmlns:a14="http://schemas.microsoft.com/office/drawing/2010/main" Requires="a14">
+      <mc:AlternateContent xmlns:mc="http://schemas.openxmlformats.org/markup-compatibility/2006" xmlns:a14="http://schemas.microsoft.com/office/drawing/2010/main">
+        <mc:Choice Requires="a14">
           <p:sp>
             <p:nvSpPr>
               <p:cNvPr id="20" name="矩形 19">
@@ -14684,7 +15200,7 @@
             </p:txBody>
           </p:sp>
         </mc:Choice>
-        <mc:Fallback>
+        <mc:Fallback xmlns="">
           <p:sp>
             <p:nvSpPr>
               <p:cNvPr id="20" name="矩形 19">
@@ -14737,8 +15253,8 @@
           </p:sp>
         </mc:Fallback>
       </mc:AlternateContent>
-      <mc:AlternateContent xmlns:mc="http://schemas.openxmlformats.org/markup-compatibility/2006">
-        <mc:Choice xmlns:a14="http://schemas.microsoft.com/office/drawing/2010/main" Requires="a14">
+      <mc:AlternateContent xmlns:mc="http://schemas.openxmlformats.org/markup-compatibility/2006" xmlns:a14="http://schemas.microsoft.com/office/drawing/2010/main">
+        <mc:Choice Requires="a14">
           <p:sp>
             <p:nvSpPr>
               <p:cNvPr id="21" name="文本框 20">
@@ -14795,7 +15311,7 @@
             </p:txBody>
           </p:sp>
         </mc:Choice>
-        <mc:Fallback>
+        <mc:Fallback xmlns="">
           <p:sp>
             <p:nvSpPr>
               <p:cNvPr id="21" name="文本框 20">
@@ -14840,8 +15356,8 @@
           </p:sp>
         </mc:Fallback>
       </mc:AlternateContent>
-      <mc:AlternateContent xmlns:mc="http://schemas.openxmlformats.org/markup-compatibility/2006">
-        <mc:Choice xmlns:a14="http://schemas.microsoft.com/office/drawing/2010/main" Requires="a14">
+      <mc:AlternateContent xmlns:mc="http://schemas.openxmlformats.org/markup-compatibility/2006" xmlns:a14="http://schemas.microsoft.com/office/drawing/2010/main">
+        <mc:Choice Requires="a14">
           <p:sp>
             <p:nvSpPr>
               <p:cNvPr id="22" name="文本框 21">
@@ -14891,7 +15407,7 @@
             </p:txBody>
           </p:sp>
         </mc:Choice>
-        <mc:Fallback>
+        <mc:Fallback xmlns="">
           <p:sp>
             <p:nvSpPr>
               <p:cNvPr id="22" name="文本框 21">
@@ -14999,8 +15515,8 @@
           </a:p>
         </p:txBody>
       </p:sp>
-      <mc:AlternateContent xmlns:mc="http://schemas.openxmlformats.org/markup-compatibility/2006">
-        <mc:Choice xmlns:a14="http://schemas.microsoft.com/office/drawing/2010/main" Requires="a14">
+      <mc:AlternateContent xmlns:mc="http://schemas.openxmlformats.org/markup-compatibility/2006" xmlns:a14="http://schemas.microsoft.com/office/drawing/2010/main">
+        <mc:Choice Requires="a14">
           <p:sp>
             <p:nvSpPr>
               <p:cNvPr id="25" name="文本框 24">
@@ -15075,7 +15591,7 @@
             </p:txBody>
           </p:sp>
         </mc:Choice>
-        <mc:Fallback>
+        <mc:Fallback xmlns="">
           <p:sp>
             <p:nvSpPr>
               <p:cNvPr id="25" name="文本框 24">
@@ -15120,8 +15636,8 @@
           </p:sp>
         </mc:Fallback>
       </mc:AlternateContent>
-      <mc:AlternateContent xmlns:mc="http://schemas.openxmlformats.org/markup-compatibility/2006">
-        <mc:Choice xmlns:a14="http://schemas.microsoft.com/office/drawing/2010/main" Requires="a14">
+      <mc:AlternateContent xmlns:mc="http://schemas.openxmlformats.org/markup-compatibility/2006" xmlns:a14="http://schemas.microsoft.com/office/drawing/2010/main">
+        <mc:Choice Requires="a14">
           <p:sp>
             <p:nvSpPr>
               <p:cNvPr id="26" name="文本框 25">
@@ -15178,7 +15694,7 @@
             </p:txBody>
           </p:sp>
         </mc:Choice>
-        <mc:Fallback>
+        <mc:Fallback xmlns="">
           <p:sp>
             <p:nvSpPr>
               <p:cNvPr id="26" name="文本框 25">
@@ -15337,8 +15853,8 @@
           </a:p>
         </p:txBody>
       </p:sp>
-      <mc:AlternateContent xmlns:mc="http://schemas.openxmlformats.org/markup-compatibility/2006">
-        <mc:Choice xmlns:a14="http://schemas.microsoft.com/office/drawing/2010/main" Requires="a14">
+      <mc:AlternateContent xmlns:mc="http://schemas.openxmlformats.org/markup-compatibility/2006" xmlns:a14="http://schemas.microsoft.com/office/drawing/2010/main">
+        <mc:Choice Requires="a14">
           <p:sp>
             <p:nvSpPr>
               <p:cNvPr id="31" name="文本框 30">
@@ -15413,7 +15929,7 @@
             </p:txBody>
           </p:sp>
         </mc:Choice>
-        <mc:Fallback>
+        <mc:Fallback xmlns="">
           <p:sp>
             <p:nvSpPr>
               <p:cNvPr id="31" name="文本框 30">
@@ -15458,8 +15974,8 @@
           </p:sp>
         </mc:Fallback>
       </mc:AlternateContent>
-      <mc:AlternateContent xmlns:mc="http://schemas.openxmlformats.org/markup-compatibility/2006">
-        <mc:Choice xmlns:a14="http://schemas.microsoft.com/office/drawing/2010/main" Requires="a14">
+      <mc:AlternateContent xmlns:mc="http://schemas.openxmlformats.org/markup-compatibility/2006" xmlns:a14="http://schemas.microsoft.com/office/drawing/2010/main">
+        <mc:Choice Requires="a14">
           <p:sp>
             <p:nvSpPr>
               <p:cNvPr id="32" name="文本框 31">
@@ -15509,7 +16025,7 @@
             </p:txBody>
           </p:sp>
         </mc:Choice>
-        <mc:Fallback>
+        <mc:Fallback xmlns="">
           <p:sp>
             <p:nvSpPr>
               <p:cNvPr id="32" name="文本框 31">
@@ -15682,8 +16198,8 @@
           </a:fontRef>
         </p:style>
       </p:cxnSp>
-      <mc:AlternateContent xmlns:mc="http://schemas.openxmlformats.org/markup-compatibility/2006">
-        <mc:Choice xmlns:a14="http://schemas.microsoft.com/office/drawing/2010/main" Requires="a14">
+      <mc:AlternateContent xmlns:mc="http://schemas.openxmlformats.org/markup-compatibility/2006" xmlns:a14="http://schemas.microsoft.com/office/drawing/2010/main">
+        <mc:Choice Requires="a14">
           <p:sp>
             <p:nvSpPr>
               <p:cNvPr id="38" name="文本框 37">
@@ -15800,7 +16316,7 @@
             </p:txBody>
           </p:sp>
         </mc:Choice>
-        <mc:Fallback>
+        <mc:Fallback xmlns="">
           <p:sp>
             <p:nvSpPr>
               <p:cNvPr id="38" name="文本框 37">
@@ -16039,241 +16555,8 @@
           <a:chExt cx="0" cy="0"/>
         </a:xfrm>
       </p:grpSpPr>
-      <p:sp>
-        <p:nvSpPr>
-          <p:cNvPr id="3" name="矩形 2">
-            <a:extLst>
-              <a:ext uri="{FF2B5EF4-FFF2-40B4-BE49-F238E27FC236}">
-                <a16:creationId xmlns:a16="http://schemas.microsoft.com/office/drawing/2014/main" id="{FFC35E10-2074-2F46-CBD7-012388756DB0}"/>
-              </a:ext>
-            </a:extLst>
-          </p:cNvPr>
-          <p:cNvSpPr/>
-          <p:nvPr/>
-        </p:nvSpPr>
-        <p:spPr>
-          <a:xfrm>
-            <a:off x="1755321" y="1134836"/>
-            <a:ext cx="2669722" cy="2620736"/>
-          </a:xfrm>
-          <a:prstGeom prst="rect">
-            <a:avLst/>
-          </a:prstGeom>
-          <a:noFill/>
-        </p:spPr>
-        <p:style>
-          <a:lnRef idx="2">
-            <a:schemeClr val="accent1">
-              <a:shade val="15000"/>
-            </a:schemeClr>
-          </a:lnRef>
-          <a:fillRef idx="1">
-            <a:schemeClr val="accent1"/>
-          </a:fillRef>
-          <a:effectRef idx="0">
-            <a:schemeClr val="accent1"/>
-          </a:effectRef>
-          <a:fontRef idx="minor">
-            <a:schemeClr val="lt1"/>
-          </a:fontRef>
-        </p:style>
-        <p:txBody>
-          <a:bodyPr rtlCol="0" anchor="ctr"/>
-          <a:lstStyle/>
-          <a:p>
-            <a:pPr algn="ctr"/>
-            <a:endParaRPr kumimoji="1" lang="zh-CN" altLang="en-US"/>
-          </a:p>
-        </p:txBody>
-      </p:sp>
-      <p:cxnSp>
-        <p:nvCxnSpPr>
-          <p:cNvPr id="10" name="直线箭头连接符 9">
-            <a:extLst>
-              <a:ext uri="{FF2B5EF4-FFF2-40B4-BE49-F238E27FC236}">
-                <a16:creationId xmlns:a16="http://schemas.microsoft.com/office/drawing/2014/main" id="{362B52DA-EA31-5C22-3037-DA99A46FAA79}"/>
-              </a:ext>
-            </a:extLst>
-          </p:cNvPr>
-          <p:cNvCxnSpPr>
-            <a:cxnSpLocks/>
-          </p:cNvCxnSpPr>
-          <p:nvPr/>
-        </p:nvCxnSpPr>
-        <p:spPr>
-          <a:xfrm>
-            <a:off x="1653263" y="1126671"/>
-            <a:ext cx="0" cy="2628901"/>
-          </a:xfrm>
-          <a:prstGeom prst="straightConnector1">
-            <a:avLst/>
-          </a:prstGeom>
-          <a:ln>
-            <a:solidFill>
-              <a:schemeClr val="tx1"/>
-            </a:solidFill>
-            <a:headEnd type="triangle" w="lg" len="lg"/>
-            <a:tailEnd type="triangle" w="lg" len="lg"/>
-          </a:ln>
-        </p:spPr>
-        <p:style>
-          <a:lnRef idx="2">
-            <a:schemeClr val="accent1"/>
-          </a:lnRef>
-          <a:fillRef idx="0">
-            <a:schemeClr val="accent1"/>
-          </a:fillRef>
-          <a:effectRef idx="1">
-            <a:schemeClr val="accent1"/>
-          </a:effectRef>
-          <a:fontRef idx="minor">
-            <a:schemeClr val="tx1"/>
-          </a:fontRef>
-        </p:style>
-      </p:cxnSp>
-      <mc:AlternateContent xmlns:mc="http://schemas.openxmlformats.org/markup-compatibility/2006" xmlns:a14="http://schemas.microsoft.com/office/drawing/2010/main">
-        <mc:Choice Requires="a14">
-          <p:sp>
-            <p:nvSpPr>
-              <p:cNvPr id="34" name="文本框 33">
-                <a:extLst>
-                  <a:ext uri="{FF2B5EF4-FFF2-40B4-BE49-F238E27FC236}">
-                    <a16:creationId xmlns:a16="http://schemas.microsoft.com/office/drawing/2014/main" id="{65B15AE5-76E4-CD3A-EF15-56E471B92267}"/>
-                  </a:ext>
-                </a:extLst>
-              </p:cNvPr>
-              <p:cNvSpPr txBox="1"/>
-              <p:nvPr/>
-            </p:nvSpPr>
-            <p:spPr>
-              <a:xfrm>
-                <a:off x="1378883" y="3143836"/>
-                <a:ext cx="190693" cy="276999"/>
-              </a:xfrm>
-              <a:prstGeom prst="rect">
-                <a:avLst/>
-              </a:prstGeom>
-              <a:noFill/>
-            </p:spPr>
-            <p:txBody>
-              <a:bodyPr wrap="none" lIns="0" tIns="0" rIns="0" bIns="0" rtlCol="0">
-                <a:spAutoFit/>
-              </a:bodyPr>
-              <a:lstStyle/>
-              <a:p>
-                <a:pPr/>
-                <a14:m>
-                  <m:oMathPara xmlns:m="http://schemas.openxmlformats.org/officeDocument/2006/math">
-                    <m:oMathParaPr>
-                      <m:jc m:val="centerGroup"/>
-                    </m:oMathParaPr>
-                    <m:oMath xmlns:m="http://schemas.openxmlformats.org/officeDocument/2006/math">
-                      <m:r>
-                        <a:rPr kumimoji="1" lang="en-US" altLang="zh-CN" i="1" smtClean="0">
-                          <a:latin typeface="Cambria Math" panose="02040503050406030204" pitchFamily="18" charset="0"/>
-                        </a:rPr>
-                        <m:t>𝐿</m:t>
-                      </m:r>
-                    </m:oMath>
-                  </m:oMathPara>
-                </a14:m>
-                <a:endParaRPr kumimoji="1" lang="zh-CN" altLang="en-US" i="1" dirty="0"/>
-              </a:p>
-            </p:txBody>
-          </p:sp>
-        </mc:Choice>
-        <mc:Fallback xmlns="">
-          <p:sp>
-            <p:nvSpPr>
-              <p:cNvPr id="34" name="文本框 33">
-                <a:extLst>
-                  <a:ext uri="{FF2B5EF4-FFF2-40B4-BE49-F238E27FC236}">
-                    <a16:creationId xmlns:a16="http://schemas.microsoft.com/office/drawing/2014/main" id="{65B15AE5-76E4-CD3A-EF15-56E471B92267}"/>
-                  </a:ext>
-                </a:extLst>
-              </p:cNvPr>
-              <p:cNvSpPr txBox="1">
-                <a:spLocks noRot="1" noChangeAspect="1" noMove="1" noResize="1" noEditPoints="1" noAdjustHandles="1" noChangeArrowheads="1" noChangeShapeType="1" noTextEdit="1"/>
-              </p:cNvSpPr>
-              <p:nvPr/>
-            </p:nvSpPr>
-            <p:spPr>
-              <a:xfrm>
-                <a:off x="1378883" y="3143836"/>
-                <a:ext cx="190693" cy="276999"/>
-              </a:xfrm>
-              <a:prstGeom prst="rect">
-                <a:avLst/>
-              </a:prstGeom>
-              <a:blipFill>
-                <a:blip r:embed="rId2"/>
-                <a:stretch>
-                  <a:fillRect l="-25000" r="-18750" b="-4348"/>
-                </a:stretch>
-              </a:blipFill>
-            </p:spPr>
-            <p:txBody>
-              <a:bodyPr/>
-              <a:lstStyle/>
-              <a:p>
-                <a:r>
-                  <a:rPr lang="zh-CN" altLang="en-US">
-                    <a:noFill/>
-                  </a:rPr>
-                  <a:t> </a:t>
-                </a:r>
-              </a:p>
-            </p:txBody>
-          </p:sp>
-        </mc:Fallback>
-      </mc:AlternateContent>
-      <p:cxnSp>
-        <p:nvCxnSpPr>
-          <p:cNvPr id="40" name="直线箭头连接符 39">
-            <a:extLst>
-              <a:ext uri="{FF2B5EF4-FFF2-40B4-BE49-F238E27FC236}">
-                <a16:creationId xmlns:a16="http://schemas.microsoft.com/office/drawing/2014/main" id="{FC33C127-38C3-A4A4-B63E-8F27A6252E9A}"/>
-              </a:ext>
-            </a:extLst>
-          </p:cNvPr>
-          <p:cNvCxnSpPr>
-            <a:cxnSpLocks/>
-          </p:cNvCxnSpPr>
-          <p:nvPr/>
-        </p:nvCxnSpPr>
-        <p:spPr>
-          <a:xfrm flipH="1">
-            <a:off x="1736951" y="3854676"/>
-            <a:ext cx="2669722" cy="0"/>
-          </a:xfrm>
-          <a:prstGeom prst="straightConnector1">
-            <a:avLst/>
-          </a:prstGeom>
-          <a:ln>
-            <a:solidFill>
-              <a:schemeClr val="tx1"/>
-            </a:solidFill>
-            <a:headEnd type="triangle" w="lg" len="lg"/>
-            <a:tailEnd type="triangle" w="lg" len="lg"/>
-          </a:ln>
-        </p:spPr>
-        <p:style>
-          <a:lnRef idx="2">
-            <a:schemeClr val="accent1"/>
-          </a:lnRef>
-          <a:fillRef idx="0">
-            <a:schemeClr val="accent1"/>
-          </a:fillRef>
-          <a:effectRef idx="1">
-            <a:schemeClr val="accent1"/>
-          </a:effectRef>
-          <a:fontRef idx="minor">
-            <a:schemeClr val="tx1"/>
-          </a:fontRef>
-        </p:style>
-      </p:cxnSp>
-      <mc:AlternateContent xmlns:mc="http://schemas.openxmlformats.org/markup-compatibility/2006" xmlns:a14="http://schemas.microsoft.com/office/drawing/2010/main">
-        <mc:Choice Requires="a14">
+      <mc:AlternateContent xmlns:mc="http://schemas.openxmlformats.org/markup-compatibility/2006">
+        <mc:Choice xmlns:a14="http://schemas.microsoft.com/office/drawing/2010/main" Requires="a14">
           <p:sp>
             <p:nvSpPr>
               <p:cNvPr id="42" name="文本框 41">
@@ -16288,7 +16571,7 @@
             </p:nvSpPr>
             <p:spPr>
               <a:xfrm>
-                <a:off x="2881119" y="3921873"/>
+                <a:off x="1957184" y="2569604"/>
                 <a:ext cx="427361" cy="298415"/>
               </a:xfrm>
               <a:prstGeom prst="rect">
@@ -16342,7 +16625,7 @@
             </p:txBody>
           </p:sp>
         </mc:Choice>
-        <mc:Fallback xmlns="">
+        <mc:Fallback>
           <p:sp>
             <p:nvSpPr>
               <p:cNvPr id="42" name="文本框 41">
@@ -16359,16 +16642,16 @@
             </p:nvSpPr>
             <p:spPr>
               <a:xfrm>
-                <a:off x="2881119" y="3921873"/>
+                <a:off x="1957184" y="2569604"/>
                 <a:ext cx="427361" cy="298415"/>
               </a:xfrm>
               <a:prstGeom prst="rect">
                 <a:avLst/>
               </a:prstGeom>
               <a:blipFill>
-                <a:blip r:embed="rId3"/>
+                <a:blip r:embed="rId2"/>
                 <a:stretch>
-                  <a:fillRect l="-11765" r="-5882" b="-24000"/>
+                  <a:fillRect l="-11765" r="-5882" b="-25000"/>
                 </a:stretch>
               </a:blipFill>
             </p:spPr>
@@ -16389,10 +16672,10 @@
       </mc:AlternateContent>
       <p:sp>
         <p:nvSpPr>
-          <p:cNvPr id="46" name="矩形 45">
+          <p:cNvPr id="2" name="矩形 1">
             <a:extLst>
               <a:ext uri="{FF2B5EF4-FFF2-40B4-BE49-F238E27FC236}">
-                <a16:creationId xmlns:a16="http://schemas.microsoft.com/office/drawing/2014/main" id="{1D8F644F-5B86-9E68-8B98-00E664AAABEF}"/>
+                <a16:creationId xmlns:a16="http://schemas.microsoft.com/office/drawing/2014/main" id="{2DE380CC-1387-C998-A609-D222CD878C55}"/>
               </a:ext>
             </a:extLst>
           </p:cNvPr>
@@ -16401,14 +16684,63 @@
         </p:nvSpPr>
         <p:spPr>
           <a:xfrm>
-            <a:off x="1755321" y="1134835"/>
-            <a:ext cx="1208312" cy="302078"/>
+            <a:off x="2372303" y="2511379"/>
+            <a:ext cx="3526847" cy="1244291"/>
           </a:xfrm>
           <a:prstGeom prst="rect">
             <a:avLst/>
           </a:prstGeom>
           <a:solidFill>
-            <a:schemeClr val="accent6">
+            <a:schemeClr val="bg1"/>
+          </a:solidFill>
+        </p:spPr>
+        <p:style>
+          <a:lnRef idx="2">
+            <a:schemeClr val="accent1">
+              <a:shade val="15000"/>
+            </a:schemeClr>
+          </a:lnRef>
+          <a:fillRef idx="1">
+            <a:schemeClr val="accent1"/>
+          </a:fillRef>
+          <a:effectRef idx="0">
+            <a:schemeClr val="accent1"/>
+          </a:effectRef>
+          <a:fontRef idx="minor">
+            <a:schemeClr val="lt1"/>
+          </a:fontRef>
+        </p:style>
+        <p:txBody>
+          <a:bodyPr rtlCol="0" anchor="ctr"/>
+          <a:lstStyle/>
+          <a:p>
+            <a:pPr algn="ctr"/>
+            <a:endParaRPr kumimoji="1" lang="zh-CN" altLang="en-US"/>
+          </a:p>
+        </p:txBody>
+      </p:sp>
+      <p:sp>
+        <p:nvSpPr>
+          <p:cNvPr id="4" name="矩形 3">
+            <a:extLst>
+              <a:ext uri="{FF2B5EF4-FFF2-40B4-BE49-F238E27FC236}">
+                <a16:creationId xmlns:a16="http://schemas.microsoft.com/office/drawing/2014/main" id="{8A8802C6-8F1A-3102-C4E2-ACA69481BAD0}"/>
+              </a:ext>
+            </a:extLst>
+          </p:cNvPr>
+          <p:cNvSpPr/>
+          <p:nvPr/>
+        </p:nvSpPr>
+        <p:spPr>
+          <a:xfrm>
+            <a:off x="2372303" y="2511379"/>
+            <a:ext cx="194733" cy="465666"/>
+          </a:xfrm>
+          <a:prstGeom prst="rect">
+            <a:avLst/>
+          </a:prstGeom>
+          <a:solidFill>
+            <a:schemeClr val="accent1">
               <a:lumMod val="20000"/>
               <a:lumOff val="80000"/>
             </a:schemeClr>
@@ -16441,10 +16773,10 @@
       </p:sp>
       <p:cxnSp>
         <p:nvCxnSpPr>
-          <p:cNvPr id="49" name="直线箭头连接符 48">
+          <p:cNvPr id="5" name="直线箭头连接符 4">
             <a:extLst>
               <a:ext uri="{FF2B5EF4-FFF2-40B4-BE49-F238E27FC236}">
-                <a16:creationId xmlns:a16="http://schemas.microsoft.com/office/drawing/2014/main" id="{F8268FC6-11A7-F2C3-C6EE-43A4B44C901D}"/>
+                <a16:creationId xmlns:a16="http://schemas.microsoft.com/office/drawing/2014/main" id="{C2267AED-4F8E-62F8-2942-C00E1946E621}"/>
               </a:ext>
             </a:extLst>
           </p:cNvPr>
@@ -16455,8 +16787,8 @@
         </p:nvCxnSpPr>
         <p:spPr>
           <a:xfrm flipH="1">
-            <a:off x="1755321" y="1035731"/>
-            <a:ext cx="1208312" cy="0"/>
+            <a:off x="2372303" y="3902413"/>
+            <a:ext cx="3526847" cy="0"/>
           </a:xfrm>
           <a:prstGeom prst="straightConnector1">
             <a:avLst/>
@@ -16484,14 +16816,14 @@
           </a:fontRef>
         </p:style>
       </p:cxnSp>
-      <mc:AlternateContent xmlns:mc="http://schemas.openxmlformats.org/markup-compatibility/2006" xmlns:a14="http://schemas.microsoft.com/office/drawing/2010/main">
-        <mc:Choice Requires="a14">
+      <mc:AlternateContent xmlns:mc="http://schemas.openxmlformats.org/markup-compatibility/2006">
+        <mc:Choice xmlns:a14="http://schemas.microsoft.com/office/drawing/2010/main" Requires="a14">
           <p:sp>
             <p:nvSpPr>
-              <p:cNvPr id="51" name="文本框 50">
+              <p:cNvPr id="6" name="文本框 5">
                 <a:extLst>
                   <a:ext uri="{FF2B5EF4-FFF2-40B4-BE49-F238E27FC236}">
-                    <a16:creationId xmlns:a16="http://schemas.microsoft.com/office/drawing/2014/main" id="{757A9302-E3F9-F326-C3B0-1EEE5B1B3DE4}"/>
+                    <a16:creationId xmlns:a16="http://schemas.microsoft.com/office/drawing/2014/main" id="{6FABED62-1CEC-8D0B-5690-8AA507CCB44F}"/>
                   </a:ext>
                 </a:extLst>
               </p:cNvPr>
@@ -16500,7 +16832,543 @@
             </p:nvSpPr>
             <p:spPr>
               <a:xfrm>
-                <a:off x="2210968" y="776450"/>
+                <a:off x="3375028" y="3902413"/>
+                <a:ext cx="1543044" cy="369332"/>
+              </a:xfrm>
+              <a:prstGeom prst="rect">
+                <a:avLst/>
+              </a:prstGeom>
+              <a:noFill/>
+            </p:spPr>
+            <p:txBody>
+              <a:bodyPr wrap="square" rtlCol="0">
+                <a:spAutoFit/>
+              </a:bodyPr>
+              <a:lstStyle/>
+              <a:p>
+                <a:pPr algn="ctr"/>
+                <a14:m>
+                  <m:oMathPara xmlns:m="http://schemas.openxmlformats.org/officeDocument/2006/math">
+                    <m:oMathParaPr>
+                      <m:jc m:val="centerGroup"/>
+                    </m:oMathParaPr>
+                    <m:oMath xmlns:m="http://schemas.openxmlformats.org/officeDocument/2006/math">
+                      <m:r>
+                        <a:rPr kumimoji="1" lang="en-US" altLang="zh-CN" i="1" dirty="0" smtClean="0">
+                          <a:latin typeface="Cambria Math" panose="02040503050406030204" pitchFamily="18" charset="0"/>
+                        </a:rPr>
+                        <m:t>𝐿</m:t>
+                      </m:r>
+                    </m:oMath>
+                  </m:oMathPara>
+                </a14:m>
+                <a:endParaRPr kumimoji="1" lang="zh-CN" altLang="en-US" dirty="0"/>
+              </a:p>
+            </p:txBody>
+          </p:sp>
+        </mc:Choice>
+        <mc:Fallback>
+          <p:sp>
+            <p:nvSpPr>
+              <p:cNvPr id="6" name="文本框 5">
+                <a:extLst>
+                  <a:ext uri="{FF2B5EF4-FFF2-40B4-BE49-F238E27FC236}">
+                    <a16:creationId xmlns:a16="http://schemas.microsoft.com/office/drawing/2014/main" id="{6FABED62-1CEC-8D0B-5690-8AA507CCB44F}"/>
+                  </a:ext>
+                </a:extLst>
+              </p:cNvPr>
+              <p:cNvSpPr txBox="1">
+                <a:spLocks noRot="1" noChangeAspect="1" noMove="1" noResize="1" noEditPoints="1" noAdjustHandles="1" noChangeArrowheads="1" noChangeShapeType="1" noTextEdit="1"/>
+              </p:cNvSpPr>
+              <p:nvPr/>
+            </p:nvSpPr>
+            <p:spPr>
+              <a:xfrm>
+                <a:off x="3375028" y="3902413"/>
+                <a:ext cx="1543044" cy="369332"/>
+              </a:xfrm>
+              <a:prstGeom prst="rect">
+                <a:avLst/>
+              </a:prstGeom>
+              <a:blipFill>
+                <a:blip r:embed="rId3"/>
+                <a:stretch>
+                  <a:fillRect/>
+                </a:stretch>
+              </a:blipFill>
+            </p:spPr>
+            <p:txBody>
+              <a:bodyPr/>
+              <a:lstStyle/>
+              <a:p>
+                <a:r>
+                  <a:rPr lang="zh-CN" altLang="en-US">
+                    <a:noFill/>
+                  </a:rPr>
+                  <a:t> </a:t>
+                </a:r>
+              </a:p>
+            </p:txBody>
+          </p:sp>
+        </mc:Fallback>
+      </mc:AlternateContent>
+      <mc:AlternateContent xmlns:mc="http://schemas.openxmlformats.org/markup-compatibility/2006">
+        <mc:Choice xmlns:a14="http://schemas.microsoft.com/office/drawing/2010/main" Requires="a14">
+          <p:sp>
+            <p:nvSpPr>
+              <p:cNvPr id="12" name="文本框 11">
+                <a:extLst>
+                  <a:ext uri="{FF2B5EF4-FFF2-40B4-BE49-F238E27FC236}">
+                    <a16:creationId xmlns:a16="http://schemas.microsoft.com/office/drawing/2014/main" id="{3C638755-BDC7-8956-5E0F-FCA5929CCC60}"/>
+                  </a:ext>
+                </a:extLst>
+              </p:cNvPr>
+              <p:cNvSpPr txBox="1"/>
+              <p:nvPr/>
+            </p:nvSpPr>
+            <p:spPr>
+              <a:xfrm>
+                <a:off x="4146550" y="2977045"/>
+                <a:ext cx="218521" cy="276999"/>
+              </a:xfrm>
+              <a:prstGeom prst="rect">
+                <a:avLst/>
+              </a:prstGeom>
+              <a:noFill/>
+            </p:spPr>
+            <p:txBody>
+              <a:bodyPr wrap="none" lIns="0" tIns="0" rIns="0" bIns="0" rtlCol="0">
+                <a:spAutoFit/>
+              </a:bodyPr>
+              <a:lstStyle/>
+              <a:p>
+                <a:pPr/>
+                <a14:m>
+                  <m:oMathPara xmlns:m="http://schemas.openxmlformats.org/officeDocument/2006/math">
+                    <m:oMathParaPr>
+                      <m:jc m:val="centerGroup"/>
+                    </m:oMathParaPr>
+                    <m:oMath xmlns:m="http://schemas.openxmlformats.org/officeDocument/2006/math">
+                      <m:r>
+                        <a:rPr kumimoji="1" lang="en-US" altLang="zh-CN" b="0" i="1" smtClean="0">
+                          <a:latin typeface="Cambria Math" panose="02040503050406030204" pitchFamily="18" charset="0"/>
+                        </a:rPr>
+                        <m:t>𝐺</m:t>
+                      </m:r>
+                    </m:oMath>
+                  </m:oMathPara>
+                </a14:m>
+                <a:endParaRPr kumimoji="1" lang="zh-CN" altLang="en-US" i="1" dirty="0"/>
+              </a:p>
+            </p:txBody>
+          </p:sp>
+        </mc:Choice>
+        <mc:Fallback>
+          <p:sp>
+            <p:nvSpPr>
+              <p:cNvPr id="12" name="文本框 11">
+                <a:extLst>
+                  <a:ext uri="{FF2B5EF4-FFF2-40B4-BE49-F238E27FC236}">
+                    <a16:creationId xmlns:a16="http://schemas.microsoft.com/office/drawing/2014/main" id="{3C638755-BDC7-8956-5E0F-FCA5929CCC60}"/>
+                  </a:ext>
+                </a:extLst>
+              </p:cNvPr>
+              <p:cNvSpPr txBox="1">
+                <a:spLocks noRot="1" noChangeAspect="1" noMove="1" noResize="1" noEditPoints="1" noAdjustHandles="1" noChangeArrowheads="1" noChangeShapeType="1" noTextEdit="1"/>
+              </p:cNvSpPr>
+              <p:nvPr/>
+            </p:nvSpPr>
+            <p:spPr>
+              <a:xfrm>
+                <a:off x="4146550" y="2977045"/>
+                <a:ext cx="218521" cy="276999"/>
+              </a:xfrm>
+              <a:prstGeom prst="rect">
+                <a:avLst/>
+              </a:prstGeom>
+              <a:blipFill>
+                <a:blip r:embed="rId4"/>
+                <a:stretch>
+                  <a:fillRect l="-22222" r="-16667" b="-4348"/>
+                </a:stretch>
+              </a:blipFill>
+            </p:spPr>
+            <p:txBody>
+              <a:bodyPr/>
+              <a:lstStyle/>
+              <a:p>
+                <a:r>
+                  <a:rPr lang="zh-CN" altLang="en-US">
+                    <a:noFill/>
+                  </a:rPr>
+                  <a:t> </a:t>
+                </a:r>
+              </a:p>
+            </p:txBody>
+          </p:sp>
+        </mc:Fallback>
+      </mc:AlternateContent>
+      <mc:AlternateContent xmlns:mc="http://schemas.openxmlformats.org/markup-compatibility/2006">
+        <mc:Choice xmlns:a14="http://schemas.microsoft.com/office/drawing/2010/main" Requires="a14">
+          <p:sp>
+            <p:nvSpPr>
+              <p:cNvPr id="14" name="文本框 13">
+                <a:extLst>
+                  <a:ext uri="{FF2B5EF4-FFF2-40B4-BE49-F238E27FC236}">
+                    <a16:creationId xmlns:a16="http://schemas.microsoft.com/office/drawing/2014/main" id="{934E1011-9B58-B2FB-6A0F-87CF1574A3F5}"/>
+                  </a:ext>
+                </a:extLst>
+              </p:cNvPr>
+              <p:cNvSpPr txBox="1"/>
+              <p:nvPr/>
+            </p:nvSpPr>
+            <p:spPr>
+              <a:xfrm>
+                <a:off x="2319586" y="2236595"/>
+                <a:ext cx="357727" cy="276999"/>
+              </a:xfrm>
+              <a:prstGeom prst="rect">
+                <a:avLst/>
+              </a:prstGeom>
+              <a:noFill/>
+            </p:spPr>
+            <p:txBody>
+              <a:bodyPr wrap="none" lIns="0" tIns="0" rIns="0" bIns="0" rtlCol="0">
+                <a:spAutoFit/>
+              </a:bodyPr>
+              <a:lstStyle/>
+              <a:p>
+                <a:pPr/>
+                <a14:m>
+                  <m:oMathPara xmlns:m="http://schemas.openxmlformats.org/officeDocument/2006/math">
+                    <m:oMathParaPr>
+                      <m:jc m:val="centerGroup"/>
+                    </m:oMathParaPr>
+                    <m:oMath xmlns:m="http://schemas.openxmlformats.org/officeDocument/2006/math">
+                      <m:r>
+                        <a:rPr kumimoji="1" lang="en-US" altLang="zh-CN" b="0" i="1" smtClean="0">
+                          <a:latin typeface="Cambria Math" panose="02040503050406030204" pitchFamily="18" charset="0"/>
+                        </a:rPr>
+                        <m:t>𝐵𝑇</m:t>
+                      </m:r>
+                    </m:oMath>
+                  </m:oMathPara>
+                </a14:m>
+                <a:endParaRPr kumimoji="1" lang="zh-CN" altLang="en-US" i="1" dirty="0"/>
+              </a:p>
+            </p:txBody>
+          </p:sp>
+        </mc:Choice>
+        <mc:Fallback>
+          <p:sp>
+            <p:nvSpPr>
+              <p:cNvPr id="14" name="文本框 13">
+                <a:extLst>
+                  <a:ext uri="{FF2B5EF4-FFF2-40B4-BE49-F238E27FC236}">
+                    <a16:creationId xmlns:a16="http://schemas.microsoft.com/office/drawing/2014/main" id="{934E1011-9B58-B2FB-6A0F-87CF1574A3F5}"/>
+                  </a:ext>
+                </a:extLst>
+              </p:cNvPr>
+              <p:cNvSpPr txBox="1">
+                <a:spLocks noRot="1" noChangeAspect="1" noMove="1" noResize="1" noEditPoints="1" noAdjustHandles="1" noChangeArrowheads="1" noChangeShapeType="1" noTextEdit="1"/>
+              </p:cNvSpPr>
+              <p:nvPr/>
+            </p:nvSpPr>
+            <p:spPr>
+              <a:xfrm>
+                <a:off x="2319586" y="2236595"/>
+                <a:ext cx="357727" cy="276999"/>
+              </a:xfrm>
+              <a:prstGeom prst="rect">
+                <a:avLst/>
+              </a:prstGeom>
+              <a:blipFill>
+                <a:blip r:embed="rId5"/>
+                <a:stretch>
+                  <a:fillRect l="-10345" r="-13793" b="-9091"/>
+                </a:stretch>
+              </a:blipFill>
+            </p:spPr>
+            <p:txBody>
+              <a:bodyPr/>
+              <a:lstStyle/>
+              <a:p>
+                <a:r>
+                  <a:rPr lang="zh-CN" altLang="en-US">
+                    <a:noFill/>
+                  </a:rPr>
+                  <a:t> </a:t>
+                </a:r>
+              </a:p>
+            </p:txBody>
+          </p:sp>
+        </mc:Fallback>
+      </mc:AlternateContent>
+      <p:sp>
+        <p:nvSpPr>
+          <p:cNvPr id="16" name="矩形 15">
+            <a:extLst>
+              <a:ext uri="{FF2B5EF4-FFF2-40B4-BE49-F238E27FC236}">
+                <a16:creationId xmlns:a16="http://schemas.microsoft.com/office/drawing/2014/main" id="{52B9C064-6A46-5EBE-899A-0A4A1F426E70}"/>
+              </a:ext>
+            </a:extLst>
+          </p:cNvPr>
+          <p:cNvSpPr/>
+          <p:nvPr/>
+        </p:nvSpPr>
+        <p:spPr>
+          <a:xfrm>
+            <a:off x="6381220" y="2510111"/>
+            <a:ext cx="622198" cy="1487865"/>
+          </a:xfrm>
+          <a:prstGeom prst="rect">
+            <a:avLst/>
+          </a:prstGeom>
+          <a:solidFill>
+            <a:schemeClr val="accent1">
+              <a:lumMod val="20000"/>
+              <a:lumOff val="80000"/>
+            </a:schemeClr>
+          </a:solidFill>
+        </p:spPr>
+        <p:style>
+          <a:lnRef idx="2">
+            <a:schemeClr val="accent1">
+              <a:shade val="15000"/>
+            </a:schemeClr>
+          </a:lnRef>
+          <a:fillRef idx="1">
+            <a:schemeClr val="accent1"/>
+          </a:fillRef>
+          <a:effectRef idx="0">
+            <a:schemeClr val="accent1"/>
+          </a:effectRef>
+          <a:fontRef idx="minor">
+            <a:schemeClr val="lt1"/>
+          </a:fontRef>
+        </p:style>
+        <p:txBody>
+          <a:bodyPr rtlCol="0" anchor="ctr"/>
+          <a:lstStyle/>
+          <a:p>
+            <a:pPr algn="ctr"/>
+            <a:endParaRPr kumimoji="1" lang="zh-CN" altLang="en-US"/>
+          </a:p>
+        </p:txBody>
+      </p:sp>
+      <p:cxnSp>
+        <p:nvCxnSpPr>
+          <p:cNvPr id="19" name="直线箭头连接符 18">
+            <a:extLst>
+              <a:ext uri="{FF2B5EF4-FFF2-40B4-BE49-F238E27FC236}">
+                <a16:creationId xmlns:a16="http://schemas.microsoft.com/office/drawing/2014/main" id="{E2D02665-80C6-C72D-75A9-3147E10EE435}"/>
+              </a:ext>
+            </a:extLst>
+          </p:cNvPr>
+          <p:cNvCxnSpPr>
+            <a:cxnSpLocks/>
+          </p:cNvCxnSpPr>
+          <p:nvPr/>
+        </p:nvCxnSpPr>
+        <p:spPr>
+          <a:xfrm flipH="1">
+            <a:off x="6381220" y="2378607"/>
+            <a:ext cx="667280" cy="0"/>
+          </a:xfrm>
+          <a:prstGeom prst="straightConnector1">
+            <a:avLst/>
+          </a:prstGeom>
+          <a:ln>
+            <a:solidFill>
+              <a:srgbClr val="FF0000"/>
+            </a:solidFill>
+            <a:headEnd type="triangle" w="lg" len="lg"/>
+            <a:tailEnd type="none" w="sm" len="sm"/>
+          </a:ln>
+        </p:spPr>
+        <p:style>
+          <a:lnRef idx="2">
+            <a:schemeClr val="accent1"/>
+          </a:lnRef>
+          <a:fillRef idx="0">
+            <a:schemeClr val="accent1"/>
+          </a:fillRef>
+          <a:effectRef idx="1">
+            <a:schemeClr val="accent1"/>
+          </a:effectRef>
+          <a:fontRef idx="minor">
+            <a:schemeClr val="tx1"/>
+          </a:fontRef>
+        </p:style>
+      </p:cxnSp>
+      <p:sp>
+        <p:nvSpPr>
+          <p:cNvPr id="23" name="文本框 22">
+            <a:extLst>
+              <a:ext uri="{FF2B5EF4-FFF2-40B4-BE49-F238E27FC236}">
+                <a16:creationId xmlns:a16="http://schemas.microsoft.com/office/drawing/2014/main" id="{9E554648-522D-777D-5555-4B5E79B5BEE8}"/>
+              </a:ext>
+            </a:extLst>
+          </p:cNvPr>
+          <p:cNvSpPr txBox="1"/>
+          <p:nvPr/>
+        </p:nvSpPr>
+        <p:spPr>
+          <a:xfrm>
+            <a:off x="5928773" y="1974302"/>
+            <a:ext cx="1778000" cy="338554"/>
+          </a:xfrm>
+          <a:prstGeom prst="rect">
+            <a:avLst/>
+          </a:prstGeom>
+          <a:noFill/>
+        </p:spPr>
+        <p:txBody>
+          <a:bodyPr wrap="square" rtlCol="0">
+            <a:spAutoFit/>
+          </a:bodyPr>
+          <a:lstStyle/>
+          <a:p>
+            <a:r>
+              <a:rPr kumimoji="1" lang="en-US" altLang="zh-CN" sz="1600" i="1" dirty="0">
+                <a:solidFill>
+                  <a:schemeClr val="bg1">
+                    <a:lumMod val="50000"/>
+                  </a:schemeClr>
+                </a:solidFill>
+                <a:latin typeface="Calibri" panose="020F0502020204030204" pitchFamily="34" charset="0"/>
+                <a:cs typeface="Calibri" panose="020F0502020204030204" pitchFamily="34" charset="0"/>
+              </a:rPr>
+              <a:t>kernel</a:t>
+            </a:r>
+            <a:r>
+              <a:rPr kumimoji="1" lang="zh-CN" altLang="en-US" sz="1600" i="1" dirty="0">
+                <a:solidFill>
+                  <a:schemeClr val="bg1">
+                    <a:lumMod val="50000"/>
+                  </a:schemeClr>
+                </a:solidFill>
+                <a:latin typeface="Calibri" panose="020F0502020204030204" pitchFamily="34" charset="0"/>
+                <a:cs typeface="Calibri" panose="020F0502020204030204" pitchFamily="34" charset="0"/>
+              </a:rPr>
+              <a:t>内部的循环</a:t>
+            </a:r>
+          </a:p>
+        </p:txBody>
+      </p:sp>
+      <mc:AlternateContent xmlns:mc="http://schemas.openxmlformats.org/markup-compatibility/2006">
+        <mc:Choice xmlns:a14="http://schemas.microsoft.com/office/drawing/2010/main" Requires="a14">
+          <p:sp>
+            <p:nvSpPr>
+              <p:cNvPr id="24" name="文本框 23">
+                <a:extLst>
+                  <a:ext uri="{FF2B5EF4-FFF2-40B4-BE49-F238E27FC236}">
+                    <a16:creationId xmlns:a16="http://schemas.microsoft.com/office/drawing/2014/main" id="{8457DA00-2B8E-6002-BD72-3189BBD26447}"/>
+                  </a:ext>
+                </a:extLst>
+              </p:cNvPr>
+              <p:cNvSpPr txBox="1"/>
+              <p:nvPr/>
+            </p:nvSpPr>
+            <p:spPr>
+              <a:xfrm>
+                <a:off x="6539170" y="4010676"/>
+                <a:ext cx="318998" cy="276999"/>
+              </a:xfrm>
+              <a:prstGeom prst="rect">
+                <a:avLst/>
+              </a:prstGeom>
+              <a:noFill/>
+            </p:spPr>
+            <p:txBody>
+              <a:bodyPr wrap="none" lIns="0" tIns="0" rIns="0" bIns="0" rtlCol="0">
+                <a:spAutoFit/>
+              </a:bodyPr>
+              <a:lstStyle/>
+              <a:p>
+                <a:pPr/>
+                <a14:m>
+                  <m:oMathPara xmlns:m="http://schemas.openxmlformats.org/officeDocument/2006/math">
+                    <m:oMathParaPr>
+                      <m:jc m:val="centerGroup"/>
+                    </m:oMathParaPr>
+                    <m:oMath xmlns:m="http://schemas.openxmlformats.org/officeDocument/2006/math">
+                      <m:r>
+                        <a:rPr kumimoji="1" lang="en-US" altLang="zh-CN" b="0" i="1" smtClean="0">
+                          <a:latin typeface="Cambria Math" panose="02040503050406030204" pitchFamily="18" charset="0"/>
+                        </a:rPr>
+                        <m:t>16</m:t>
+                      </m:r>
+                    </m:oMath>
+                  </m:oMathPara>
+                </a14:m>
+                <a:endParaRPr kumimoji="1" lang="zh-CN" altLang="en-US" i="1" dirty="0"/>
+              </a:p>
+            </p:txBody>
+          </p:sp>
+        </mc:Choice>
+        <mc:Fallback>
+          <p:sp>
+            <p:nvSpPr>
+              <p:cNvPr id="24" name="文本框 23">
+                <a:extLst>
+                  <a:ext uri="{FF2B5EF4-FFF2-40B4-BE49-F238E27FC236}">
+                    <a16:creationId xmlns:a16="http://schemas.microsoft.com/office/drawing/2014/main" id="{8457DA00-2B8E-6002-BD72-3189BBD26447}"/>
+                  </a:ext>
+                </a:extLst>
+              </p:cNvPr>
+              <p:cNvSpPr txBox="1">
+                <a:spLocks noRot="1" noChangeAspect="1" noMove="1" noResize="1" noEditPoints="1" noAdjustHandles="1" noChangeArrowheads="1" noChangeShapeType="1" noTextEdit="1"/>
+              </p:cNvSpPr>
+              <p:nvPr/>
+            </p:nvSpPr>
+            <p:spPr>
+              <a:xfrm>
+                <a:off x="6539170" y="4010676"/>
+                <a:ext cx="318998" cy="276999"/>
+              </a:xfrm>
+              <a:prstGeom prst="rect">
+                <a:avLst/>
+              </a:prstGeom>
+              <a:blipFill>
+                <a:blip r:embed="rId6"/>
+                <a:stretch>
+                  <a:fillRect l="-16000" r="-16000" b="-4348"/>
+                </a:stretch>
+              </a:blipFill>
+            </p:spPr>
+            <p:txBody>
+              <a:bodyPr/>
+              <a:lstStyle/>
+              <a:p>
+                <a:r>
+                  <a:rPr lang="zh-CN" altLang="en-US">
+                    <a:noFill/>
+                  </a:rPr>
+                  <a:t> </a:t>
+                </a:r>
+              </a:p>
+            </p:txBody>
+          </p:sp>
+        </mc:Fallback>
+      </mc:AlternateContent>
+      <mc:AlternateContent xmlns:mc="http://schemas.openxmlformats.org/markup-compatibility/2006">
+        <mc:Choice xmlns:a14="http://schemas.microsoft.com/office/drawing/2010/main" Requires="a14">
+          <p:sp>
+            <p:nvSpPr>
+              <p:cNvPr id="25" name="文本框 24">
+                <a:extLst>
+                  <a:ext uri="{FF2B5EF4-FFF2-40B4-BE49-F238E27FC236}">
+                    <a16:creationId xmlns:a16="http://schemas.microsoft.com/office/drawing/2014/main" id="{570BA3E9-E3FB-FBB5-F066-AE4A3FF02B00}"/>
+                  </a:ext>
+                </a:extLst>
+              </p:cNvPr>
+              <p:cNvSpPr txBox="1"/>
+              <p:nvPr/>
+            </p:nvSpPr>
+            <p:spPr>
+              <a:xfrm>
+                <a:off x="6062222" y="3071093"/>
                 <a:ext cx="318998" cy="276999"/>
               </a:xfrm>
               <a:prstGeom prst="rect">
@@ -16535,13 +17403,13 @@
             </p:txBody>
           </p:sp>
         </mc:Choice>
-        <mc:Fallback xmlns="">
+        <mc:Fallback>
           <p:sp>
             <p:nvSpPr>
-              <p:cNvPr id="51" name="文本框 50">
+              <p:cNvPr id="25" name="文本框 24">
                 <a:extLst>
                   <a:ext uri="{FF2B5EF4-FFF2-40B4-BE49-F238E27FC236}">
-                    <a16:creationId xmlns:a16="http://schemas.microsoft.com/office/drawing/2014/main" id="{757A9302-E3F9-F326-C3B0-1EEE5B1B3DE4}"/>
+                    <a16:creationId xmlns:a16="http://schemas.microsoft.com/office/drawing/2014/main" id="{570BA3E9-E3FB-FBB5-F066-AE4A3FF02B00}"/>
                   </a:ext>
                 </a:extLst>
               </p:cNvPr>
@@ -16552,16 +17420,16 @@
             </p:nvSpPr>
             <p:spPr>
               <a:xfrm>
-                <a:off x="2210968" y="776450"/>
+                <a:off x="6062222" y="3071093"/>
                 <a:ext cx="318998" cy="276999"/>
               </a:xfrm>
               <a:prstGeom prst="rect">
                 <a:avLst/>
               </a:prstGeom>
               <a:blipFill>
-                <a:blip r:embed="rId4"/>
+                <a:blip r:embed="rId7"/>
                 <a:stretch>
-                  <a:fillRect l="-15385" r="-15385" b="-4167"/>
+                  <a:fillRect l="-15385" r="-11538" b="-4348"/>
                 </a:stretch>
               </a:blipFill>
             </p:spPr>
@@ -16580,592 +17448,6 @@
           </p:sp>
         </mc:Fallback>
       </mc:AlternateContent>
-      <mc:AlternateContent xmlns:mc="http://schemas.openxmlformats.org/markup-compatibility/2006" xmlns:a14="http://schemas.microsoft.com/office/drawing/2010/main">
-        <mc:Choice Requires="a14">
-          <p:sp>
-            <p:nvSpPr>
-              <p:cNvPr id="52" name="文本框 51">
-                <a:extLst>
-                  <a:ext uri="{FF2B5EF4-FFF2-40B4-BE49-F238E27FC236}">
-                    <a16:creationId xmlns:a16="http://schemas.microsoft.com/office/drawing/2014/main" id="{5AA7E575-7E20-CA65-4AD3-6C77970F0275}"/>
-                  </a:ext>
-                </a:extLst>
-              </p:cNvPr>
-              <p:cNvSpPr txBox="1"/>
-              <p:nvPr/>
-            </p:nvSpPr>
-            <p:spPr>
-              <a:xfrm>
-                <a:off x="2971797" y="1184956"/>
-                <a:ext cx="318998" cy="276999"/>
-              </a:xfrm>
-              <a:prstGeom prst="rect">
-                <a:avLst/>
-              </a:prstGeom>
-              <a:noFill/>
-            </p:spPr>
-            <p:txBody>
-              <a:bodyPr wrap="none" lIns="0" tIns="0" rIns="0" bIns="0" rtlCol="0">
-                <a:spAutoFit/>
-              </a:bodyPr>
-              <a:lstStyle/>
-              <a:p>
-                <a:pPr/>
-                <a14:m>
-                  <m:oMathPara xmlns:m="http://schemas.openxmlformats.org/officeDocument/2006/math">
-                    <m:oMathParaPr>
-                      <m:jc m:val="centerGroup"/>
-                    </m:oMathParaPr>
-                    <m:oMath xmlns:m="http://schemas.openxmlformats.org/officeDocument/2006/math">
-                      <m:r>
-                        <a:rPr kumimoji="1" lang="en-US" altLang="zh-CN" b="0" i="1" smtClean="0">
-                          <a:latin typeface="Cambria Math" panose="02040503050406030204" pitchFamily="18" charset="0"/>
-                        </a:rPr>
-                        <m:t>16</m:t>
-                      </m:r>
-                    </m:oMath>
-                  </m:oMathPara>
-                </a14:m>
-                <a:endParaRPr kumimoji="1" lang="zh-CN" altLang="en-US" i="1" dirty="0"/>
-              </a:p>
-            </p:txBody>
-          </p:sp>
-        </mc:Choice>
-        <mc:Fallback xmlns="">
-          <p:sp>
-            <p:nvSpPr>
-              <p:cNvPr id="52" name="文本框 51">
-                <a:extLst>
-                  <a:ext uri="{FF2B5EF4-FFF2-40B4-BE49-F238E27FC236}">
-                    <a16:creationId xmlns:a16="http://schemas.microsoft.com/office/drawing/2014/main" id="{5AA7E575-7E20-CA65-4AD3-6C77970F0275}"/>
-                  </a:ext>
-                </a:extLst>
-              </p:cNvPr>
-              <p:cNvSpPr txBox="1">
-                <a:spLocks noRot="1" noChangeAspect="1" noMove="1" noResize="1" noEditPoints="1" noAdjustHandles="1" noChangeArrowheads="1" noChangeShapeType="1" noTextEdit="1"/>
-              </p:cNvSpPr>
-              <p:nvPr/>
-            </p:nvSpPr>
-            <p:spPr>
-              <a:xfrm>
-                <a:off x="2971797" y="1184956"/>
-                <a:ext cx="318998" cy="276999"/>
-              </a:xfrm>
-              <a:prstGeom prst="rect">
-                <a:avLst/>
-              </a:prstGeom>
-              <a:blipFill>
-                <a:blip r:embed="rId5"/>
-                <a:stretch>
-                  <a:fillRect l="-11111" r="-11111" b="-4348"/>
-                </a:stretch>
-              </a:blipFill>
-            </p:spPr>
-            <p:txBody>
-              <a:bodyPr/>
-              <a:lstStyle/>
-              <a:p>
-                <a:r>
-                  <a:rPr lang="zh-CN" altLang="en-US">
-                    <a:noFill/>
-                  </a:rPr>
-                  <a:t> </a:t>
-                </a:r>
-              </a:p>
-            </p:txBody>
-          </p:sp>
-        </mc:Fallback>
-      </mc:AlternateContent>
-      <p:grpSp>
-        <p:nvGrpSpPr>
-          <p:cNvPr id="67" name="组合 66">
-            <a:extLst>
-              <a:ext uri="{FF2B5EF4-FFF2-40B4-BE49-F238E27FC236}">
-                <a16:creationId xmlns:a16="http://schemas.microsoft.com/office/drawing/2014/main" id="{44AA33CE-9A3E-80B8-1A6A-F1A3E90ED0E5}"/>
-              </a:ext>
-            </a:extLst>
-          </p:cNvPr>
-          <p:cNvGrpSpPr/>
-          <p:nvPr/>
-        </p:nvGrpSpPr>
-        <p:grpSpPr>
-          <a:xfrm>
-            <a:off x="4335231" y="1067580"/>
-            <a:ext cx="3229650" cy="2544656"/>
-            <a:chOff x="4308704" y="782417"/>
-            <a:chExt cx="3229650" cy="2544656"/>
-          </a:xfrm>
-        </p:grpSpPr>
-        <p:grpSp>
-          <p:nvGrpSpPr>
-            <p:cNvPr id="63" name="组合 62">
-              <a:extLst>
-                <a:ext uri="{FF2B5EF4-FFF2-40B4-BE49-F238E27FC236}">
-                  <a16:creationId xmlns:a16="http://schemas.microsoft.com/office/drawing/2014/main" id="{3D4D1D6A-1ACD-057A-9680-1C9FB51F148C}"/>
-                </a:ext>
-              </a:extLst>
-            </p:cNvPr>
-            <p:cNvGrpSpPr/>
-            <p:nvPr/>
-          </p:nvGrpSpPr>
-          <p:grpSpPr>
-            <a:xfrm>
-              <a:off x="4653645" y="1126671"/>
-              <a:ext cx="2884709" cy="1852449"/>
-              <a:chOff x="5870122" y="1068387"/>
-              <a:chExt cx="2884709" cy="1852449"/>
-            </a:xfrm>
-          </p:grpSpPr>
-          <p:sp>
-            <p:nvSpPr>
-              <p:cNvPr id="54" name="矩形 53">
-                <a:extLst>
-                  <a:ext uri="{FF2B5EF4-FFF2-40B4-BE49-F238E27FC236}">
-                    <a16:creationId xmlns:a16="http://schemas.microsoft.com/office/drawing/2014/main" id="{59DBA008-7803-AA38-3BD7-F22B928AFA4F}"/>
-                  </a:ext>
-                </a:extLst>
-              </p:cNvPr>
-              <p:cNvSpPr/>
-              <p:nvPr/>
-            </p:nvSpPr>
-            <p:spPr>
-              <a:xfrm>
-                <a:off x="6017076" y="1207471"/>
-                <a:ext cx="2737755" cy="1691986"/>
-              </a:xfrm>
-              <a:prstGeom prst="rect">
-                <a:avLst/>
-              </a:prstGeom>
-              <a:noFill/>
-            </p:spPr>
-            <p:style>
-              <a:lnRef idx="2">
-                <a:schemeClr val="accent1">
-                  <a:shade val="15000"/>
-                </a:schemeClr>
-              </a:lnRef>
-              <a:fillRef idx="1">
-                <a:schemeClr val="accent1"/>
-              </a:fillRef>
-              <a:effectRef idx="0">
-                <a:schemeClr val="accent1"/>
-              </a:effectRef>
-              <a:fontRef idx="minor">
-                <a:schemeClr val="lt1"/>
-              </a:fontRef>
-            </p:style>
-            <p:txBody>
-              <a:bodyPr rtlCol="0" anchor="ctr"/>
-              <a:lstStyle/>
-              <a:p>
-                <a:pPr algn="ctr"/>
-                <a:endParaRPr kumimoji="1" lang="zh-CN" altLang="en-US"/>
-              </a:p>
-            </p:txBody>
-          </p:sp>
-          <p:cxnSp>
-            <p:nvCxnSpPr>
-              <p:cNvPr id="56" name="直线箭头连接符 55">
-                <a:extLst>
-                  <a:ext uri="{FF2B5EF4-FFF2-40B4-BE49-F238E27FC236}">
-                    <a16:creationId xmlns:a16="http://schemas.microsoft.com/office/drawing/2014/main" id="{90B6DF04-7879-F6C6-56FC-CD66645D6949}"/>
-                  </a:ext>
-                </a:extLst>
-              </p:cNvPr>
-              <p:cNvCxnSpPr/>
-              <p:nvPr/>
-            </p:nvCxnSpPr>
-            <p:spPr>
-              <a:xfrm>
-                <a:off x="5870122" y="1207471"/>
-                <a:ext cx="0" cy="1713365"/>
-              </a:xfrm>
-              <a:prstGeom prst="straightConnector1">
-                <a:avLst/>
-              </a:prstGeom>
-              <a:ln>
-                <a:tailEnd type="triangle" w="med" len="lg"/>
-              </a:ln>
-            </p:spPr>
-            <p:style>
-              <a:lnRef idx="2">
-                <a:schemeClr val="accent1"/>
-              </a:lnRef>
-              <a:fillRef idx="0">
-                <a:schemeClr val="accent1"/>
-              </a:fillRef>
-              <a:effectRef idx="1">
-                <a:schemeClr val="accent1"/>
-              </a:effectRef>
-              <a:fontRef idx="minor">
-                <a:schemeClr val="tx1"/>
-              </a:fontRef>
-            </p:style>
-          </p:cxnSp>
-          <p:cxnSp>
-            <p:nvCxnSpPr>
-              <p:cNvPr id="57" name="直线箭头连接符 56">
-                <a:extLst>
-                  <a:ext uri="{FF2B5EF4-FFF2-40B4-BE49-F238E27FC236}">
-                    <a16:creationId xmlns:a16="http://schemas.microsoft.com/office/drawing/2014/main" id="{E548C9EA-EB4A-D973-290D-39735950171F}"/>
-                  </a:ext>
-                </a:extLst>
-              </p:cNvPr>
-              <p:cNvCxnSpPr>
-                <a:cxnSpLocks/>
-              </p:cNvCxnSpPr>
-              <p:nvPr/>
-            </p:nvCxnSpPr>
-            <p:spPr>
-              <a:xfrm>
-                <a:off x="6017076" y="1068387"/>
-                <a:ext cx="2737755" cy="0"/>
-              </a:xfrm>
-              <a:prstGeom prst="straightConnector1">
-                <a:avLst/>
-              </a:prstGeom>
-              <a:ln>
-                <a:solidFill>
-                  <a:srgbClr val="FF0000"/>
-                </a:solidFill>
-                <a:headEnd type="triangle"/>
-                <a:tailEnd type="triangle"/>
-              </a:ln>
-            </p:spPr>
-            <p:style>
-              <a:lnRef idx="2">
-                <a:schemeClr val="accent1"/>
-              </a:lnRef>
-              <a:fillRef idx="0">
-                <a:schemeClr val="accent1"/>
-              </a:fillRef>
-              <a:effectRef idx="1">
-                <a:schemeClr val="accent1"/>
-              </a:effectRef>
-              <a:fontRef idx="minor">
-                <a:schemeClr val="tx1"/>
-              </a:fontRef>
-            </p:style>
-          </p:cxnSp>
-          <mc:AlternateContent xmlns:mc="http://schemas.openxmlformats.org/markup-compatibility/2006" xmlns:a14="http://schemas.microsoft.com/office/drawing/2010/main">
-            <mc:Choice Requires="a14">
-              <p:sp>
-                <p:nvSpPr>
-                  <p:cNvPr id="62" name="矩形 61">
-                    <a:extLst>
-                      <a:ext uri="{FF2B5EF4-FFF2-40B4-BE49-F238E27FC236}">
-                        <a16:creationId xmlns:a16="http://schemas.microsoft.com/office/drawing/2014/main" id="{1E2299A5-FA8C-9C6E-0864-CB962739C23A}"/>
-                      </a:ext>
-                    </a:extLst>
-                  </p:cNvPr>
-                  <p:cNvSpPr/>
-                  <p:nvPr/>
-                </p:nvSpPr>
-                <p:spPr>
-                  <a:xfrm>
-                    <a:off x="6017076" y="1207471"/>
-                    <a:ext cx="223160" cy="1691986"/>
-                  </a:xfrm>
-                  <a:prstGeom prst="rect">
-                    <a:avLst/>
-                  </a:prstGeom>
-                  <a:solidFill>
-                    <a:schemeClr val="accent1">
-                      <a:lumMod val="20000"/>
-                      <a:lumOff val="80000"/>
-                    </a:schemeClr>
-                  </a:solidFill>
-                </p:spPr>
-                <p:style>
-                  <a:lnRef idx="2">
-                    <a:schemeClr val="accent1">
-                      <a:shade val="15000"/>
-                    </a:schemeClr>
-                  </a:lnRef>
-                  <a:fillRef idx="1">
-                    <a:schemeClr val="accent1"/>
-                  </a:fillRef>
-                  <a:effectRef idx="0">
-                    <a:schemeClr val="accent1"/>
-                  </a:effectRef>
-                  <a:fontRef idx="minor">
-                    <a:schemeClr val="lt1"/>
-                  </a:fontRef>
-                </p:style>
-                <p:txBody>
-                  <a:bodyPr rtlCol="0" anchor="ctr"/>
-                  <a:lstStyle/>
-                  <a:p>
-                    <a:pPr algn="ctr"/>
-                    <a14:m>
-                      <m:oMathPara xmlns:m="http://schemas.openxmlformats.org/officeDocument/2006/math">
-                        <m:oMathParaPr>
-                          <m:jc m:val="center"/>
-                        </m:oMathParaPr>
-                        <m:oMath xmlns:m="http://schemas.openxmlformats.org/officeDocument/2006/math">
-                          <m:r>
-                            <a:rPr kumimoji="1" lang="en-US" altLang="zh-CN" b="0" i="1" smtClean="0">
-                              <a:solidFill>
-                                <a:schemeClr val="tx1"/>
-                              </a:solidFill>
-                              <a:latin typeface="Cambria Math" panose="02040503050406030204" pitchFamily="18" charset="0"/>
-                            </a:rPr>
-                            <m:t>𝛼</m:t>
-                          </m:r>
-                        </m:oMath>
-                      </m:oMathPara>
-                    </a14:m>
-                    <a:endParaRPr kumimoji="1" lang="en-US" altLang="zh-CN" b="0" dirty="0">
-                      <a:solidFill>
-                        <a:schemeClr val="tx1"/>
-                      </a:solidFill>
-                    </a:endParaRPr>
-                  </a:p>
-                </p:txBody>
-              </p:sp>
-            </mc:Choice>
-            <mc:Fallback xmlns="">
-              <p:sp>
-                <p:nvSpPr>
-                  <p:cNvPr id="62" name="矩形 61">
-                    <a:extLst>
-                      <a:ext uri="{FF2B5EF4-FFF2-40B4-BE49-F238E27FC236}">
-                        <a16:creationId xmlns:a16="http://schemas.microsoft.com/office/drawing/2014/main" id="{1E2299A5-FA8C-9C6E-0864-CB962739C23A}"/>
-                      </a:ext>
-                    </a:extLst>
-                  </p:cNvPr>
-                  <p:cNvSpPr>
-                    <a:spLocks noRot="1" noChangeAspect="1" noMove="1" noResize="1" noEditPoints="1" noAdjustHandles="1" noChangeArrowheads="1" noChangeShapeType="1" noTextEdit="1"/>
-                  </p:cNvSpPr>
-                  <p:nvPr/>
-                </p:nvSpPr>
-                <p:spPr>
-                  <a:xfrm>
-                    <a:off x="6017076" y="1207471"/>
-                    <a:ext cx="223160" cy="1691986"/>
-                  </a:xfrm>
-                  <a:prstGeom prst="rect">
-                    <a:avLst/>
-                  </a:prstGeom>
-                  <a:blipFill>
-                    <a:blip r:embed="rId6"/>
-                    <a:stretch>
-                      <a:fillRect l="-20000"/>
-                    </a:stretch>
-                  </a:blipFill>
-                </p:spPr>
-                <p:txBody>
-                  <a:bodyPr/>
-                  <a:lstStyle/>
-                  <a:p>
-                    <a:r>
-                      <a:rPr lang="zh-CN" altLang="en-US">
-                        <a:noFill/>
-                      </a:rPr>
-                      <a:t> </a:t>
-                    </a:r>
-                  </a:p>
-                </p:txBody>
-              </p:sp>
-            </mc:Fallback>
-          </mc:AlternateContent>
-        </p:grpSp>
-        <mc:AlternateContent xmlns:mc="http://schemas.openxmlformats.org/markup-compatibility/2006" xmlns:a14="http://schemas.microsoft.com/office/drawing/2010/main">
-          <mc:Choice Requires="a14">
-            <p:sp>
-              <p:nvSpPr>
-                <p:cNvPr id="64" name="文本框 63">
-                  <a:extLst>
-                    <a:ext uri="{FF2B5EF4-FFF2-40B4-BE49-F238E27FC236}">
-                      <a16:creationId xmlns:a16="http://schemas.microsoft.com/office/drawing/2014/main" id="{26EE1AB1-3DB0-D139-6449-DB54241CDFD9}"/>
-                    </a:ext>
-                  </a:extLst>
-                </p:cNvPr>
-                <p:cNvSpPr txBox="1"/>
-                <p:nvPr/>
-              </p:nvSpPr>
-              <p:spPr>
-                <a:xfrm>
-                  <a:off x="5397954" y="782417"/>
-                  <a:ext cx="1543044" cy="369332"/>
-                </a:xfrm>
-                <a:prstGeom prst="rect">
-                  <a:avLst/>
-                </a:prstGeom>
-                <a:noFill/>
-              </p:spPr>
-              <p:txBody>
-                <a:bodyPr wrap="square" rtlCol="0">
-                  <a:spAutoFit/>
-                </a:bodyPr>
-                <a:lstStyle/>
-                <a:p>
-                  <a:pPr algn="ctr"/>
-                  <a14:m>
-                    <m:oMathPara xmlns:m="http://schemas.openxmlformats.org/officeDocument/2006/math">
-                      <m:oMathParaPr>
-                        <m:jc m:val="centerGroup"/>
-                      </m:oMathParaPr>
-                      <m:oMath xmlns:m="http://schemas.openxmlformats.org/officeDocument/2006/math">
-                        <m:r>
-                          <a:rPr kumimoji="1" lang="en-US" altLang="zh-CN" i="1" dirty="0" smtClean="0">
-                            <a:latin typeface="Cambria Math" panose="02040503050406030204" pitchFamily="18" charset="0"/>
-                          </a:rPr>
-                          <m:t>𝑚𝑎𝑝</m:t>
-                        </m:r>
-                      </m:oMath>
-                    </m:oMathPara>
-                  </a14:m>
-                  <a:endParaRPr kumimoji="1" lang="zh-CN" altLang="en-US" dirty="0"/>
-                </a:p>
-              </p:txBody>
-            </p:sp>
-          </mc:Choice>
-          <mc:Fallback xmlns="">
-            <p:sp>
-              <p:nvSpPr>
-                <p:cNvPr id="64" name="文本框 63">
-                  <a:extLst>
-                    <a:ext uri="{FF2B5EF4-FFF2-40B4-BE49-F238E27FC236}">
-                      <a16:creationId xmlns:a16="http://schemas.microsoft.com/office/drawing/2014/main" id="{26EE1AB1-3DB0-D139-6449-DB54241CDFD9}"/>
-                    </a:ext>
-                  </a:extLst>
-                </p:cNvPr>
-                <p:cNvSpPr txBox="1">
-                  <a:spLocks noRot="1" noChangeAspect="1" noMove="1" noResize="1" noEditPoints="1" noAdjustHandles="1" noChangeArrowheads="1" noChangeShapeType="1" noTextEdit="1"/>
-                </p:cNvSpPr>
-                <p:nvPr/>
-              </p:nvSpPr>
-              <p:spPr>
-                <a:xfrm>
-                  <a:off x="5397954" y="782417"/>
-                  <a:ext cx="1543044" cy="369332"/>
-                </a:xfrm>
-                <a:prstGeom prst="rect">
-                  <a:avLst/>
-                </a:prstGeom>
-                <a:blipFill>
-                  <a:blip r:embed="rId7"/>
-                  <a:stretch>
-                    <a:fillRect b="-6667"/>
-                  </a:stretch>
-                </a:blipFill>
-              </p:spPr>
-              <p:txBody>
-                <a:bodyPr/>
-                <a:lstStyle/>
-                <a:p>
-                  <a:r>
-                    <a:rPr lang="zh-CN" altLang="en-US">
-                      <a:noFill/>
-                    </a:rPr>
-                    <a:t> </a:t>
-                  </a:r>
-                </a:p>
-              </p:txBody>
-            </p:sp>
-          </mc:Fallback>
-        </mc:AlternateContent>
-        <mc:AlternateContent xmlns:mc="http://schemas.openxmlformats.org/markup-compatibility/2006" xmlns:a14="http://schemas.microsoft.com/office/drawing/2010/main">
-          <mc:Choice Requires="a14">
-            <p:sp>
-              <p:nvSpPr>
-                <p:cNvPr id="65" name="文本框 64">
-                  <a:extLst>
-                    <a:ext uri="{FF2B5EF4-FFF2-40B4-BE49-F238E27FC236}">
-                      <a16:creationId xmlns:a16="http://schemas.microsoft.com/office/drawing/2014/main" id="{21AAC02E-1528-2CB0-1CD6-768B1134DFAE}"/>
-                    </a:ext>
-                  </a:extLst>
-                </p:cNvPr>
-                <p:cNvSpPr txBox="1"/>
-                <p:nvPr/>
-              </p:nvSpPr>
-              <p:spPr>
-                <a:xfrm>
-                  <a:off x="4308704" y="2957741"/>
-                  <a:ext cx="836837" cy="369332"/>
-                </a:xfrm>
-                <a:prstGeom prst="rect">
-                  <a:avLst/>
-                </a:prstGeom>
-                <a:noFill/>
-              </p:spPr>
-              <p:txBody>
-                <a:bodyPr wrap="square" rtlCol="0">
-                  <a:spAutoFit/>
-                </a:bodyPr>
-                <a:lstStyle/>
-                <a:p>
-                  <a:pPr algn="ctr"/>
-                  <a14:m>
-                    <m:oMathPara xmlns:m="http://schemas.openxmlformats.org/officeDocument/2006/math">
-                      <m:oMathParaPr>
-                        <m:jc m:val="centerGroup"/>
-                      </m:oMathParaPr>
-                      <m:oMath xmlns:m="http://schemas.openxmlformats.org/officeDocument/2006/math">
-                        <m:r>
-                          <m:rPr>
-                            <m:sty m:val="p"/>
-                          </m:rPr>
-                          <a:rPr kumimoji="1" lang="en-US" altLang="zh-CN" i="1">
-                            <a:latin typeface="Cambria Math" panose="02040503050406030204" pitchFamily="18" charset="0"/>
-                          </a:rPr>
-                          <m:t>scan</m:t>
-                        </m:r>
-                      </m:oMath>
-                    </m:oMathPara>
-                  </a14:m>
-                  <a:endParaRPr kumimoji="1" lang="zh-CN" altLang="en-US" dirty="0"/>
-                </a:p>
-              </p:txBody>
-            </p:sp>
-          </mc:Choice>
-          <mc:Fallback xmlns="">
-            <p:sp>
-              <p:nvSpPr>
-                <p:cNvPr id="65" name="文本框 64">
-                  <a:extLst>
-                    <a:ext uri="{FF2B5EF4-FFF2-40B4-BE49-F238E27FC236}">
-                      <a16:creationId xmlns:a16="http://schemas.microsoft.com/office/drawing/2014/main" id="{21AAC02E-1528-2CB0-1CD6-768B1134DFAE}"/>
-                    </a:ext>
-                  </a:extLst>
-                </p:cNvPr>
-                <p:cNvSpPr txBox="1">
-                  <a:spLocks noRot="1" noChangeAspect="1" noMove="1" noResize="1" noEditPoints="1" noAdjustHandles="1" noChangeArrowheads="1" noChangeShapeType="1" noTextEdit="1"/>
-                </p:cNvSpPr>
-                <p:nvPr/>
-              </p:nvSpPr>
-              <p:spPr>
-                <a:xfrm>
-                  <a:off x="4308704" y="2957741"/>
-                  <a:ext cx="836837" cy="369332"/>
-                </a:xfrm>
-                <a:prstGeom prst="rect">
-                  <a:avLst/>
-                </a:prstGeom>
-                <a:blipFill>
-                  <a:blip r:embed="rId8"/>
-                  <a:stretch>
-                    <a:fillRect/>
-                  </a:stretch>
-                </a:blipFill>
-              </p:spPr>
-              <p:txBody>
-                <a:bodyPr/>
-                <a:lstStyle/>
-                <a:p>
-                  <a:r>
-                    <a:rPr lang="zh-CN" altLang="en-US">
-                      <a:noFill/>
-                    </a:rPr>
-                    <a:t> </a:t>
-                  </a:r>
-                </a:p>
-              </p:txBody>
-            </p:sp>
-          </mc:Fallback>
-        </mc:AlternateContent>
-      </p:grpSp>
     </p:spTree>
     <p:extLst>
       <p:ext uri="{BB962C8B-B14F-4D97-AF65-F5344CB8AC3E}">
@@ -17196,12 +17478,621 @@
           <a:chExt cx="0" cy="0"/>
         </a:xfrm>
       </p:grpSpPr>
+      <mc:AlternateContent xmlns:mc="http://schemas.openxmlformats.org/markup-compatibility/2006">
+        <mc:Choice xmlns:a14="http://schemas.microsoft.com/office/drawing/2010/main" Requires="a14">
+          <p:sp>
+            <p:nvSpPr>
+              <p:cNvPr id="42" name="文本框 41">
+                <a:extLst>
+                  <a:ext uri="{FF2B5EF4-FFF2-40B4-BE49-F238E27FC236}">
+                    <a16:creationId xmlns:a16="http://schemas.microsoft.com/office/drawing/2014/main" id="{A4629E08-05DF-D80D-B24D-0709C9C40EF2}"/>
+                  </a:ext>
+                </a:extLst>
+              </p:cNvPr>
+              <p:cNvSpPr txBox="1"/>
+              <p:nvPr/>
+            </p:nvSpPr>
+            <p:spPr>
+              <a:xfrm>
+                <a:off x="1957184" y="2569604"/>
+                <a:ext cx="427361" cy="298415"/>
+              </a:xfrm>
+              <a:prstGeom prst="rect">
+                <a:avLst/>
+              </a:prstGeom>
+              <a:noFill/>
+            </p:spPr>
+            <p:txBody>
+              <a:bodyPr wrap="none" lIns="0" tIns="0" rIns="0" bIns="0" rtlCol="0">
+                <a:spAutoFit/>
+              </a:bodyPr>
+              <a:lstStyle/>
+              <a:p>
+                <a:pPr/>
+                <a14:m>
+                  <m:oMathPara xmlns:m="http://schemas.openxmlformats.org/officeDocument/2006/math">
+                    <m:oMathParaPr>
+                      <m:jc m:val="centerGroup"/>
+                    </m:oMathParaPr>
+                    <m:oMath xmlns:m="http://schemas.openxmlformats.org/officeDocument/2006/math">
+                      <m:sSub>
+                        <m:sSubPr>
+                          <m:ctrlPr>
+                            <a:rPr kumimoji="1" lang="en-US" altLang="zh-CN" b="0" i="1" smtClean="0">
+                              <a:latin typeface="Cambria Math" panose="02040503050406030204" pitchFamily="18" charset="0"/>
+                            </a:rPr>
+                          </m:ctrlPr>
+                        </m:sSubPr>
+                        <m:e>
+                          <m:r>
+                            <a:rPr kumimoji="1" lang="en-US" altLang="zh-CN" b="0" i="1" smtClean="0">
+                              <a:latin typeface="Cambria Math" panose="02040503050406030204" pitchFamily="18" charset="0"/>
+                            </a:rPr>
+                            <m:t>𝐷</m:t>
+                          </m:r>
+                        </m:e>
+                        <m:sub>
+                          <m:r>
+                            <a:rPr kumimoji="1" lang="en-US" altLang="zh-CN" b="0" i="1" smtClean="0">
+                              <a:latin typeface="Cambria Math" panose="02040503050406030204" pitchFamily="18" charset="0"/>
+                            </a:rPr>
+                            <m:t>𝑞𝑘</m:t>
+                          </m:r>
+                        </m:sub>
+                      </m:sSub>
+                    </m:oMath>
+                  </m:oMathPara>
+                </a14:m>
+                <a:endParaRPr kumimoji="1" lang="zh-CN" altLang="en-US" i="1" dirty="0"/>
+              </a:p>
+            </p:txBody>
+          </p:sp>
+        </mc:Choice>
+        <mc:Fallback>
+          <p:sp>
+            <p:nvSpPr>
+              <p:cNvPr id="42" name="文本框 41">
+                <a:extLst>
+                  <a:ext uri="{FF2B5EF4-FFF2-40B4-BE49-F238E27FC236}">
+                    <a16:creationId xmlns:a16="http://schemas.microsoft.com/office/drawing/2014/main" id="{A4629E08-05DF-D80D-B24D-0709C9C40EF2}"/>
+                  </a:ext>
+                </a:extLst>
+              </p:cNvPr>
+              <p:cNvSpPr txBox="1">
+                <a:spLocks noRot="1" noChangeAspect="1" noMove="1" noResize="1" noEditPoints="1" noAdjustHandles="1" noChangeArrowheads="1" noChangeShapeType="1" noTextEdit="1"/>
+              </p:cNvSpPr>
+              <p:nvPr/>
+            </p:nvSpPr>
+            <p:spPr>
+              <a:xfrm>
+                <a:off x="1957184" y="2569604"/>
+                <a:ext cx="427361" cy="298415"/>
+              </a:xfrm>
+              <a:prstGeom prst="rect">
+                <a:avLst/>
+              </a:prstGeom>
+              <a:blipFill>
+                <a:blip r:embed="rId2"/>
+                <a:stretch>
+                  <a:fillRect l="-11765" r="-5882" b="-25000"/>
+                </a:stretch>
+              </a:blipFill>
+            </p:spPr>
+            <p:txBody>
+              <a:bodyPr/>
+              <a:lstStyle/>
+              <a:p>
+                <a:r>
+                  <a:rPr lang="zh-CN" altLang="en-US">
+                    <a:noFill/>
+                  </a:rPr>
+                  <a:t> </a:t>
+                </a:r>
+              </a:p>
+            </p:txBody>
+          </p:sp>
+        </mc:Fallback>
+      </mc:AlternateContent>
+      <p:sp>
+        <p:nvSpPr>
+          <p:cNvPr id="2" name="矩形 1">
+            <a:extLst>
+              <a:ext uri="{FF2B5EF4-FFF2-40B4-BE49-F238E27FC236}">
+                <a16:creationId xmlns:a16="http://schemas.microsoft.com/office/drawing/2014/main" id="{2DE380CC-1387-C998-A609-D222CD878C55}"/>
+              </a:ext>
+            </a:extLst>
+          </p:cNvPr>
+          <p:cNvSpPr/>
+          <p:nvPr/>
+        </p:nvSpPr>
+        <p:spPr>
+          <a:xfrm>
+            <a:off x="2372303" y="2511379"/>
+            <a:ext cx="3526847" cy="1244291"/>
+          </a:xfrm>
+          <a:prstGeom prst="rect">
+            <a:avLst/>
+          </a:prstGeom>
+          <a:solidFill>
+            <a:schemeClr val="bg1"/>
+          </a:solidFill>
+        </p:spPr>
+        <p:style>
+          <a:lnRef idx="2">
+            <a:schemeClr val="accent1">
+              <a:shade val="15000"/>
+            </a:schemeClr>
+          </a:lnRef>
+          <a:fillRef idx="1">
+            <a:schemeClr val="accent1"/>
+          </a:fillRef>
+          <a:effectRef idx="0">
+            <a:schemeClr val="accent1"/>
+          </a:effectRef>
+          <a:fontRef idx="minor">
+            <a:schemeClr val="lt1"/>
+          </a:fontRef>
+        </p:style>
+        <p:txBody>
+          <a:bodyPr rtlCol="0" anchor="ctr"/>
+          <a:lstStyle/>
+          <a:p>
+            <a:pPr algn="ctr"/>
+            <a:endParaRPr kumimoji="1" lang="zh-CN" altLang="en-US"/>
+          </a:p>
+        </p:txBody>
+      </p:sp>
+      <p:sp>
+        <p:nvSpPr>
+          <p:cNvPr id="4" name="矩形 3">
+            <a:extLst>
+              <a:ext uri="{FF2B5EF4-FFF2-40B4-BE49-F238E27FC236}">
+                <a16:creationId xmlns:a16="http://schemas.microsoft.com/office/drawing/2014/main" id="{8A8802C6-8F1A-3102-C4E2-ACA69481BAD0}"/>
+              </a:ext>
+            </a:extLst>
+          </p:cNvPr>
+          <p:cNvSpPr/>
+          <p:nvPr/>
+        </p:nvSpPr>
+        <p:spPr>
+          <a:xfrm>
+            <a:off x="3183470" y="2511379"/>
+            <a:ext cx="51855" cy="465666"/>
+          </a:xfrm>
+          <a:prstGeom prst="rect">
+            <a:avLst/>
+          </a:prstGeom>
+          <a:solidFill>
+            <a:schemeClr val="accent1">
+              <a:lumMod val="20000"/>
+              <a:lumOff val="80000"/>
+            </a:schemeClr>
+          </a:solidFill>
+          <a:ln w="9525"/>
+        </p:spPr>
+        <p:style>
+          <a:lnRef idx="2">
+            <a:schemeClr val="accent1">
+              <a:shade val="15000"/>
+            </a:schemeClr>
+          </a:lnRef>
+          <a:fillRef idx="1">
+            <a:schemeClr val="accent1"/>
+          </a:fillRef>
+          <a:effectRef idx="0">
+            <a:schemeClr val="accent1"/>
+          </a:effectRef>
+          <a:fontRef idx="minor">
+            <a:schemeClr val="lt1"/>
+          </a:fontRef>
+        </p:style>
+        <p:txBody>
+          <a:bodyPr rtlCol="0" anchor="ctr"/>
+          <a:lstStyle/>
+          <a:p>
+            <a:pPr algn="ctr"/>
+            <a:endParaRPr kumimoji="1" lang="zh-CN" altLang="en-US"/>
+          </a:p>
+        </p:txBody>
+      </p:sp>
+      <p:cxnSp>
+        <p:nvCxnSpPr>
+          <p:cNvPr id="5" name="直线箭头连接符 4">
+            <a:extLst>
+              <a:ext uri="{FF2B5EF4-FFF2-40B4-BE49-F238E27FC236}">
+                <a16:creationId xmlns:a16="http://schemas.microsoft.com/office/drawing/2014/main" id="{C2267AED-4F8E-62F8-2942-C00E1946E621}"/>
+              </a:ext>
+            </a:extLst>
+          </p:cNvPr>
+          <p:cNvCxnSpPr>
+            <a:cxnSpLocks/>
+          </p:cNvCxnSpPr>
+          <p:nvPr/>
+        </p:nvCxnSpPr>
+        <p:spPr>
+          <a:xfrm flipH="1">
+            <a:off x="2372303" y="3902413"/>
+            <a:ext cx="3526847" cy="0"/>
+          </a:xfrm>
+          <a:prstGeom prst="straightConnector1">
+            <a:avLst/>
+          </a:prstGeom>
+          <a:ln>
+            <a:solidFill>
+              <a:schemeClr val="tx1"/>
+            </a:solidFill>
+            <a:headEnd type="triangle" w="lg" len="lg"/>
+            <a:tailEnd type="triangle" w="lg" len="lg"/>
+          </a:ln>
+        </p:spPr>
+        <p:style>
+          <a:lnRef idx="2">
+            <a:schemeClr val="accent1"/>
+          </a:lnRef>
+          <a:fillRef idx="0">
+            <a:schemeClr val="accent1"/>
+          </a:fillRef>
+          <a:effectRef idx="1">
+            <a:schemeClr val="accent1"/>
+          </a:effectRef>
+          <a:fontRef idx="minor">
+            <a:schemeClr val="tx1"/>
+          </a:fontRef>
+        </p:style>
+      </p:cxnSp>
+      <mc:AlternateContent xmlns:mc="http://schemas.openxmlformats.org/markup-compatibility/2006">
+        <mc:Choice xmlns:a14="http://schemas.microsoft.com/office/drawing/2010/main" Requires="a14">
+          <p:sp>
+            <p:nvSpPr>
+              <p:cNvPr id="6" name="文本框 5">
+                <a:extLst>
+                  <a:ext uri="{FF2B5EF4-FFF2-40B4-BE49-F238E27FC236}">
+                    <a16:creationId xmlns:a16="http://schemas.microsoft.com/office/drawing/2014/main" id="{6FABED62-1CEC-8D0B-5690-8AA507CCB44F}"/>
+                  </a:ext>
+                </a:extLst>
+              </p:cNvPr>
+              <p:cNvSpPr txBox="1"/>
+              <p:nvPr/>
+            </p:nvSpPr>
+            <p:spPr>
+              <a:xfrm>
+                <a:off x="3375028" y="3902413"/>
+                <a:ext cx="1543044" cy="369332"/>
+              </a:xfrm>
+              <a:prstGeom prst="rect">
+                <a:avLst/>
+              </a:prstGeom>
+              <a:noFill/>
+            </p:spPr>
+            <p:txBody>
+              <a:bodyPr wrap="square" rtlCol="0">
+                <a:spAutoFit/>
+              </a:bodyPr>
+              <a:lstStyle/>
+              <a:p>
+                <a:pPr algn="ctr"/>
+                <a14:m>
+                  <m:oMathPara xmlns:m="http://schemas.openxmlformats.org/officeDocument/2006/math">
+                    <m:oMathParaPr>
+                      <m:jc m:val="centerGroup"/>
+                    </m:oMathParaPr>
+                    <m:oMath xmlns:m="http://schemas.openxmlformats.org/officeDocument/2006/math">
+                      <m:r>
+                        <a:rPr kumimoji="1" lang="en-US" altLang="zh-CN" i="1" dirty="0" smtClean="0">
+                          <a:latin typeface="Cambria Math" panose="02040503050406030204" pitchFamily="18" charset="0"/>
+                        </a:rPr>
+                        <m:t>𝐿</m:t>
+                      </m:r>
+                    </m:oMath>
+                  </m:oMathPara>
+                </a14:m>
+                <a:endParaRPr kumimoji="1" lang="zh-CN" altLang="en-US" dirty="0"/>
+              </a:p>
+            </p:txBody>
+          </p:sp>
+        </mc:Choice>
+        <mc:Fallback>
+          <p:sp>
+            <p:nvSpPr>
+              <p:cNvPr id="6" name="文本框 5">
+                <a:extLst>
+                  <a:ext uri="{FF2B5EF4-FFF2-40B4-BE49-F238E27FC236}">
+                    <a16:creationId xmlns:a16="http://schemas.microsoft.com/office/drawing/2014/main" id="{6FABED62-1CEC-8D0B-5690-8AA507CCB44F}"/>
+                  </a:ext>
+                </a:extLst>
+              </p:cNvPr>
+              <p:cNvSpPr txBox="1">
+                <a:spLocks noRot="1" noChangeAspect="1" noMove="1" noResize="1" noEditPoints="1" noAdjustHandles="1" noChangeArrowheads="1" noChangeShapeType="1" noTextEdit="1"/>
+              </p:cNvSpPr>
+              <p:nvPr/>
+            </p:nvSpPr>
+            <p:spPr>
+              <a:xfrm>
+                <a:off x="3375028" y="3902413"/>
+                <a:ext cx="1543044" cy="369332"/>
+              </a:xfrm>
+              <a:prstGeom prst="rect">
+                <a:avLst/>
+              </a:prstGeom>
+              <a:blipFill>
+                <a:blip r:embed="rId3"/>
+                <a:stretch>
+                  <a:fillRect/>
+                </a:stretch>
+              </a:blipFill>
+            </p:spPr>
+            <p:txBody>
+              <a:bodyPr/>
+              <a:lstStyle/>
+              <a:p>
+                <a:r>
+                  <a:rPr lang="zh-CN" altLang="en-US">
+                    <a:noFill/>
+                  </a:rPr>
+                  <a:t> </a:t>
+                </a:r>
+              </a:p>
+            </p:txBody>
+          </p:sp>
+        </mc:Fallback>
+      </mc:AlternateContent>
+      <mc:AlternateContent xmlns:mc="http://schemas.openxmlformats.org/markup-compatibility/2006">
+        <mc:Choice xmlns:a14="http://schemas.microsoft.com/office/drawing/2010/main" Requires="a14">
+          <p:sp>
+            <p:nvSpPr>
+              <p:cNvPr id="12" name="文本框 11">
+                <a:extLst>
+                  <a:ext uri="{FF2B5EF4-FFF2-40B4-BE49-F238E27FC236}">
+                    <a16:creationId xmlns:a16="http://schemas.microsoft.com/office/drawing/2014/main" id="{3C638755-BDC7-8956-5E0F-FCA5929CCC60}"/>
+                  </a:ext>
+                </a:extLst>
+              </p:cNvPr>
+              <p:cNvSpPr txBox="1"/>
+              <p:nvPr/>
+            </p:nvSpPr>
+            <p:spPr>
+              <a:xfrm>
+                <a:off x="4146550" y="2977045"/>
+                <a:ext cx="218521" cy="276999"/>
+              </a:xfrm>
+              <a:prstGeom prst="rect">
+                <a:avLst/>
+              </a:prstGeom>
+              <a:noFill/>
+            </p:spPr>
+            <p:txBody>
+              <a:bodyPr wrap="none" lIns="0" tIns="0" rIns="0" bIns="0" rtlCol="0">
+                <a:spAutoFit/>
+              </a:bodyPr>
+              <a:lstStyle/>
+              <a:p>
+                <a:pPr/>
+                <a14:m>
+                  <m:oMathPara xmlns:m="http://schemas.openxmlformats.org/officeDocument/2006/math">
+                    <m:oMathParaPr>
+                      <m:jc m:val="centerGroup"/>
+                    </m:oMathParaPr>
+                    <m:oMath xmlns:m="http://schemas.openxmlformats.org/officeDocument/2006/math">
+                      <m:r>
+                        <a:rPr kumimoji="1" lang="en-US" altLang="zh-CN" b="0" i="1" smtClean="0">
+                          <a:latin typeface="Cambria Math" panose="02040503050406030204" pitchFamily="18" charset="0"/>
+                        </a:rPr>
+                        <m:t>𝐺</m:t>
+                      </m:r>
+                    </m:oMath>
+                  </m:oMathPara>
+                </a14:m>
+                <a:endParaRPr kumimoji="1" lang="zh-CN" altLang="en-US" i="1" dirty="0"/>
+              </a:p>
+            </p:txBody>
+          </p:sp>
+        </mc:Choice>
+        <mc:Fallback>
+          <p:sp>
+            <p:nvSpPr>
+              <p:cNvPr id="12" name="文本框 11">
+                <a:extLst>
+                  <a:ext uri="{FF2B5EF4-FFF2-40B4-BE49-F238E27FC236}">
+                    <a16:creationId xmlns:a16="http://schemas.microsoft.com/office/drawing/2014/main" id="{3C638755-BDC7-8956-5E0F-FCA5929CCC60}"/>
+                  </a:ext>
+                </a:extLst>
+              </p:cNvPr>
+              <p:cNvSpPr txBox="1">
+                <a:spLocks noRot="1" noChangeAspect="1" noMove="1" noResize="1" noEditPoints="1" noAdjustHandles="1" noChangeArrowheads="1" noChangeShapeType="1" noTextEdit="1"/>
+              </p:cNvSpPr>
+              <p:nvPr/>
+            </p:nvSpPr>
+            <p:spPr>
+              <a:xfrm>
+                <a:off x="4146550" y="2977045"/>
+                <a:ext cx="218521" cy="276999"/>
+              </a:xfrm>
+              <a:prstGeom prst="rect">
+                <a:avLst/>
+              </a:prstGeom>
+              <a:blipFill>
+                <a:blip r:embed="rId4"/>
+                <a:stretch>
+                  <a:fillRect l="-22222" r="-16667" b="-4348"/>
+                </a:stretch>
+              </a:blipFill>
+            </p:spPr>
+            <p:txBody>
+              <a:bodyPr/>
+              <a:lstStyle/>
+              <a:p>
+                <a:r>
+                  <a:rPr lang="zh-CN" altLang="en-US">
+                    <a:noFill/>
+                  </a:rPr>
+                  <a:t> </a:t>
+                </a:r>
+              </a:p>
+            </p:txBody>
+          </p:sp>
+        </mc:Fallback>
+      </mc:AlternateContent>
+      <mc:AlternateContent xmlns:mc="http://schemas.openxmlformats.org/markup-compatibility/2006">
+        <mc:Choice xmlns:a14="http://schemas.microsoft.com/office/drawing/2010/main" Requires="a14">
+          <p:sp>
+            <p:nvSpPr>
+              <p:cNvPr id="14" name="文本框 13">
+                <a:extLst>
+                  <a:ext uri="{FF2B5EF4-FFF2-40B4-BE49-F238E27FC236}">
+                    <a16:creationId xmlns:a16="http://schemas.microsoft.com/office/drawing/2014/main" id="{934E1011-9B58-B2FB-6A0F-87CF1574A3F5}"/>
+                  </a:ext>
+                </a:extLst>
+              </p:cNvPr>
+              <p:cNvSpPr txBox="1"/>
+              <p:nvPr/>
+            </p:nvSpPr>
+            <p:spPr>
+              <a:xfrm>
+                <a:off x="3106604" y="2041465"/>
+                <a:ext cx="915572" cy="276999"/>
+              </a:xfrm>
+              <a:prstGeom prst="rect">
+                <a:avLst/>
+              </a:prstGeom>
+              <a:noFill/>
+            </p:spPr>
+            <p:txBody>
+              <a:bodyPr wrap="none" lIns="0" tIns="0" rIns="0" bIns="0" rtlCol="0">
+                <a:spAutoFit/>
+              </a:bodyPr>
+              <a:lstStyle/>
+              <a:p>
+                <a:pPr/>
+                <a14:m>
+                  <m:oMathPara xmlns:m="http://schemas.openxmlformats.org/officeDocument/2006/math">
+                    <m:oMathParaPr>
+                      <m:jc m:val="centerGroup"/>
+                    </m:oMathParaPr>
+                    <m:oMath xmlns:m="http://schemas.openxmlformats.org/officeDocument/2006/math">
+                      <m:r>
+                        <a:rPr kumimoji="1" lang="en-US" altLang="zh-CN" b="0" i="1" smtClean="0">
+                          <a:latin typeface="Cambria Math" panose="02040503050406030204" pitchFamily="18" charset="0"/>
+                        </a:rPr>
+                        <m:t>𝐵𝑇</m:t>
+                      </m:r>
+                      <m:r>
+                        <a:rPr kumimoji="1" lang="en-US" altLang="zh-CN" b="0" i="1" smtClean="0">
+                          <a:latin typeface="Cambria Math" panose="02040503050406030204" pitchFamily="18" charset="0"/>
+                        </a:rPr>
+                        <m:t>=16</m:t>
+                      </m:r>
+                    </m:oMath>
+                  </m:oMathPara>
+                </a14:m>
+                <a:endParaRPr kumimoji="1" lang="zh-CN" altLang="en-US" i="1" dirty="0"/>
+              </a:p>
+            </p:txBody>
+          </p:sp>
+        </mc:Choice>
+        <mc:Fallback>
+          <p:sp>
+            <p:nvSpPr>
+              <p:cNvPr id="14" name="文本框 13">
+                <a:extLst>
+                  <a:ext uri="{FF2B5EF4-FFF2-40B4-BE49-F238E27FC236}">
+                    <a16:creationId xmlns:a16="http://schemas.microsoft.com/office/drawing/2014/main" id="{934E1011-9B58-B2FB-6A0F-87CF1574A3F5}"/>
+                  </a:ext>
+                </a:extLst>
+              </p:cNvPr>
+              <p:cNvSpPr txBox="1">
+                <a:spLocks noRot="1" noChangeAspect="1" noMove="1" noResize="1" noEditPoints="1" noAdjustHandles="1" noChangeArrowheads="1" noChangeShapeType="1" noTextEdit="1"/>
+              </p:cNvSpPr>
+              <p:nvPr/>
+            </p:nvSpPr>
+            <p:spPr>
+              <a:xfrm>
+                <a:off x="3106604" y="2041465"/>
+                <a:ext cx="915572" cy="276999"/>
+              </a:xfrm>
+              <a:prstGeom prst="rect">
+                <a:avLst/>
+              </a:prstGeom>
+              <a:blipFill>
+                <a:blip r:embed="rId5"/>
+                <a:stretch>
+                  <a:fillRect l="-5479" r="-5479" b="-4348"/>
+                </a:stretch>
+              </a:blipFill>
+            </p:spPr>
+            <p:txBody>
+              <a:bodyPr/>
+              <a:lstStyle/>
+              <a:p>
+                <a:r>
+                  <a:rPr lang="zh-CN" altLang="en-US">
+                    <a:noFill/>
+                  </a:rPr>
+                  <a:t> </a:t>
+                </a:r>
+              </a:p>
+            </p:txBody>
+          </p:sp>
+        </mc:Fallback>
+      </mc:AlternateContent>
+      <p:sp>
+        <p:nvSpPr>
+          <p:cNvPr id="3" name="矩形 2">
+            <a:extLst>
+              <a:ext uri="{FF2B5EF4-FFF2-40B4-BE49-F238E27FC236}">
+                <a16:creationId xmlns:a16="http://schemas.microsoft.com/office/drawing/2014/main" id="{A2C45A5F-ED7D-F7FD-9273-6B83E9E7A0C2}"/>
+              </a:ext>
+            </a:extLst>
+          </p:cNvPr>
+          <p:cNvSpPr/>
+          <p:nvPr/>
+        </p:nvSpPr>
+        <p:spPr>
+          <a:xfrm>
+            <a:off x="3645155" y="2511378"/>
+            <a:ext cx="45719" cy="465666"/>
+          </a:xfrm>
+          <a:prstGeom prst="rect">
+            <a:avLst/>
+          </a:prstGeom>
+          <a:solidFill>
+            <a:schemeClr val="accent6">
+              <a:lumMod val="75000"/>
+              <a:alpha val="29000"/>
+            </a:schemeClr>
+          </a:solidFill>
+          <a:ln w="9525"/>
+        </p:spPr>
+        <p:style>
+          <a:lnRef idx="2">
+            <a:schemeClr val="accent1">
+              <a:shade val="15000"/>
+            </a:schemeClr>
+          </a:lnRef>
+          <a:fillRef idx="1">
+            <a:schemeClr val="accent1"/>
+          </a:fillRef>
+          <a:effectRef idx="0">
+            <a:schemeClr val="accent1"/>
+          </a:effectRef>
+          <a:fontRef idx="minor">
+            <a:schemeClr val="lt1"/>
+          </a:fontRef>
+        </p:style>
+        <p:txBody>
+          <a:bodyPr rtlCol="0" anchor="ctr"/>
+          <a:lstStyle/>
+          <a:p>
+            <a:pPr algn="ctr"/>
+            <a:endParaRPr kumimoji="1" lang="zh-CN" altLang="en-US"/>
+          </a:p>
+        </p:txBody>
+      </p:sp>
       <p:grpSp>
         <p:nvGrpSpPr>
-          <p:cNvPr id="46" name="组合 45">
+          <p:cNvPr id="17" name="组合 16">
             <a:extLst>
               <a:ext uri="{FF2B5EF4-FFF2-40B4-BE49-F238E27FC236}">
-                <a16:creationId xmlns:a16="http://schemas.microsoft.com/office/drawing/2014/main" id="{2C0A2CE1-16BE-221D-230D-83B39E2EE710}"/>
+                <a16:creationId xmlns:a16="http://schemas.microsoft.com/office/drawing/2014/main" id="{E37DCE6B-B054-5AB8-81C6-6ED93413DC76}"/>
               </a:ext>
             </a:extLst>
           </p:cNvPr>
@@ -17210,498 +18101,18 @@
         </p:nvGrpSpPr>
         <p:grpSpPr>
           <a:xfrm>
-            <a:off x="2665549" y="1115665"/>
-            <a:ext cx="4998236" cy="4748349"/>
-            <a:chOff x="557349" y="1225731"/>
-            <a:chExt cx="4998236" cy="4748349"/>
+            <a:off x="2589265" y="1456311"/>
+            <a:ext cx="2157498" cy="465666"/>
+            <a:chOff x="2560587" y="1136021"/>
+            <a:chExt cx="2157498" cy="465666"/>
           </a:xfrm>
         </p:grpSpPr>
-        <mc:AlternateContent xmlns:mc="http://schemas.openxmlformats.org/markup-compatibility/2006">
-          <mc:Choice xmlns:a14="http://schemas.microsoft.com/office/drawing/2010/main" Requires="a14">
-            <p:sp>
-              <p:nvSpPr>
-                <p:cNvPr id="5" name="矩形 4">
-                  <a:extLst>
-                    <a:ext uri="{FF2B5EF4-FFF2-40B4-BE49-F238E27FC236}">
-                      <a16:creationId xmlns:a16="http://schemas.microsoft.com/office/drawing/2014/main" id="{0C36334D-D384-26A6-9518-0DC8E18970F1}"/>
-                    </a:ext>
-                  </a:extLst>
-                </p:cNvPr>
-                <p:cNvSpPr/>
-                <p:nvPr/>
-              </p:nvSpPr>
-              <p:spPr>
-                <a:xfrm>
-                  <a:off x="557349" y="3770811"/>
-                  <a:ext cx="748937" cy="2203269"/>
-                </a:xfrm>
-                <a:prstGeom prst="rect">
-                  <a:avLst/>
-                </a:prstGeom>
-                <a:noFill/>
-              </p:spPr>
-              <p:style>
-                <a:lnRef idx="2">
-                  <a:schemeClr val="accent1">
-                    <a:shade val="15000"/>
-                  </a:schemeClr>
-                </a:lnRef>
-                <a:fillRef idx="1">
-                  <a:schemeClr val="accent1"/>
-                </a:fillRef>
-                <a:effectRef idx="0">
-                  <a:schemeClr val="accent1"/>
-                </a:effectRef>
-                <a:fontRef idx="minor">
-                  <a:schemeClr val="lt1"/>
-                </a:fontRef>
-              </p:style>
-              <p:txBody>
-                <a:bodyPr rtlCol="0" anchor="ctr"/>
-                <a:lstStyle/>
-                <a:p>
-                  <a:pPr algn="ctr"/>
-                  <a14:m>
-                    <m:oMathPara xmlns:m="http://schemas.openxmlformats.org/officeDocument/2006/math">
-                      <m:oMathParaPr>
-                        <m:jc m:val="centerGroup"/>
-                      </m:oMathParaPr>
-                      <m:oMath xmlns:m="http://schemas.openxmlformats.org/officeDocument/2006/math">
-                        <m:r>
-                          <a:rPr kumimoji="1" lang="en-US" altLang="zh-CN" b="0" i="1" smtClean="0">
-                            <a:solidFill>
-                              <a:schemeClr val="tx1"/>
-                            </a:solidFill>
-                            <a:latin typeface="Cambria Math" panose="02040503050406030204" pitchFamily="18" charset="0"/>
-                            <a:cs typeface="Calibri" panose="020F0502020204030204" pitchFamily="34" charset="0"/>
-                          </a:rPr>
-                          <m:t>𝑄</m:t>
-                        </m:r>
-                      </m:oMath>
-                    </m:oMathPara>
-                  </a14:m>
-                  <a:endParaRPr kumimoji="1" lang="zh-CN" altLang="en-US" dirty="0">
-                    <a:solidFill>
-                      <a:schemeClr val="tx1"/>
-                    </a:solidFill>
-                    <a:latin typeface="Calibri" panose="020F0502020204030204" pitchFamily="34" charset="0"/>
-                    <a:cs typeface="Calibri" panose="020F0502020204030204" pitchFamily="34" charset="0"/>
-                  </a:endParaRPr>
-                </a:p>
-              </p:txBody>
-            </p:sp>
-          </mc:Choice>
-          <mc:Fallback>
-            <p:sp>
-              <p:nvSpPr>
-                <p:cNvPr id="5" name="矩形 4">
-                  <a:extLst>
-                    <a:ext uri="{FF2B5EF4-FFF2-40B4-BE49-F238E27FC236}">
-                      <a16:creationId xmlns:a16="http://schemas.microsoft.com/office/drawing/2014/main" id="{0C36334D-D384-26A6-9518-0DC8E18970F1}"/>
-                    </a:ext>
-                  </a:extLst>
-                </p:cNvPr>
-                <p:cNvSpPr>
-                  <a:spLocks noRot="1" noChangeAspect="1" noMove="1" noResize="1" noEditPoints="1" noAdjustHandles="1" noChangeArrowheads="1" noChangeShapeType="1" noTextEdit="1"/>
-                </p:cNvSpPr>
-                <p:nvPr/>
-              </p:nvSpPr>
-              <p:spPr>
-                <a:xfrm>
-                  <a:off x="557349" y="3770811"/>
-                  <a:ext cx="748937" cy="2203269"/>
-                </a:xfrm>
-                <a:prstGeom prst="rect">
-                  <a:avLst/>
-                </a:prstGeom>
-                <a:blipFill>
-                  <a:blip r:embed="rId2"/>
-                  <a:stretch>
-                    <a:fillRect/>
-                  </a:stretch>
-                </a:blipFill>
-              </p:spPr>
-              <p:txBody>
-                <a:bodyPr/>
-                <a:lstStyle/>
-                <a:p>
-                  <a:r>
-                    <a:rPr lang="zh-CN" altLang="en-US">
-                      <a:noFill/>
-                    </a:rPr>
-                    <a:t> </a:t>
-                  </a:r>
-                </a:p>
-              </p:txBody>
-            </p:sp>
-          </mc:Fallback>
-        </mc:AlternateContent>
-        <mc:AlternateContent xmlns:mc="http://schemas.openxmlformats.org/markup-compatibility/2006">
-          <mc:Choice xmlns:a14="http://schemas.microsoft.com/office/drawing/2010/main" Requires="a14">
-            <p:sp>
-              <p:nvSpPr>
-                <p:cNvPr id="6" name="矩形 5">
-                  <a:extLst>
-                    <a:ext uri="{FF2B5EF4-FFF2-40B4-BE49-F238E27FC236}">
-                      <a16:creationId xmlns:a16="http://schemas.microsoft.com/office/drawing/2014/main" id="{7F0B5C8C-754F-69FE-4FCE-61EE481386E1}"/>
-                    </a:ext>
-                  </a:extLst>
-                </p:cNvPr>
-                <p:cNvSpPr/>
-                <p:nvPr/>
-              </p:nvSpPr>
-              <p:spPr>
-                <a:xfrm>
-                  <a:off x="1441269" y="2680062"/>
-                  <a:ext cx="2203269" cy="748938"/>
-                </a:xfrm>
-                <a:prstGeom prst="rect">
-                  <a:avLst/>
-                </a:prstGeom>
-                <a:noFill/>
-              </p:spPr>
-              <p:style>
-                <a:lnRef idx="2">
-                  <a:schemeClr val="accent1">
-                    <a:shade val="15000"/>
-                  </a:schemeClr>
-                </a:lnRef>
-                <a:fillRef idx="1">
-                  <a:schemeClr val="accent1"/>
-                </a:fillRef>
-                <a:effectRef idx="0">
-                  <a:schemeClr val="accent1"/>
-                </a:effectRef>
-                <a:fontRef idx="minor">
-                  <a:schemeClr val="lt1"/>
-                </a:fontRef>
-              </p:style>
-              <p:txBody>
-                <a:bodyPr rtlCol="0" anchor="ctr"/>
-                <a:lstStyle/>
-                <a:p>
-                  <a:pPr algn="ctr"/>
-                  <a14:m>
-                    <m:oMathPara xmlns:m="http://schemas.openxmlformats.org/officeDocument/2006/math">
-                      <m:oMathParaPr>
-                        <m:jc m:val="centerGroup"/>
-                      </m:oMathParaPr>
-                      <m:oMath xmlns:m="http://schemas.openxmlformats.org/officeDocument/2006/math">
-                        <m:r>
-                          <a:rPr kumimoji="1" lang="en-US" altLang="zh-CN" b="0" i="1" smtClean="0">
-                            <a:solidFill>
-                              <a:schemeClr val="tx1"/>
-                            </a:solidFill>
-                            <a:latin typeface="Cambria Math" panose="02040503050406030204" pitchFamily="18" charset="0"/>
-                            <a:cs typeface="Calibri" panose="020F0502020204030204" pitchFamily="34" charset="0"/>
-                          </a:rPr>
-                          <m:t>𝐾</m:t>
-                        </m:r>
-                      </m:oMath>
-                    </m:oMathPara>
-                  </a14:m>
-                  <a:endParaRPr kumimoji="1" lang="zh-CN" altLang="en-US" dirty="0">
-                    <a:solidFill>
-                      <a:schemeClr val="tx1"/>
-                    </a:solidFill>
-                    <a:latin typeface="Calibri" panose="020F0502020204030204" pitchFamily="34" charset="0"/>
-                    <a:cs typeface="Calibri" panose="020F0502020204030204" pitchFamily="34" charset="0"/>
-                  </a:endParaRPr>
-                </a:p>
-              </p:txBody>
-            </p:sp>
-          </mc:Choice>
-          <mc:Fallback>
-            <p:sp>
-              <p:nvSpPr>
-                <p:cNvPr id="6" name="矩形 5">
-                  <a:extLst>
-                    <a:ext uri="{FF2B5EF4-FFF2-40B4-BE49-F238E27FC236}">
-                      <a16:creationId xmlns:a16="http://schemas.microsoft.com/office/drawing/2014/main" id="{7F0B5C8C-754F-69FE-4FCE-61EE481386E1}"/>
-                    </a:ext>
-                  </a:extLst>
-                </p:cNvPr>
-                <p:cNvSpPr>
-                  <a:spLocks noRot="1" noChangeAspect="1" noMove="1" noResize="1" noEditPoints="1" noAdjustHandles="1" noChangeArrowheads="1" noChangeShapeType="1" noTextEdit="1"/>
-                </p:cNvSpPr>
-                <p:nvPr/>
-              </p:nvSpPr>
-              <p:spPr>
-                <a:xfrm>
-                  <a:off x="1441269" y="2680062"/>
-                  <a:ext cx="2203269" cy="748938"/>
-                </a:xfrm>
-                <a:prstGeom prst="rect">
-                  <a:avLst/>
-                </a:prstGeom>
-                <a:blipFill>
-                  <a:blip r:embed="rId3"/>
-                  <a:stretch>
-                    <a:fillRect/>
-                  </a:stretch>
-                </a:blipFill>
-              </p:spPr>
-              <p:txBody>
-                <a:bodyPr/>
-                <a:lstStyle/>
-                <a:p>
-                  <a:r>
-                    <a:rPr lang="zh-CN" altLang="en-US">
-                      <a:noFill/>
-                    </a:rPr>
-                    <a:t> </a:t>
-                  </a:r>
-                </a:p>
-              </p:txBody>
-            </p:sp>
-          </mc:Fallback>
-        </mc:AlternateContent>
-        <mc:AlternateContent xmlns:mc="http://schemas.openxmlformats.org/markup-compatibility/2006">
-          <mc:Choice xmlns:a14="http://schemas.microsoft.com/office/drawing/2010/main" Requires="a14">
-            <p:sp>
-              <p:nvSpPr>
-                <p:cNvPr id="7" name="矩形 6">
-                  <a:extLst>
-                    <a:ext uri="{FF2B5EF4-FFF2-40B4-BE49-F238E27FC236}">
-                      <a16:creationId xmlns:a16="http://schemas.microsoft.com/office/drawing/2014/main" id="{F422D613-3FD1-AF52-F9B1-45137F45E113}"/>
-                    </a:ext>
-                  </a:extLst>
-                </p:cNvPr>
-                <p:cNvSpPr/>
-                <p:nvPr/>
-              </p:nvSpPr>
-              <p:spPr>
-                <a:xfrm>
-                  <a:off x="3836126" y="1225731"/>
-                  <a:ext cx="748937" cy="2203269"/>
-                </a:xfrm>
-                <a:prstGeom prst="rect">
-                  <a:avLst/>
-                </a:prstGeom>
-                <a:noFill/>
-              </p:spPr>
-              <p:style>
-                <a:lnRef idx="2">
-                  <a:schemeClr val="accent1">
-                    <a:shade val="15000"/>
-                  </a:schemeClr>
-                </a:lnRef>
-                <a:fillRef idx="1">
-                  <a:schemeClr val="accent1"/>
-                </a:fillRef>
-                <a:effectRef idx="0">
-                  <a:schemeClr val="accent1"/>
-                </a:effectRef>
-                <a:fontRef idx="minor">
-                  <a:schemeClr val="lt1"/>
-                </a:fontRef>
-              </p:style>
-              <p:txBody>
-                <a:bodyPr rtlCol="0" anchor="ctr"/>
-                <a:lstStyle/>
-                <a:p>
-                  <a:pPr algn="ctr"/>
-                  <a14:m>
-                    <m:oMathPara xmlns:m="http://schemas.openxmlformats.org/officeDocument/2006/math">
-                      <m:oMathParaPr>
-                        <m:jc m:val="centerGroup"/>
-                      </m:oMathParaPr>
-                      <m:oMath xmlns:m="http://schemas.openxmlformats.org/officeDocument/2006/math">
-                        <m:r>
-                          <a:rPr kumimoji="1" lang="en-US" altLang="zh-CN" b="0" i="1" smtClean="0">
-                            <a:solidFill>
-                              <a:schemeClr val="tx1"/>
-                            </a:solidFill>
-                            <a:latin typeface="Cambria Math" panose="02040503050406030204" pitchFamily="18" charset="0"/>
-                            <a:cs typeface="Calibri" panose="020F0502020204030204" pitchFamily="34" charset="0"/>
-                          </a:rPr>
-                          <m:t>𝑉</m:t>
-                        </m:r>
-                      </m:oMath>
-                    </m:oMathPara>
-                  </a14:m>
-                  <a:endParaRPr kumimoji="1" lang="zh-CN" altLang="en-US" dirty="0">
-                    <a:solidFill>
-                      <a:schemeClr val="tx1"/>
-                    </a:solidFill>
-                    <a:latin typeface="Calibri" panose="020F0502020204030204" pitchFamily="34" charset="0"/>
-                    <a:cs typeface="Calibri" panose="020F0502020204030204" pitchFamily="34" charset="0"/>
-                  </a:endParaRPr>
-                </a:p>
-              </p:txBody>
-            </p:sp>
-          </mc:Choice>
-          <mc:Fallback>
-            <p:sp>
-              <p:nvSpPr>
-                <p:cNvPr id="7" name="矩形 6">
-                  <a:extLst>
-                    <a:ext uri="{FF2B5EF4-FFF2-40B4-BE49-F238E27FC236}">
-                      <a16:creationId xmlns:a16="http://schemas.microsoft.com/office/drawing/2014/main" id="{F422D613-3FD1-AF52-F9B1-45137F45E113}"/>
-                    </a:ext>
-                  </a:extLst>
-                </p:cNvPr>
-                <p:cNvSpPr>
-                  <a:spLocks noRot="1" noChangeAspect="1" noMove="1" noResize="1" noEditPoints="1" noAdjustHandles="1" noChangeArrowheads="1" noChangeShapeType="1" noTextEdit="1"/>
-                </p:cNvSpPr>
-                <p:nvPr/>
-              </p:nvSpPr>
-              <p:spPr>
-                <a:xfrm>
-                  <a:off x="3836126" y="1225731"/>
-                  <a:ext cx="748937" cy="2203269"/>
-                </a:xfrm>
-                <a:prstGeom prst="rect">
-                  <a:avLst/>
-                </a:prstGeom>
-                <a:blipFill>
-                  <a:blip r:embed="rId4"/>
-                  <a:stretch>
-                    <a:fillRect/>
-                  </a:stretch>
-                </a:blipFill>
-              </p:spPr>
-              <p:txBody>
-                <a:bodyPr/>
-                <a:lstStyle/>
-                <a:p>
-                  <a:r>
-                    <a:rPr lang="zh-CN" altLang="en-US">
-                      <a:noFill/>
-                    </a:rPr>
-                    <a:t> </a:t>
-                  </a:r>
-                </a:p>
-              </p:txBody>
-            </p:sp>
-          </mc:Fallback>
-        </mc:AlternateContent>
-        <mc:AlternateContent xmlns:mc="http://schemas.openxmlformats.org/markup-compatibility/2006">
-          <mc:Choice xmlns:a14="http://schemas.microsoft.com/office/drawing/2010/main" Requires="a14">
-            <p:sp>
-              <p:nvSpPr>
-                <p:cNvPr id="8" name="矩形 7">
-                  <a:extLst>
-                    <a:ext uri="{FF2B5EF4-FFF2-40B4-BE49-F238E27FC236}">
-                      <a16:creationId xmlns:a16="http://schemas.microsoft.com/office/drawing/2014/main" id="{7A9C206C-A365-D1C5-2565-A0D9CAA9899E}"/>
-                    </a:ext>
-                  </a:extLst>
-                </p:cNvPr>
-                <p:cNvSpPr/>
-                <p:nvPr/>
-              </p:nvSpPr>
-              <p:spPr>
-                <a:xfrm>
-                  <a:off x="4806648" y="1225731"/>
-                  <a:ext cx="748937" cy="2203269"/>
-                </a:xfrm>
-                <a:prstGeom prst="rect">
-                  <a:avLst/>
-                </a:prstGeom>
-                <a:noFill/>
-              </p:spPr>
-              <p:style>
-                <a:lnRef idx="2">
-                  <a:schemeClr val="accent1">
-                    <a:shade val="15000"/>
-                  </a:schemeClr>
-                </a:lnRef>
-                <a:fillRef idx="1">
-                  <a:schemeClr val="accent1"/>
-                </a:fillRef>
-                <a:effectRef idx="0">
-                  <a:schemeClr val="accent1"/>
-                </a:effectRef>
-                <a:fontRef idx="minor">
-                  <a:schemeClr val="lt1"/>
-                </a:fontRef>
-              </p:style>
-              <p:txBody>
-                <a:bodyPr rtlCol="0" anchor="ctr"/>
-                <a:lstStyle/>
-                <a:p>
-                  <a:pPr algn="ctr"/>
-                  <a14:m>
-                    <m:oMathPara xmlns:m="http://schemas.openxmlformats.org/officeDocument/2006/math">
-                      <m:oMathParaPr>
-                        <m:jc m:val="centerGroup"/>
-                      </m:oMathParaPr>
-                      <m:oMath xmlns:m="http://schemas.openxmlformats.org/officeDocument/2006/math">
-                        <m:r>
-                          <a:rPr kumimoji="1" lang="en-US" altLang="zh-CN" b="0" i="1" smtClean="0">
-                            <a:solidFill>
-                              <a:schemeClr val="tx1"/>
-                            </a:solidFill>
-                            <a:latin typeface="Cambria Math" panose="02040503050406030204" pitchFamily="18" charset="0"/>
-                            <a:cs typeface="Calibri" panose="020F0502020204030204" pitchFamily="34" charset="0"/>
-                          </a:rPr>
-                          <m:t>𝑂</m:t>
-                        </m:r>
-                      </m:oMath>
-                    </m:oMathPara>
-                  </a14:m>
-                  <a:endParaRPr kumimoji="1" lang="zh-CN" altLang="en-US" dirty="0">
-                    <a:solidFill>
-                      <a:schemeClr val="tx1"/>
-                    </a:solidFill>
-                    <a:latin typeface="Calibri" panose="020F0502020204030204" pitchFamily="34" charset="0"/>
-                    <a:cs typeface="Calibri" panose="020F0502020204030204" pitchFamily="34" charset="0"/>
-                  </a:endParaRPr>
-                </a:p>
-              </p:txBody>
-            </p:sp>
-          </mc:Choice>
-          <mc:Fallback>
-            <p:sp>
-              <p:nvSpPr>
-                <p:cNvPr id="8" name="矩形 7">
-                  <a:extLst>
-                    <a:ext uri="{FF2B5EF4-FFF2-40B4-BE49-F238E27FC236}">
-                      <a16:creationId xmlns:a16="http://schemas.microsoft.com/office/drawing/2014/main" id="{7A9C206C-A365-D1C5-2565-A0D9CAA9899E}"/>
-                    </a:ext>
-                  </a:extLst>
-                </p:cNvPr>
-                <p:cNvSpPr>
-                  <a:spLocks noRot="1" noChangeAspect="1" noMove="1" noResize="1" noEditPoints="1" noAdjustHandles="1" noChangeArrowheads="1" noChangeShapeType="1" noTextEdit="1"/>
-                </p:cNvSpPr>
-                <p:nvPr/>
-              </p:nvSpPr>
-              <p:spPr>
-                <a:xfrm>
-                  <a:off x="4806648" y="1225731"/>
-                  <a:ext cx="748937" cy="2203269"/>
-                </a:xfrm>
-                <a:prstGeom prst="rect">
-                  <a:avLst/>
-                </a:prstGeom>
-                <a:blipFill>
-                  <a:blip r:embed="rId5"/>
-                  <a:stretch>
-                    <a:fillRect/>
-                  </a:stretch>
-                </a:blipFill>
-              </p:spPr>
-              <p:txBody>
-                <a:bodyPr/>
-                <a:lstStyle/>
-                <a:p>
-                  <a:r>
-                    <a:rPr lang="zh-CN" altLang="en-US">
-                      <a:noFill/>
-                    </a:rPr>
-                    <a:t> </a:t>
-                  </a:r>
-                </a:p>
-              </p:txBody>
-            </p:sp>
-          </mc:Fallback>
-        </mc:AlternateContent>
         <p:sp>
           <p:nvSpPr>
-            <p:cNvPr id="28" name="矩形 27">
+            <p:cNvPr id="8" name="矩形 7">
               <a:extLst>
                 <a:ext uri="{FF2B5EF4-FFF2-40B4-BE49-F238E27FC236}">
-                  <a16:creationId xmlns:a16="http://schemas.microsoft.com/office/drawing/2014/main" id="{80B0AF29-8AC0-37BA-6D22-E46C86A3437C}"/>
+                  <a16:creationId xmlns:a16="http://schemas.microsoft.com/office/drawing/2014/main" id="{4DE1F039-B085-245E-79E2-CA0704561F06}"/>
                 </a:ext>
               </a:extLst>
             </p:cNvPr>
@@ -17710,402 +18121,14 @@
           </p:nvSpPr>
           <p:spPr>
             <a:xfrm>
-              <a:off x="557349" y="4007879"/>
-              <a:ext cx="348584" cy="157722"/>
+              <a:off x="2560587" y="1136021"/>
+              <a:ext cx="194733" cy="465666"/>
             </a:xfrm>
             <a:prstGeom prst="rect">
               <a:avLst/>
             </a:prstGeom>
             <a:solidFill>
-              <a:srgbClr val="FFC000"/>
-            </a:solidFill>
-          </p:spPr>
-          <p:style>
-            <a:lnRef idx="2">
               <a:schemeClr val="accent1">
-                <a:shade val="15000"/>
-              </a:schemeClr>
-            </a:lnRef>
-            <a:fillRef idx="1">
-              <a:schemeClr val="accent1"/>
-            </a:fillRef>
-            <a:effectRef idx="0">
-              <a:schemeClr val="accent1"/>
-            </a:effectRef>
-            <a:fontRef idx="minor">
-              <a:schemeClr val="lt1"/>
-            </a:fontRef>
-          </p:style>
-          <p:txBody>
-            <a:bodyPr rtlCol="0" anchor="ctr"/>
-            <a:lstStyle/>
-            <a:p>
-              <a:pPr algn="ctr"/>
-              <a:endParaRPr kumimoji="1" lang="zh-CN" altLang="en-US" dirty="0">
-                <a:solidFill>
-                  <a:schemeClr val="tx1"/>
-                </a:solidFill>
-                <a:latin typeface="Calibri" panose="020F0502020204030204" pitchFamily="34" charset="0"/>
-                <a:cs typeface="Calibri" panose="020F0502020204030204" pitchFamily="34" charset="0"/>
-              </a:endParaRPr>
-            </a:p>
-          </p:txBody>
-        </p:sp>
-        <mc:AlternateContent xmlns:mc="http://schemas.openxmlformats.org/markup-compatibility/2006">
-          <mc:Choice xmlns:a14="http://schemas.microsoft.com/office/drawing/2010/main" Requires="a14">
-            <p:sp>
-              <p:nvSpPr>
-                <p:cNvPr id="3" name="矩形 2">
-                  <a:extLst>
-                    <a:ext uri="{FF2B5EF4-FFF2-40B4-BE49-F238E27FC236}">
-                      <a16:creationId xmlns:a16="http://schemas.microsoft.com/office/drawing/2014/main" id="{D12FFB80-BCAD-D7F2-54F8-9AFEC1A86F13}"/>
-                    </a:ext>
-                  </a:extLst>
-                </p:cNvPr>
-                <p:cNvSpPr/>
-                <p:nvPr/>
-              </p:nvSpPr>
-              <p:spPr>
-                <a:xfrm>
-                  <a:off x="1441269" y="1824928"/>
-                  <a:ext cx="2203269" cy="748938"/>
-                </a:xfrm>
-                <a:prstGeom prst="rect">
-                  <a:avLst/>
-                </a:prstGeom>
-                <a:noFill/>
-              </p:spPr>
-              <p:style>
-                <a:lnRef idx="2">
-                  <a:schemeClr val="accent1">
-                    <a:shade val="15000"/>
-                  </a:schemeClr>
-                </a:lnRef>
-                <a:fillRef idx="1">
-                  <a:schemeClr val="accent1"/>
-                </a:fillRef>
-                <a:effectRef idx="0">
-                  <a:schemeClr val="accent1"/>
-                </a:effectRef>
-                <a:fontRef idx="minor">
-                  <a:schemeClr val="lt1"/>
-                </a:fontRef>
-              </p:style>
-              <p:txBody>
-                <a:bodyPr rtlCol="0" anchor="ctr"/>
-                <a:lstStyle/>
-                <a:p>
-                  <a:pPr algn="ctr"/>
-                  <a14:m>
-                    <m:oMathPara xmlns:m="http://schemas.openxmlformats.org/officeDocument/2006/math">
-                      <m:oMathParaPr>
-                        <m:jc m:val="centerGroup"/>
-                      </m:oMathParaPr>
-                      <m:oMath xmlns:m="http://schemas.openxmlformats.org/officeDocument/2006/math">
-                        <m:r>
-                          <a:rPr kumimoji="1" lang="en-US" altLang="zh-CN" b="0" i="1" smtClean="0">
-                            <a:solidFill>
-                              <a:schemeClr val="tx1"/>
-                            </a:solidFill>
-                            <a:latin typeface="Cambria Math" panose="02040503050406030204" pitchFamily="18" charset="0"/>
-                            <a:cs typeface="Calibri" panose="020F0502020204030204" pitchFamily="34" charset="0"/>
-                          </a:rPr>
-                          <m:t>𝑔</m:t>
-                        </m:r>
-                        <m:r>
-                          <a:rPr kumimoji="1" lang="en-US" altLang="zh-CN" b="0" i="1" smtClean="0">
-                            <a:solidFill>
-                              <a:schemeClr val="tx1"/>
-                            </a:solidFill>
-                            <a:latin typeface="Cambria Math" panose="02040503050406030204" pitchFamily="18" charset="0"/>
-                            <a:cs typeface="Calibri" panose="020F0502020204030204" pitchFamily="34" charset="0"/>
-                          </a:rPr>
-                          <m:t>𝐾</m:t>
-                        </m:r>
-                      </m:oMath>
-                    </m:oMathPara>
-                  </a14:m>
-                  <a:endParaRPr kumimoji="1" lang="zh-CN" altLang="en-US" dirty="0">
-                    <a:solidFill>
-                      <a:schemeClr val="tx1"/>
-                    </a:solidFill>
-                    <a:latin typeface="Calibri" panose="020F0502020204030204" pitchFamily="34" charset="0"/>
-                    <a:cs typeface="Calibri" panose="020F0502020204030204" pitchFamily="34" charset="0"/>
-                  </a:endParaRPr>
-                </a:p>
-              </p:txBody>
-            </p:sp>
-          </mc:Choice>
-          <mc:Fallback>
-            <p:sp>
-              <p:nvSpPr>
-                <p:cNvPr id="3" name="矩形 2">
-                  <a:extLst>
-                    <a:ext uri="{FF2B5EF4-FFF2-40B4-BE49-F238E27FC236}">
-                      <a16:creationId xmlns:a16="http://schemas.microsoft.com/office/drawing/2014/main" id="{D12FFB80-BCAD-D7F2-54F8-9AFEC1A86F13}"/>
-                    </a:ext>
-                  </a:extLst>
-                </p:cNvPr>
-                <p:cNvSpPr>
-                  <a:spLocks noRot="1" noChangeAspect="1" noMove="1" noResize="1" noEditPoints="1" noAdjustHandles="1" noChangeArrowheads="1" noChangeShapeType="1" noTextEdit="1"/>
-                </p:cNvSpPr>
-                <p:nvPr/>
-              </p:nvSpPr>
-              <p:spPr>
-                <a:xfrm>
-                  <a:off x="1441269" y="1824928"/>
-                  <a:ext cx="2203269" cy="748938"/>
-                </a:xfrm>
-                <a:prstGeom prst="rect">
-                  <a:avLst/>
-                </a:prstGeom>
-                <a:blipFill>
-                  <a:blip r:embed="rId6"/>
-                  <a:stretch>
-                    <a:fillRect/>
-                  </a:stretch>
-                </a:blipFill>
-              </p:spPr>
-              <p:txBody>
-                <a:bodyPr/>
-                <a:lstStyle/>
-                <a:p>
-                  <a:r>
-                    <a:rPr lang="zh-CN" altLang="en-US">
-                      <a:noFill/>
-                    </a:rPr>
-                    <a:t> </a:t>
-                  </a:r>
-                </a:p>
-              </p:txBody>
-            </p:sp>
-          </mc:Fallback>
-        </mc:AlternateContent>
-        <p:sp>
-          <p:nvSpPr>
-            <p:cNvPr id="10" name="矩形 9">
-              <a:extLst>
-                <a:ext uri="{FF2B5EF4-FFF2-40B4-BE49-F238E27FC236}">
-                  <a16:creationId xmlns:a16="http://schemas.microsoft.com/office/drawing/2014/main" id="{41AF0F93-F85F-8920-8806-109688A4C831}"/>
-                </a:ext>
-              </a:extLst>
-            </p:cNvPr>
-            <p:cNvSpPr/>
-            <p:nvPr/>
-          </p:nvSpPr>
-          <p:spPr>
-            <a:xfrm rot="16200000">
-              <a:off x="1632615" y="2775493"/>
-              <a:ext cx="348584" cy="157722"/>
-            </a:xfrm>
-            <a:prstGeom prst="rect">
-              <a:avLst/>
-            </a:prstGeom>
-            <a:solidFill>
-              <a:srgbClr val="FFC000"/>
-            </a:solidFill>
-          </p:spPr>
-          <p:style>
-            <a:lnRef idx="2">
-              <a:schemeClr val="accent1">
-                <a:shade val="15000"/>
-              </a:schemeClr>
-            </a:lnRef>
-            <a:fillRef idx="1">
-              <a:schemeClr val="accent1"/>
-            </a:fillRef>
-            <a:effectRef idx="0">
-              <a:schemeClr val="accent1"/>
-            </a:effectRef>
-            <a:fontRef idx="minor">
-              <a:schemeClr val="lt1"/>
-            </a:fontRef>
-          </p:style>
-          <p:txBody>
-            <a:bodyPr rtlCol="0" anchor="ctr"/>
-            <a:lstStyle/>
-            <a:p>
-              <a:pPr algn="ctr"/>
-              <a:endParaRPr kumimoji="1" lang="zh-CN" altLang="en-US" dirty="0">
-                <a:solidFill>
-                  <a:schemeClr val="tx1"/>
-                </a:solidFill>
-                <a:latin typeface="Calibri" panose="020F0502020204030204" pitchFamily="34" charset="0"/>
-                <a:cs typeface="Calibri" panose="020F0502020204030204" pitchFamily="34" charset="0"/>
-              </a:endParaRPr>
-            </a:p>
-          </p:txBody>
-        </p:sp>
-        <p:sp>
-          <p:nvSpPr>
-            <p:cNvPr id="23" name="矩形 22">
-              <a:extLst>
-                <a:ext uri="{FF2B5EF4-FFF2-40B4-BE49-F238E27FC236}">
-                  <a16:creationId xmlns:a16="http://schemas.microsoft.com/office/drawing/2014/main" id="{FEDD01E8-A8D3-5472-7131-C9A4D6ACF316}"/>
-                </a:ext>
-              </a:extLst>
-            </p:cNvPr>
-            <p:cNvSpPr/>
-            <p:nvPr/>
-          </p:nvSpPr>
-          <p:spPr>
-            <a:xfrm rot="16200000">
-              <a:off x="1581813" y="1927673"/>
-              <a:ext cx="348584" cy="157722"/>
-            </a:xfrm>
-            <a:prstGeom prst="rect">
-              <a:avLst/>
-            </a:prstGeom>
-            <a:solidFill>
-              <a:srgbClr val="FFC000"/>
-            </a:solidFill>
-          </p:spPr>
-          <p:style>
-            <a:lnRef idx="2">
-              <a:schemeClr val="accent1">
-                <a:shade val="15000"/>
-              </a:schemeClr>
-            </a:lnRef>
-            <a:fillRef idx="1">
-              <a:schemeClr val="accent1"/>
-            </a:fillRef>
-            <a:effectRef idx="0">
-              <a:schemeClr val="accent1"/>
-            </a:effectRef>
-            <a:fontRef idx="minor">
-              <a:schemeClr val="lt1"/>
-            </a:fontRef>
-          </p:style>
-          <p:txBody>
-            <a:bodyPr rtlCol="0" anchor="ctr"/>
-            <a:lstStyle/>
-            <a:p>
-              <a:pPr algn="ctr"/>
-              <a:endParaRPr kumimoji="1" lang="zh-CN" altLang="en-US" dirty="0">
-                <a:solidFill>
-                  <a:schemeClr val="tx1"/>
-                </a:solidFill>
-                <a:latin typeface="Calibri" panose="020F0502020204030204" pitchFamily="34" charset="0"/>
-                <a:cs typeface="Calibri" panose="020F0502020204030204" pitchFamily="34" charset="0"/>
-              </a:endParaRPr>
-            </a:p>
-          </p:txBody>
-        </p:sp>
-        <p:cxnSp>
-          <p:nvCxnSpPr>
-            <p:cNvPr id="34" name="直线连接符 33">
-              <a:extLst>
-                <a:ext uri="{FF2B5EF4-FFF2-40B4-BE49-F238E27FC236}">
-                  <a16:creationId xmlns:a16="http://schemas.microsoft.com/office/drawing/2014/main" id="{DD2FA3DA-5359-1BA4-E136-EA43A1228053}"/>
-                </a:ext>
-              </a:extLst>
-            </p:cNvPr>
-            <p:cNvCxnSpPr>
-              <a:cxnSpLocks/>
-            </p:cNvCxnSpPr>
-            <p:nvPr/>
-          </p:nvCxnSpPr>
-          <p:spPr>
-            <a:xfrm>
-              <a:off x="1885769" y="1832241"/>
-              <a:ext cx="0" cy="1592404"/>
-            </a:xfrm>
-            <a:prstGeom prst="line">
-              <a:avLst/>
-            </a:prstGeom>
-          </p:spPr>
-          <p:style>
-            <a:lnRef idx="2">
-              <a:schemeClr val="accent1"/>
-            </a:lnRef>
-            <a:fillRef idx="0">
-              <a:schemeClr val="accent1"/>
-            </a:fillRef>
-            <a:effectRef idx="1">
-              <a:schemeClr val="accent1"/>
-            </a:effectRef>
-            <a:fontRef idx="minor">
-              <a:schemeClr val="tx1"/>
-            </a:fontRef>
-          </p:style>
-        </p:cxnSp>
-        <p:sp>
-          <p:nvSpPr>
-            <p:cNvPr id="42" name="矩形 41">
-              <a:extLst>
-                <a:ext uri="{FF2B5EF4-FFF2-40B4-BE49-F238E27FC236}">
-                  <a16:creationId xmlns:a16="http://schemas.microsoft.com/office/drawing/2014/main" id="{3BABB3E0-726A-84FE-C67C-6B73AD616347}"/>
-                </a:ext>
-              </a:extLst>
-            </p:cNvPr>
-            <p:cNvSpPr/>
-            <p:nvPr/>
-          </p:nvSpPr>
-          <p:spPr>
-            <a:xfrm>
-              <a:off x="3836126" y="1583267"/>
-              <a:ext cx="348584" cy="157722"/>
-            </a:xfrm>
-            <a:prstGeom prst="rect">
-              <a:avLst/>
-            </a:prstGeom>
-            <a:solidFill>
-              <a:srgbClr val="FFC000"/>
-            </a:solidFill>
-          </p:spPr>
-          <p:style>
-            <a:lnRef idx="2">
-              <a:schemeClr val="accent1">
-                <a:shade val="15000"/>
-              </a:schemeClr>
-            </a:lnRef>
-            <a:fillRef idx="1">
-              <a:schemeClr val="accent1"/>
-            </a:fillRef>
-            <a:effectRef idx="0">
-              <a:schemeClr val="accent1"/>
-            </a:effectRef>
-            <a:fontRef idx="minor">
-              <a:schemeClr val="lt1"/>
-            </a:fontRef>
-          </p:style>
-          <p:txBody>
-            <a:bodyPr rtlCol="0" anchor="ctr"/>
-            <a:lstStyle/>
-            <a:p>
-              <a:pPr algn="ctr"/>
-              <a:endParaRPr kumimoji="1" lang="zh-CN" altLang="en-US" dirty="0">
-                <a:solidFill>
-                  <a:schemeClr val="tx1"/>
-                </a:solidFill>
-                <a:latin typeface="Calibri" panose="020F0502020204030204" pitchFamily="34" charset="0"/>
-                <a:cs typeface="Calibri" panose="020F0502020204030204" pitchFamily="34" charset="0"/>
-              </a:endParaRPr>
-            </a:p>
-          </p:txBody>
-        </p:sp>
-        <p:sp>
-          <p:nvSpPr>
-            <p:cNvPr id="44" name="矩形 43">
-              <a:extLst>
-                <a:ext uri="{FF2B5EF4-FFF2-40B4-BE49-F238E27FC236}">
-                  <a16:creationId xmlns:a16="http://schemas.microsoft.com/office/drawing/2014/main" id="{560CAF57-C7C8-5A33-9558-7DCAECE6BAE6}"/>
-                </a:ext>
-              </a:extLst>
-            </p:cNvPr>
-            <p:cNvSpPr/>
-            <p:nvPr/>
-          </p:nvSpPr>
-          <p:spPr>
-            <a:xfrm>
-              <a:off x="4806648" y="1583267"/>
-              <a:ext cx="348584" cy="157722"/>
-            </a:xfrm>
-            <a:prstGeom prst="rect">
-              <a:avLst/>
-            </a:prstGeom>
-            <a:solidFill>
-              <a:schemeClr val="accent2">
                 <a:lumMod val="20000"/>
                 <a:lumOff val="80000"/>
               </a:schemeClr>
@@ -18132,10 +18155,140 @@
             <a:lstStyle/>
             <a:p>
               <a:pPr algn="ctr"/>
-              <a:endParaRPr kumimoji="1" lang="zh-CN" altLang="en-US" dirty="0">
-                <a:solidFill>
-                  <a:schemeClr val="tx1"/>
-                </a:solidFill>
+              <a:endParaRPr kumimoji="1" lang="zh-CN" altLang="en-US"/>
+            </a:p>
+          </p:txBody>
+        </p:sp>
+        <p:sp>
+          <p:nvSpPr>
+            <p:cNvPr id="9" name="矩形 8">
+              <a:extLst>
+                <a:ext uri="{FF2B5EF4-FFF2-40B4-BE49-F238E27FC236}">
+                  <a16:creationId xmlns:a16="http://schemas.microsoft.com/office/drawing/2014/main" id="{44FEF0E6-B6E0-946C-ACE1-89DF812BEF94}"/>
+                </a:ext>
+              </a:extLst>
+            </p:cNvPr>
+            <p:cNvSpPr/>
+            <p:nvPr/>
+          </p:nvSpPr>
+          <p:spPr>
+            <a:xfrm>
+              <a:off x="3416194" y="1136021"/>
+              <a:ext cx="194733" cy="465666"/>
+            </a:xfrm>
+            <a:prstGeom prst="rect">
+              <a:avLst/>
+            </a:prstGeom>
+            <a:solidFill>
+              <a:schemeClr val="accent6">
+                <a:lumMod val="75000"/>
+                <a:alpha val="29000"/>
+              </a:schemeClr>
+            </a:solidFill>
+          </p:spPr>
+          <p:style>
+            <a:lnRef idx="2">
+              <a:schemeClr val="accent1">
+                <a:shade val="15000"/>
+              </a:schemeClr>
+            </a:lnRef>
+            <a:fillRef idx="1">
+              <a:schemeClr val="accent1"/>
+            </a:fillRef>
+            <a:effectRef idx="0">
+              <a:schemeClr val="accent1"/>
+            </a:effectRef>
+            <a:fontRef idx="minor">
+              <a:schemeClr val="lt1"/>
+            </a:fontRef>
+          </p:style>
+          <p:txBody>
+            <a:bodyPr rtlCol="0" anchor="ctr"/>
+            <a:lstStyle/>
+            <a:p>
+              <a:pPr algn="ctr"/>
+              <a:endParaRPr kumimoji="1" lang="zh-CN" altLang="en-US"/>
+            </a:p>
+          </p:txBody>
+        </p:sp>
+        <p:sp>
+          <p:nvSpPr>
+            <p:cNvPr id="10" name="文本框 9">
+              <a:extLst>
+                <a:ext uri="{FF2B5EF4-FFF2-40B4-BE49-F238E27FC236}">
+                  <a16:creationId xmlns:a16="http://schemas.microsoft.com/office/drawing/2014/main" id="{797537CE-2521-1FC6-4F3D-7DC37BBD4B32}"/>
+                </a:ext>
+              </a:extLst>
+            </p:cNvPr>
+            <p:cNvSpPr txBox="1"/>
+            <p:nvPr/>
+          </p:nvSpPr>
+          <p:spPr>
+            <a:xfrm>
+              <a:off x="2705830" y="1199577"/>
+              <a:ext cx="768350" cy="338554"/>
+            </a:xfrm>
+            <a:prstGeom prst="rect">
+              <a:avLst/>
+            </a:prstGeom>
+            <a:noFill/>
+          </p:spPr>
+          <p:txBody>
+            <a:bodyPr wrap="square" rtlCol="0">
+              <a:spAutoFit/>
+            </a:bodyPr>
+            <a:lstStyle/>
+            <a:p>
+              <a:r>
+                <a:rPr kumimoji="1" lang="en-US" altLang="zh-CN" sz="1600" dirty="0">
+                  <a:latin typeface="Calibri" panose="020F0502020204030204" pitchFamily="34" charset="0"/>
+                  <a:cs typeface="Calibri" panose="020F0502020204030204" pitchFamily="34" charset="0"/>
+                </a:rPr>
+                <a:t>decay</a:t>
+              </a:r>
+              <a:endParaRPr kumimoji="1" lang="zh-CN" altLang="en-US" sz="1600" dirty="0">
+                <a:latin typeface="Calibri" panose="020F0502020204030204" pitchFamily="34" charset="0"/>
+                <a:cs typeface="Calibri" panose="020F0502020204030204" pitchFamily="34" charset="0"/>
+              </a:endParaRPr>
+            </a:p>
+          </p:txBody>
+        </p:sp>
+        <p:sp>
+          <p:nvSpPr>
+            <p:cNvPr id="11" name="文本框 10">
+              <a:extLst>
+                <a:ext uri="{FF2B5EF4-FFF2-40B4-BE49-F238E27FC236}">
+                  <a16:creationId xmlns:a16="http://schemas.microsoft.com/office/drawing/2014/main" id="{BF49BD66-C6B3-0589-03C1-DD43C0DD8F8C}"/>
+                </a:ext>
+              </a:extLst>
+            </p:cNvPr>
+            <p:cNvSpPr txBox="1"/>
+            <p:nvPr/>
+          </p:nvSpPr>
+          <p:spPr>
+            <a:xfrm>
+              <a:off x="3564390" y="1199577"/>
+              <a:ext cx="1153695" cy="338554"/>
+            </a:xfrm>
+            <a:prstGeom prst="rect">
+              <a:avLst/>
+            </a:prstGeom>
+            <a:noFill/>
+          </p:spPr>
+          <p:txBody>
+            <a:bodyPr wrap="square" rtlCol="0">
+              <a:spAutoFit/>
+            </a:bodyPr>
+            <a:lstStyle/>
+            <a:p>
+              <a:r>
+                <a:rPr kumimoji="1" lang="en-US" altLang="zh-CN" sz="1600" dirty="0" err="1">
+                  <a:latin typeface="Calibri" panose="020F0502020204030204" pitchFamily="34" charset="0"/>
+                  <a:cs typeface="Calibri" panose="020F0502020204030204" pitchFamily="34" charset="0"/>
+                </a:rPr>
+                <a:t>last_decay</a:t>
+              </a:r>
+              <a:endParaRPr kumimoji="1" lang="zh-CN" altLang="en-US" sz="1600" dirty="0">
                 <a:latin typeface="Calibri" panose="020F0502020204030204" pitchFamily="34" charset="0"/>
                 <a:cs typeface="Calibri" panose="020F0502020204030204" pitchFamily="34" charset="0"/>
               </a:endParaRPr>
@@ -18143,8 +18296,1026 @@
           </p:txBody>
         </p:sp>
       </p:grpSp>
+      <p:cxnSp>
+        <p:nvCxnSpPr>
+          <p:cNvPr id="13" name="直线箭头连接符 12">
+            <a:extLst>
+              <a:ext uri="{FF2B5EF4-FFF2-40B4-BE49-F238E27FC236}">
+                <a16:creationId xmlns:a16="http://schemas.microsoft.com/office/drawing/2014/main" id="{172339A2-2132-CA3E-0602-7AF3BE278469}"/>
+              </a:ext>
+            </a:extLst>
+          </p:cNvPr>
+          <p:cNvCxnSpPr>
+            <a:cxnSpLocks/>
+          </p:cNvCxnSpPr>
+          <p:nvPr/>
+        </p:nvCxnSpPr>
+        <p:spPr>
+          <a:xfrm flipH="1">
+            <a:off x="3180295" y="2375165"/>
+            <a:ext cx="512485" cy="0"/>
+          </a:xfrm>
+          <a:prstGeom prst="straightConnector1">
+            <a:avLst/>
+          </a:prstGeom>
+          <a:ln>
+            <a:solidFill>
+              <a:schemeClr val="tx1"/>
+            </a:solidFill>
+            <a:headEnd type="triangle" w="med" len="lg"/>
+            <a:tailEnd type="triangle" w="med" len="lg"/>
+          </a:ln>
+        </p:spPr>
+        <p:style>
+          <a:lnRef idx="2">
+            <a:schemeClr val="accent1"/>
+          </a:lnRef>
+          <a:fillRef idx="0">
+            <a:schemeClr val="accent1"/>
+          </a:fillRef>
+          <a:effectRef idx="1">
+            <a:schemeClr val="accent1"/>
+          </a:effectRef>
+          <a:fontRef idx="minor">
+            <a:schemeClr val="tx1"/>
+          </a:fontRef>
+        </p:style>
+      </p:cxnSp>
+      <p:cxnSp>
+        <p:nvCxnSpPr>
+          <p:cNvPr id="20" name="直线连接符 19">
+            <a:extLst>
+              <a:ext uri="{FF2B5EF4-FFF2-40B4-BE49-F238E27FC236}">
+                <a16:creationId xmlns:a16="http://schemas.microsoft.com/office/drawing/2014/main" id="{F200504B-681C-2F11-C813-F3370FB7E068}"/>
+              </a:ext>
+            </a:extLst>
+          </p:cNvPr>
+          <p:cNvCxnSpPr>
+            <a:cxnSpLocks/>
+          </p:cNvCxnSpPr>
+          <p:nvPr/>
+        </p:nvCxnSpPr>
+        <p:spPr>
+          <a:xfrm>
+            <a:off x="3692780" y="2375165"/>
+            <a:ext cx="0" cy="1380505"/>
+          </a:xfrm>
+          <a:prstGeom prst="line">
+            <a:avLst/>
+          </a:prstGeom>
+          <a:ln w="12700">
+            <a:prstDash val="sysDash"/>
+          </a:ln>
+        </p:spPr>
+        <p:style>
+          <a:lnRef idx="2">
+            <a:schemeClr val="accent1"/>
+          </a:lnRef>
+          <a:fillRef idx="0">
+            <a:schemeClr val="accent1"/>
+          </a:fillRef>
+          <a:effectRef idx="1">
+            <a:schemeClr val="accent1"/>
+          </a:effectRef>
+          <a:fontRef idx="minor">
+            <a:schemeClr val="tx1"/>
+          </a:fontRef>
+        </p:style>
+      </p:cxnSp>
+      <p:cxnSp>
+        <p:nvCxnSpPr>
+          <p:cNvPr id="26" name="直线连接符 25">
+            <a:extLst>
+              <a:ext uri="{FF2B5EF4-FFF2-40B4-BE49-F238E27FC236}">
+                <a16:creationId xmlns:a16="http://schemas.microsoft.com/office/drawing/2014/main" id="{7C23DDF4-FCC7-052E-8CA9-5EE3CF9C2F25}"/>
+              </a:ext>
+            </a:extLst>
+          </p:cNvPr>
+          <p:cNvCxnSpPr>
+            <a:cxnSpLocks/>
+          </p:cNvCxnSpPr>
+          <p:nvPr/>
+        </p:nvCxnSpPr>
+        <p:spPr>
+          <a:xfrm>
+            <a:off x="3183725" y="2375165"/>
+            <a:ext cx="0" cy="1380505"/>
+          </a:xfrm>
+          <a:prstGeom prst="line">
+            <a:avLst/>
+          </a:prstGeom>
+          <a:ln w="12700">
+            <a:prstDash val="sysDash"/>
+          </a:ln>
+        </p:spPr>
+        <p:style>
+          <a:lnRef idx="2">
+            <a:schemeClr val="accent1"/>
+          </a:lnRef>
+          <a:fillRef idx="0">
+            <a:schemeClr val="accent1"/>
+          </a:fillRef>
+          <a:effectRef idx="1">
+            <a:schemeClr val="accent1"/>
+          </a:effectRef>
+          <a:fontRef idx="minor">
+            <a:schemeClr val="tx1"/>
+          </a:fontRef>
+        </p:style>
+      </p:cxnSp>
+    </p:spTree>
+    <p:extLst>
+      <p:ext uri="{BB962C8B-B14F-4D97-AF65-F5344CB8AC3E}">
+        <p14:creationId xmlns:p14="http://schemas.microsoft.com/office/powerpoint/2010/main" val="2336166068"/>
+      </p:ext>
+    </p:extLst>
+  </p:cSld>
+  <p:clrMapOvr>
+    <a:masterClrMapping/>
+  </p:clrMapOvr>
+</p:sld>
+</file>
+
+<file path=ppt/slides/slide5.xml><?xml version="1.0" encoding="utf-8"?>
+<p:sld xmlns:a="http://schemas.openxmlformats.org/drawingml/2006/main" xmlns:r="http://schemas.openxmlformats.org/officeDocument/2006/relationships" xmlns:p="http://schemas.openxmlformats.org/presentationml/2006/main">
+  <p:cSld>
+    <p:spTree>
+      <p:nvGrpSpPr>
+        <p:cNvPr id="1" name=""/>
+        <p:cNvGrpSpPr/>
+        <p:nvPr/>
+      </p:nvGrpSpPr>
+      <p:grpSpPr>
+        <a:xfrm>
+          <a:off x="0" y="0"/>
+          <a:ext cx="0" cy="0"/>
+          <a:chOff x="0" y="0"/>
+          <a:chExt cx="0" cy="0"/>
+        </a:xfrm>
+      </p:grpSpPr>
       <mc:AlternateContent xmlns:mc="http://schemas.openxmlformats.org/markup-compatibility/2006">
         <mc:Choice xmlns:a14="http://schemas.microsoft.com/office/drawing/2010/main" Requires="a14">
+          <p:sp>
+            <p:nvSpPr>
+              <p:cNvPr id="5" name="矩形 4">
+                <a:extLst>
+                  <a:ext uri="{FF2B5EF4-FFF2-40B4-BE49-F238E27FC236}">
+                    <a16:creationId xmlns:a16="http://schemas.microsoft.com/office/drawing/2014/main" id="{0C36334D-D384-26A6-9518-0DC8E18970F1}"/>
+                  </a:ext>
+                </a:extLst>
+              </p:cNvPr>
+              <p:cNvSpPr/>
+              <p:nvPr/>
+            </p:nvSpPr>
+            <p:spPr>
+              <a:xfrm>
+                <a:off x="2665549" y="3660745"/>
+                <a:ext cx="748937" cy="2203269"/>
+              </a:xfrm>
+              <a:prstGeom prst="rect">
+                <a:avLst/>
+              </a:prstGeom>
+              <a:noFill/>
+            </p:spPr>
+            <p:style>
+              <a:lnRef idx="2">
+                <a:schemeClr val="accent1">
+                  <a:shade val="15000"/>
+                </a:schemeClr>
+              </a:lnRef>
+              <a:fillRef idx="1">
+                <a:schemeClr val="accent1"/>
+              </a:fillRef>
+              <a:effectRef idx="0">
+                <a:schemeClr val="accent1"/>
+              </a:effectRef>
+              <a:fontRef idx="minor">
+                <a:schemeClr val="lt1"/>
+              </a:fontRef>
+            </p:style>
+            <p:txBody>
+              <a:bodyPr rtlCol="0" anchor="ctr"/>
+              <a:lstStyle/>
+              <a:p>
+                <a:pPr algn="ctr"/>
+                <a14:m>
+                  <m:oMathPara xmlns:m="http://schemas.openxmlformats.org/officeDocument/2006/math">
+                    <m:oMathParaPr>
+                      <m:jc m:val="centerGroup"/>
+                    </m:oMathParaPr>
+                    <m:oMath xmlns:m="http://schemas.openxmlformats.org/officeDocument/2006/math">
+                      <m:r>
+                        <a:rPr kumimoji="1" lang="en-US" altLang="zh-CN" b="0" i="1" smtClean="0">
+                          <a:solidFill>
+                            <a:schemeClr val="tx1"/>
+                          </a:solidFill>
+                          <a:latin typeface="Cambria Math" panose="02040503050406030204" pitchFamily="18" charset="0"/>
+                          <a:cs typeface="Calibri" panose="020F0502020204030204" pitchFamily="34" charset="0"/>
+                        </a:rPr>
+                        <m:t>𝑄</m:t>
+                      </m:r>
+                    </m:oMath>
+                  </m:oMathPara>
+                </a14:m>
+                <a:endParaRPr kumimoji="1" lang="zh-CN" altLang="en-US" dirty="0">
+                  <a:solidFill>
+                    <a:schemeClr val="tx1"/>
+                  </a:solidFill>
+                  <a:latin typeface="Calibri" panose="020F0502020204030204" pitchFamily="34" charset="0"/>
+                  <a:cs typeface="Calibri" panose="020F0502020204030204" pitchFamily="34" charset="0"/>
+                </a:endParaRPr>
+              </a:p>
+            </p:txBody>
+          </p:sp>
+        </mc:Choice>
+        <mc:Fallback>
+          <p:sp>
+            <p:nvSpPr>
+              <p:cNvPr id="5" name="矩形 4">
+                <a:extLst>
+                  <a:ext uri="{FF2B5EF4-FFF2-40B4-BE49-F238E27FC236}">
+                    <a16:creationId xmlns:a16="http://schemas.microsoft.com/office/drawing/2014/main" id="{0C36334D-D384-26A6-9518-0DC8E18970F1}"/>
+                  </a:ext>
+                </a:extLst>
+              </p:cNvPr>
+              <p:cNvSpPr>
+                <a:spLocks noRot="1" noChangeAspect="1" noMove="1" noResize="1" noEditPoints="1" noAdjustHandles="1" noChangeArrowheads="1" noChangeShapeType="1" noTextEdit="1"/>
+              </p:cNvSpPr>
+              <p:nvPr/>
+            </p:nvSpPr>
+            <p:spPr>
+              <a:xfrm>
+                <a:off x="2665549" y="3660745"/>
+                <a:ext cx="748937" cy="2203269"/>
+              </a:xfrm>
+              <a:prstGeom prst="rect">
+                <a:avLst/>
+              </a:prstGeom>
+              <a:blipFill>
+                <a:blip r:embed="rId2"/>
+                <a:stretch>
+                  <a:fillRect/>
+                </a:stretch>
+              </a:blipFill>
+            </p:spPr>
+            <p:txBody>
+              <a:bodyPr/>
+              <a:lstStyle/>
+              <a:p>
+                <a:r>
+                  <a:rPr lang="zh-CN" altLang="en-US">
+                    <a:noFill/>
+                  </a:rPr>
+                  <a:t> </a:t>
+                </a:r>
+              </a:p>
+            </p:txBody>
+          </p:sp>
+        </mc:Fallback>
+      </mc:AlternateContent>
+      <mc:AlternateContent xmlns:mc="http://schemas.openxmlformats.org/markup-compatibility/2006">
+        <mc:Choice xmlns:a14="http://schemas.microsoft.com/office/drawing/2010/main" Requires="a14">
+          <p:sp>
+            <p:nvSpPr>
+              <p:cNvPr id="6" name="矩形 5">
+                <a:extLst>
+                  <a:ext uri="{FF2B5EF4-FFF2-40B4-BE49-F238E27FC236}">
+                    <a16:creationId xmlns:a16="http://schemas.microsoft.com/office/drawing/2014/main" id="{7F0B5C8C-754F-69FE-4FCE-61EE481386E1}"/>
+                  </a:ext>
+                </a:extLst>
+              </p:cNvPr>
+              <p:cNvSpPr/>
+              <p:nvPr/>
+            </p:nvSpPr>
+            <p:spPr>
+              <a:xfrm>
+                <a:off x="3549469" y="2569996"/>
+                <a:ext cx="2203269" cy="748938"/>
+              </a:xfrm>
+              <a:prstGeom prst="rect">
+                <a:avLst/>
+              </a:prstGeom>
+              <a:noFill/>
+            </p:spPr>
+            <p:style>
+              <a:lnRef idx="2">
+                <a:schemeClr val="accent1">
+                  <a:shade val="15000"/>
+                </a:schemeClr>
+              </a:lnRef>
+              <a:fillRef idx="1">
+                <a:schemeClr val="accent1"/>
+              </a:fillRef>
+              <a:effectRef idx="0">
+                <a:schemeClr val="accent1"/>
+              </a:effectRef>
+              <a:fontRef idx="minor">
+                <a:schemeClr val="lt1"/>
+              </a:fontRef>
+            </p:style>
+            <p:txBody>
+              <a:bodyPr rtlCol="0" anchor="ctr"/>
+              <a:lstStyle/>
+              <a:p>
+                <a:pPr algn="ctr"/>
+                <a14:m>
+                  <m:oMathPara xmlns:m="http://schemas.openxmlformats.org/officeDocument/2006/math">
+                    <m:oMathParaPr>
+                      <m:jc m:val="centerGroup"/>
+                    </m:oMathParaPr>
+                    <m:oMath xmlns:m="http://schemas.openxmlformats.org/officeDocument/2006/math">
+                      <m:r>
+                        <a:rPr kumimoji="1" lang="en-US" altLang="zh-CN" b="0" i="1" smtClean="0">
+                          <a:solidFill>
+                            <a:schemeClr val="tx1"/>
+                          </a:solidFill>
+                          <a:latin typeface="Cambria Math" panose="02040503050406030204" pitchFamily="18" charset="0"/>
+                          <a:cs typeface="Calibri" panose="020F0502020204030204" pitchFamily="34" charset="0"/>
+                        </a:rPr>
+                        <m:t>𝐾</m:t>
+                      </m:r>
+                    </m:oMath>
+                  </m:oMathPara>
+                </a14:m>
+                <a:endParaRPr kumimoji="1" lang="zh-CN" altLang="en-US" dirty="0">
+                  <a:solidFill>
+                    <a:schemeClr val="tx1"/>
+                  </a:solidFill>
+                  <a:latin typeface="Calibri" panose="020F0502020204030204" pitchFamily="34" charset="0"/>
+                  <a:cs typeface="Calibri" panose="020F0502020204030204" pitchFamily="34" charset="0"/>
+                </a:endParaRPr>
+              </a:p>
+            </p:txBody>
+          </p:sp>
+        </mc:Choice>
+        <mc:Fallback>
+          <p:sp>
+            <p:nvSpPr>
+              <p:cNvPr id="6" name="矩形 5">
+                <a:extLst>
+                  <a:ext uri="{FF2B5EF4-FFF2-40B4-BE49-F238E27FC236}">
+                    <a16:creationId xmlns:a16="http://schemas.microsoft.com/office/drawing/2014/main" id="{7F0B5C8C-754F-69FE-4FCE-61EE481386E1}"/>
+                  </a:ext>
+                </a:extLst>
+              </p:cNvPr>
+              <p:cNvSpPr>
+                <a:spLocks noRot="1" noChangeAspect="1" noMove="1" noResize="1" noEditPoints="1" noAdjustHandles="1" noChangeArrowheads="1" noChangeShapeType="1" noTextEdit="1"/>
+              </p:cNvSpPr>
+              <p:nvPr/>
+            </p:nvSpPr>
+            <p:spPr>
+              <a:xfrm>
+                <a:off x="3549469" y="2569996"/>
+                <a:ext cx="2203269" cy="748938"/>
+              </a:xfrm>
+              <a:prstGeom prst="rect">
+                <a:avLst/>
+              </a:prstGeom>
+              <a:blipFill>
+                <a:blip r:embed="rId3"/>
+                <a:stretch>
+                  <a:fillRect/>
+                </a:stretch>
+              </a:blipFill>
+            </p:spPr>
+            <p:txBody>
+              <a:bodyPr/>
+              <a:lstStyle/>
+              <a:p>
+                <a:r>
+                  <a:rPr lang="zh-CN" altLang="en-US">
+                    <a:noFill/>
+                  </a:rPr>
+                  <a:t> </a:t>
+                </a:r>
+              </a:p>
+            </p:txBody>
+          </p:sp>
+        </mc:Fallback>
+      </mc:AlternateContent>
+      <mc:AlternateContent xmlns:mc="http://schemas.openxmlformats.org/markup-compatibility/2006">
+        <mc:Choice xmlns:a14="http://schemas.microsoft.com/office/drawing/2010/main" Requires="a14">
+          <p:sp>
+            <p:nvSpPr>
+              <p:cNvPr id="7" name="矩形 6">
+                <a:extLst>
+                  <a:ext uri="{FF2B5EF4-FFF2-40B4-BE49-F238E27FC236}">
+                    <a16:creationId xmlns:a16="http://schemas.microsoft.com/office/drawing/2014/main" id="{F422D613-3FD1-AF52-F9B1-45137F45E113}"/>
+                  </a:ext>
+                </a:extLst>
+              </p:cNvPr>
+              <p:cNvSpPr/>
+              <p:nvPr/>
+            </p:nvSpPr>
+            <p:spPr>
+              <a:xfrm>
+                <a:off x="5944326" y="1115665"/>
+                <a:ext cx="748937" cy="2203269"/>
+              </a:xfrm>
+              <a:prstGeom prst="rect">
+                <a:avLst/>
+              </a:prstGeom>
+              <a:noFill/>
+            </p:spPr>
+            <p:style>
+              <a:lnRef idx="2">
+                <a:schemeClr val="accent1">
+                  <a:shade val="15000"/>
+                </a:schemeClr>
+              </a:lnRef>
+              <a:fillRef idx="1">
+                <a:schemeClr val="accent1"/>
+              </a:fillRef>
+              <a:effectRef idx="0">
+                <a:schemeClr val="accent1"/>
+              </a:effectRef>
+              <a:fontRef idx="minor">
+                <a:schemeClr val="lt1"/>
+              </a:fontRef>
+            </p:style>
+            <p:txBody>
+              <a:bodyPr rtlCol="0" anchor="ctr"/>
+              <a:lstStyle/>
+              <a:p>
+                <a:pPr algn="ctr"/>
+                <a14:m>
+                  <m:oMathPara xmlns:m="http://schemas.openxmlformats.org/officeDocument/2006/math">
+                    <m:oMathParaPr>
+                      <m:jc m:val="centerGroup"/>
+                    </m:oMathParaPr>
+                    <m:oMath xmlns:m="http://schemas.openxmlformats.org/officeDocument/2006/math">
+                      <m:r>
+                        <a:rPr kumimoji="1" lang="en-US" altLang="zh-CN" b="0" i="1" smtClean="0">
+                          <a:solidFill>
+                            <a:schemeClr val="tx1"/>
+                          </a:solidFill>
+                          <a:latin typeface="Cambria Math" panose="02040503050406030204" pitchFamily="18" charset="0"/>
+                          <a:cs typeface="Calibri" panose="020F0502020204030204" pitchFamily="34" charset="0"/>
+                        </a:rPr>
+                        <m:t>𝑉</m:t>
+                      </m:r>
+                    </m:oMath>
+                  </m:oMathPara>
+                </a14:m>
+                <a:endParaRPr kumimoji="1" lang="zh-CN" altLang="en-US" dirty="0">
+                  <a:solidFill>
+                    <a:schemeClr val="tx1"/>
+                  </a:solidFill>
+                  <a:latin typeface="Calibri" panose="020F0502020204030204" pitchFamily="34" charset="0"/>
+                  <a:cs typeface="Calibri" panose="020F0502020204030204" pitchFamily="34" charset="0"/>
+                </a:endParaRPr>
+              </a:p>
+            </p:txBody>
+          </p:sp>
+        </mc:Choice>
+        <mc:Fallback>
+          <p:sp>
+            <p:nvSpPr>
+              <p:cNvPr id="7" name="矩形 6">
+                <a:extLst>
+                  <a:ext uri="{FF2B5EF4-FFF2-40B4-BE49-F238E27FC236}">
+                    <a16:creationId xmlns:a16="http://schemas.microsoft.com/office/drawing/2014/main" id="{F422D613-3FD1-AF52-F9B1-45137F45E113}"/>
+                  </a:ext>
+                </a:extLst>
+              </p:cNvPr>
+              <p:cNvSpPr>
+                <a:spLocks noRot="1" noChangeAspect="1" noMove="1" noResize="1" noEditPoints="1" noAdjustHandles="1" noChangeArrowheads="1" noChangeShapeType="1" noTextEdit="1"/>
+              </p:cNvSpPr>
+              <p:nvPr/>
+            </p:nvSpPr>
+            <p:spPr>
+              <a:xfrm>
+                <a:off x="5944326" y="1115665"/>
+                <a:ext cx="748937" cy="2203269"/>
+              </a:xfrm>
+              <a:prstGeom prst="rect">
+                <a:avLst/>
+              </a:prstGeom>
+              <a:blipFill>
+                <a:blip r:embed="rId4"/>
+                <a:stretch>
+                  <a:fillRect/>
+                </a:stretch>
+              </a:blipFill>
+            </p:spPr>
+            <p:txBody>
+              <a:bodyPr/>
+              <a:lstStyle/>
+              <a:p>
+                <a:r>
+                  <a:rPr lang="zh-CN" altLang="en-US">
+                    <a:noFill/>
+                  </a:rPr>
+                  <a:t> </a:t>
+                </a:r>
+              </a:p>
+            </p:txBody>
+          </p:sp>
+        </mc:Fallback>
+      </mc:AlternateContent>
+      <mc:AlternateContent xmlns:mc="http://schemas.openxmlformats.org/markup-compatibility/2006">
+        <mc:Choice xmlns:a14="http://schemas.microsoft.com/office/drawing/2010/main" Requires="a14">
+          <p:sp>
+            <p:nvSpPr>
+              <p:cNvPr id="8" name="矩形 7">
+                <a:extLst>
+                  <a:ext uri="{FF2B5EF4-FFF2-40B4-BE49-F238E27FC236}">
+                    <a16:creationId xmlns:a16="http://schemas.microsoft.com/office/drawing/2014/main" id="{7A9C206C-A365-D1C5-2565-A0D9CAA9899E}"/>
+                  </a:ext>
+                </a:extLst>
+              </p:cNvPr>
+              <p:cNvSpPr/>
+              <p:nvPr/>
+            </p:nvSpPr>
+            <p:spPr>
+              <a:xfrm>
+                <a:off x="6914848" y="1115665"/>
+                <a:ext cx="748937" cy="2203269"/>
+              </a:xfrm>
+              <a:prstGeom prst="rect">
+                <a:avLst/>
+              </a:prstGeom>
+              <a:noFill/>
+            </p:spPr>
+            <p:style>
+              <a:lnRef idx="2">
+                <a:schemeClr val="accent1">
+                  <a:shade val="15000"/>
+                </a:schemeClr>
+              </a:lnRef>
+              <a:fillRef idx="1">
+                <a:schemeClr val="accent1"/>
+              </a:fillRef>
+              <a:effectRef idx="0">
+                <a:schemeClr val="accent1"/>
+              </a:effectRef>
+              <a:fontRef idx="minor">
+                <a:schemeClr val="lt1"/>
+              </a:fontRef>
+            </p:style>
+            <p:txBody>
+              <a:bodyPr rtlCol="0" anchor="ctr"/>
+              <a:lstStyle/>
+              <a:p>
+                <a:pPr algn="ctr"/>
+                <a14:m>
+                  <m:oMathPara xmlns:m="http://schemas.openxmlformats.org/officeDocument/2006/math">
+                    <m:oMathParaPr>
+                      <m:jc m:val="centerGroup"/>
+                    </m:oMathParaPr>
+                    <m:oMath xmlns:m="http://schemas.openxmlformats.org/officeDocument/2006/math">
+                      <m:r>
+                        <a:rPr kumimoji="1" lang="en-US" altLang="zh-CN" b="0" i="1" smtClean="0">
+                          <a:solidFill>
+                            <a:schemeClr val="tx1"/>
+                          </a:solidFill>
+                          <a:latin typeface="Cambria Math" panose="02040503050406030204" pitchFamily="18" charset="0"/>
+                          <a:cs typeface="Calibri" panose="020F0502020204030204" pitchFamily="34" charset="0"/>
+                        </a:rPr>
+                        <m:t>𝑂</m:t>
+                      </m:r>
+                    </m:oMath>
+                  </m:oMathPara>
+                </a14:m>
+                <a:endParaRPr kumimoji="1" lang="zh-CN" altLang="en-US" dirty="0">
+                  <a:solidFill>
+                    <a:schemeClr val="tx1"/>
+                  </a:solidFill>
+                  <a:latin typeface="Calibri" panose="020F0502020204030204" pitchFamily="34" charset="0"/>
+                  <a:cs typeface="Calibri" panose="020F0502020204030204" pitchFamily="34" charset="0"/>
+                </a:endParaRPr>
+              </a:p>
+            </p:txBody>
+          </p:sp>
+        </mc:Choice>
+        <mc:Fallback>
+          <p:sp>
+            <p:nvSpPr>
+              <p:cNvPr id="8" name="矩形 7">
+                <a:extLst>
+                  <a:ext uri="{FF2B5EF4-FFF2-40B4-BE49-F238E27FC236}">
+                    <a16:creationId xmlns:a16="http://schemas.microsoft.com/office/drawing/2014/main" id="{7A9C206C-A365-D1C5-2565-A0D9CAA9899E}"/>
+                  </a:ext>
+                </a:extLst>
+              </p:cNvPr>
+              <p:cNvSpPr>
+                <a:spLocks noRot="1" noChangeAspect="1" noMove="1" noResize="1" noEditPoints="1" noAdjustHandles="1" noChangeArrowheads="1" noChangeShapeType="1" noTextEdit="1"/>
+              </p:cNvSpPr>
+              <p:nvPr/>
+            </p:nvSpPr>
+            <p:spPr>
+              <a:xfrm>
+                <a:off x="6914848" y="1115665"/>
+                <a:ext cx="748937" cy="2203269"/>
+              </a:xfrm>
+              <a:prstGeom prst="rect">
+                <a:avLst/>
+              </a:prstGeom>
+              <a:blipFill>
+                <a:blip r:embed="rId5"/>
+                <a:stretch>
+                  <a:fillRect/>
+                </a:stretch>
+              </a:blipFill>
+            </p:spPr>
+            <p:txBody>
+              <a:bodyPr/>
+              <a:lstStyle/>
+              <a:p>
+                <a:r>
+                  <a:rPr lang="zh-CN" altLang="en-US">
+                    <a:noFill/>
+                  </a:rPr>
+                  <a:t> </a:t>
+                </a:r>
+              </a:p>
+            </p:txBody>
+          </p:sp>
+        </mc:Fallback>
+      </mc:AlternateContent>
+      <p:sp>
+        <p:nvSpPr>
+          <p:cNvPr id="28" name="矩形 27">
+            <a:extLst>
+              <a:ext uri="{FF2B5EF4-FFF2-40B4-BE49-F238E27FC236}">
+                <a16:creationId xmlns:a16="http://schemas.microsoft.com/office/drawing/2014/main" id="{80B0AF29-8AC0-37BA-6D22-E46C86A3437C}"/>
+              </a:ext>
+            </a:extLst>
+          </p:cNvPr>
+          <p:cNvSpPr/>
+          <p:nvPr/>
+        </p:nvSpPr>
+        <p:spPr>
+          <a:xfrm>
+            <a:off x="2665549" y="3897813"/>
+            <a:ext cx="348584" cy="157722"/>
+          </a:xfrm>
+          <a:prstGeom prst="rect">
+            <a:avLst/>
+          </a:prstGeom>
+          <a:solidFill>
+            <a:srgbClr val="FFC000"/>
+          </a:solidFill>
+        </p:spPr>
+        <p:style>
+          <a:lnRef idx="2">
+            <a:schemeClr val="accent1">
+              <a:shade val="15000"/>
+            </a:schemeClr>
+          </a:lnRef>
+          <a:fillRef idx="1">
+            <a:schemeClr val="accent1"/>
+          </a:fillRef>
+          <a:effectRef idx="0">
+            <a:schemeClr val="accent1"/>
+          </a:effectRef>
+          <a:fontRef idx="minor">
+            <a:schemeClr val="lt1"/>
+          </a:fontRef>
+        </p:style>
+        <p:txBody>
+          <a:bodyPr rtlCol="0" anchor="ctr"/>
+          <a:lstStyle/>
+          <a:p>
+            <a:pPr algn="ctr"/>
+            <a:endParaRPr kumimoji="1" lang="zh-CN" altLang="en-US" dirty="0">
+              <a:solidFill>
+                <a:schemeClr val="tx1"/>
+              </a:solidFill>
+              <a:latin typeface="Calibri" panose="020F0502020204030204" pitchFamily="34" charset="0"/>
+              <a:cs typeface="Calibri" panose="020F0502020204030204" pitchFamily="34" charset="0"/>
+            </a:endParaRPr>
+          </a:p>
+        </p:txBody>
+      </p:sp>
+      <mc:AlternateContent xmlns:mc="http://schemas.openxmlformats.org/markup-compatibility/2006">
+        <mc:Choice xmlns:a14="http://schemas.microsoft.com/office/drawing/2010/main" Requires="a14">
+          <p:sp>
+            <p:nvSpPr>
+              <p:cNvPr id="3" name="矩形 2">
+                <a:extLst>
+                  <a:ext uri="{FF2B5EF4-FFF2-40B4-BE49-F238E27FC236}">
+                    <a16:creationId xmlns:a16="http://schemas.microsoft.com/office/drawing/2014/main" id="{D12FFB80-BCAD-D7F2-54F8-9AFEC1A86F13}"/>
+                  </a:ext>
+                </a:extLst>
+              </p:cNvPr>
+              <p:cNvSpPr/>
+              <p:nvPr/>
+            </p:nvSpPr>
+            <p:spPr>
+              <a:xfrm>
+                <a:off x="3549469" y="1714862"/>
+                <a:ext cx="2203269" cy="748938"/>
+              </a:xfrm>
+              <a:prstGeom prst="rect">
+                <a:avLst/>
+              </a:prstGeom>
+              <a:noFill/>
+            </p:spPr>
+            <p:style>
+              <a:lnRef idx="2">
+                <a:schemeClr val="accent1">
+                  <a:shade val="15000"/>
+                </a:schemeClr>
+              </a:lnRef>
+              <a:fillRef idx="1">
+                <a:schemeClr val="accent1"/>
+              </a:fillRef>
+              <a:effectRef idx="0">
+                <a:schemeClr val="accent1"/>
+              </a:effectRef>
+              <a:fontRef idx="minor">
+                <a:schemeClr val="lt1"/>
+              </a:fontRef>
+            </p:style>
+            <p:txBody>
+              <a:bodyPr rtlCol="0" anchor="ctr"/>
+              <a:lstStyle/>
+              <a:p>
+                <a:pPr algn="ctr"/>
+                <a14:m>
+                  <m:oMathPara xmlns:m="http://schemas.openxmlformats.org/officeDocument/2006/math">
+                    <m:oMathParaPr>
+                      <m:jc m:val="centerGroup"/>
+                    </m:oMathParaPr>
+                    <m:oMath xmlns:m="http://schemas.openxmlformats.org/officeDocument/2006/math">
+                      <m:r>
+                        <a:rPr kumimoji="1" lang="en-US" altLang="zh-CN" b="0" i="1" smtClean="0">
+                          <a:solidFill>
+                            <a:schemeClr val="tx1"/>
+                          </a:solidFill>
+                          <a:latin typeface="Cambria Math" panose="02040503050406030204" pitchFamily="18" charset="0"/>
+                          <a:cs typeface="Calibri" panose="020F0502020204030204" pitchFamily="34" charset="0"/>
+                        </a:rPr>
+                        <m:t>𝑔𝐾</m:t>
+                      </m:r>
+                    </m:oMath>
+                  </m:oMathPara>
+                </a14:m>
+                <a:endParaRPr kumimoji="1" lang="zh-CN" altLang="en-US" dirty="0">
+                  <a:solidFill>
+                    <a:schemeClr val="tx1"/>
+                  </a:solidFill>
+                  <a:latin typeface="Calibri" panose="020F0502020204030204" pitchFamily="34" charset="0"/>
+                  <a:cs typeface="Calibri" panose="020F0502020204030204" pitchFamily="34" charset="0"/>
+                </a:endParaRPr>
+              </a:p>
+            </p:txBody>
+          </p:sp>
+        </mc:Choice>
+        <mc:Fallback>
+          <p:sp>
+            <p:nvSpPr>
+              <p:cNvPr id="3" name="矩形 2">
+                <a:extLst>
+                  <a:ext uri="{FF2B5EF4-FFF2-40B4-BE49-F238E27FC236}">
+                    <a16:creationId xmlns:a16="http://schemas.microsoft.com/office/drawing/2014/main" id="{D12FFB80-BCAD-D7F2-54F8-9AFEC1A86F13}"/>
+                  </a:ext>
+                </a:extLst>
+              </p:cNvPr>
+              <p:cNvSpPr>
+                <a:spLocks noRot="1" noChangeAspect="1" noMove="1" noResize="1" noEditPoints="1" noAdjustHandles="1" noChangeArrowheads="1" noChangeShapeType="1" noTextEdit="1"/>
+              </p:cNvSpPr>
+              <p:nvPr/>
+            </p:nvSpPr>
+            <p:spPr>
+              <a:xfrm>
+                <a:off x="3549469" y="1714862"/>
+                <a:ext cx="2203269" cy="748938"/>
+              </a:xfrm>
+              <a:prstGeom prst="rect">
+                <a:avLst/>
+              </a:prstGeom>
+              <a:blipFill>
+                <a:blip r:embed="rId6"/>
+                <a:stretch>
+                  <a:fillRect/>
+                </a:stretch>
+              </a:blipFill>
+            </p:spPr>
+            <p:txBody>
+              <a:bodyPr/>
+              <a:lstStyle/>
+              <a:p>
+                <a:r>
+                  <a:rPr lang="zh-CN" altLang="en-US">
+                    <a:noFill/>
+                  </a:rPr>
+                  <a:t> </a:t>
+                </a:r>
+              </a:p>
+            </p:txBody>
+          </p:sp>
+        </mc:Fallback>
+      </mc:AlternateContent>
+      <p:sp>
+        <p:nvSpPr>
+          <p:cNvPr id="10" name="矩形 9">
+            <a:extLst>
+              <a:ext uri="{FF2B5EF4-FFF2-40B4-BE49-F238E27FC236}">
+                <a16:creationId xmlns:a16="http://schemas.microsoft.com/office/drawing/2014/main" id="{41AF0F93-F85F-8920-8806-109688A4C831}"/>
+              </a:ext>
+            </a:extLst>
+          </p:cNvPr>
+          <p:cNvSpPr/>
+          <p:nvPr/>
+        </p:nvSpPr>
+        <p:spPr>
+          <a:xfrm rot="16200000">
+            <a:off x="3740815" y="2665427"/>
+            <a:ext cx="348584" cy="157722"/>
+          </a:xfrm>
+          <a:prstGeom prst="rect">
+            <a:avLst/>
+          </a:prstGeom>
+          <a:solidFill>
+            <a:srgbClr val="FFC000"/>
+          </a:solidFill>
+        </p:spPr>
+        <p:style>
+          <a:lnRef idx="2">
+            <a:schemeClr val="accent1">
+              <a:shade val="15000"/>
+            </a:schemeClr>
+          </a:lnRef>
+          <a:fillRef idx="1">
+            <a:schemeClr val="accent1"/>
+          </a:fillRef>
+          <a:effectRef idx="0">
+            <a:schemeClr val="accent1"/>
+          </a:effectRef>
+          <a:fontRef idx="minor">
+            <a:schemeClr val="lt1"/>
+          </a:fontRef>
+        </p:style>
+        <p:txBody>
+          <a:bodyPr rtlCol="0" anchor="ctr"/>
+          <a:lstStyle/>
+          <a:p>
+            <a:pPr algn="ctr"/>
+            <a:endParaRPr kumimoji="1" lang="zh-CN" altLang="en-US" dirty="0">
+              <a:solidFill>
+                <a:schemeClr val="tx1"/>
+              </a:solidFill>
+              <a:latin typeface="Calibri" panose="020F0502020204030204" pitchFamily="34" charset="0"/>
+              <a:cs typeface="Calibri" panose="020F0502020204030204" pitchFamily="34" charset="0"/>
+            </a:endParaRPr>
+          </a:p>
+        </p:txBody>
+      </p:sp>
+      <p:cxnSp>
+        <p:nvCxnSpPr>
+          <p:cNvPr id="34" name="直线连接符 33">
+            <a:extLst>
+              <a:ext uri="{FF2B5EF4-FFF2-40B4-BE49-F238E27FC236}">
+                <a16:creationId xmlns:a16="http://schemas.microsoft.com/office/drawing/2014/main" id="{DD2FA3DA-5359-1BA4-E136-EA43A1228053}"/>
+              </a:ext>
+            </a:extLst>
+          </p:cNvPr>
+          <p:cNvCxnSpPr>
+            <a:cxnSpLocks/>
+          </p:cNvCxnSpPr>
+          <p:nvPr/>
+        </p:nvCxnSpPr>
+        <p:spPr>
+          <a:xfrm>
+            <a:off x="3993969" y="1722175"/>
+            <a:ext cx="0" cy="1592404"/>
+          </a:xfrm>
+          <a:prstGeom prst="line">
+            <a:avLst/>
+          </a:prstGeom>
+        </p:spPr>
+        <p:style>
+          <a:lnRef idx="2">
+            <a:schemeClr val="accent1"/>
+          </a:lnRef>
+          <a:fillRef idx="0">
+            <a:schemeClr val="accent1"/>
+          </a:fillRef>
+          <a:effectRef idx="1">
+            <a:schemeClr val="accent1"/>
+          </a:effectRef>
+          <a:fontRef idx="minor">
+            <a:schemeClr val="tx1"/>
+          </a:fontRef>
+        </p:style>
+      </p:cxnSp>
+      <p:sp>
+        <p:nvSpPr>
+          <p:cNvPr id="42" name="矩形 41">
+            <a:extLst>
+              <a:ext uri="{FF2B5EF4-FFF2-40B4-BE49-F238E27FC236}">
+                <a16:creationId xmlns:a16="http://schemas.microsoft.com/office/drawing/2014/main" id="{3BABB3E0-726A-84FE-C67C-6B73AD616347}"/>
+              </a:ext>
+            </a:extLst>
+          </p:cNvPr>
+          <p:cNvSpPr/>
+          <p:nvPr/>
+        </p:nvSpPr>
+        <p:spPr>
+          <a:xfrm>
+            <a:off x="5944326" y="1473201"/>
+            <a:ext cx="348584" cy="157722"/>
+          </a:xfrm>
+          <a:prstGeom prst="rect">
+            <a:avLst/>
+          </a:prstGeom>
+          <a:solidFill>
+            <a:srgbClr val="FFC000"/>
+          </a:solidFill>
+        </p:spPr>
+        <p:style>
+          <a:lnRef idx="2">
+            <a:schemeClr val="accent1">
+              <a:shade val="15000"/>
+            </a:schemeClr>
+          </a:lnRef>
+          <a:fillRef idx="1">
+            <a:schemeClr val="accent1"/>
+          </a:fillRef>
+          <a:effectRef idx="0">
+            <a:schemeClr val="accent1"/>
+          </a:effectRef>
+          <a:fontRef idx="minor">
+            <a:schemeClr val="lt1"/>
+          </a:fontRef>
+        </p:style>
+        <p:txBody>
+          <a:bodyPr rtlCol="0" anchor="ctr"/>
+          <a:lstStyle/>
+          <a:p>
+            <a:pPr algn="ctr"/>
+            <a:endParaRPr kumimoji="1" lang="zh-CN" altLang="en-US" dirty="0">
+              <a:solidFill>
+                <a:schemeClr val="tx1"/>
+              </a:solidFill>
+              <a:latin typeface="Calibri" panose="020F0502020204030204" pitchFamily="34" charset="0"/>
+              <a:cs typeface="Calibri" panose="020F0502020204030204" pitchFamily="34" charset="0"/>
+            </a:endParaRPr>
+          </a:p>
+        </p:txBody>
+      </p:sp>
+      <p:sp>
+        <p:nvSpPr>
+          <p:cNvPr id="44" name="矩形 43">
+            <a:extLst>
+              <a:ext uri="{FF2B5EF4-FFF2-40B4-BE49-F238E27FC236}">
+                <a16:creationId xmlns:a16="http://schemas.microsoft.com/office/drawing/2014/main" id="{560CAF57-C7C8-5A33-9558-7DCAECE6BAE6}"/>
+              </a:ext>
+            </a:extLst>
+          </p:cNvPr>
+          <p:cNvSpPr/>
+          <p:nvPr/>
+        </p:nvSpPr>
+        <p:spPr>
+          <a:xfrm>
+            <a:off x="6914848" y="1473201"/>
+            <a:ext cx="348584" cy="157722"/>
+          </a:xfrm>
+          <a:prstGeom prst="rect">
+            <a:avLst/>
+          </a:prstGeom>
+          <a:solidFill>
+            <a:schemeClr val="accent2">
+              <a:lumMod val="20000"/>
+              <a:lumOff val="80000"/>
+            </a:schemeClr>
+          </a:solidFill>
+        </p:spPr>
+        <p:style>
+          <a:lnRef idx="2">
+            <a:schemeClr val="accent1">
+              <a:shade val="15000"/>
+            </a:schemeClr>
+          </a:lnRef>
+          <a:fillRef idx="1">
+            <a:schemeClr val="accent1"/>
+          </a:fillRef>
+          <a:effectRef idx="0">
+            <a:schemeClr val="accent1"/>
+          </a:effectRef>
+          <a:fontRef idx="minor">
+            <a:schemeClr val="lt1"/>
+          </a:fontRef>
+        </p:style>
+        <p:txBody>
+          <a:bodyPr rtlCol="0" anchor="ctr"/>
+          <a:lstStyle/>
+          <a:p>
+            <a:pPr algn="ctr"/>
+            <a:endParaRPr kumimoji="1" lang="zh-CN" altLang="en-US" dirty="0">
+              <a:solidFill>
+                <a:schemeClr val="tx1"/>
+              </a:solidFill>
+              <a:latin typeface="Calibri" panose="020F0502020204030204" pitchFamily="34" charset="0"/>
+              <a:cs typeface="Calibri" panose="020F0502020204030204" pitchFamily="34" charset="0"/>
+            </a:endParaRPr>
+          </a:p>
+        </p:txBody>
+      </p:sp>
+      <mc:AlternateContent xmlns:mc="http://schemas.openxmlformats.org/markup-compatibility/2006" xmlns:a14="http://schemas.microsoft.com/office/drawing/2010/main">
+        <mc:Choice Requires="a14">
           <p:sp>
             <p:nvSpPr>
               <p:cNvPr id="45" name="文本框 44">
@@ -18173,6 +19344,7 @@
               </a:bodyPr>
               <a:lstStyle/>
               <a:p>
+                <a:pPr/>
                 <a14:m>
                   <m:oMathPara xmlns:m="http://schemas.openxmlformats.org/officeDocument/2006/math">
                     <m:oMathParaPr>
@@ -18199,7 +19371,7 @@
             </p:txBody>
           </p:sp>
         </mc:Choice>
-        <mc:Fallback>
+        <mc:Fallback xmlns="">
           <p:sp>
             <p:nvSpPr>
               <p:cNvPr id="45" name="文本框 44">
@@ -18244,8 +19416,8 @@
           </p:sp>
         </mc:Fallback>
       </mc:AlternateContent>
-      <mc:AlternateContent xmlns:mc="http://schemas.openxmlformats.org/markup-compatibility/2006">
-        <mc:Choice xmlns:a14="http://schemas.microsoft.com/office/drawing/2010/main" Requires="a14">
+      <mc:AlternateContent xmlns:mc="http://schemas.openxmlformats.org/markup-compatibility/2006" xmlns:a14="http://schemas.microsoft.com/office/drawing/2010/main">
+        <mc:Choice Requires="a14">
           <p:sp>
             <p:nvSpPr>
               <p:cNvPr id="47" name="文本框 46">
@@ -18274,6 +19446,7 @@
               </a:bodyPr>
               <a:lstStyle/>
               <a:p>
+                <a:pPr/>
                 <a14:m>
                   <m:oMathPara xmlns:m="http://schemas.openxmlformats.org/officeDocument/2006/math">
                     <m:oMathParaPr>
@@ -18300,7 +19473,7 @@
             </p:txBody>
           </p:sp>
         </mc:Choice>
-        <mc:Fallback>
+        <mc:Fallback xmlns="">
           <p:sp>
             <p:nvSpPr>
               <p:cNvPr id="47" name="文本框 46">
@@ -18345,8 +19518,8 @@
           </p:sp>
         </mc:Fallback>
       </mc:AlternateContent>
-      <mc:AlternateContent xmlns:mc="http://schemas.openxmlformats.org/markup-compatibility/2006">
-        <mc:Choice xmlns:a14="http://schemas.microsoft.com/office/drawing/2010/main" Requires="a14">
+      <mc:AlternateContent xmlns:mc="http://schemas.openxmlformats.org/markup-compatibility/2006" xmlns:a14="http://schemas.microsoft.com/office/drawing/2010/main">
+        <mc:Choice Requires="a14">
           <p:sp>
             <p:nvSpPr>
               <p:cNvPr id="48" name="文本框 47">
@@ -18375,6 +19548,7 @@
               </a:bodyPr>
               <a:lstStyle/>
               <a:p>
+                <a:pPr/>
                 <a14:m>
                   <m:oMathPara xmlns:m="http://schemas.openxmlformats.org/officeDocument/2006/math">
                     <m:oMathParaPr>
@@ -18401,7 +19575,7 @@
             </p:txBody>
           </p:sp>
         </mc:Choice>
-        <mc:Fallback>
+        <mc:Fallback xmlns="">
           <p:sp>
             <p:nvSpPr>
               <p:cNvPr id="48" name="文本框 47">
@@ -18446,8 +19620,8 @@
           </p:sp>
         </mc:Fallback>
       </mc:AlternateContent>
-      <mc:AlternateContent xmlns:mc="http://schemas.openxmlformats.org/markup-compatibility/2006">
-        <mc:Choice xmlns:a14="http://schemas.microsoft.com/office/drawing/2010/main" Requires="a14">
+      <mc:AlternateContent xmlns:mc="http://schemas.openxmlformats.org/markup-compatibility/2006" xmlns:a14="http://schemas.microsoft.com/office/drawing/2010/main">
+        <mc:Choice Requires="a14">
           <p:sp>
             <p:nvSpPr>
               <p:cNvPr id="49" name="文本框 48">
@@ -18476,6 +19650,7 @@
               </a:bodyPr>
               <a:lstStyle/>
               <a:p>
+                <a:pPr/>
                 <a14:m>
                   <m:oMathPara xmlns:m="http://schemas.openxmlformats.org/officeDocument/2006/math">
                     <m:oMathParaPr>
@@ -18502,7 +19677,7 @@
             </p:txBody>
           </p:sp>
         </mc:Choice>
-        <mc:Fallback>
+        <mc:Fallback xmlns="">
           <p:sp>
             <p:nvSpPr>
               <p:cNvPr id="49" name="文本框 48">
@@ -18547,8 +19722,8 @@
           </p:sp>
         </mc:Fallback>
       </mc:AlternateContent>
-      <mc:AlternateContent xmlns:mc="http://schemas.openxmlformats.org/markup-compatibility/2006">
-        <mc:Choice xmlns:a14="http://schemas.microsoft.com/office/drawing/2010/main" Requires="a14">
+      <mc:AlternateContent xmlns:mc="http://schemas.openxmlformats.org/markup-compatibility/2006" xmlns:a14="http://schemas.microsoft.com/office/drawing/2010/main">
+        <mc:Choice Requires="a14">
           <p:sp>
             <p:nvSpPr>
               <p:cNvPr id="50" name="文本框 49">
@@ -18577,6 +19752,7 @@
               </a:bodyPr>
               <a:lstStyle/>
               <a:p>
+                <a:pPr/>
                 <a14:m>
                   <m:oMathPara xmlns:m="http://schemas.openxmlformats.org/officeDocument/2006/math">
                     <m:oMathParaPr>
@@ -18603,7 +19779,7 @@
             </p:txBody>
           </p:sp>
         </mc:Choice>
-        <mc:Fallback>
+        <mc:Fallback xmlns="">
           <p:sp>
             <p:nvSpPr>
               <p:cNvPr id="50" name="文本框 49">
@@ -19041,6 +20217,61 @@
           </a:p>
         </p:txBody>
       </p:sp>
+      <p:sp>
+        <p:nvSpPr>
+          <p:cNvPr id="2" name="矩形 1">
+            <a:extLst>
+              <a:ext uri="{FF2B5EF4-FFF2-40B4-BE49-F238E27FC236}">
+                <a16:creationId xmlns:a16="http://schemas.microsoft.com/office/drawing/2014/main" id="{FA18349E-A153-D251-8DC0-B63DCBC6F26A}"/>
+              </a:ext>
+            </a:extLst>
+          </p:cNvPr>
+          <p:cNvSpPr/>
+          <p:nvPr/>
+        </p:nvSpPr>
+        <p:spPr>
+          <a:xfrm rot="16200000">
+            <a:off x="3740815" y="1813251"/>
+            <a:ext cx="348584" cy="157722"/>
+          </a:xfrm>
+          <a:prstGeom prst="rect">
+            <a:avLst/>
+          </a:prstGeom>
+          <a:solidFill>
+            <a:srgbClr val="FFC000"/>
+          </a:solidFill>
+        </p:spPr>
+        <p:style>
+          <a:lnRef idx="2">
+            <a:schemeClr val="accent1">
+              <a:shade val="15000"/>
+            </a:schemeClr>
+          </a:lnRef>
+          <a:fillRef idx="1">
+            <a:schemeClr val="accent1"/>
+          </a:fillRef>
+          <a:effectRef idx="0">
+            <a:schemeClr val="accent1"/>
+          </a:effectRef>
+          <a:fontRef idx="minor">
+            <a:schemeClr val="lt1"/>
+          </a:fontRef>
+        </p:style>
+        <p:txBody>
+          <a:bodyPr rtlCol="0" anchor="ctr"/>
+          <a:lstStyle/>
+          <a:p>
+            <a:pPr algn="ctr"/>
+            <a:endParaRPr kumimoji="1" lang="zh-CN" altLang="en-US" dirty="0">
+              <a:solidFill>
+                <a:schemeClr val="tx1"/>
+              </a:solidFill>
+              <a:latin typeface="Calibri" panose="020F0502020204030204" pitchFamily="34" charset="0"/>
+              <a:cs typeface="Calibri" panose="020F0502020204030204" pitchFamily="34" charset="0"/>
+            </a:endParaRPr>
+          </a:p>
+        </p:txBody>
+      </p:sp>
     </p:spTree>
     <p:extLst>
       <p:ext uri="{BB962C8B-B14F-4D97-AF65-F5344CB8AC3E}">
@@ -19054,7 +20285,7 @@
 </p:sld>
 </file>
 
-<file path=ppt/slides/slide5.xml><?xml version="1.0" encoding="utf-8"?>
+<file path=ppt/slides/slide6.xml><?xml version="1.0" encoding="utf-8"?>
 <p:sld xmlns:a="http://schemas.openxmlformats.org/drawingml/2006/main" xmlns:r="http://schemas.openxmlformats.org/officeDocument/2006/relationships" xmlns:p="http://schemas.openxmlformats.org/presentationml/2006/main">
   <p:cSld>
     <p:spTree>
@@ -19071,8 +20302,8 @@
           <a:chExt cx="0" cy="0"/>
         </a:xfrm>
       </p:grpSpPr>
-      <mc:AlternateContent xmlns:mc="http://schemas.openxmlformats.org/markup-compatibility/2006">
-        <mc:Choice xmlns:a14="http://schemas.microsoft.com/office/drawing/2010/main" Requires="a14">
+      <mc:AlternateContent xmlns:mc="http://schemas.openxmlformats.org/markup-compatibility/2006" xmlns:a14="http://schemas.microsoft.com/office/drawing/2010/main">
+        <mc:Choice Requires="a14">
           <p:sp>
             <p:nvSpPr>
               <p:cNvPr id="5" name="矩形 4">
@@ -19146,7 +20377,7 @@
             </p:txBody>
           </p:sp>
         </mc:Choice>
-        <mc:Fallback>
+        <mc:Fallback xmlns="">
           <p:sp>
             <p:nvSpPr>
               <p:cNvPr id="5" name="矩形 4">
@@ -19191,8 +20422,8 @@
           </p:sp>
         </mc:Fallback>
       </mc:AlternateContent>
-      <mc:AlternateContent xmlns:mc="http://schemas.openxmlformats.org/markup-compatibility/2006">
-        <mc:Choice xmlns:a14="http://schemas.microsoft.com/office/drawing/2010/main" Requires="a14">
+      <mc:AlternateContent xmlns:mc="http://schemas.openxmlformats.org/markup-compatibility/2006" xmlns:a14="http://schemas.microsoft.com/office/drawing/2010/main">
+        <mc:Choice Requires="a14">
           <p:sp>
             <p:nvSpPr>
               <p:cNvPr id="6" name="矩形 5">
@@ -19266,7 +20497,7 @@
             </p:txBody>
           </p:sp>
         </mc:Choice>
-        <mc:Fallback>
+        <mc:Fallback xmlns="">
           <p:sp>
             <p:nvSpPr>
               <p:cNvPr id="6" name="矩形 5">
@@ -19366,8 +20597,8 @@
           </a:p>
         </p:txBody>
       </p:sp>
-      <mc:AlternateContent xmlns:mc="http://schemas.openxmlformats.org/markup-compatibility/2006">
-        <mc:Choice xmlns:a14="http://schemas.microsoft.com/office/drawing/2010/main" Requires="a14">
+      <mc:AlternateContent xmlns:mc="http://schemas.openxmlformats.org/markup-compatibility/2006" xmlns:a14="http://schemas.microsoft.com/office/drawing/2010/main">
+        <mc:Choice Requires="a14">
           <p:sp>
             <p:nvSpPr>
               <p:cNvPr id="3" name="矩形 2">
@@ -19441,7 +20672,7 @@
             </p:txBody>
           </p:sp>
         </mc:Choice>
-        <mc:Fallback>
+        <mc:Fallback xmlns="">
           <p:sp>
             <p:nvSpPr>
               <p:cNvPr id="3" name="矩形 2">
@@ -19634,8 +20865,8 @@
           </a:fontRef>
         </p:style>
       </p:cxnSp>
-      <mc:AlternateContent xmlns:mc="http://schemas.openxmlformats.org/markup-compatibility/2006">
-        <mc:Choice xmlns:a14="http://schemas.microsoft.com/office/drawing/2010/main" Requires="a14">
+      <mc:AlternateContent xmlns:mc="http://schemas.openxmlformats.org/markup-compatibility/2006" xmlns:a14="http://schemas.microsoft.com/office/drawing/2010/main">
+        <mc:Choice Requires="a14">
           <p:sp>
             <p:nvSpPr>
               <p:cNvPr id="45" name="文本框 44">
@@ -19691,7 +20922,7 @@
             </p:txBody>
           </p:sp>
         </mc:Choice>
-        <mc:Fallback>
+        <mc:Fallback xmlns="">
           <p:sp>
             <p:nvSpPr>
               <p:cNvPr id="45" name="文本框 44">
@@ -19736,8 +20967,8 @@
           </p:sp>
         </mc:Fallback>
       </mc:AlternateContent>
-      <mc:AlternateContent xmlns:mc="http://schemas.openxmlformats.org/markup-compatibility/2006">
-        <mc:Choice xmlns:a14="http://schemas.microsoft.com/office/drawing/2010/main" Requires="a14">
+      <mc:AlternateContent xmlns:mc="http://schemas.openxmlformats.org/markup-compatibility/2006" xmlns:a14="http://schemas.microsoft.com/office/drawing/2010/main">
+        <mc:Choice Requires="a14">
           <p:sp>
             <p:nvSpPr>
               <p:cNvPr id="47" name="文本框 46">
@@ -19793,7 +21024,7 @@
             </p:txBody>
           </p:sp>
         </mc:Choice>
-        <mc:Fallback>
+        <mc:Fallback xmlns="">
           <p:sp>
             <p:nvSpPr>
               <p:cNvPr id="47" name="文本框 46">
@@ -19838,8 +21069,8 @@
           </p:sp>
         </mc:Fallback>
       </mc:AlternateContent>
-      <mc:AlternateContent xmlns:mc="http://schemas.openxmlformats.org/markup-compatibility/2006">
-        <mc:Choice xmlns:a14="http://schemas.microsoft.com/office/drawing/2010/main" Requires="a14">
+      <mc:AlternateContent xmlns:mc="http://schemas.openxmlformats.org/markup-compatibility/2006" xmlns:a14="http://schemas.microsoft.com/office/drawing/2010/main">
+        <mc:Choice Requires="a14">
           <p:sp>
             <p:nvSpPr>
               <p:cNvPr id="48" name="文本框 47">
@@ -19895,7 +21126,7 @@
             </p:txBody>
           </p:sp>
         </mc:Choice>
-        <mc:Fallback>
+        <mc:Fallback xmlns="">
           <p:sp>
             <p:nvSpPr>
               <p:cNvPr id="48" name="文本框 47">
@@ -19940,8 +21171,8 @@
           </p:sp>
         </mc:Fallback>
       </mc:AlternateContent>
-      <mc:AlternateContent xmlns:mc="http://schemas.openxmlformats.org/markup-compatibility/2006">
-        <mc:Choice xmlns:a14="http://schemas.microsoft.com/office/drawing/2010/main" Requires="a14">
+      <mc:AlternateContent xmlns:mc="http://schemas.openxmlformats.org/markup-compatibility/2006" xmlns:a14="http://schemas.microsoft.com/office/drawing/2010/main">
+        <mc:Choice Requires="a14">
           <p:sp>
             <p:nvSpPr>
               <p:cNvPr id="49" name="文本框 48">
@@ -19997,7 +21228,7 @@
             </p:txBody>
           </p:sp>
         </mc:Choice>
-        <mc:Fallback>
+        <mc:Fallback xmlns="">
           <p:sp>
             <p:nvSpPr>
               <p:cNvPr id="49" name="文本框 48">

--- a/gla/figures/gated_linear_attention.pptx
+++ b/gla/figures/gated_linear_attention.pptx
@@ -115,12 +115,12 @@
   <p:extLst>
     <p:ext uri="{EFAFB233-063F-42B5-8137-9DF3F51BA10A}">
       <p15:sldGuideLst xmlns:p15="http://schemas.microsoft.com/office/powerpoint/2012/main">
-        <p15:guide id="1" orient="horz" pos="1094" userDrawn="1">
+        <p15:guide id="1" orient="horz" pos="346" userDrawn="1">
           <p15:clr>
             <a:srgbClr val="A4A3A4"/>
           </p15:clr>
         </p15:guide>
-        <p15:guide id="2" pos="3931" userDrawn="1">
+        <p15:guide id="2" pos="2570" userDrawn="1">
           <p15:clr>
             <a:srgbClr val="A4A3A4"/>
           </p15:clr>
@@ -14356,2112 +14356,6 @@
           </p:sp>
         </mc:Fallback>
       </mc:AlternateContent>
-      <mc:AlternateContent xmlns:mc="http://schemas.openxmlformats.org/markup-compatibility/2006" xmlns:a14="http://schemas.microsoft.com/office/drawing/2010/main">
-        <mc:Choice Requires="a14">
-          <p:sp>
-            <p:nvSpPr>
-              <p:cNvPr id="14" name="文本框 13">
-                <a:extLst>
-                  <a:ext uri="{FF2B5EF4-FFF2-40B4-BE49-F238E27FC236}">
-                    <a16:creationId xmlns:a16="http://schemas.microsoft.com/office/drawing/2014/main" id="{0DF691CE-0B5F-51C4-E628-26345BB52116}"/>
-                  </a:ext>
-                </a:extLst>
-              </p:cNvPr>
-              <p:cNvSpPr txBox="1"/>
-              <p:nvPr/>
-            </p:nvSpPr>
-            <p:spPr>
-              <a:xfrm>
-                <a:off x="10463347" y="2309835"/>
-                <a:ext cx="461554" cy="369332"/>
-              </a:xfrm>
-              <a:prstGeom prst="rect">
-                <a:avLst/>
-              </a:prstGeom>
-              <a:noFill/>
-            </p:spPr>
-            <p:txBody>
-              <a:bodyPr wrap="square" rtlCol="0">
-                <a:spAutoFit/>
-              </a:bodyPr>
-              <a:lstStyle/>
-              <a:p>
-                <a:pPr/>
-                <a14:m>
-                  <m:oMathPara xmlns:m="http://schemas.openxmlformats.org/officeDocument/2006/math">
-                    <m:oMathParaPr>
-                      <m:jc m:val="centerGroup"/>
-                    </m:oMathParaPr>
-                    <m:oMath xmlns:m="http://schemas.openxmlformats.org/officeDocument/2006/math">
-                      <m:sSub>
-                        <m:sSubPr>
-                          <m:ctrlPr>
-                            <a:rPr kumimoji="1" lang="en-US" altLang="zh-CN" b="0" i="1" dirty="0" smtClean="0">
-                              <a:latin typeface="Cambria Math" panose="02040503050406030204" pitchFamily="18" charset="0"/>
-                            </a:rPr>
-                          </m:ctrlPr>
-                        </m:sSubPr>
-                        <m:e>
-                          <m:r>
-                            <a:rPr kumimoji="1" lang="en-US" altLang="zh-CN" b="0" i="1" dirty="0" smtClean="0">
-                              <a:latin typeface="Cambria Math" panose="02040503050406030204" pitchFamily="18" charset="0"/>
-                            </a:rPr>
-                            <m:t>𝑣</m:t>
-                          </m:r>
-                        </m:e>
-                        <m:sub>
-                          <m:r>
-                            <a:rPr kumimoji="1" lang="en-US" altLang="zh-CN" b="0" i="1" dirty="0" smtClean="0">
-                              <a:latin typeface="Cambria Math" panose="02040503050406030204" pitchFamily="18" charset="0"/>
-                            </a:rPr>
-                            <m:t>𝑖</m:t>
-                          </m:r>
-                        </m:sub>
-                      </m:sSub>
-                      <m:r>
-                        <a:rPr kumimoji="1" lang="zh-CN" altLang="en-US" i="1" dirty="0" smtClean="0">
-                          <a:latin typeface="Cambria Math" panose="02040503050406030204" pitchFamily="18" charset="0"/>
-                        </a:rPr>
-                        <m:t> </m:t>
-                      </m:r>
-                    </m:oMath>
-                  </m:oMathPara>
-                </a14:m>
-                <a:endParaRPr kumimoji="1" lang="zh-CN" altLang="en-US" dirty="0"/>
-              </a:p>
-            </p:txBody>
-          </p:sp>
-        </mc:Choice>
-        <mc:Fallback xmlns="">
-          <p:sp>
-            <p:nvSpPr>
-              <p:cNvPr id="14" name="文本框 13">
-                <a:extLst>
-                  <a:ext uri="{FF2B5EF4-FFF2-40B4-BE49-F238E27FC236}">
-                    <a16:creationId xmlns:a16="http://schemas.microsoft.com/office/drawing/2014/main" id="{0DF691CE-0B5F-51C4-E628-26345BB52116}"/>
-                  </a:ext>
-                </a:extLst>
-              </p:cNvPr>
-              <p:cNvSpPr txBox="1">
-                <a:spLocks noRot="1" noChangeAspect="1" noMove="1" noResize="1" noEditPoints="1" noAdjustHandles="1" noChangeArrowheads="1" noChangeShapeType="1" noTextEdit="1"/>
-              </p:cNvSpPr>
-              <p:nvPr/>
-            </p:nvSpPr>
-            <p:spPr>
-              <a:xfrm>
-                <a:off x="10463347" y="2309835"/>
-                <a:ext cx="461554" cy="369332"/>
-              </a:xfrm>
-              <a:prstGeom prst="rect">
-                <a:avLst/>
-              </a:prstGeom>
-              <a:blipFill>
-                <a:blip r:embed="rId9"/>
-                <a:stretch>
-                  <a:fillRect r="-2632" b="-16667"/>
-                </a:stretch>
-              </a:blipFill>
-            </p:spPr>
-            <p:txBody>
-              <a:bodyPr/>
-              <a:lstStyle/>
-              <a:p>
-                <a:r>
-                  <a:rPr lang="zh-CN" altLang="en-US">
-                    <a:noFill/>
-                  </a:rPr>
-                  <a:t> </a:t>
-                </a:r>
-              </a:p>
-            </p:txBody>
-          </p:sp>
-        </mc:Fallback>
-      </mc:AlternateContent>
-      <p:sp>
-        <p:nvSpPr>
-          <p:cNvPr id="9" name="矩形 8">
-            <a:extLst>
-              <a:ext uri="{FF2B5EF4-FFF2-40B4-BE49-F238E27FC236}">
-                <a16:creationId xmlns:a16="http://schemas.microsoft.com/office/drawing/2014/main" id="{764AA410-DF38-B4F3-1AE0-3134786A3039}"/>
-              </a:ext>
-            </a:extLst>
-          </p:cNvPr>
-          <p:cNvSpPr/>
-          <p:nvPr/>
-        </p:nvSpPr>
-        <p:spPr>
-          <a:xfrm>
-            <a:off x="10319657" y="2662532"/>
-            <a:ext cx="748937" cy="169817"/>
-          </a:xfrm>
-          <a:prstGeom prst="rect">
-            <a:avLst/>
-          </a:prstGeom>
-          <a:solidFill>
-            <a:schemeClr val="accent5">
-              <a:lumMod val="20000"/>
-              <a:lumOff val="80000"/>
-            </a:schemeClr>
-          </a:solidFill>
-          <a:ln>
-            <a:solidFill>
-              <a:schemeClr val="tx1">
-                <a:lumMod val="95000"/>
-                <a:lumOff val="5000"/>
-              </a:schemeClr>
-            </a:solidFill>
-          </a:ln>
-        </p:spPr>
-        <p:style>
-          <a:lnRef idx="2">
-            <a:schemeClr val="accent1">
-              <a:shade val="15000"/>
-            </a:schemeClr>
-          </a:lnRef>
-          <a:fillRef idx="1">
-            <a:schemeClr val="accent1"/>
-          </a:fillRef>
-          <a:effectRef idx="0">
-            <a:schemeClr val="accent1"/>
-          </a:effectRef>
-          <a:fontRef idx="minor">
-            <a:schemeClr val="lt1"/>
-          </a:fontRef>
-        </p:style>
-        <p:txBody>
-          <a:bodyPr rtlCol="0" anchor="ctr"/>
-          <a:lstStyle/>
-          <a:p>
-            <a:pPr algn="ctr"/>
-            <a:endParaRPr kumimoji="1" lang="zh-CN" altLang="en-US" dirty="0">
-              <a:solidFill>
-                <a:schemeClr val="tx1"/>
-              </a:solidFill>
-              <a:latin typeface="Calibri" panose="020F0502020204030204" pitchFamily="34" charset="0"/>
-              <a:cs typeface="Calibri" panose="020F0502020204030204" pitchFamily="34" charset="0"/>
-            </a:endParaRPr>
-          </a:p>
-        </p:txBody>
-      </p:sp>
-      <p:sp>
-        <p:nvSpPr>
-          <p:cNvPr id="11" name="矩形 10">
-            <a:extLst>
-              <a:ext uri="{FF2B5EF4-FFF2-40B4-BE49-F238E27FC236}">
-                <a16:creationId xmlns:a16="http://schemas.microsoft.com/office/drawing/2014/main" id="{EB57AF90-EC28-B331-3811-E14D83C2D0C6}"/>
-              </a:ext>
-            </a:extLst>
-          </p:cNvPr>
-          <p:cNvSpPr/>
-          <p:nvPr/>
-        </p:nvSpPr>
-        <p:spPr>
-          <a:xfrm>
-            <a:off x="9997441" y="2993456"/>
-            <a:ext cx="169817" cy="748938"/>
-          </a:xfrm>
-          <a:prstGeom prst="rect">
-            <a:avLst/>
-          </a:prstGeom>
-          <a:solidFill>
-            <a:schemeClr val="accent4">
-              <a:lumMod val="20000"/>
-              <a:lumOff val="80000"/>
-            </a:schemeClr>
-          </a:solidFill>
-          <a:ln>
-            <a:solidFill>
-              <a:schemeClr val="tx1">
-                <a:lumMod val="95000"/>
-                <a:lumOff val="5000"/>
-              </a:schemeClr>
-            </a:solidFill>
-          </a:ln>
-        </p:spPr>
-        <p:style>
-          <a:lnRef idx="2">
-            <a:schemeClr val="accent1">
-              <a:shade val="15000"/>
-            </a:schemeClr>
-          </a:lnRef>
-          <a:fillRef idx="1">
-            <a:schemeClr val="accent1"/>
-          </a:fillRef>
-          <a:effectRef idx="0">
-            <a:schemeClr val="accent1"/>
-          </a:effectRef>
-          <a:fontRef idx="minor">
-            <a:schemeClr val="lt1"/>
-          </a:fontRef>
-        </p:style>
-        <p:txBody>
-          <a:bodyPr rtlCol="0" anchor="ctr"/>
-          <a:lstStyle/>
-          <a:p>
-            <a:pPr algn="ctr"/>
-            <a:endParaRPr kumimoji="1" lang="zh-CN" altLang="en-US" dirty="0">
-              <a:solidFill>
-                <a:schemeClr val="tx1"/>
-              </a:solidFill>
-              <a:latin typeface="Calibri" panose="020F0502020204030204" pitchFamily="34" charset="0"/>
-              <a:cs typeface="Calibri" panose="020F0502020204030204" pitchFamily="34" charset="0"/>
-            </a:endParaRPr>
-          </a:p>
-        </p:txBody>
-      </p:sp>
-      <mc:AlternateContent xmlns:mc="http://schemas.openxmlformats.org/markup-compatibility/2006" xmlns:a14="http://schemas.microsoft.com/office/drawing/2010/main">
-        <mc:Choice Requires="a14">
-          <p:sp>
-            <p:nvSpPr>
-              <p:cNvPr id="12" name="矩形 11">
-                <a:extLst>
-                  <a:ext uri="{FF2B5EF4-FFF2-40B4-BE49-F238E27FC236}">
-                    <a16:creationId xmlns:a16="http://schemas.microsoft.com/office/drawing/2014/main" id="{1CFF896B-4C3B-27C0-E344-6C5C2CF3E3E8}"/>
-                  </a:ext>
-                </a:extLst>
-              </p:cNvPr>
-              <p:cNvSpPr/>
-              <p:nvPr/>
-            </p:nvSpPr>
-            <p:spPr>
-              <a:xfrm>
-                <a:off x="10319656" y="2993456"/>
-                <a:ext cx="748937" cy="748938"/>
-              </a:xfrm>
-              <a:prstGeom prst="rect">
-                <a:avLst/>
-              </a:prstGeom>
-              <a:solidFill>
-                <a:schemeClr val="accent2">
-                  <a:lumMod val="20000"/>
-                  <a:lumOff val="80000"/>
-                </a:schemeClr>
-              </a:solidFill>
-              <a:ln>
-                <a:solidFill>
-                  <a:schemeClr val="tx1">
-                    <a:lumMod val="95000"/>
-                    <a:lumOff val="5000"/>
-                  </a:schemeClr>
-                </a:solidFill>
-              </a:ln>
-            </p:spPr>
-            <p:style>
-              <a:lnRef idx="2">
-                <a:schemeClr val="accent1">
-                  <a:shade val="15000"/>
-                </a:schemeClr>
-              </a:lnRef>
-              <a:fillRef idx="1">
-                <a:schemeClr val="accent1"/>
-              </a:fillRef>
-              <a:effectRef idx="0">
-                <a:schemeClr val="accent1"/>
-              </a:effectRef>
-              <a:fontRef idx="minor">
-                <a:schemeClr val="lt1"/>
-              </a:fontRef>
-            </p:style>
-            <p:txBody>
-              <a:bodyPr rtlCol="0" anchor="ctr"/>
-              <a:lstStyle/>
-              <a:p>
-                <a:pPr algn="ctr"/>
-                <a14:m>
-                  <m:oMathPara xmlns:m="http://schemas.openxmlformats.org/officeDocument/2006/math">
-                    <m:oMathParaPr>
-                      <m:jc m:val="centerGroup"/>
-                    </m:oMathParaPr>
-                    <m:oMath xmlns:m="http://schemas.openxmlformats.org/officeDocument/2006/math">
-                      <m:sSub>
-                        <m:sSubPr>
-                          <m:ctrlPr>
-                            <a:rPr kumimoji="1" lang="en-US" altLang="zh-CN" sz="2000" b="0" i="1" smtClean="0">
-                              <a:solidFill>
-                                <a:schemeClr val="tx1"/>
-                              </a:solidFill>
-                              <a:latin typeface="Cambria Math" panose="02040503050406030204" pitchFamily="18" charset="0"/>
-                              <a:cs typeface="Calibri" panose="020F0502020204030204" pitchFamily="34" charset="0"/>
-                            </a:rPr>
-                          </m:ctrlPr>
-                        </m:sSubPr>
-                        <m:e>
-                          <m:r>
-                            <a:rPr kumimoji="1" lang="en-US" altLang="zh-CN" sz="2000" b="0" i="1" smtClean="0">
-                              <a:solidFill>
-                                <a:schemeClr val="tx1"/>
-                              </a:solidFill>
-                              <a:latin typeface="Cambria Math" panose="02040503050406030204" pitchFamily="18" charset="0"/>
-                              <a:cs typeface="Calibri" panose="020F0502020204030204" pitchFamily="34" charset="0"/>
-                            </a:rPr>
-                            <m:t>𝑠</m:t>
-                          </m:r>
-                        </m:e>
-                        <m:sub>
-                          <m:r>
-                            <a:rPr kumimoji="1" lang="en-US" altLang="zh-CN" sz="2000" b="0" i="1" smtClean="0">
-                              <a:solidFill>
-                                <a:schemeClr val="tx1"/>
-                              </a:solidFill>
-                              <a:latin typeface="Cambria Math" panose="02040503050406030204" pitchFamily="18" charset="0"/>
-                              <a:cs typeface="Calibri" panose="020F0502020204030204" pitchFamily="34" charset="0"/>
-                            </a:rPr>
-                            <m:t>𝑡</m:t>
-                          </m:r>
-                        </m:sub>
-                      </m:sSub>
-                    </m:oMath>
-                  </m:oMathPara>
-                </a14:m>
-                <a:endParaRPr kumimoji="1" lang="zh-CN" altLang="en-US" sz="2000" dirty="0">
-                  <a:solidFill>
-                    <a:schemeClr val="tx1"/>
-                  </a:solidFill>
-                  <a:latin typeface="Calibri" panose="020F0502020204030204" pitchFamily="34" charset="0"/>
-                  <a:cs typeface="Calibri" panose="020F0502020204030204" pitchFamily="34" charset="0"/>
-                </a:endParaRPr>
-              </a:p>
-            </p:txBody>
-          </p:sp>
-        </mc:Choice>
-        <mc:Fallback xmlns="">
-          <p:sp>
-            <p:nvSpPr>
-              <p:cNvPr id="12" name="矩形 11">
-                <a:extLst>
-                  <a:ext uri="{FF2B5EF4-FFF2-40B4-BE49-F238E27FC236}">
-                    <a16:creationId xmlns:a16="http://schemas.microsoft.com/office/drawing/2014/main" id="{1CFF896B-4C3B-27C0-E344-6C5C2CF3E3E8}"/>
-                  </a:ext>
-                </a:extLst>
-              </p:cNvPr>
-              <p:cNvSpPr>
-                <a:spLocks noRot="1" noChangeAspect="1" noMove="1" noResize="1" noEditPoints="1" noAdjustHandles="1" noChangeArrowheads="1" noChangeShapeType="1" noTextEdit="1"/>
-              </p:cNvSpPr>
-              <p:nvPr/>
-            </p:nvSpPr>
-            <p:spPr>
-              <a:xfrm>
-                <a:off x="10319656" y="2993456"/>
-                <a:ext cx="748937" cy="748938"/>
-              </a:xfrm>
-              <a:prstGeom prst="rect">
-                <a:avLst/>
-              </a:prstGeom>
-              <a:blipFill>
-                <a:blip r:embed="rId10"/>
-                <a:stretch>
-                  <a:fillRect/>
-                </a:stretch>
-              </a:blipFill>
-              <a:ln>
-                <a:solidFill>
-                  <a:schemeClr val="tx1">
-                    <a:lumMod val="95000"/>
-                    <a:lumOff val="5000"/>
-                  </a:schemeClr>
-                </a:solidFill>
-              </a:ln>
-            </p:spPr>
-            <p:txBody>
-              <a:bodyPr/>
-              <a:lstStyle/>
-              <a:p>
-                <a:r>
-                  <a:rPr lang="zh-CN" altLang="en-US">
-                    <a:noFill/>
-                  </a:rPr>
-                  <a:t> </a:t>
-                </a:r>
-              </a:p>
-            </p:txBody>
-          </p:sp>
-        </mc:Fallback>
-      </mc:AlternateContent>
-      <mc:AlternateContent xmlns:mc="http://schemas.openxmlformats.org/markup-compatibility/2006" xmlns:a14="http://schemas.microsoft.com/office/drawing/2010/main">
-        <mc:Choice Requires="a14">
-          <p:sp>
-            <p:nvSpPr>
-              <p:cNvPr id="13" name="文本框 12">
-                <a:extLst>
-                  <a:ext uri="{FF2B5EF4-FFF2-40B4-BE49-F238E27FC236}">
-                    <a16:creationId xmlns:a16="http://schemas.microsoft.com/office/drawing/2014/main" id="{D07FE843-B492-E66F-06A9-DA2856D3E6C1}"/>
-                  </a:ext>
-                </a:extLst>
-              </p:cNvPr>
-              <p:cNvSpPr txBox="1"/>
-              <p:nvPr/>
-            </p:nvSpPr>
-            <p:spPr>
-              <a:xfrm>
-                <a:off x="9644747" y="3183259"/>
-                <a:ext cx="461554" cy="369332"/>
-              </a:xfrm>
-              <a:prstGeom prst="rect">
-                <a:avLst/>
-              </a:prstGeom>
-              <a:noFill/>
-            </p:spPr>
-            <p:txBody>
-              <a:bodyPr wrap="square" rtlCol="0">
-                <a:spAutoFit/>
-              </a:bodyPr>
-              <a:lstStyle/>
-              <a:p>
-                <a:pPr/>
-                <a14:m>
-                  <m:oMathPara xmlns:m="http://schemas.openxmlformats.org/officeDocument/2006/math">
-                    <m:oMathParaPr>
-                      <m:jc m:val="centerGroup"/>
-                    </m:oMathParaPr>
-                    <m:oMath xmlns:m="http://schemas.openxmlformats.org/officeDocument/2006/math">
-                      <m:sSub>
-                        <m:sSubPr>
-                          <m:ctrlPr>
-                            <a:rPr kumimoji="1" lang="en-US" altLang="zh-CN" b="0" i="1" dirty="0" smtClean="0">
-                              <a:latin typeface="Cambria Math" panose="02040503050406030204" pitchFamily="18" charset="0"/>
-                            </a:rPr>
-                          </m:ctrlPr>
-                        </m:sSubPr>
-                        <m:e>
-                          <m:r>
-                            <a:rPr kumimoji="1" lang="en-US" altLang="zh-CN" b="0" i="1" dirty="0" smtClean="0">
-                              <a:latin typeface="Cambria Math" panose="02040503050406030204" pitchFamily="18" charset="0"/>
-                            </a:rPr>
-                            <m:t>𝑘</m:t>
-                          </m:r>
-                        </m:e>
-                        <m:sub>
-                          <m:r>
-                            <a:rPr kumimoji="1" lang="en-US" altLang="zh-CN" b="0" i="1" dirty="0" smtClean="0">
-                              <a:latin typeface="Cambria Math" panose="02040503050406030204" pitchFamily="18" charset="0"/>
-                            </a:rPr>
-                            <m:t>𝑖</m:t>
-                          </m:r>
-                        </m:sub>
-                      </m:sSub>
-                      <m:r>
-                        <a:rPr kumimoji="1" lang="zh-CN" altLang="en-US" i="1" dirty="0" smtClean="0">
-                          <a:latin typeface="Cambria Math" panose="02040503050406030204" pitchFamily="18" charset="0"/>
-                        </a:rPr>
-                        <m:t> </m:t>
-                      </m:r>
-                    </m:oMath>
-                  </m:oMathPara>
-                </a14:m>
-                <a:endParaRPr kumimoji="1" lang="zh-CN" altLang="en-US" dirty="0"/>
-              </a:p>
-            </p:txBody>
-          </p:sp>
-        </mc:Choice>
-        <mc:Fallback xmlns="">
-          <p:sp>
-            <p:nvSpPr>
-              <p:cNvPr id="13" name="文本框 12">
-                <a:extLst>
-                  <a:ext uri="{FF2B5EF4-FFF2-40B4-BE49-F238E27FC236}">
-                    <a16:creationId xmlns:a16="http://schemas.microsoft.com/office/drawing/2014/main" id="{D07FE843-B492-E66F-06A9-DA2856D3E6C1}"/>
-                  </a:ext>
-                </a:extLst>
-              </p:cNvPr>
-              <p:cNvSpPr txBox="1">
-                <a:spLocks noRot="1" noChangeAspect="1" noMove="1" noResize="1" noEditPoints="1" noAdjustHandles="1" noChangeArrowheads="1" noChangeShapeType="1" noTextEdit="1"/>
-              </p:cNvSpPr>
-              <p:nvPr/>
-            </p:nvSpPr>
-            <p:spPr>
-              <a:xfrm>
-                <a:off x="9644747" y="3183259"/>
-                <a:ext cx="461554" cy="369332"/>
-              </a:xfrm>
-              <a:prstGeom prst="rect">
-                <a:avLst/>
-              </a:prstGeom>
-              <a:blipFill>
-                <a:blip r:embed="rId11"/>
-                <a:stretch>
-                  <a:fillRect r="-2703" b="-16667"/>
-                </a:stretch>
-              </a:blipFill>
-            </p:spPr>
-            <p:txBody>
-              <a:bodyPr/>
-              <a:lstStyle/>
-              <a:p>
-                <a:r>
-                  <a:rPr lang="zh-CN" altLang="en-US">
-                    <a:noFill/>
-                  </a:rPr>
-                  <a:t> </a:t>
-                </a:r>
-              </a:p>
-            </p:txBody>
-          </p:sp>
-        </mc:Fallback>
-      </mc:AlternateContent>
-      <mc:AlternateContent xmlns:mc="http://schemas.openxmlformats.org/markup-compatibility/2006" xmlns:a14="http://schemas.microsoft.com/office/drawing/2010/main">
-        <mc:Choice Requires="a14">
-          <p:sp>
-            <p:nvSpPr>
-              <p:cNvPr id="15" name="矩形 14">
-                <a:extLst>
-                  <a:ext uri="{FF2B5EF4-FFF2-40B4-BE49-F238E27FC236}">
-                    <a16:creationId xmlns:a16="http://schemas.microsoft.com/office/drawing/2014/main" id="{0C27CBBF-4B23-7C60-012D-25F0119F35AB}"/>
-                  </a:ext>
-                </a:extLst>
-              </p:cNvPr>
-              <p:cNvSpPr/>
-              <p:nvPr/>
-            </p:nvSpPr>
-            <p:spPr>
-              <a:xfrm>
-                <a:off x="8571417" y="2993456"/>
-                <a:ext cx="748937" cy="748938"/>
-              </a:xfrm>
-              <a:prstGeom prst="rect">
-                <a:avLst/>
-              </a:prstGeom>
-              <a:solidFill>
-                <a:schemeClr val="accent6">
-                  <a:lumMod val="20000"/>
-                  <a:lumOff val="80000"/>
-                </a:schemeClr>
-              </a:solidFill>
-              <a:ln>
-                <a:solidFill>
-                  <a:schemeClr val="tx1">
-                    <a:lumMod val="95000"/>
-                    <a:lumOff val="5000"/>
-                  </a:schemeClr>
-                </a:solidFill>
-              </a:ln>
-            </p:spPr>
-            <p:style>
-              <a:lnRef idx="2">
-                <a:schemeClr val="accent1">
-                  <a:shade val="15000"/>
-                </a:schemeClr>
-              </a:lnRef>
-              <a:fillRef idx="1">
-                <a:schemeClr val="accent1"/>
-              </a:fillRef>
-              <a:effectRef idx="0">
-                <a:schemeClr val="accent1"/>
-              </a:effectRef>
-              <a:fontRef idx="minor">
-                <a:schemeClr val="lt1"/>
-              </a:fontRef>
-            </p:style>
-            <p:txBody>
-              <a:bodyPr rtlCol="0" anchor="ctr"/>
-              <a:lstStyle/>
-              <a:p>
-                <a:pPr algn="ctr"/>
-                <a14:m>
-                  <m:oMathPara xmlns:m="http://schemas.openxmlformats.org/officeDocument/2006/math">
-                    <m:oMathParaPr>
-                      <m:jc m:val="centerGroup"/>
-                    </m:oMathParaPr>
-                    <m:oMath xmlns:m="http://schemas.openxmlformats.org/officeDocument/2006/math">
-                      <m:sSub>
-                        <m:sSubPr>
-                          <m:ctrlPr>
-                            <a:rPr kumimoji="1" lang="en-US" altLang="zh-CN" sz="2000" b="0" i="1" smtClean="0">
-                              <a:solidFill>
-                                <a:schemeClr val="tx1"/>
-                              </a:solidFill>
-                              <a:latin typeface="Cambria Math" panose="02040503050406030204" pitchFamily="18" charset="0"/>
-                              <a:cs typeface="Calibri" panose="020F0502020204030204" pitchFamily="34" charset="0"/>
-                            </a:rPr>
-                          </m:ctrlPr>
-                        </m:sSubPr>
-                        <m:e>
-                          <m:r>
-                            <a:rPr kumimoji="1" lang="en-US" altLang="zh-CN" sz="2000" b="0" i="1" smtClean="0">
-                              <a:solidFill>
-                                <a:schemeClr val="tx1"/>
-                              </a:solidFill>
-                              <a:latin typeface="Cambria Math" panose="02040503050406030204" pitchFamily="18" charset="0"/>
-                              <a:cs typeface="Calibri" panose="020F0502020204030204" pitchFamily="34" charset="0"/>
-                            </a:rPr>
-                            <m:t>h</m:t>
-                          </m:r>
-                        </m:e>
-                        <m:sub>
-                          <m:r>
-                            <a:rPr kumimoji="1" lang="en-US" altLang="zh-CN" sz="2000" b="0" i="1" smtClean="0">
-                              <a:solidFill>
-                                <a:schemeClr val="tx1"/>
-                              </a:solidFill>
-                              <a:latin typeface="Cambria Math" panose="02040503050406030204" pitchFamily="18" charset="0"/>
-                              <a:cs typeface="Calibri" panose="020F0502020204030204" pitchFamily="34" charset="0"/>
-                            </a:rPr>
-                            <m:t>𝑖</m:t>
-                          </m:r>
-                          <m:r>
-                            <a:rPr kumimoji="1" lang="en-US" altLang="zh-CN" sz="2000" b="0" i="1" smtClean="0">
-                              <a:solidFill>
-                                <a:schemeClr val="tx1"/>
-                              </a:solidFill>
-                              <a:latin typeface="Cambria Math" panose="02040503050406030204" pitchFamily="18" charset="0"/>
-                              <a:cs typeface="Calibri" panose="020F0502020204030204" pitchFamily="34" charset="0"/>
-                            </a:rPr>
-                            <m:t>−1</m:t>
-                          </m:r>
-                        </m:sub>
-                      </m:sSub>
-                    </m:oMath>
-                  </m:oMathPara>
-                </a14:m>
-                <a:endParaRPr kumimoji="1" lang="zh-CN" altLang="en-US" sz="2000" dirty="0">
-                  <a:solidFill>
-                    <a:schemeClr val="tx1"/>
-                  </a:solidFill>
-                  <a:latin typeface="Calibri" panose="020F0502020204030204" pitchFamily="34" charset="0"/>
-                  <a:cs typeface="Calibri" panose="020F0502020204030204" pitchFamily="34" charset="0"/>
-                </a:endParaRPr>
-              </a:p>
-            </p:txBody>
-          </p:sp>
-        </mc:Choice>
-        <mc:Fallback xmlns="">
-          <p:sp>
-            <p:nvSpPr>
-              <p:cNvPr id="15" name="矩形 14">
-                <a:extLst>
-                  <a:ext uri="{FF2B5EF4-FFF2-40B4-BE49-F238E27FC236}">
-                    <a16:creationId xmlns:a16="http://schemas.microsoft.com/office/drawing/2014/main" id="{0C27CBBF-4B23-7C60-012D-25F0119F35AB}"/>
-                  </a:ext>
-                </a:extLst>
-              </p:cNvPr>
-              <p:cNvSpPr>
-                <a:spLocks noRot="1" noChangeAspect="1" noMove="1" noResize="1" noEditPoints="1" noAdjustHandles="1" noChangeArrowheads="1" noChangeShapeType="1" noTextEdit="1"/>
-              </p:cNvSpPr>
-              <p:nvPr/>
-            </p:nvSpPr>
-            <p:spPr>
-              <a:xfrm>
-                <a:off x="8571417" y="2993456"/>
-                <a:ext cx="748937" cy="748938"/>
-              </a:xfrm>
-              <a:prstGeom prst="rect">
-                <a:avLst/>
-              </a:prstGeom>
-              <a:blipFill>
-                <a:blip r:embed="rId12"/>
-                <a:stretch>
-                  <a:fillRect/>
-                </a:stretch>
-              </a:blipFill>
-              <a:ln>
-                <a:solidFill>
-                  <a:schemeClr val="tx1">
-                    <a:lumMod val="95000"/>
-                    <a:lumOff val="5000"/>
-                  </a:schemeClr>
-                </a:solidFill>
-              </a:ln>
-            </p:spPr>
-            <p:txBody>
-              <a:bodyPr/>
-              <a:lstStyle/>
-              <a:p>
-                <a:r>
-                  <a:rPr lang="zh-CN" altLang="en-US">
-                    <a:noFill/>
-                  </a:rPr>
-                  <a:t> </a:t>
-                </a:r>
-              </a:p>
-            </p:txBody>
-          </p:sp>
-        </mc:Fallback>
-      </mc:AlternateContent>
-      <mc:AlternateContent xmlns:mc="http://schemas.openxmlformats.org/markup-compatibility/2006" xmlns:a14="http://schemas.microsoft.com/office/drawing/2010/main">
-        <mc:Choice Requires="a14">
-          <p:sp>
-            <p:nvSpPr>
-              <p:cNvPr id="20" name="矩形 19">
-                <a:extLst>
-                  <a:ext uri="{FF2B5EF4-FFF2-40B4-BE49-F238E27FC236}">
-                    <a16:creationId xmlns:a16="http://schemas.microsoft.com/office/drawing/2014/main" id="{55902FB2-3A15-FE5C-0EA1-BA7FA8493466}"/>
-                  </a:ext>
-                </a:extLst>
-              </p:cNvPr>
-              <p:cNvSpPr/>
-              <p:nvPr/>
-            </p:nvSpPr>
-            <p:spPr>
-              <a:xfrm>
-                <a:off x="7660283" y="2993456"/>
-                <a:ext cx="748937" cy="748938"/>
-              </a:xfrm>
-              <a:prstGeom prst="rect">
-                <a:avLst/>
-              </a:prstGeom>
-              <a:solidFill>
-                <a:schemeClr val="bg1">
-                  <a:lumMod val="95000"/>
-                </a:schemeClr>
-              </a:solidFill>
-              <a:ln>
-                <a:solidFill>
-                  <a:schemeClr val="tx1">
-                    <a:lumMod val="95000"/>
-                    <a:lumOff val="5000"/>
-                  </a:schemeClr>
-                </a:solidFill>
-              </a:ln>
-            </p:spPr>
-            <p:style>
-              <a:lnRef idx="2">
-                <a:schemeClr val="accent1">
-                  <a:shade val="15000"/>
-                </a:schemeClr>
-              </a:lnRef>
-              <a:fillRef idx="1">
-                <a:schemeClr val="accent1"/>
-              </a:fillRef>
-              <a:effectRef idx="0">
-                <a:schemeClr val="accent1"/>
-              </a:effectRef>
-              <a:fontRef idx="minor">
-                <a:schemeClr val="lt1"/>
-              </a:fontRef>
-            </p:style>
-            <p:txBody>
-              <a:bodyPr rtlCol="0" anchor="ctr"/>
-              <a:lstStyle/>
-              <a:p>
-                <a:pPr algn="ctr"/>
-                <a14:m>
-                  <m:oMathPara xmlns:m="http://schemas.openxmlformats.org/officeDocument/2006/math">
-                    <m:oMathParaPr>
-                      <m:jc m:val="centerGroup"/>
-                    </m:oMathParaPr>
-                    <m:oMath xmlns:m="http://schemas.openxmlformats.org/officeDocument/2006/math">
-                      <m:r>
-                        <a:rPr kumimoji="1" lang="en-US" altLang="zh-CN" sz="2000" b="0" i="1" smtClean="0">
-                          <a:solidFill>
-                            <a:schemeClr val="tx1"/>
-                          </a:solidFill>
-                          <a:latin typeface="Cambria Math" panose="02040503050406030204" pitchFamily="18" charset="0"/>
-                          <a:cs typeface="Calibri" panose="020F0502020204030204" pitchFamily="34" charset="0"/>
-                        </a:rPr>
-                        <m:t>𝑔</m:t>
-                      </m:r>
-                      <m:sSub>
-                        <m:sSubPr>
-                          <m:ctrlPr>
-                            <a:rPr kumimoji="1" lang="en-US" altLang="zh-CN" sz="2000" b="0" i="1" smtClean="0">
-                              <a:solidFill>
-                                <a:schemeClr val="tx1"/>
-                              </a:solidFill>
-                              <a:latin typeface="Cambria Math" panose="02040503050406030204" pitchFamily="18" charset="0"/>
-                              <a:cs typeface="Calibri" panose="020F0502020204030204" pitchFamily="34" charset="0"/>
-                            </a:rPr>
-                          </m:ctrlPr>
-                        </m:sSubPr>
-                        <m:e>
-                          <m:r>
-                            <a:rPr kumimoji="1" lang="en-US" altLang="zh-CN" sz="2000" b="0" i="1" smtClean="0">
-                              <a:solidFill>
-                                <a:schemeClr val="tx1"/>
-                              </a:solidFill>
-                              <a:latin typeface="Cambria Math" panose="02040503050406030204" pitchFamily="18" charset="0"/>
-                              <a:cs typeface="Calibri" panose="020F0502020204030204" pitchFamily="34" charset="0"/>
-                            </a:rPr>
-                            <m:t>𝑘</m:t>
-                          </m:r>
-                        </m:e>
-                        <m:sub>
-                          <m:r>
-                            <a:rPr kumimoji="1" lang="en-US" altLang="zh-CN" sz="2000" b="0" i="1" smtClean="0">
-                              <a:solidFill>
-                                <a:schemeClr val="tx1"/>
-                              </a:solidFill>
-                              <a:latin typeface="Cambria Math" panose="02040503050406030204" pitchFamily="18" charset="0"/>
-                              <a:cs typeface="Calibri" panose="020F0502020204030204" pitchFamily="34" charset="0"/>
-                            </a:rPr>
-                            <m:t>𝑖</m:t>
-                          </m:r>
-                        </m:sub>
-                      </m:sSub>
-                    </m:oMath>
-                  </m:oMathPara>
-                </a14:m>
-                <a:endParaRPr kumimoji="1" lang="zh-CN" altLang="en-US" sz="2000" dirty="0">
-                  <a:solidFill>
-                    <a:schemeClr val="tx1"/>
-                  </a:solidFill>
-                  <a:latin typeface="Calibri" panose="020F0502020204030204" pitchFamily="34" charset="0"/>
-                  <a:cs typeface="Calibri" panose="020F0502020204030204" pitchFamily="34" charset="0"/>
-                </a:endParaRPr>
-              </a:p>
-            </p:txBody>
-          </p:sp>
-        </mc:Choice>
-        <mc:Fallback xmlns="">
-          <p:sp>
-            <p:nvSpPr>
-              <p:cNvPr id="20" name="矩形 19">
-                <a:extLst>
-                  <a:ext uri="{FF2B5EF4-FFF2-40B4-BE49-F238E27FC236}">
-                    <a16:creationId xmlns:a16="http://schemas.microsoft.com/office/drawing/2014/main" id="{55902FB2-3A15-FE5C-0EA1-BA7FA8493466}"/>
-                  </a:ext>
-                </a:extLst>
-              </p:cNvPr>
-              <p:cNvSpPr>
-                <a:spLocks noRot="1" noChangeAspect="1" noMove="1" noResize="1" noEditPoints="1" noAdjustHandles="1" noChangeArrowheads="1" noChangeShapeType="1" noTextEdit="1"/>
-              </p:cNvSpPr>
-              <p:nvPr/>
-            </p:nvSpPr>
-            <p:spPr>
-              <a:xfrm>
-                <a:off x="7660283" y="2993456"/>
-                <a:ext cx="748937" cy="748938"/>
-              </a:xfrm>
-              <a:prstGeom prst="rect">
-                <a:avLst/>
-              </a:prstGeom>
-              <a:blipFill>
-                <a:blip r:embed="rId13"/>
-                <a:stretch>
-                  <a:fillRect/>
-                </a:stretch>
-              </a:blipFill>
-              <a:ln>
-                <a:solidFill>
-                  <a:schemeClr val="tx1">
-                    <a:lumMod val="95000"/>
-                    <a:lumOff val="5000"/>
-                  </a:schemeClr>
-                </a:solidFill>
-              </a:ln>
-            </p:spPr>
-            <p:txBody>
-              <a:bodyPr/>
-              <a:lstStyle/>
-              <a:p>
-                <a:r>
-                  <a:rPr lang="zh-CN" altLang="en-US">
-                    <a:noFill/>
-                  </a:rPr>
-                  <a:t> </a:t>
-                </a:r>
-              </a:p>
-            </p:txBody>
-          </p:sp>
-        </mc:Fallback>
-      </mc:AlternateContent>
-      <mc:AlternateContent xmlns:mc="http://schemas.openxmlformats.org/markup-compatibility/2006" xmlns:a14="http://schemas.microsoft.com/office/drawing/2010/main">
-        <mc:Choice Requires="a14">
-          <p:sp>
-            <p:nvSpPr>
-              <p:cNvPr id="21" name="文本框 20">
-                <a:extLst>
-                  <a:ext uri="{FF2B5EF4-FFF2-40B4-BE49-F238E27FC236}">
-                    <a16:creationId xmlns:a16="http://schemas.microsoft.com/office/drawing/2014/main" id="{F527022D-A830-FFD7-5173-AB87D66CCBD2}"/>
-                  </a:ext>
-                </a:extLst>
-              </p:cNvPr>
-              <p:cNvSpPr txBox="1"/>
-              <p:nvPr/>
-            </p:nvSpPr>
-            <p:spPr>
-              <a:xfrm>
-                <a:off x="8263354" y="3183259"/>
-                <a:ext cx="461554" cy="369332"/>
-              </a:xfrm>
-              <a:prstGeom prst="rect">
-                <a:avLst/>
-              </a:prstGeom>
-              <a:noFill/>
-            </p:spPr>
-            <p:txBody>
-              <a:bodyPr wrap="square" rtlCol="0">
-                <a:spAutoFit/>
-              </a:bodyPr>
-              <a:lstStyle/>
-              <a:p>
-                <a:pPr/>
-                <a14:m>
-                  <m:oMathPara xmlns:m="http://schemas.openxmlformats.org/officeDocument/2006/math">
-                    <m:oMathParaPr>
-                      <m:jc m:val="centerGroup"/>
-                    </m:oMathParaPr>
-                    <m:oMath xmlns:m="http://schemas.openxmlformats.org/officeDocument/2006/math">
-                      <m:r>
-                        <a:rPr kumimoji="1" lang="zh-CN" altLang="en-US" b="1" i="1" dirty="0" smtClean="0">
-                          <a:solidFill>
-                            <a:srgbClr val="FF0000"/>
-                          </a:solidFill>
-                          <a:latin typeface="Cambria Math" panose="02040503050406030204" pitchFamily="18" charset="0"/>
-                        </a:rPr>
-                        <m:t>∗</m:t>
-                      </m:r>
-                    </m:oMath>
-                  </m:oMathPara>
-                </a14:m>
-                <a:endParaRPr kumimoji="1" lang="zh-CN" altLang="en-US" b="1" dirty="0">
-                  <a:solidFill>
-                    <a:srgbClr val="FF0000"/>
-                  </a:solidFill>
-                </a:endParaRPr>
-              </a:p>
-            </p:txBody>
-          </p:sp>
-        </mc:Choice>
-        <mc:Fallback xmlns="">
-          <p:sp>
-            <p:nvSpPr>
-              <p:cNvPr id="21" name="文本框 20">
-                <a:extLst>
-                  <a:ext uri="{FF2B5EF4-FFF2-40B4-BE49-F238E27FC236}">
-                    <a16:creationId xmlns:a16="http://schemas.microsoft.com/office/drawing/2014/main" id="{F527022D-A830-FFD7-5173-AB87D66CCBD2}"/>
-                  </a:ext>
-                </a:extLst>
-              </p:cNvPr>
-              <p:cNvSpPr txBox="1">
-                <a:spLocks noRot="1" noChangeAspect="1" noMove="1" noResize="1" noEditPoints="1" noAdjustHandles="1" noChangeArrowheads="1" noChangeShapeType="1" noTextEdit="1"/>
-              </p:cNvSpPr>
-              <p:nvPr/>
-            </p:nvSpPr>
-            <p:spPr>
-              <a:xfrm>
-                <a:off x="8263354" y="3183259"/>
-                <a:ext cx="461554" cy="369332"/>
-              </a:xfrm>
-              <a:prstGeom prst="rect">
-                <a:avLst/>
-              </a:prstGeom>
-              <a:blipFill>
-                <a:blip r:embed="rId14"/>
-                <a:stretch>
-                  <a:fillRect/>
-                </a:stretch>
-              </a:blipFill>
-            </p:spPr>
-            <p:txBody>
-              <a:bodyPr/>
-              <a:lstStyle/>
-              <a:p>
-                <a:r>
-                  <a:rPr lang="zh-CN" altLang="en-US">
-                    <a:noFill/>
-                  </a:rPr>
-                  <a:t> </a:t>
-                </a:r>
-              </a:p>
-            </p:txBody>
-          </p:sp>
-        </mc:Fallback>
-      </mc:AlternateContent>
-      <mc:AlternateContent xmlns:mc="http://schemas.openxmlformats.org/markup-compatibility/2006" xmlns:a14="http://schemas.microsoft.com/office/drawing/2010/main">
-        <mc:Choice Requires="a14">
-          <p:sp>
-            <p:nvSpPr>
-              <p:cNvPr id="22" name="文本框 21">
-                <a:extLst>
-                  <a:ext uri="{FF2B5EF4-FFF2-40B4-BE49-F238E27FC236}">
-                    <a16:creationId xmlns:a16="http://schemas.microsoft.com/office/drawing/2014/main" id="{C488FAEE-CA1B-B2B7-8ECD-9806F0C6FEB9}"/>
-                  </a:ext>
-                </a:extLst>
-              </p:cNvPr>
-              <p:cNvSpPr txBox="1"/>
-              <p:nvPr/>
-            </p:nvSpPr>
-            <p:spPr>
-              <a:xfrm>
-                <a:off x="9335596" y="3183259"/>
-                <a:ext cx="461554" cy="369332"/>
-              </a:xfrm>
-              <a:prstGeom prst="rect">
-                <a:avLst/>
-              </a:prstGeom>
-              <a:noFill/>
-            </p:spPr>
-            <p:txBody>
-              <a:bodyPr wrap="square" rtlCol="0">
-                <a:spAutoFit/>
-              </a:bodyPr>
-              <a:lstStyle/>
-              <a:p>
-                <a:pPr/>
-                <a14:m>
-                  <m:oMathPara xmlns:m="http://schemas.openxmlformats.org/officeDocument/2006/math">
-                    <m:oMathParaPr>
-                      <m:jc m:val="centerGroup"/>
-                    </m:oMathParaPr>
-                    <m:oMath xmlns:m="http://schemas.openxmlformats.org/officeDocument/2006/math">
-                      <m:r>
-                        <a:rPr kumimoji="1" lang="en-US" altLang="zh-CN" b="0" i="1" dirty="0" smtClean="0">
-                          <a:latin typeface="Cambria Math" panose="02040503050406030204" pitchFamily="18" charset="0"/>
-                        </a:rPr>
-                        <m:t>+</m:t>
-                      </m:r>
-                    </m:oMath>
-                  </m:oMathPara>
-                </a14:m>
-                <a:endParaRPr kumimoji="1" lang="zh-CN" altLang="en-US" dirty="0"/>
-              </a:p>
-            </p:txBody>
-          </p:sp>
-        </mc:Choice>
-        <mc:Fallback xmlns="">
-          <p:sp>
-            <p:nvSpPr>
-              <p:cNvPr id="22" name="文本框 21">
-                <a:extLst>
-                  <a:ext uri="{FF2B5EF4-FFF2-40B4-BE49-F238E27FC236}">
-                    <a16:creationId xmlns:a16="http://schemas.microsoft.com/office/drawing/2014/main" id="{C488FAEE-CA1B-B2B7-8ECD-9806F0C6FEB9}"/>
-                  </a:ext>
-                </a:extLst>
-              </p:cNvPr>
-              <p:cNvSpPr txBox="1">
-                <a:spLocks noRot="1" noChangeAspect="1" noMove="1" noResize="1" noEditPoints="1" noAdjustHandles="1" noChangeArrowheads="1" noChangeShapeType="1" noTextEdit="1"/>
-              </p:cNvSpPr>
-              <p:nvPr/>
-            </p:nvSpPr>
-            <p:spPr>
-              <a:xfrm>
-                <a:off x="9335596" y="3183259"/>
-                <a:ext cx="461554" cy="369332"/>
-              </a:xfrm>
-              <a:prstGeom prst="rect">
-                <a:avLst/>
-              </a:prstGeom>
-              <a:blipFill>
-                <a:blip r:embed="rId15"/>
-                <a:stretch>
-                  <a:fillRect/>
-                </a:stretch>
-              </a:blipFill>
-            </p:spPr>
-            <p:txBody>
-              <a:bodyPr/>
-              <a:lstStyle/>
-              <a:p>
-                <a:r>
-                  <a:rPr lang="zh-CN" altLang="en-US">
-                    <a:noFill/>
-                  </a:rPr>
-                  <a:t> </a:t>
-                </a:r>
-              </a:p>
-            </p:txBody>
-          </p:sp>
-        </mc:Fallback>
-      </mc:AlternateContent>
-      <p:sp>
-        <p:nvSpPr>
-          <p:cNvPr id="24" name="矩形 23">
-            <a:extLst>
-              <a:ext uri="{FF2B5EF4-FFF2-40B4-BE49-F238E27FC236}">
-                <a16:creationId xmlns:a16="http://schemas.microsoft.com/office/drawing/2014/main" id="{B68AE24E-B825-8889-B5EB-2E6E6013BD5D}"/>
-              </a:ext>
-            </a:extLst>
-          </p:cNvPr>
-          <p:cNvSpPr/>
-          <p:nvPr/>
-        </p:nvSpPr>
-        <p:spPr>
-          <a:xfrm>
-            <a:off x="6360530" y="3283017"/>
-            <a:ext cx="748937" cy="169817"/>
-          </a:xfrm>
-          <a:prstGeom prst="rect">
-            <a:avLst/>
-          </a:prstGeom>
-          <a:solidFill>
-            <a:srgbClr val="FFC000"/>
-          </a:solidFill>
-          <a:ln>
-            <a:solidFill>
-              <a:schemeClr val="tx1">
-                <a:lumMod val="95000"/>
-                <a:lumOff val="5000"/>
-              </a:schemeClr>
-            </a:solidFill>
-          </a:ln>
-        </p:spPr>
-        <p:style>
-          <a:lnRef idx="2">
-            <a:schemeClr val="accent1">
-              <a:shade val="15000"/>
-            </a:schemeClr>
-          </a:lnRef>
-          <a:fillRef idx="1">
-            <a:schemeClr val="accent1"/>
-          </a:fillRef>
-          <a:effectRef idx="0">
-            <a:schemeClr val="accent1"/>
-          </a:effectRef>
-          <a:fontRef idx="minor">
-            <a:schemeClr val="lt1"/>
-          </a:fontRef>
-        </p:style>
-        <p:txBody>
-          <a:bodyPr rtlCol="0" anchor="ctr"/>
-          <a:lstStyle/>
-          <a:p>
-            <a:pPr algn="ctr"/>
-            <a:endParaRPr kumimoji="1" lang="zh-CN" altLang="en-US" dirty="0">
-              <a:solidFill>
-                <a:schemeClr val="tx1"/>
-              </a:solidFill>
-              <a:latin typeface="Calibri" panose="020F0502020204030204" pitchFamily="34" charset="0"/>
-              <a:cs typeface="Calibri" panose="020F0502020204030204" pitchFamily="34" charset="0"/>
-            </a:endParaRPr>
-          </a:p>
-        </p:txBody>
-      </p:sp>
-      <mc:AlternateContent xmlns:mc="http://schemas.openxmlformats.org/markup-compatibility/2006" xmlns:a14="http://schemas.microsoft.com/office/drawing/2010/main">
-        <mc:Choice Requires="a14">
-          <p:sp>
-            <p:nvSpPr>
-              <p:cNvPr id="25" name="文本框 24">
-                <a:extLst>
-                  <a:ext uri="{FF2B5EF4-FFF2-40B4-BE49-F238E27FC236}">
-                    <a16:creationId xmlns:a16="http://schemas.microsoft.com/office/drawing/2014/main" id="{D3503A02-B243-C908-3412-8EDC88A8E147}"/>
-                  </a:ext>
-                </a:extLst>
-              </p:cNvPr>
-              <p:cNvSpPr txBox="1"/>
-              <p:nvPr/>
-            </p:nvSpPr>
-            <p:spPr>
-              <a:xfrm>
-                <a:off x="6496597" y="2855988"/>
-                <a:ext cx="461554" cy="369332"/>
-              </a:xfrm>
-              <a:prstGeom prst="rect">
-                <a:avLst/>
-              </a:prstGeom>
-              <a:noFill/>
-            </p:spPr>
-            <p:txBody>
-              <a:bodyPr wrap="square" rtlCol="0">
-                <a:spAutoFit/>
-              </a:bodyPr>
-              <a:lstStyle/>
-              <a:p>
-                <a:pPr/>
-                <a14:m>
-                  <m:oMathPara xmlns:m="http://schemas.openxmlformats.org/officeDocument/2006/math">
-                    <m:oMathParaPr>
-                      <m:jc m:val="centerGroup"/>
-                    </m:oMathParaPr>
-                    <m:oMath xmlns:m="http://schemas.openxmlformats.org/officeDocument/2006/math">
-                      <m:sSub>
-                        <m:sSubPr>
-                          <m:ctrlPr>
-                            <a:rPr kumimoji="1" lang="en-US" altLang="zh-CN" b="0" i="1" dirty="0" smtClean="0">
-                              <a:latin typeface="Cambria Math" panose="02040503050406030204" pitchFamily="18" charset="0"/>
-                            </a:rPr>
-                          </m:ctrlPr>
-                        </m:sSubPr>
-                        <m:e>
-                          <m:r>
-                            <a:rPr kumimoji="1" lang="en-US" altLang="zh-CN" b="0" i="1" dirty="0" smtClean="0">
-                              <a:latin typeface="Cambria Math" panose="02040503050406030204" pitchFamily="18" charset="0"/>
-                            </a:rPr>
-                            <m:t>𝑞</m:t>
-                          </m:r>
-                        </m:e>
-                        <m:sub>
-                          <m:r>
-                            <a:rPr kumimoji="1" lang="en-US" altLang="zh-CN" b="0" i="1" dirty="0" smtClean="0">
-                              <a:latin typeface="Cambria Math" panose="02040503050406030204" pitchFamily="18" charset="0"/>
-                            </a:rPr>
-                            <m:t>𝑖</m:t>
-                          </m:r>
-                        </m:sub>
-                      </m:sSub>
-                      <m:r>
-                        <a:rPr kumimoji="1" lang="zh-CN" altLang="en-US" i="1" dirty="0" smtClean="0">
-                          <a:latin typeface="Cambria Math" panose="02040503050406030204" pitchFamily="18" charset="0"/>
-                        </a:rPr>
-                        <m:t> </m:t>
-                      </m:r>
-                    </m:oMath>
-                  </m:oMathPara>
-                </a14:m>
-                <a:endParaRPr kumimoji="1" lang="zh-CN" altLang="en-US" dirty="0"/>
-              </a:p>
-            </p:txBody>
-          </p:sp>
-        </mc:Choice>
-        <mc:Fallback xmlns="">
-          <p:sp>
-            <p:nvSpPr>
-              <p:cNvPr id="25" name="文本框 24">
-                <a:extLst>
-                  <a:ext uri="{FF2B5EF4-FFF2-40B4-BE49-F238E27FC236}">
-                    <a16:creationId xmlns:a16="http://schemas.microsoft.com/office/drawing/2014/main" id="{D3503A02-B243-C908-3412-8EDC88A8E147}"/>
-                  </a:ext>
-                </a:extLst>
-              </p:cNvPr>
-              <p:cNvSpPr txBox="1">
-                <a:spLocks noRot="1" noChangeAspect="1" noMove="1" noResize="1" noEditPoints="1" noAdjustHandles="1" noChangeArrowheads="1" noChangeShapeType="1" noTextEdit="1"/>
-              </p:cNvSpPr>
-              <p:nvPr/>
-            </p:nvSpPr>
-            <p:spPr>
-              <a:xfrm>
-                <a:off x="6496597" y="2855988"/>
-                <a:ext cx="461554" cy="369332"/>
-              </a:xfrm>
-              <a:prstGeom prst="rect">
-                <a:avLst/>
-              </a:prstGeom>
-              <a:blipFill>
-                <a:blip r:embed="rId16"/>
-                <a:stretch>
-                  <a:fillRect r="-2703" b="-17241"/>
-                </a:stretch>
-              </a:blipFill>
-            </p:spPr>
-            <p:txBody>
-              <a:bodyPr/>
-              <a:lstStyle/>
-              <a:p>
-                <a:r>
-                  <a:rPr lang="zh-CN" altLang="en-US">
-                    <a:noFill/>
-                  </a:rPr>
-                  <a:t> </a:t>
-                </a:r>
-              </a:p>
-            </p:txBody>
-          </p:sp>
-        </mc:Fallback>
-      </mc:AlternateContent>
-      <mc:AlternateContent xmlns:mc="http://schemas.openxmlformats.org/markup-compatibility/2006" xmlns:a14="http://schemas.microsoft.com/office/drawing/2010/main">
-        <mc:Choice Requires="a14">
-          <p:sp>
-            <p:nvSpPr>
-              <p:cNvPr id="26" name="文本框 25">
-                <a:extLst>
-                  <a:ext uri="{FF2B5EF4-FFF2-40B4-BE49-F238E27FC236}">
-                    <a16:creationId xmlns:a16="http://schemas.microsoft.com/office/drawing/2014/main" id="{E312FC32-ADB8-1474-4F26-9F47377E0524}"/>
-                  </a:ext>
-                </a:extLst>
-              </p:cNvPr>
-              <p:cNvSpPr txBox="1"/>
-              <p:nvPr/>
-            </p:nvSpPr>
-            <p:spPr>
-              <a:xfrm>
-                <a:off x="7067010" y="3183259"/>
-                <a:ext cx="461554" cy="369332"/>
-              </a:xfrm>
-              <a:prstGeom prst="rect">
-                <a:avLst/>
-              </a:prstGeom>
-              <a:noFill/>
-            </p:spPr>
-            <p:txBody>
-              <a:bodyPr wrap="square" rtlCol="0">
-                <a:spAutoFit/>
-              </a:bodyPr>
-              <a:lstStyle/>
-              <a:p>
-                <a:pPr/>
-                <a14:m>
-                  <m:oMathPara xmlns:m="http://schemas.openxmlformats.org/officeDocument/2006/math">
-                    <m:oMathParaPr>
-                      <m:jc m:val="centerGroup"/>
-                    </m:oMathParaPr>
-                    <m:oMath xmlns:m="http://schemas.openxmlformats.org/officeDocument/2006/math">
-                      <m:r>
-                        <a:rPr kumimoji="1" lang="zh-CN" altLang="en-US" b="1" i="1" dirty="0" smtClean="0">
-                          <a:solidFill>
-                            <a:srgbClr val="FF0000"/>
-                          </a:solidFill>
-                          <a:latin typeface="Cambria Math" panose="02040503050406030204" pitchFamily="18" charset="0"/>
-                        </a:rPr>
-                        <m:t>∗</m:t>
-                      </m:r>
-                    </m:oMath>
-                  </m:oMathPara>
-                </a14:m>
-                <a:endParaRPr kumimoji="1" lang="zh-CN" altLang="en-US" b="1" dirty="0">
-                  <a:solidFill>
-                    <a:srgbClr val="FF0000"/>
-                  </a:solidFill>
-                </a:endParaRPr>
-              </a:p>
-            </p:txBody>
-          </p:sp>
-        </mc:Choice>
-        <mc:Fallback xmlns="">
-          <p:sp>
-            <p:nvSpPr>
-              <p:cNvPr id="26" name="文本框 25">
-                <a:extLst>
-                  <a:ext uri="{FF2B5EF4-FFF2-40B4-BE49-F238E27FC236}">
-                    <a16:creationId xmlns:a16="http://schemas.microsoft.com/office/drawing/2014/main" id="{E312FC32-ADB8-1474-4F26-9F47377E0524}"/>
-                  </a:ext>
-                </a:extLst>
-              </p:cNvPr>
-              <p:cNvSpPr txBox="1">
-                <a:spLocks noRot="1" noChangeAspect="1" noMove="1" noResize="1" noEditPoints="1" noAdjustHandles="1" noChangeArrowheads="1" noChangeShapeType="1" noTextEdit="1"/>
-              </p:cNvSpPr>
-              <p:nvPr/>
-            </p:nvSpPr>
-            <p:spPr>
-              <a:xfrm>
-                <a:off x="7067010" y="3183259"/>
-                <a:ext cx="461554" cy="369332"/>
-              </a:xfrm>
-              <a:prstGeom prst="rect">
-                <a:avLst/>
-              </a:prstGeom>
-              <a:blipFill>
-                <a:blip r:embed="rId17"/>
-                <a:stretch>
-                  <a:fillRect/>
-                </a:stretch>
-              </a:blipFill>
-            </p:spPr>
-            <p:txBody>
-              <a:bodyPr/>
-              <a:lstStyle/>
-              <a:p>
-                <a:r>
-                  <a:rPr lang="zh-CN" altLang="en-US">
-                    <a:noFill/>
-                  </a:rPr>
-                  <a:t> </a:t>
-                </a:r>
-              </a:p>
-            </p:txBody>
-          </p:sp>
-        </mc:Fallback>
-      </mc:AlternateContent>
-      <p:sp>
-        <p:nvSpPr>
-          <p:cNvPr id="27" name="双中括号 26">
-            <a:extLst>
-              <a:ext uri="{FF2B5EF4-FFF2-40B4-BE49-F238E27FC236}">
-                <a16:creationId xmlns:a16="http://schemas.microsoft.com/office/drawing/2014/main" id="{4943CC6A-2EB3-0729-5C38-582C7DFC36D7}"/>
-              </a:ext>
-            </a:extLst>
-          </p:cNvPr>
-          <p:cNvSpPr/>
-          <p:nvPr/>
-        </p:nvSpPr>
-        <p:spPr>
-          <a:xfrm>
-            <a:off x="7520943" y="2429580"/>
-            <a:ext cx="3861160" cy="1466612"/>
-          </a:xfrm>
-          <a:prstGeom prst="bracketPair">
-            <a:avLst>
-              <a:gd name="adj" fmla="val 8491"/>
-            </a:avLst>
-          </a:prstGeom>
-          <a:ln>
-            <a:solidFill>
-              <a:schemeClr val="tx1"/>
-            </a:solidFill>
-          </a:ln>
-        </p:spPr>
-        <p:style>
-          <a:lnRef idx="2">
-            <a:schemeClr val="accent1"/>
-          </a:lnRef>
-          <a:fillRef idx="0">
-            <a:schemeClr val="accent1"/>
-          </a:fillRef>
-          <a:effectRef idx="1">
-            <a:schemeClr val="accent1"/>
-          </a:effectRef>
-          <a:fontRef idx="minor">
-            <a:schemeClr val="tx1"/>
-          </a:fontRef>
-        </p:style>
-        <p:txBody>
-          <a:bodyPr rtlCol="0" anchor="ctr"/>
-          <a:lstStyle/>
-          <a:p>
-            <a:pPr algn="ctr"/>
-            <a:endParaRPr kumimoji="1" lang="zh-CN" altLang="en-US"/>
-          </a:p>
-        </p:txBody>
-      </p:sp>
-      <p:sp>
-        <p:nvSpPr>
-          <p:cNvPr id="30" name="矩形 29">
-            <a:extLst>
-              <a:ext uri="{FF2B5EF4-FFF2-40B4-BE49-F238E27FC236}">
-                <a16:creationId xmlns:a16="http://schemas.microsoft.com/office/drawing/2014/main" id="{2FC989D1-6446-8FF0-A9F0-863EDC95FE08}"/>
-              </a:ext>
-            </a:extLst>
-          </p:cNvPr>
-          <p:cNvSpPr/>
-          <p:nvPr/>
-        </p:nvSpPr>
-        <p:spPr>
-          <a:xfrm>
-            <a:off x="5131529" y="3283017"/>
-            <a:ext cx="748937" cy="169817"/>
-          </a:xfrm>
-          <a:prstGeom prst="rect">
-            <a:avLst/>
-          </a:prstGeom>
-          <a:solidFill>
-            <a:srgbClr val="92D050"/>
-          </a:solidFill>
-          <a:ln>
-            <a:solidFill>
-              <a:schemeClr val="tx1">
-                <a:lumMod val="95000"/>
-                <a:lumOff val="5000"/>
-              </a:schemeClr>
-            </a:solidFill>
-          </a:ln>
-        </p:spPr>
-        <p:style>
-          <a:lnRef idx="2">
-            <a:schemeClr val="accent1">
-              <a:shade val="15000"/>
-            </a:schemeClr>
-          </a:lnRef>
-          <a:fillRef idx="1">
-            <a:schemeClr val="accent1"/>
-          </a:fillRef>
-          <a:effectRef idx="0">
-            <a:schemeClr val="accent1"/>
-          </a:effectRef>
-          <a:fontRef idx="minor">
-            <a:schemeClr val="lt1"/>
-          </a:fontRef>
-        </p:style>
-        <p:txBody>
-          <a:bodyPr rtlCol="0" anchor="ctr"/>
-          <a:lstStyle/>
-          <a:p>
-            <a:pPr algn="ctr"/>
-            <a:endParaRPr kumimoji="1" lang="zh-CN" altLang="en-US" dirty="0">
-              <a:solidFill>
-                <a:schemeClr val="tx1"/>
-              </a:solidFill>
-              <a:latin typeface="Calibri" panose="020F0502020204030204" pitchFamily="34" charset="0"/>
-              <a:cs typeface="Calibri" panose="020F0502020204030204" pitchFamily="34" charset="0"/>
-            </a:endParaRPr>
-          </a:p>
-        </p:txBody>
-      </p:sp>
-      <mc:AlternateContent xmlns:mc="http://schemas.openxmlformats.org/markup-compatibility/2006" xmlns:a14="http://schemas.microsoft.com/office/drawing/2010/main">
-        <mc:Choice Requires="a14">
-          <p:sp>
-            <p:nvSpPr>
-              <p:cNvPr id="31" name="文本框 30">
-                <a:extLst>
-                  <a:ext uri="{FF2B5EF4-FFF2-40B4-BE49-F238E27FC236}">
-                    <a16:creationId xmlns:a16="http://schemas.microsoft.com/office/drawing/2014/main" id="{CE2A9B37-957B-7212-8680-F7AB603E39F0}"/>
-                  </a:ext>
-                </a:extLst>
-              </p:cNvPr>
-              <p:cNvSpPr txBox="1"/>
-              <p:nvPr/>
-            </p:nvSpPr>
-            <p:spPr>
-              <a:xfrm>
-                <a:off x="5252361" y="2855988"/>
-                <a:ext cx="461554" cy="369332"/>
-              </a:xfrm>
-              <a:prstGeom prst="rect">
-                <a:avLst/>
-              </a:prstGeom>
-              <a:noFill/>
-            </p:spPr>
-            <p:txBody>
-              <a:bodyPr wrap="square" rtlCol="0">
-                <a:spAutoFit/>
-              </a:bodyPr>
-              <a:lstStyle/>
-              <a:p>
-                <a:pPr/>
-                <a14:m>
-                  <m:oMathPara xmlns:m="http://schemas.openxmlformats.org/officeDocument/2006/math">
-                    <m:oMathParaPr>
-                      <m:jc m:val="centerGroup"/>
-                    </m:oMathParaPr>
-                    <m:oMath xmlns:m="http://schemas.openxmlformats.org/officeDocument/2006/math">
-                      <m:sSub>
-                        <m:sSubPr>
-                          <m:ctrlPr>
-                            <a:rPr kumimoji="1" lang="en-US" altLang="zh-CN" b="0" i="1" dirty="0" smtClean="0">
-                              <a:latin typeface="Cambria Math" panose="02040503050406030204" pitchFamily="18" charset="0"/>
-                            </a:rPr>
-                          </m:ctrlPr>
-                        </m:sSubPr>
-                        <m:e>
-                          <m:r>
-                            <a:rPr kumimoji="1" lang="en-US" altLang="zh-CN" b="0" i="1" dirty="0" smtClean="0">
-                              <a:latin typeface="Cambria Math" panose="02040503050406030204" pitchFamily="18" charset="0"/>
-                            </a:rPr>
-                            <m:t>𝑜</m:t>
-                          </m:r>
-                        </m:e>
-                        <m:sub>
-                          <m:r>
-                            <a:rPr kumimoji="1" lang="en-US" altLang="zh-CN" b="0" i="1" dirty="0" smtClean="0">
-                              <a:latin typeface="Cambria Math" panose="02040503050406030204" pitchFamily="18" charset="0"/>
-                            </a:rPr>
-                            <m:t>𝑖</m:t>
-                          </m:r>
-                        </m:sub>
-                      </m:sSub>
-                      <m:r>
-                        <a:rPr kumimoji="1" lang="zh-CN" altLang="en-US" i="1" dirty="0" smtClean="0">
-                          <a:latin typeface="Cambria Math" panose="02040503050406030204" pitchFamily="18" charset="0"/>
-                        </a:rPr>
-                        <m:t> </m:t>
-                      </m:r>
-                    </m:oMath>
-                  </m:oMathPara>
-                </a14:m>
-                <a:endParaRPr kumimoji="1" lang="zh-CN" altLang="en-US" dirty="0"/>
-              </a:p>
-            </p:txBody>
-          </p:sp>
-        </mc:Choice>
-        <mc:Fallback xmlns="">
-          <p:sp>
-            <p:nvSpPr>
-              <p:cNvPr id="31" name="文本框 30">
-                <a:extLst>
-                  <a:ext uri="{FF2B5EF4-FFF2-40B4-BE49-F238E27FC236}">
-                    <a16:creationId xmlns:a16="http://schemas.microsoft.com/office/drawing/2014/main" id="{CE2A9B37-957B-7212-8680-F7AB603E39F0}"/>
-                  </a:ext>
-                </a:extLst>
-              </p:cNvPr>
-              <p:cNvSpPr txBox="1">
-                <a:spLocks noRot="1" noChangeAspect="1" noMove="1" noResize="1" noEditPoints="1" noAdjustHandles="1" noChangeArrowheads="1" noChangeShapeType="1" noTextEdit="1"/>
-              </p:cNvSpPr>
-              <p:nvPr/>
-            </p:nvSpPr>
-            <p:spPr>
-              <a:xfrm>
-                <a:off x="5252361" y="2855988"/>
-                <a:ext cx="461554" cy="369332"/>
-              </a:xfrm>
-              <a:prstGeom prst="rect">
-                <a:avLst/>
-              </a:prstGeom>
-              <a:blipFill>
-                <a:blip r:embed="rId18"/>
-                <a:stretch>
-                  <a:fillRect r="-2703" b="-17241"/>
-                </a:stretch>
-              </a:blipFill>
-            </p:spPr>
-            <p:txBody>
-              <a:bodyPr/>
-              <a:lstStyle/>
-              <a:p>
-                <a:r>
-                  <a:rPr lang="zh-CN" altLang="en-US">
-                    <a:noFill/>
-                  </a:rPr>
-                  <a:t> </a:t>
-                </a:r>
-              </a:p>
-            </p:txBody>
-          </p:sp>
-        </mc:Fallback>
-      </mc:AlternateContent>
-      <mc:AlternateContent xmlns:mc="http://schemas.openxmlformats.org/markup-compatibility/2006" xmlns:a14="http://schemas.microsoft.com/office/drawing/2010/main">
-        <mc:Choice Requires="a14">
-          <p:sp>
-            <p:nvSpPr>
-              <p:cNvPr id="32" name="文本框 31">
-                <a:extLst>
-                  <a:ext uri="{FF2B5EF4-FFF2-40B4-BE49-F238E27FC236}">
-                    <a16:creationId xmlns:a16="http://schemas.microsoft.com/office/drawing/2014/main" id="{462403DE-A227-FE15-9355-43797A2BB5BF}"/>
-                  </a:ext>
-                </a:extLst>
-              </p:cNvPr>
-              <p:cNvSpPr txBox="1"/>
-              <p:nvPr/>
-            </p:nvSpPr>
-            <p:spPr>
-              <a:xfrm>
-                <a:off x="5869581" y="3183259"/>
-                <a:ext cx="461554" cy="369332"/>
-              </a:xfrm>
-              <a:prstGeom prst="rect">
-                <a:avLst/>
-              </a:prstGeom>
-              <a:noFill/>
-            </p:spPr>
-            <p:txBody>
-              <a:bodyPr wrap="square" rtlCol="0">
-                <a:spAutoFit/>
-              </a:bodyPr>
-              <a:lstStyle/>
-              <a:p>
-                <a:pPr/>
-                <a14:m>
-                  <m:oMathPara xmlns:m="http://schemas.openxmlformats.org/officeDocument/2006/math">
-                    <m:oMathParaPr>
-                      <m:jc m:val="centerGroup"/>
-                    </m:oMathParaPr>
-                    <m:oMath xmlns:m="http://schemas.openxmlformats.org/officeDocument/2006/math">
-                      <m:r>
-                        <a:rPr kumimoji="1" lang="en-US" altLang="zh-CN" b="0" i="1" dirty="0" smtClean="0">
-                          <a:latin typeface="Cambria Math" panose="02040503050406030204" pitchFamily="18" charset="0"/>
-                        </a:rPr>
-                        <m:t>=</m:t>
-                      </m:r>
-                    </m:oMath>
-                  </m:oMathPara>
-                </a14:m>
-                <a:endParaRPr kumimoji="1" lang="zh-CN" altLang="en-US" dirty="0"/>
-              </a:p>
-            </p:txBody>
-          </p:sp>
-        </mc:Choice>
-        <mc:Fallback xmlns="">
-          <p:sp>
-            <p:nvSpPr>
-              <p:cNvPr id="32" name="文本框 31">
-                <a:extLst>
-                  <a:ext uri="{FF2B5EF4-FFF2-40B4-BE49-F238E27FC236}">
-                    <a16:creationId xmlns:a16="http://schemas.microsoft.com/office/drawing/2014/main" id="{462403DE-A227-FE15-9355-43797A2BB5BF}"/>
-                  </a:ext>
-                </a:extLst>
-              </p:cNvPr>
-              <p:cNvSpPr txBox="1">
-                <a:spLocks noRot="1" noChangeAspect="1" noMove="1" noResize="1" noEditPoints="1" noAdjustHandles="1" noChangeArrowheads="1" noChangeShapeType="1" noTextEdit="1"/>
-              </p:cNvSpPr>
-              <p:nvPr/>
-            </p:nvSpPr>
-            <p:spPr>
-              <a:xfrm>
-                <a:off x="5869581" y="3183259"/>
-                <a:ext cx="461554" cy="369332"/>
-              </a:xfrm>
-              <a:prstGeom prst="rect">
-                <a:avLst/>
-              </a:prstGeom>
-              <a:blipFill>
-                <a:blip r:embed="rId19"/>
-                <a:stretch>
-                  <a:fillRect/>
-                </a:stretch>
-              </a:blipFill>
-            </p:spPr>
-            <p:txBody>
-              <a:bodyPr/>
-              <a:lstStyle/>
-              <a:p>
-                <a:r>
-                  <a:rPr lang="zh-CN" altLang="en-US">
-                    <a:noFill/>
-                  </a:rPr>
-                  <a:t> </a:t>
-                </a:r>
-              </a:p>
-            </p:txBody>
-          </p:sp>
-        </mc:Fallback>
-      </mc:AlternateContent>
-      <p:sp>
-        <p:nvSpPr>
-          <p:cNvPr id="35" name="文本框 34">
-            <a:extLst>
-              <a:ext uri="{FF2B5EF4-FFF2-40B4-BE49-F238E27FC236}">
-                <a16:creationId xmlns:a16="http://schemas.microsoft.com/office/drawing/2014/main" id="{2DA6319B-B7FA-549F-AA21-61518BCB8F26}"/>
-              </a:ext>
-            </a:extLst>
-          </p:cNvPr>
-          <p:cNvSpPr txBox="1"/>
-          <p:nvPr/>
-        </p:nvSpPr>
-        <p:spPr>
-          <a:xfrm>
-            <a:off x="6958151" y="1612259"/>
-            <a:ext cx="3021869" cy="646331"/>
-          </a:xfrm>
-          <a:prstGeom prst="rect">
-            <a:avLst/>
-          </a:prstGeom>
-          <a:noFill/>
-        </p:spPr>
-        <p:txBody>
-          <a:bodyPr wrap="square" rtlCol="0">
-            <a:spAutoFit/>
-          </a:bodyPr>
-          <a:lstStyle/>
-          <a:p>
-            <a:r>
-              <a:rPr kumimoji="1" lang="zh-CN" altLang="en-US" sz="1200" dirty="0">
-                <a:latin typeface="Microsoft YaHei" panose="020B0503020204020204" pitchFamily="34" charset="-122"/>
-                <a:ea typeface="Microsoft YaHei" panose="020B0503020204020204" pitchFamily="34" charset="-122"/>
-              </a:rPr>
-              <a:t>依赖于输入对</a:t>
-            </a:r>
-            <a:r>
-              <a:rPr kumimoji="1" lang="en-US" altLang="zh-CN" sz="1200" dirty="0">
-                <a:latin typeface="Microsoft YaHei" panose="020B0503020204020204" pitchFamily="34" charset="-122"/>
-                <a:ea typeface="Microsoft YaHei" panose="020B0503020204020204" pitchFamily="34" charset="-122"/>
-              </a:rPr>
-              <a:t>RNN</a:t>
-            </a:r>
-            <a:r>
-              <a:rPr kumimoji="1" lang="zh-CN" altLang="en-US" sz="1200" dirty="0">
-                <a:latin typeface="Microsoft YaHei" panose="020B0503020204020204" pitchFamily="34" charset="-122"/>
-                <a:ea typeface="Microsoft YaHei" panose="020B0503020204020204" pitchFamily="34" charset="-122"/>
-              </a:rPr>
-              <a:t>的历史状态进行衰减，这里和</a:t>
-            </a:r>
-            <a:r>
-              <a:rPr kumimoji="1" lang="en-US" altLang="zh-CN" sz="1200" dirty="0">
-                <a:latin typeface="Microsoft YaHei" panose="020B0503020204020204" pitchFamily="34" charset="-122"/>
-                <a:ea typeface="Microsoft YaHei" panose="020B0503020204020204" pitchFamily="34" charset="-122"/>
-              </a:rPr>
-              <a:t>mamba</a:t>
-            </a:r>
-            <a:r>
-              <a:rPr kumimoji="1" lang="zh-CN" altLang="en-US" sz="1200" dirty="0">
-                <a:latin typeface="Microsoft YaHei" panose="020B0503020204020204" pitchFamily="34" charset="-122"/>
-                <a:ea typeface="Microsoft YaHei" panose="020B0503020204020204" pitchFamily="34" charset="-122"/>
-              </a:rPr>
-              <a:t>很类似，通过一个双层</a:t>
-            </a:r>
-            <a:r>
-              <a:rPr kumimoji="1" lang="en-US" altLang="zh-CN" sz="1200" dirty="0">
-                <a:latin typeface="Microsoft YaHei" panose="020B0503020204020204" pitchFamily="34" charset="-122"/>
-                <a:ea typeface="Microsoft YaHei" panose="020B0503020204020204" pitchFamily="34" charset="-122"/>
-              </a:rPr>
-              <a:t>DNN</a:t>
-            </a:r>
-            <a:r>
-              <a:rPr kumimoji="1" lang="zh-CN" altLang="en-US" sz="1200" dirty="0">
-                <a:latin typeface="Microsoft YaHei" panose="020B0503020204020204" pitchFamily="34" charset="-122"/>
-                <a:ea typeface="Microsoft YaHei" panose="020B0503020204020204" pitchFamily="34" charset="-122"/>
-              </a:rPr>
-              <a:t>学习得到。</a:t>
-            </a:r>
-          </a:p>
-        </p:txBody>
-      </p:sp>
-      <p:cxnSp>
-        <p:nvCxnSpPr>
-          <p:cNvPr id="37" name="曲线连接符 36">
-            <a:extLst>
-              <a:ext uri="{FF2B5EF4-FFF2-40B4-BE49-F238E27FC236}">
-                <a16:creationId xmlns:a16="http://schemas.microsoft.com/office/drawing/2014/main" id="{1F0030D2-7D57-5192-E7A2-06AADDE7B320}"/>
-              </a:ext>
-            </a:extLst>
-          </p:cNvPr>
-          <p:cNvCxnSpPr>
-            <a:stCxn id="35" idx="2"/>
-            <a:endCxn id="20" idx="0"/>
-          </p:cNvCxnSpPr>
-          <p:nvPr/>
-        </p:nvCxnSpPr>
-        <p:spPr>
-          <a:xfrm rot="5400000">
-            <a:off x="7884486" y="2408856"/>
-            <a:ext cx="734866" cy="434334"/>
-          </a:xfrm>
-          <a:prstGeom prst="curvedConnector3">
-            <a:avLst/>
-          </a:prstGeom>
-          <a:ln>
-            <a:solidFill>
-              <a:schemeClr val="tx1">
-                <a:lumMod val="50000"/>
-                <a:lumOff val="50000"/>
-              </a:schemeClr>
-            </a:solidFill>
-            <a:tailEnd type="triangle" w="med" len="lg"/>
-          </a:ln>
-        </p:spPr>
-        <p:style>
-          <a:lnRef idx="2">
-            <a:schemeClr val="accent1"/>
-          </a:lnRef>
-          <a:fillRef idx="0">
-            <a:schemeClr val="accent1"/>
-          </a:fillRef>
-          <a:effectRef idx="1">
-            <a:schemeClr val="accent1"/>
-          </a:effectRef>
-          <a:fontRef idx="minor">
-            <a:schemeClr val="tx1"/>
-          </a:fontRef>
-        </p:style>
-      </p:cxnSp>
-      <mc:AlternateContent xmlns:mc="http://schemas.openxmlformats.org/markup-compatibility/2006" xmlns:a14="http://schemas.microsoft.com/office/drawing/2010/main">
-        <mc:Choice Requires="a14">
-          <p:sp>
-            <p:nvSpPr>
-              <p:cNvPr id="38" name="文本框 37">
-                <a:extLst>
-                  <a:ext uri="{FF2B5EF4-FFF2-40B4-BE49-F238E27FC236}">
-                    <a16:creationId xmlns:a16="http://schemas.microsoft.com/office/drawing/2014/main" id="{35F538FA-8CF4-749E-0323-8CD3FFB1484A}"/>
-                  </a:ext>
-                </a:extLst>
-              </p:cNvPr>
-              <p:cNvSpPr txBox="1"/>
-              <p:nvPr/>
-            </p:nvSpPr>
-            <p:spPr>
-              <a:xfrm>
-                <a:off x="6183086" y="4101792"/>
-                <a:ext cx="1968137" cy="1015663"/>
-              </a:xfrm>
-              <a:prstGeom prst="rect">
-                <a:avLst/>
-              </a:prstGeom>
-              <a:noFill/>
-            </p:spPr>
-            <p:txBody>
-              <a:bodyPr wrap="square" rtlCol="0">
-                <a:spAutoFit/>
-              </a:bodyPr>
-              <a:lstStyle/>
-              <a:p>
-                <a:r>
-                  <a:rPr kumimoji="1" lang="zh-CN" altLang="en-US" sz="1200" dirty="0">
-                    <a:latin typeface="Microsoft YaHei" panose="020B0503020204020204" pitchFamily="34" charset="-122"/>
-                    <a:ea typeface="Microsoft YaHei" panose="020B0503020204020204" pitchFamily="34" charset="-122"/>
-                  </a:rPr>
-                  <a:t>这个图里面</a:t>
-                </a:r>
-                <a:r>
-                  <a:rPr kumimoji="1" lang="en-US" altLang="zh-CN" sz="1200" dirty="0">
-                    <a:latin typeface="Microsoft YaHei" panose="020B0503020204020204" pitchFamily="34" charset="-122"/>
-                    <a:ea typeface="Microsoft YaHei" panose="020B0503020204020204" pitchFamily="34" charset="-122"/>
-                  </a:rPr>
-                  <a:t>plot</a:t>
-                </a:r>
-                <a:r>
-                  <a:rPr kumimoji="1" lang="zh-CN" altLang="en-US" sz="1200" dirty="0">
-                    <a:latin typeface="Microsoft YaHei" panose="020B0503020204020204" pitchFamily="34" charset="-122"/>
-                    <a:ea typeface="Microsoft YaHei" panose="020B0503020204020204" pitchFamily="34" charset="-122"/>
-                  </a:rPr>
-                  <a:t>的是向量形式的单个</a:t>
-                </a:r>
-                <a:r>
-                  <a:rPr kumimoji="1" lang="en-US" altLang="zh-CN" sz="1200" dirty="0">
-                    <a:latin typeface="Microsoft YaHei" panose="020B0503020204020204" pitchFamily="34" charset="-122"/>
-                    <a:ea typeface="Microsoft YaHei" panose="020B0503020204020204" pitchFamily="34" charset="-122"/>
-                  </a:rPr>
-                  <a:t>query/</a:t>
-                </a:r>
-                <a:r>
-                  <a:rPr kumimoji="1" lang="zh-CN" altLang="en-US" sz="1200" dirty="0">
-                    <a:latin typeface="Microsoft YaHei" panose="020B0503020204020204" pitchFamily="34" charset="-122"/>
-                    <a:ea typeface="Microsoft YaHei" panose="020B0503020204020204" pitchFamily="34" charset="-122"/>
-                  </a:rPr>
-                  <a:t> </a:t>
-                </a:r>
-                <a:r>
-                  <a:rPr kumimoji="1" lang="en-US" altLang="zh-CN" sz="1200" dirty="0">
-                    <a:latin typeface="Microsoft YaHei" panose="020B0503020204020204" pitchFamily="34" charset="-122"/>
-                    <a:ea typeface="Microsoft YaHei" panose="020B0503020204020204" pitchFamily="34" charset="-122"/>
-                  </a:rPr>
-                  <a:t>key/</a:t>
-                </a:r>
-                <a:r>
-                  <a:rPr kumimoji="1" lang="zh-CN" altLang="en-US" sz="1200" dirty="0">
-                    <a:latin typeface="Microsoft YaHei" panose="020B0503020204020204" pitchFamily="34" charset="-122"/>
-                    <a:ea typeface="Microsoft YaHei" panose="020B0503020204020204" pitchFamily="34" charset="-122"/>
-                  </a:rPr>
-                  <a:t> </a:t>
-                </a:r>
-                <a:r>
-                  <a:rPr kumimoji="1" lang="en-US" altLang="zh-CN" sz="1200" dirty="0">
-                    <a:latin typeface="Microsoft YaHei" panose="020B0503020204020204" pitchFamily="34" charset="-122"/>
-                    <a:ea typeface="Microsoft YaHei" panose="020B0503020204020204" pitchFamily="34" charset="-122"/>
-                  </a:rPr>
-                  <a:t>value</a:t>
-                </a:r>
-                <a:r>
-                  <a:rPr kumimoji="1" lang="zh-CN" altLang="en-US" sz="1200" dirty="0">
-                    <a:latin typeface="Microsoft YaHei" panose="020B0503020204020204" pitchFamily="34" charset="-122"/>
-                    <a:ea typeface="Microsoft YaHei" panose="020B0503020204020204" pitchFamily="34" charset="-122"/>
-                  </a:rPr>
-                  <a:t>进行计算的过程，这里的 </a:t>
-                </a:r>
-                <a14:m>
-                  <m:oMath xmlns:m="http://schemas.openxmlformats.org/officeDocument/2006/math">
-                    <m:r>
-                      <a:rPr kumimoji="1" lang="zh-CN" altLang="en-US" sz="1200" b="1" i="1" smtClean="0">
-                        <a:solidFill>
-                          <a:srgbClr val="FF0000"/>
-                        </a:solidFill>
-                        <a:latin typeface="Cambria Math" panose="02040503050406030204" pitchFamily="18" charset="0"/>
-                        <a:ea typeface="Microsoft YaHei" panose="020B0503020204020204" pitchFamily="34" charset="-122"/>
-                      </a:rPr>
-                      <m:t>∗</m:t>
-                    </m:r>
-                  </m:oMath>
-                </a14:m>
-                <a:r>
-                  <a:rPr kumimoji="1" lang="zh-CN" altLang="en-US" sz="1200" dirty="0">
-                    <a:latin typeface="Microsoft YaHei" panose="020B0503020204020204" pitchFamily="34" charset="-122"/>
-                    <a:ea typeface="Microsoft YaHei" panose="020B0503020204020204" pitchFamily="34" charset="-122"/>
-                  </a:rPr>
-                  <a:t> 的数据并行化之后都是矩阵乘。</a:t>
-                </a:r>
-              </a:p>
-            </p:txBody>
-          </p:sp>
-        </mc:Choice>
-        <mc:Fallback xmlns="">
-          <p:sp>
-            <p:nvSpPr>
-              <p:cNvPr id="38" name="文本框 37">
-                <a:extLst>
-                  <a:ext uri="{FF2B5EF4-FFF2-40B4-BE49-F238E27FC236}">
-                    <a16:creationId xmlns:a16="http://schemas.microsoft.com/office/drawing/2014/main" id="{35F538FA-8CF4-749E-0323-8CD3FFB1484A}"/>
-                  </a:ext>
-                </a:extLst>
-              </p:cNvPr>
-              <p:cNvSpPr txBox="1">
-                <a:spLocks noRot="1" noChangeAspect="1" noMove="1" noResize="1" noEditPoints="1" noAdjustHandles="1" noChangeArrowheads="1" noChangeShapeType="1" noTextEdit="1"/>
-              </p:cNvSpPr>
-              <p:nvPr/>
-            </p:nvSpPr>
-            <p:spPr>
-              <a:xfrm>
-                <a:off x="6183086" y="4101792"/>
-                <a:ext cx="1968137" cy="1015663"/>
-              </a:xfrm>
-              <a:prstGeom prst="rect">
-                <a:avLst/>
-              </a:prstGeom>
-              <a:blipFill>
-                <a:blip r:embed="rId20"/>
-                <a:stretch>
-                  <a:fillRect b="-3750"/>
-                </a:stretch>
-              </a:blipFill>
-            </p:spPr>
-            <p:txBody>
-              <a:bodyPr/>
-              <a:lstStyle/>
-              <a:p>
-                <a:r>
-                  <a:rPr lang="zh-CN" altLang="en-US">
-                    <a:noFill/>
-                  </a:rPr>
-                  <a:t> </a:t>
-                </a:r>
-              </a:p>
-            </p:txBody>
-          </p:sp>
-        </mc:Fallback>
-      </mc:AlternateContent>
-      <p:cxnSp>
-        <p:nvCxnSpPr>
-          <p:cNvPr id="39" name="曲线连接符 38">
-            <a:extLst>
-              <a:ext uri="{FF2B5EF4-FFF2-40B4-BE49-F238E27FC236}">
-                <a16:creationId xmlns:a16="http://schemas.microsoft.com/office/drawing/2014/main" id="{47EFDB5D-A7B4-DCDE-6DEB-E09290ED0E54}"/>
-              </a:ext>
-            </a:extLst>
-          </p:cNvPr>
-          <p:cNvCxnSpPr>
-            <a:cxnSpLocks/>
-            <a:stCxn id="38" idx="1"/>
-            <a:endCxn id="26" idx="2"/>
-          </p:cNvCxnSpPr>
-          <p:nvPr/>
-        </p:nvCxnSpPr>
-        <p:spPr>
-          <a:xfrm rot="10800000" flipH="1">
-            <a:off x="6183085" y="3552592"/>
-            <a:ext cx="1114701" cy="1057033"/>
-          </a:xfrm>
-          <a:prstGeom prst="curvedConnector4">
-            <a:avLst>
-              <a:gd name="adj1" fmla="val -20508"/>
-              <a:gd name="adj2" fmla="val 74022"/>
-            </a:avLst>
-          </a:prstGeom>
-          <a:ln>
-            <a:solidFill>
-              <a:schemeClr val="tx1">
-                <a:lumMod val="50000"/>
-                <a:lumOff val="50000"/>
-              </a:schemeClr>
-            </a:solidFill>
-            <a:tailEnd type="triangle" w="med" len="lg"/>
-          </a:ln>
-        </p:spPr>
-        <p:style>
-          <a:lnRef idx="2">
-            <a:schemeClr val="accent1"/>
-          </a:lnRef>
-          <a:fillRef idx="0">
-            <a:schemeClr val="accent1"/>
-          </a:fillRef>
-          <a:effectRef idx="1">
-            <a:schemeClr val="accent1"/>
-          </a:effectRef>
-          <a:fontRef idx="minor">
-            <a:schemeClr val="tx1"/>
-          </a:fontRef>
-        </p:style>
-      </p:cxnSp>
-      <p:cxnSp>
-        <p:nvCxnSpPr>
-          <p:cNvPr id="43" name="曲线连接符 42">
-            <a:extLst>
-              <a:ext uri="{FF2B5EF4-FFF2-40B4-BE49-F238E27FC236}">
-                <a16:creationId xmlns:a16="http://schemas.microsoft.com/office/drawing/2014/main" id="{3072DB1A-9063-6E3C-D5A9-ECE0F1F959E5}"/>
-              </a:ext>
-            </a:extLst>
-          </p:cNvPr>
-          <p:cNvCxnSpPr>
-            <a:cxnSpLocks/>
-            <a:stCxn id="38" idx="3"/>
-            <a:endCxn id="21" idx="2"/>
-          </p:cNvCxnSpPr>
-          <p:nvPr/>
-        </p:nvCxnSpPr>
-        <p:spPr>
-          <a:xfrm flipV="1">
-            <a:off x="8151223" y="3552591"/>
-            <a:ext cx="342908" cy="1057033"/>
-          </a:xfrm>
-          <a:prstGeom prst="curvedConnector2">
-            <a:avLst/>
-          </a:prstGeom>
-          <a:ln>
-            <a:solidFill>
-              <a:schemeClr val="tx1">
-                <a:lumMod val="50000"/>
-                <a:lumOff val="50000"/>
-              </a:schemeClr>
-            </a:solidFill>
-            <a:tailEnd type="triangle" w="med" len="lg"/>
-          </a:ln>
-        </p:spPr>
-        <p:style>
-          <a:lnRef idx="2">
-            <a:schemeClr val="accent1"/>
-          </a:lnRef>
-          <a:fillRef idx="0">
-            <a:schemeClr val="accent1"/>
-          </a:fillRef>
-          <a:effectRef idx="1">
-            <a:schemeClr val="accent1"/>
-          </a:effectRef>
-          <a:fontRef idx="minor">
-            <a:schemeClr val="tx1"/>
-          </a:fontRef>
-        </p:style>
-      </p:cxnSp>
       <p:sp>
         <p:nvSpPr>
           <p:cNvPr id="2" name="矩形 1">
@@ -16525,6 +14419,1939 @@
           </a:p>
         </p:txBody>
       </p:sp>
+      <p:grpSp>
+        <p:nvGrpSpPr>
+          <p:cNvPr id="33" name="组合 32">
+            <a:extLst>
+              <a:ext uri="{FF2B5EF4-FFF2-40B4-BE49-F238E27FC236}">
+                <a16:creationId xmlns:a16="http://schemas.microsoft.com/office/drawing/2014/main" id="{2D9E7586-CB08-D4D5-582D-38337A60B9BD}"/>
+              </a:ext>
+            </a:extLst>
+          </p:cNvPr>
+          <p:cNvGrpSpPr/>
+          <p:nvPr/>
+        </p:nvGrpSpPr>
+        <p:grpSpPr>
+          <a:xfrm>
+            <a:off x="4828904" y="1439007"/>
+            <a:ext cx="5485671" cy="2482110"/>
+            <a:chOff x="5131529" y="1612259"/>
+            <a:chExt cx="5485671" cy="2482110"/>
+          </a:xfrm>
+        </p:grpSpPr>
+        <p:sp>
+          <p:nvSpPr>
+            <p:cNvPr id="20" name="矩形 19">
+              <a:extLst>
+                <a:ext uri="{FF2B5EF4-FFF2-40B4-BE49-F238E27FC236}">
+                  <a16:creationId xmlns:a16="http://schemas.microsoft.com/office/drawing/2014/main" id="{55902FB2-3A15-FE5C-0EA1-BA7FA8493466}"/>
+                </a:ext>
+              </a:extLst>
+            </p:cNvPr>
+            <p:cNvSpPr/>
+            <p:nvPr/>
+          </p:nvSpPr>
+          <p:spPr>
+            <a:xfrm>
+              <a:off x="7660283" y="2993456"/>
+              <a:ext cx="126271" cy="748938"/>
+            </a:xfrm>
+            <a:prstGeom prst="rect">
+              <a:avLst/>
+            </a:prstGeom>
+            <a:solidFill>
+              <a:schemeClr val="bg1">
+                <a:lumMod val="95000"/>
+              </a:schemeClr>
+            </a:solidFill>
+            <a:ln>
+              <a:solidFill>
+                <a:schemeClr val="tx1">
+                  <a:lumMod val="95000"/>
+                  <a:lumOff val="5000"/>
+                </a:schemeClr>
+              </a:solidFill>
+            </a:ln>
+          </p:spPr>
+          <p:style>
+            <a:lnRef idx="2">
+              <a:schemeClr val="accent1">
+                <a:shade val="15000"/>
+              </a:schemeClr>
+            </a:lnRef>
+            <a:fillRef idx="1">
+              <a:schemeClr val="accent1"/>
+            </a:fillRef>
+            <a:effectRef idx="0">
+              <a:schemeClr val="accent1"/>
+            </a:effectRef>
+            <a:fontRef idx="minor">
+              <a:schemeClr val="lt1"/>
+            </a:fontRef>
+          </p:style>
+          <p:txBody>
+            <a:bodyPr rtlCol="0" anchor="ctr"/>
+            <a:lstStyle/>
+            <a:p>
+              <a:pPr algn="ctr"/>
+              <a:endParaRPr kumimoji="1" lang="zh-CN" altLang="en-US" sz="2000" dirty="0">
+                <a:solidFill>
+                  <a:schemeClr val="tx1"/>
+                </a:solidFill>
+                <a:latin typeface="Calibri" panose="020F0502020204030204" pitchFamily="34" charset="0"/>
+                <a:cs typeface="Calibri" panose="020F0502020204030204" pitchFamily="34" charset="0"/>
+              </a:endParaRPr>
+            </a:p>
+          </p:txBody>
+        </p:sp>
+        <p:grpSp>
+          <p:nvGrpSpPr>
+            <p:cNvPr id="4" name="组合 3">
+              <a:extLst>
+                <a:ext uri="{FF2B5EF4-FFF2-40B4-BE49-F238E27FC236}">
+                  <a16:creationId xmlns:a16="http://schemas.microsoft.com/office/drawing/2014/main" id="{25F7B337-3735-6B78-99FD-94848A46D346}"/>
+                </a:ext>
+              </a:extLst>
+            </p:cNvPr>
+            <p:cNvGrpSpPr/>
+            <p:nvPr/>
+          </p:nvGrpSpPr>
+          <p:grpSpPr>
+            <a:xfrm>
+              <a:off x="7687617" y="2309835"/>
+              <a:ext cx="2805240" cy="1432559"/>
+              <a:chOff x="8263354" y="2309835"/>
+              <a:chExt cx="2805240" cy="1432559"/>
+            </a:xfrm>
+          </p:grpSpPr>
+          <mc:AlternateContent xmlns:mc="http://schemas.openxmlformats.org/markup-compatibility/2006">
+            <mc:Choice xmlns:a14="http://schemas.microsoft.com/office/drawing/2010/main" Requires="a14">
+              <p:sp>
+                <p:nvSpPr>
+                  <p:cNvPr id="14" name="文本框 13">
+                    <a:extLst>
+                      <a:ext uri="{FF2B5EF4-FFF2-40B4-BE49-F238E27FC236}">
+                        <a16:creationId xmlns:a16="http://schemas.microsoft.com/office/drawing/2014/main" id="{0DF691CE-0B5F-51C4-E628-26345BB52116}"/>
+                      </a:ext>
+                    </a:extLst>
+                  </p:cNvPr>
+                  <p:cNvSpPr txBox="1"/>
+                  <p:nvPr/>
+                </p:nvSpPr>
+                <p:spPr>
+                  <a:xfrm>
+                    <a:off x="10463347" y="2309835"/>
+                    <a:ext cx="461554" cy="369332"/>
+                  </a:xfrm>
+                  <a:prstGeom prst="rect">
+                    <a:avLst/>
+                  </a:prstGeom>
+                  <a:noFill/>
+                </p:spPr>
+                <p:txBody>
+                  <a:bodyPr wrap="square" rtlCol="0">
+                    <a:spAutoFit/>
+                  </a:bodyPr>
+                  <a:lstStyle/>
+                  <a:p>
+                    <a:pPr/>
+                    <a14:m>
+                      <m:oMathPara xmlns:m="http://schemas.openxmlformats.org/officeDocument/2006/math">
+                        <m:oMathParaPr>
+                          <m:jc m:val="centerGroup"/>
+                        </m:oMathParaPr>
+                        <m:oMath xmlns:m="http://schemas.openxmlformats.org/officeDocument/2006/math">
+                          <m:sSub>
+                            <m:sSubPr>
+                              <m:ctrlPr>
+                                <a:rPr kumimoji="1" lang="en-US" altLang="zh-CN" b="0" i="1" dirty="0" smtClean="0">
+                                  <a:latin typeface="Cambria Math" panose="02040503050406030204" pitchFamily="18" charset="0"/>
+                                </a:rPr>
+                              </m:ctrlPr>
+                            </m:sSubPr>
+                            <m:e>
+                              <m:r>
+                                <a:rPr kumimoji="1" lang="en-US" altLang="zh-CN" b="0" i="1" dirty="0" smtClean="0">
+                                  <a:latin typeface="Cambria Math" panose="02040503050406030204" pitchFamily="18" charset="0"/>
+                                </a:rPr>
+                                <m:t>𝑣</m:t>
+                              </m:r>
+                            </m:e>
+                            <m:sub>
+                              <m:r>
+                                <a:rPr kumimoji="1" lang="en-US" altLang="zh-CN" b="0" i="1" dirty="0" smtClean="0">
+                                  <a:latin typeface="Cambria Math" panose="02040503050406030204" pitchFamily="18" charset="0"/>
+                                </a:rPr>
+                                <m:t>𝑖</m:t>
+                              </m:r>
+                            </m:sub>
+                          </m:sSub>
+                          <m:r>
+                            <a:rPr kumimoji="1" lang="zh-CN" altLang="en-US" i="1" dirty="0" smtClean="0">
+                              <a:latin typeface="Cambria Math" panose="02040503050406030204" pitchFamily="18" charset="0"/>
+                            </a:rPr>
+                            <m:t> </m:t>
+                          </m:r>
+                        </m:oMath>
+                      </m:oMathPara>
+                    </a14:m>
+                    <a:endParaRPr kumimoji="1" lang="zh-CN" altLang="en-US" dirty="0"/>
+                  </a:p>
+                </p:txBody>
+              </p:sp>
+            </mc:Choice>
+            <mc:Fallback>
+              <p:sp>
+                <p:nvSpPr>
+                  <p:cNvPr id="14" name="文本框 13">
+                    <a:extLst>
+                      <a:ext uri="{FF2B5EF4-FFF2-40B4-BE49-F238E27FC236}">
+                        <a16:creationId xmlns:a16="http://schemas.microsoft.com/office/drawing/2014/main" id="{0DF691CE-0B5F-51C4-E628-26345BB52116}"/>
+                      </a:ext>
+                    </a:extLst>
+                  </p:cNvPr>
+                  <p:cNvSpPr txBox="1">
+                    <a:spLocks noRot="1" noChangeAspect="1" noMove="1" noResize="1" noEditPoints="1" noAdjustHandles="1" noChangeArrowheads="1" noChangeShapeType="1" noTextEdit="1"/>
+                  </p:cNvSpPr>
+                  <p:nvPr/>
+                </p:nvSpPr>
+                <p:spPr>
+                  <a:xfrm>
+                    <a:off x="10463347" y="2309835"/>
+                    <a:ext cx="461554" cy="369332"/>
+                  </a:xfrm>
+                  <a:prstGeom prst="rect">
+                    <a:avLst/>
+                  </a:prstGeom>
+                  <a:blipFill>
+                    <a:blip r:embed="rId9"/>
+                    <a:stretch>
+                      <a:fillRect b="-16667"/>
+                    </a:stretch>
+                  </a:blipFill>
+                </p:spPr>
+                <p:txBody>
+                  <a:bodyPr/>
+                  <a:lstStyle/>
+                  <a:p>
+                    <a:r>
+                      <a:rPr lang="zh-CN" altLang="en-US">
+                        <a:noFill/>
+                      </a:rPr>
+                      <a:t> </a:t>
+                    </a:r>
+                  </a:p>
+                </p:txBody>
+              </p:sp>
+            </mc:Fallback>
+          </mc:AlternateContent>
+          <p:sp>
+            <p:nvSpPr>
+              <p:cNvPr id="9" name="矩形 8">
+                <a:extLst>
+                  <a:ext uri="{FF2B5EF4-FFF2-40B4-BE49-F238E27FC236}">
+                    <a16:creationId xmlns:a16="http://schemas.microsoft.com/office/drawing/2014/main" id="{764AA410-DF38-B4F3-1AE0-3134786A3039}"/>
+                  </a:ext>
+                </a:extLst>
+              </p:cNvPr>
+              <p:cNvSpPr/>
+              <p:nvPr/>
+            </p:nvSpPr>
+            <p:spPr>
+              <a:xfrm>
+                <a:off x="10319657" y="2662532"/>
+                <a:ext cx="748937" cy="169817"/>
+              </a:xfrm>
+              <a:prstGeom prst="rect">
+                <a:avLst/>
+              </a:prstGeom>
+              <a:solidFill>
+                <a:schemeClr val="accent5">
+                  <a:lumMod val="20000"/>
+                  <a:lumOff val="80000"/>
+                </a:schemeClr>
+              </a:solidFill>
+              <a:ln>
+                <a:solidFill>
+                  <a:schemeClr val="tx1">
+                    <a:lumMod val="95000"/>
+                    <a:lumOff val="5000"/>
+                  </a:schemeClr>
+                </a:solidFill>
+              </a:ln>
+            </p:spPr>
+            <p:style>
+              <a:lnRef idx="2">
+                <a:schemeClr val="accent1">
+                  <a:shade val="15000"/>
+                </a:schemeClr>
+              </a:lnRef>
+              <a:fillRef idx="1">
+                <a:schemeClr val="accent1"/>
+              </a:fillRef>
+              <a:effectRef idx="0">
+                <a:schemeClr val="accent1"/>
+              </a:effectRef>
+              <a:fontRef idx="minor">
+                <a:schemeClr val="lt1"/>
+              </a:fontRef>
+            </p:style>
+            <p:txBody>
+              <a:bodyPr rtlCol="0" anchor="ctr"/>
+              <a:lstStyle/>
+              <a:p>
+                <a:pPr algn="ctr"/>
+                <a:endParaRPr kumimoji="1" lang="zh-CN" altLang="en-US" dirty="0">
+                  <a:solidFill>
+                    <a:schemeClr val="tx1"/>
+                  </a:solidFill>
+                  <a:latin typeface="Calibri" panose="020F0502020204030204" pitchFamily="34" charset="0"/>
+                  <a:cs typeface="Calibri" panose="020F0502020204030204" pitchFamily="34" charset="0"/>
+                </a:endParaRPr>
+              </a:p>
+            </p:txBody>
+          </p:sp>
+          <p:sp>
+            <p:nvSpPr>
+              <p:cNvPr id="11" name="矩形 10">
+                <a:extLst>
+                  <a:ext uri="{FF2B5EF4-FFF2-40B4-BE49-F238E27FC236}">
+                    <a16:creationId xmlns:a16="http://schemas.microsoft.com/office/drawing/2014/main" id="{EB57AF90-EC28-B331-3811-E14D83C2D0C6}"/>
+                  </a:ext>
+                </a:extLst>
+              </p:cNvPr>
+              <p:cNvSpPr/>
+              <p:nvPr/>
+            </p:nvSpPr>
+            <p:spPr>
+              <a:xfrm>
+                <a:off x="9997441" y="2993456"/>
+                <a:ext cx="169817" cy="748938"/>
+              </a:xfrm>
+              <a:prstGeom prst="rect">
+                <a:avLst/>
+              </a:prstGeom>
+              <a:solidFill>
+                <a:schemeClr val="accent4">
+                  <a:lumMod val="20000"/>
+                  <a:lumOff val="80000"/>
+                </a:schemeClr>
+              </a:solidFill>
+              <a:ln>
+                <a:solidFill>
+                  <a:schemeClr val="tx1">
+                    <a:lumMod val="95000"/>
+                    <a:lumOff val="5000"/>
+                  </a:schemeClr>
+                </a:solidFill>
+              </a:ln>
+            </p:spPr>
+            <p:style>
+              <a:lnRef idx="2">
+                <a:schemeClr val="accent1">
+                  <a:shade val="15000"/>
+                </a:schemeClr>
+              </a:lnRef>
+              <a:fillRef idx="1">
+                <a:schemeClr val="accent1"/>
+              </a:fillRef>
+              <a:effectRef idx="0">
+                <a:schemeClr val="accent1"/>
+              </a:effectRef>
+              <a:fontRef idx="minor">
+                <a:schemeClr val="lt1"/>
+              </a:fontRef>
+            </p:style>
+            <p:txBody>
+              <a:bodyPr rtlCol="0" anchor="ctr"/>
+              <a:lstStyle/>
+              <a:p>
+                <a:pPr algn="ctr"/>
+                <a:endParaRPr kumimoji="1" lang="zh-CN" altLang="en-US" dirty="0">
+                  <a:solidFill>
+                    <a:schemeClr val="tx1"/>
+                  </a:solidFill>
+                  <a:latin typeface="Calibri" panose="020F0502020204030204" pitchFamily="34" charset="0"/>
+                  <a:cs typeface="Calibri" panose="020F0502020204030204" pitchFamily="34" charset="0"/>
+                </a:endParaRPr>
+              </a:p>
+            </p:txBody>
+          </p:sp>
+          <mc:AlternateContent xmlns:mc="http://schemas.openxmlformats.org/markup-compatibility/2006">
+            <mc:Choice xmlns:a14="http://schemas.microsoft.com/office/drawing/2010/main" Requires="a14">
+              <p:sp>
+                <p:nvSpPr>
+                  <p:cNvPr id="12" name="矩形 11">
+                    <a:extLst>
+                      <a:ext uri="{FF2B5EF4-FFF2-40B4-BE49-F238E27FC236}">
+                        <a16:creationId xmlns:a16="http://schemas.microsoft.com/office/drawing/2014/main" id="{1CFF896B-4C3B-27C0-E344-6C5C2CF3E3E8}"/>
+                      </a:ext>
+                    </a:extLst>
+                  </p:cNvPr>
+                  <p:cNvSpPr/>
+                  <p:nvPr/>
+                </p:nvSpPr>
+                <p:spPr>
+                  <a:xfrm>
+                    <a:off x="10319656" y="2993456"/>
+                    <a:ext cx="748937" cy="748938"/>
+                  </a:xfrm>
+                  <a:prstGeom prst="rect">
+                    <a:avLst/>
+                  </a:prstGeom>
+                  <a:solidFill>
+                    <a:schemeClr val="accent2">
+                      <a:lumMod val="20000"/>
+                      <a:lumOff val="80000"/>
+                    </a:schemeClr>
+                  </a:solidFill>
+                  <a:ln>
+                    <a:solidFill>
+                      <a:schemeClr val="tx1">
+                        <a:lumMod val="95000"/>
+                        <a:lumOff val="5000"/>
+                      </a:schemeClr>
+                    </a:solidFill>
+                  </a:ln>
+                </p:spPr>
+                <p:style>
+                  <a:lnRef idx="2">
+                    <a:schemeClr val="accent1">
+                      <a:shade val="15000"/>
+                    </a:schemeClr>
+                  </a:lnRef>
+                  <a:fillRef idx="1">
+                    <a:schemeClr val="accent1"/>
+                  </a:fillRef>
+                  <a:effectRef idx="0">
+                    <a:schemeClr val="accent1"/>
+                  </a:effectRef>
+                  <a:fontRef idx="minor">
+                    <a:schemeClr val="lt1"/>
+                  </a:fontRef>
+                </p:style>
+                <p:txBody>
+                  <a:bodyPr rtlCol="0" anchor="ctr"/>
+                  <a:lstStyle/>
+                  <a:p>
+                    <a:pPr algn="ctr"/>
+                    <a14:m>
+                      <m:oMathPara xmlns:m="http://schemas.openxmlformats.org/officeDocument/2006/math">
+                        <m:oMathParaPr>
+                          <m:jc m:val="centerGroup"/>
+                        </m:oMathParaPr>
+                        <m:oMath xmlns:m="http://schemas.openxmlformats.org/officeDocument/2006/math">
+                          <m:sSub>
+                            <m:sSubPr>
+                              <m:ctrlPr>
+                                <a:rPr kumimoji="1" lang="en-US" altLang="zh-CN" sz="2000" b="0" i="1" smtClean="0">
+                                  <a:solidFill>
+                                    <a:schemeClr val="tx1"/>
+                                  </a:solidFill>
+                                  <a:latin typeface="Cambria Math" panose="02040503050406030204" pitchFamily="18" charset="0"/>
+                                  <a:cs typeface="Calibri" panose="020F0502020204030204" pitchFamily="34" charset="0"/>
+                                </a:rPr>
+                              </m:ctrlPr>
+                            </m:sSubPr>
+                            <m:e>
+                              <m:r>
+                                <a:rPr kumimoji="1" lang="en-US" altLang="zh-CN" sz="2000" b="0" i="1" smtClean="0">
+                                  <a:solidFill>
+                                    <a:schemeClr val="tx1"/>
+                                  </a:solidFill>
+                                  <a:latin typeface="Cambria Math" panose="02040503050406030204" pitchFamily="18" charset="0"/>
+                                  <a:cs typeface="Calibri" panose="020F0502020204030204" pitchFamily="34" charset="0"/>
+                                </a:rPr>
+                                <m:t>𝑠</m:t>
+                              </m:r>
+                            </m:e>
+                            <m:sub>
+                              <m:r>
+                                <a:rPr kumimoji="1" lang="en-US" altLang="zh-CN" sz="2000" b="0" i="1" smtClean="0">
+                                  <a:solidFill>
+                                    <a:schemeClr val="tx1"/>
+                                  </a:solidFill>
+                                  <a:latin typeface="Cambria Math" panose="02040503050406030204" pitchFamily="18" charset="0"/>
+                                  <a:cs typeface="Calibri" panose="020F0502020204030204" pitchFamily="34" charset="0"/>
+                                </a:rPr>
+                                <m:t>𝑡</m:t>
+                              </m:r>
+                            </m:sub>
+                          </m:sSub>
+                        </m:oMath>
+                      </m:oMathPara>
+                    </a14:m>
+                    <a:endParaRPr kumimoji="1" lang="zh-CN" altLang="en-US" sz="2000" dirty="0">
+                      <a:solidFill>
+                        <a:schemeClr val="tx1"/>
+                      </a:solidFill>
+                      <a:latin typeface="Calibri" panose="020F0502020204030204" pitchFamily="34" charset="0"/>
+                      <a:cs typeface="Calibri" panose="020F0502020204030204" pitchFamily="34" charset="0"/>
+                    </a:endParaRPr>
+                  </a:p>
+                </p:txBody>
+              </p:sp>
+            </mc:Choice>
+            <mc:Fallback>
+              <p:sp>
+                <p:nvSpPr>
+                  <p:cNvPr id="12" name="矩形 11">
+                    <a:extLst>
+                      <a:ext uri="{FF2B5EF4-FFF2-40B4-BE49-F238E27FC236}">
+                        <a16:creationId xmlns:a16="http://schemas.microsoft.com/office/drawing/2014/main" id="{1CFF896B-4C3B-27C0-E344-6C5C2CF3E3E8}"/>
+                      </a:ext>
+                    </a:extLst>
+                  </p:cNvPr>
+                  <p:cNvSpPr>
+                    <a:spLocks noRot="1" noChangeAspect="1" noMove="1" noResize="1" noEditPoints="1" noAdjustHandles="1" noChangeArrowheads="1" noChangeShapeType="1" noTextEdit="1"/>
+                  </p:cNvSpPr>
+                  <p:nvPr/>
+                </p:nvSpPr>
+                <p:spPr>
+                  <a:xfrm>
+                    <a:off x="10319656" y="2993456"/>
+                    <a:ext cx="748937" cy="748938"/>
+                  </a:xfrm>
+                  <a:prstGeom prst="rect">
+                    <a:avLst/>
+                  </a:prstGeom>
+                  <a:blipFill>
+                    <a:blip r:embed="rId10"/>
+                    <a:stretch>
+                      <a:fillRect/>
+                    </a:stretch>
+                  </a:blipFill>
+                  <a:ln>
+                    <a:solidFill>
+                      <a:schemeClr val="tx1">
+                        <a:lumMod val="95000"/>
+                        <a:lumOff val="5000"/>
+                      </a:schemeClr>
+                    </a:solidFill>
+                  </a:ln>
+                </p:spPr>
+                <p:txBody>
+                  <a:bodyPr/>
+                  <a:lstStyle/>
+                  <a:p>
+                    <a:r>
+                      <a:rPr lang="zh-CN" altLang="en-US">
+                        <a:noFill/>
+                      </a:rPr>
+                      <a:t> </a:t>
+                    </a:r>
+                  </a:p>
+                </p:txBody>
+              </p:sp>
+            </mc:Fallback>
+          </mc:AlternateContent>
+          <mc:AlternateContent xmlns:mc="http://schemas.openxmlformats.org/markup-compatibility/2006">
+            <mc:Choice xmlns:a14="http://schemas.microsoft.com/office/drawing/2010/main" Requires="a14">
+              <p:sp>
+                <p:nvSpPr>
+                  <p:cNvPr id="13" name="文本框 12">
+                    <a:extLst>
+                      <a:ext uri="{FF2B5EF4-FFF2-40B4-BE49-F238E27FC236}">
+                        <a16:creationId xmlns:a16="http://schemas.microsoft.com/office/drawing/2014/main" id="{D07FE843-B492-E66F-06A9-DA2856D3E6C1}"/>
+                      </a:ext>
+                    </a:extLst>
+                  </p:cNvPr>
+                  <p:cNvSpPr txBox="1"/>
+                  <p:nvPr/>
+                </p:nvSpPr>
+                <p:spPr>
+                  <a:xfrm>
+                    <a:off x="9644747" y="3183259"/>
+                    <a:ext cx="461554" cy="369332"/>
+                  </a:xfrm>
+                  <a:prstGeom prst="rect">
+                    <a:avLst/>
+                  </a:prstGeom>
+                  <a:noFill/>
+                </p:spPr>
+                <p:txBody>
+                  <a:bodyPr wrap="square" rtlCol="0">
+                    <a:spAutoFit/>
+                  </a:bodyPr>
+                  <a:lstStyle/>
+                  <a:p>
+                    <a:pPr/>
+                    <a14:m>
+                      <m:oMathPara xmlns:m="http://schemas.openxmlformats.org/officeDocument/2006/math">
+                        <m:oMathParaPr>
+                          <m:jc m:val="centerGroup"/>
+                        </m:oMathParaPr>
+                        <m:oMath xmlns:m="http://schemas.openxmlformats.org/officeDocument/2006/math">
+                          <m:sSub>
+                            <m:sSubPr>
+                              <m:ctrlPr>
+                                <a:rPr kumimoji="1" lang="en-US" altLang="zh-CN" b="0" i="1" dirty="0" smtClean="0">
+                                  <a:latin typeface="Cambria Math" panose="02040503050406030204" pitchFamily="18" charset="0"/>
+                                </a:rPr>
+                              </m:ctrlPr>
+                            </m:sSubPr>
+                            <m:e>
+                              <m:r>
+                                <a:rPr kumimoji="1" lang="en-US" altLang="zh-CN" b="0" i="1" dirty="0" smtClean="0">
+                                  <a:latin typeface="Cambria Math" panose="02040503050406030204" pitchFamily="18" charset="0"/>
+                                </a:rPr>
+                                <m:t>𝑘</m:t>
+                              </m:r>
+                            </m:e>
+                            <m:sub>
+                              <m:r>
+                                <a:rPr kumimoji="1" lang="en-US" altLang="zh-CN" b="0" i="1" dirty="0" smtClean="0">
+                                  <a:latin typeface="Cambria Math" panose="02040503050406030204" pitchFamily="18" charset="0"/>
+                                </a:rPr>
+                                <m:t>𝑖</m:t>
+                              </m:r>
+                            </m:sub>
+                          </m:sSub>
+                          <m:r>
+                            <a:rPr kumimoji="1" lang="zh-CN" altLang="en-US" i="1" dirty="0" smtClean="0">
+                              <a:latin typeface="Cambria Math" panose="02040503050406030204" pitchFamily="18" charset="0"/>
+                            </a:rPr>
+                            <m:t> </m:t>
+                          </m:r>
+                        </m:oMath>
+                      </m:oMathPara>
+                    </a14:m>
+                    <a:endParaRPr kumimoji="1" lang="zh-CN" altLang="en-US" dirty="0"/>
+                  </a:p>
+                </p:txBody>
+              </p:sp>
+            </mc:Choice>
+            <mc:Fallback>
+              <p:sp>
+                <p:nvSpPr>
+                  <p:cNvPr id="13" name="文本框 12">
+                    <a:extLst>
+                      <a:ext uri="{FF2B5EF4-FFF2-40B4-BE49-F238E27FC236}">
+                        <a16:creationId xmlns:a16="http://schemas.microsoft.com/office/drawing/2014/main" id="{D07FE843-B492-E66F-06A9-DA2856D3E6C1}"/>
+                      </a:ext>
+                    </a:extLst>
+                  </p:cNvPr>
+                  <p:cNvSpPr txBox="1">
+                    <a:spLocks noRot="1" noChangeAspect="1" noMove="1" noResize="1" noEditPoints="1" noAdjustHandles="1" noChangeArrowheads="1" noChangeShapeType="1" noTextEdit="1"/>
+                  </p:cNvSpPr>
+                  <p:nvPr/>
+                </p:nvSpPr>
+                <p:spPr>
+                  <a:xfrm>
+                    <a:off x="9644747" y="3183259"/>
+                    <a:ext cx="461554" cy="369332"/>
+                  </a:xfrm>
+                  <a:prstGeom prst="rect">
+                    <a:avLst/>
+                  </a:prstGeom>
+                  <a:blipFill>
+                    <a:blip r:embed="rId11"/>
+                    <a:stretch>
+                      <a:fillRect r="-2703" b="-17241"/>
+                    </a:stretch>
+                  </a:blipFill>
+                </p:spPr>
+                <p:txBody>
+                  <a:bodyPr/>
+                  <a:lstStyle/>
+                  <a:p>
+                    <a:r>
+                      <a:rPr lang="zh-CN" altLang="en-US">
+                        <a:noFill/>
+                      </a:rPr>
+                      <a:t> </a:t>
+                    </a:r>
+                  </a:p>
+                </p:txBody>
+              </p:sp>
+            </mc:Fallback>
+          </mc:AlternateContent>
+          <mc:AlternateContent xmlns:mc="http://schemas.openxmlformats.org/markup-compatibility/2006">
+            <mc:Choice xmlns:a14="http://schemas.microsoft.com/office/drawing/2010/main" Requires="a14">
+              <p:sp>
+                <p:nvSpPr>
+                  <p:cNvPr id="15" name="矩形 14">
+                    <a:extLst>
+                      <a:ext uri="{FF2B5EF4-FFF2-40B4-BE49-F238E27FC236}">
+                        <a16:creationId xmlns:a16="http://schemas.microsoft.com/office/drawing/2014/main" id="{0C27CBBF-4B23-7C60-012D-25F0119F35AB}"/>
+                      </a:ext>
+                    </a:extLst>
+                  </p:cNvPr>
+                  <p:cNvSpPr/>
+                  <p:nvPr/>
+                </p:nvSpPr>
+                <p:spPr>
+                  <a:xfrm>
+                    <a:off x="8571417" y="2993456"/>
+                    <a:ext cx="748937" cy="748938"/>
+                  </a:xfrm>
+                  <a:prstGeom prst="rect">
+                    <a:avLst/>
+                  </a:prstGeom>
+                  <a:solidFill>
+                    <a:schemeClr val="accent6">
+                      <a:lumMod val="20000"/>
+                      <a:lumOff val="80000"/>
+                    </a:schemeClr>
+                  </a:solidFill>
+                  <a:ln>
+                    <a:solidFill>
+                      <a:schemeClr val="tx1">
+                        <a:lumMod val="95000"/>
+                        <a:lumOff val="5000"/>
+                      </a:schemeClr>
+                    </a:solidFill>
+                  </a:ln>
+                </p:spPr>
+                <p:style>
+                  <a:lnRef idx="2">
+                    <a:schemeClr val="accent1">
+                      <a:shade val="15000"/>
+                    </a:schemeClr>
+                  </a:lnRef>
+                  <a:fillRef idx="1">
+                    <a:schemeClr val="accent1"/>
+                  </a:fillRef>
+                  <a:effectRef idx="0">
+                    <a:schemeClr val="accent1"/>
+                  </a:effectRef>
+                  <a:fontRef idx="minor">
+                    <a:schemeClr val="lt1"/>
+                  </a:fontRef>
+                </p:style>
+                <p:txBody>
+                  <a:bodyPr rtlCol="0" anchor="ctr"/>
+                  <a:lstStyle/>
+                  <a:p>
+                    <a:pPr algn="ctr"/>
+                    <a14:m>
+                      <m:oMathPara xmlns:m="http://schemas.openxmlformats.org/officeDocument/2006/math">
+                        <m:oMathParaPr>
+                          <m:jc m:val="centerGroup"/>
+                        </m:oMathParaPr>
+                        <m:oMath xmlns:m="http://schemas.openxmlformats.org/officeDocument/2006/math">
+                          <m:sSub>
+                            <m:sSubPr>
+                              <m:ctrlPr>
+                                <a:rPr kumimoji="1" lang="en-US" altLang="zh-CN" sz="2000" b="0" i="1" smtClean="0">
+                                  <a:solidFill>
+                                    <a:schemeClr val="tx1"/>
+                                  </a:solidFill>
+                                  <a:latin typeface="Cambria Math" panose="02040503050406030204" pitchFamily="18" charset="0"/>
+                                  <a:cs typeface="Calibri" panose="020F0502020204030204" pitchFamily="34" charset="0"/>
+                                </a:rPr>
+                              </m:ctrlPr>
+                            </m:sSubPr>
+                            <m:e>
+                              <m:r>
+                                <a:rPr kumimoji="1" lang="en-US" altLang="zh-CN" sz="2000" b="0" i="1" smtClean="0">
+                                  <a:solidFill>
+                                    <a:schemeClr val="tx1"/>
+                                  </a:solidFill>
+                                  <a:latin typeface="Cambria Math" panose="02040503050406030204" pitchFamily="18" charset="0"/>
+                                  <a:cs typeface="Calibri" panose="020F0502020204030204" pitchFamily="34" charset="0"/>
+                                </a:rPr>
+                                <m:t>h</m:t>
+                              </m:r>
+                            </m:e>
+                            <m:sub>
+                              <m:r>
+                                <a:rPr kumimoji="1" lang="en-US" altLang="zh-CN" sz="2000" b="0" i="1" smtClean="0">
+                                  <a:solidFill>
+                                    <a:schemeClr val="tx1"/>
+                                  </a:solidFill>
+                                  <a:latin typeface="Cambria Math" panose="02040503050406030204" pitchFamily="18" charset="0"/>
+                                  <a:cs typeface="Calibri" panose="020F0502020204030204" pitchFamily="34" charset="0"/>
+                                </a:rPr>
+                                <m:t>𝑖</m:t>
+                              </m:r>
+                              <m:r>
+                                <a:rPr kumimoji="1" lang="en-US" altLang="zh-CN" sz="2000" b="0" i="1" smtClean="0">
+                                  <a:solidFill>
+                                    <a:schemeClr val="tx1"/>
+                                  </a:solidFill>
+                                  <a:latin typeface="Cambria Math" panose="02040503050406030204" pitchFamily="18" charset="0"/>
+                                  <a:cs typeface="Calibri" panose="020F0502020204030204" pitchFamily="34" charset="0"/>
+                                </a:rPr>
+                                <m:t>−1</m:t>
+                              </m:r>
+                            </m:sub>
+                          </m:sSub>
+                        </m:oMath>
+                      </m:oMathPara>
+                    </a14:m>
+                    <a:endParaRPr kumimoji="1" lang="zh-CN" altLang="en-US" sz="2000" dirty="0">
+                      <a:solidFill>
+                        <a:schemeClr val="tx1"/>
+                      </a:solidFill>
+                      <a:latin typeface="Calibri" panose="020F0502020204030204" pitchFamily="34" charset="0"/>
+                      <a:cs typeface="Calibri" panose="020F0502020204030204" pitchFamily="34" charset="0"/>
+                    </a:endParaRPr>
+                  </a:p>
+                </p:txBody>
+              </p:sp>
+            </mc:Choice>
+            <mc:Fallback>
+              <p:sp>
+                <p:nvSpPr>
+                  <p:cNvPr id="15" name="矩形 14">
+                    <a:extLst>
+                      <a:ext uri="{FF2B5EF4-FFF2-40B4-BE49-F238E27FC236}">
+                        <a16:creationId xmlns:a16="http://schemas.microsoft.com/office/drawing/2014/main" id="{0C27CBBF-4B23-7C60-012D-25F0119F35AB}"/>
+                      </a:ext>
+                    </a:extLst>
+                  </p:cNvPr>
+                  <p:cNvSpPr>
+                    <a:spLocks noRot="1" noChangeAspect="1" noMove="1" noResize="1" noEditPoints="1" noAdjustHandles="1" noChangeArrowheads="1" noChangeShapeType="1" noTextEdit="1"/>
+                  </p:cNvSpPr>
+                  <p:nvPr/>
+                </p:nvSpPr>
+                <p:spPr>
+                  <a:xfrm>
+                    <a:off x="8571417" y="2993456"/>
+                    <a:ext cx="748937" cy="748938"/>
+                  </a:xfrm>
+                  <a:prstGeom prst="rect">
+                    <a:avLst/>
+                  </a:prstGeom>
+                  <a:blipFill>
+                    <a:blip r:embed="rId12"/>
+                    <a:stretch>
+                      <a:fillRect/>
+                    </a:stretch>
+                  </a:blipFill>
+                  <a:ln>
+                    <a:solidFill>
+                      <a:schemeClr val="tx1">
+                        <a:lumMod val="95000"/>
+                        <a:lumOff val="5000"/>
+                      </a:schemeClr>
+                    </a:solidFill>
+                  </a:ln>
+                </p:spPr>
+                <p:txBody>
+                  <a:bodyPr/>
+                  <a:lstStyle/>
+                  <a:p>
+                    <a:r>
+                      <a:rPr lang="zh-CN" altLang="en-US">
+                        <a:noFill/>
+                      </a:rPr>
+                      <a:t> </a:t>
+                    </a:r>
+                  </a:p>
+                </p:txBody>
+              </p:sp>
+            </mc:Fallback>
+          </mc:AlternateContent>
+          <mc:AlternateContent xmlns:mc="http://schemas.openxmlformats.org/markup-compatibility/2006">
+            <mc:Choice xmlns:a14="http://schemas.microsoft.com/office/drawing/2010/main" Requires="a14">
+              <p:sp>
+                <p:nvSpPr>
+                  <p:cNvPr id="21" name="文本框 20">
+                    <a:extLst>
+                      <a:ext uri="{FF2B5EF4-FFF2-40B4-BE49-F238E27FC236}">
+                        <a16:creationId xmlns:a16="http://schemas.microsoft.com/office/drawing/2014/main" id="{F527022D-A830-FFD7-5173-AB87D66CCBD2}"/>
+                      </a:ext>
+                    </a:extLst>
+                  </p:cNvPr>
+                  <p:cNvSpPr txBox="1"/>
+                  <p:nvPr/>
+                </p:nvSpPr>
+                <p:spPr>
+                  <a:xfrm>
+                    <a:off x="8263354" y="3183259"/>
+                    <a:ext cx="461554" cy="369332"/>
+                  </a:xfrm>
+                  <a:prstGeom prst="rect">
+                    <a:avLst/>
+                  </a:prstGeom>
+                  <a:noFill/>
+                </p:spPr>
+                <p:txBody>
+                  <a:bodyPr wrap="square" rtlCol="0">
+                    <a:spAutoFit/>
+                  </a:bodyPr>
+                  <a:lstStyle/>
+                  <a:p>
+                    <a:pPr/>
+                    <a14:m>
+                      <m:oMathPara xmlns:m="http://schemas.openxmlformats.org/officeDocument/2006/math">
+                        <m:oMathParaPr>
+                          <m:jc m:val="centerGroup"/>
+                        </m:oMathParaPr>
+                        <m:oMath xmlns:m="http://schemas.openxmlformats.org/officeDocument/2006/math">
+                          <m:r>
+                            <a:rPr kumimoji="1" lang="zh-CN" altLang="en-US" b="1" i="1" dirty="0" smtClean="0">
+                              <a:solidFill>
+                                <a:srgbClr val="FF0000"/>
+                              </a:solidFill>
+                              <a:latin typeface="Cambria Math" panose="02040503050406030204" pitchFamily="18" charset="0"/>
+                            </a:rPr>
+                            <m:t>∗</m:t>
+                          </m:r>
+                        </m:oMath>
+                      </m:oMathPara>
+                    </a14:m>
+                    <a:endParaRPr kumimoji="1" lang="zh-CN" altLang="en-US" b="1" dirty="0">
+                      <a:solidFill>
+                        <a:srgbClr val="FF0000"/>
+                      </a:solidFill>
+                    </a:endParaRPr>
+                  </a:p>
+                </p:txBody>
+              </p:sp>
+            </mc:Choice>
+            <mc:Fallback>
+              <p:sp>
+                <p:nvSpPr>
+                  <p:cNvPr id="21" name="文本框 20">
+                    <a:extLst>
+                      <a:ext uri="{FF2B5EF4-FFF2-40B4-BE49-F238E27FC236}">
+                        <a16:creationId xmlns:a16="http://schemas.microsoft.com/office/drawing/2014/main" id="{F527022D-A830-FFD7-5173-AB87D66CCBD2}"/>
+                      </a:ext>
+                    </a:extLst>
+                  </p:cNvPr>
+                  <p:cNvSpPr txBox="1">
+                    <a:spLocks noRot="1" noChangeAspect="1" noMove="1" noResize="1" noEditPoints="1" noAdjustHandles="1" noChangeArrowheads="1" noChangeShapeType="1" noTextEdit="1"/>
+                  </p:cNvSpPr>
+                  <p:nvPr/>
+                </p:nvSpPr>
+                <p:spPr>
+                  <a:xfrm>
+                    <a:off x="8263354" y="3183259"/>
+                    <a:ext cx="461554" cy="369332"/>
+                  </a:xfrm>
+                  <a:prstGeom prst="rect">
+                    <a:avLst/>
+                  </a:prstGeom>
+                  <a:blipFill>
+                    <a:blip r:embed="rId13"/>
+                    <a:stretch>
+                      <a:fillRect/>
+                    </a:stretch>
+                  </a:blipFill>
+                </p:spPr>
+                <p:txBody>
+                  <a:bodyPr/>
+                  <a:lstStyle/>
+                  <a:p>
+                    <a:r>
+                      <a:rPr lang="zh-CN" altLang="en-US">
+                        <a:noFill/>
+                      </a:rPr>
+                      <a:t> </a:t>
+                    </a:r>
+                  </a:p>
+                </p:txBody>
+              </p:sp>
+            </mc:Fallback>
+          </mc:AlternateContent>
+          <mc:AlternateContent xmlns:mc="http://schemas.openxmlformats.org/markup-compatibility/2006">
+            <mc:Choice xmlns:a14="http://schemas.microsoft.com/office/drawing/2010/main" Requires="a14">
+              <p:sp>
+                <p:nvSpPr>
+                  <p:cNvPr id="22" name="文本框 21">
+                    <a:extLst>
+                      <a:ext uri="{FF2B5EF4-FFF2-40B4-BE49-F238E27FC236}">
+                        <a16:creationId xmlns:a16="http://schemas.microsoft.com/office/drawing/2014/main" id="{C488FAEE-CA1B-B2B7-8ECD-9806F0C6FEB9}"/>
+                      </a:ext>
+                    </a:extLst>
+                  </p:cNvPr>
+                  <p:cNvSpPr txBox="1"/>
+                  <p:nvPr/>
+                </p:nvSpPr>
+                <p:spPr>
+                  <a:xfrm>
+                    <a:off x="9335596" y="3183259"/>
+                    <a:ext cx="461554" cy="369332"/>
+                  </a:xfrm>
+                  <a:prstGeom prst="rect">
+                    <a:avLst/>
+                  </a:prstGeom>
+                  <a:noFill/>
+                </p:spPr>
+                <p:txBody>
+                  <a:bodyPr wrap="square" rtlCol="0">
+                    <a:spAutoFit/>
+                  </a:bodyPr>
+                  <a:lstStyle/>
+                  <a:p>
+                    <a:pPr/>
+                    <a14:m>
+                      <m:oMathPara xmlns:m="http://schemas.openxmlformats.org/officeDocument/2006/math">
+                        <m:oMathParaPr>
+                          <m:jc m:val="centerGroup"/>
+                        </m:oMathParaPr>
+                        <m:oMath xmlns:m="http://schemas.openxmlformats.org/officeDocument/2006/math">
+                          <m:r>
+                            <a:rPr kumimoji="1" lang="en-US" altLang="zh-CN" b="0" i="1" dirty="0" smtClean="0">
+                              <a:latin typeface="Cambria Math" panose="02040503050406030204" pitchFamily="18" charset="0"/>
+                            </a:rPr>
+                            <m:t>+</m:t>
+                          </m:r>
+                        </m:oMath>
+                      </m:oMathPara>
+                    </a14:m>
+                    <a:endParaRPr kumimoji="1" lang="zh-CN" altLang="en-US" dirty="0"/>
+                  </a:p>
+                </p:txBody>
+              </p:sp>
+            </mc:Choice>
+            <mc:Fallback>
+              <p:sp>
+                <p:nvSpPr>
+                  <p:cNvPr id="22" name="文本框 21">
+                    <a:extLst>
+                      <a:ext uri="{FF2B5EF4-FFF2-40B4-BE49-F238E27FC236}">
+                        <a16:creationId xmlns:a16="http://schemas.microsoft.com/office/drawing/2014/main" id="{C488FAEE-CA1B-B2B7-8ECD-9806F0C6FEB9}"/>
+                      </a:ext>
+                    </a:extLst>
+                  </p:cNvPr>
+                  <p:cNvSpPr txBox="1">
+                    <a:spLocks noRot="1" noChangeAspect="1" noMove="1" noResize="1" noEditPoints="1" noAdjustHandles="1" noChangeArrowheads="1" noChangeShapeType="1" noTextEdit="1"/>
+                  </p:cNvSpPr>
+                  <p:nvPr/>
+                </p:nvSpPr>
+                <p:spPr>
+                  <a:xfrm>
+                    <a:off x="9335596" y="3183259"/>
+                    <a:ext cx="461554" cy="369332"/>
+                  </a:xfrm>
+                  <a:prstGeom prst="rect">
+                    <a:avLst/>
+                  </a:prstGeom>
+                  <a:blipFill>
+                    <a:blip r:embed="rId14"/>
+                    <a:stretch>
+                      <a:fillRect/>
+                    </a:stretch>
+                  </a:blipFill>
+                </p:spPr>
+                <p:txBody>
+                  <a:bodyPr/>
+                  <a:lstStyle/>
+                  <a:p>
+                    <a:r>
+                      <a:rPr lang="zh-CN" altLang="en-US">
+                        <a:noFill/>
+                      </a:rPr>
+                      <a:t> </a:t>
+                    </a:r>
+                  </a:p>
+                </p:txBody>
+              </p:sp>
+            </mc:Fallback>
+          </mc:AlternateContent>
+        </p:grpSp>
+        <p:sp>
+          <p:nvSpPr>
+            <p:cNvPr id="24" name="矩形 23">
+              <a:extLst>
+                <a:ext uri="{FF2B5EF4-FFF2-40B4-BE49-F238E27FC236}">
+                  <a16:creationId xmlns:a16="http://schemas.microsoft.com/office/drawing/2014/main" id="{B68AE24E-B825-8889-B5EB-2E6E6013BD5D}"/>
+                </a:ext>
+              </a:extLst>
+            </p:cNvPr>
+            <p:cNvSpPr/>
+            <p:nvPr/>
+          </p:nvSpPr>
+          <p:spPr>
+            <a:xfrm>
+              <a:off x="6360530" y="3283017"/>
+              <a:ext cx="748937" cy="169817"/>
+            </a:xfrm>
+            <a:prstGeom prst="rect">
+              <a:avLst/>
+            </a:prstGeom>
+            <a:solidFill>
+              <a:srgbClr val="FFC000"/>
+            </a:solidFill>
+            <a:ln>
+              <a:solidFill>
+                <a:schemeClr val="tx1">
+                  <a:lumMod val="95000"/>
+                  <a:lumOff val="5000"/>
+                </a:schemeClr>
+              </a:solidFill>
+            </a:ln>
+          </p:spPr>
+          <p:style>
+            <a:lnRef idx="2">
+              <a:schemeClr val="accent1">
+                <a:shade val="15000"/>
+              </a:schemeClr>
+            </a:lnRef>
+            <a:fillRef idx="1">
+              <a:schemeClr val="accent1"/>
+            </a:fillRef>
+            <a:effectRef idx="0">
+              <a:schemeClr val="accent1"/>
+            </a:effectRef>
+            <a:fontRef idx="minor">
+              <a:schemeClr val="lt1"/>
+            </a:fontRef>
+          </p:style>
+          <p:txBody>
+            <a:bodyPr rtlCol="0" anchor="ctr"/>
+            <a:lstStyle/>
+            <a:p>
+              <a:pPr algn="ctr"/>
+              <a:endParaRPr kumimoji="1" lang="zh-CN" altLang="en-US" dirty="0">
+                <a:solidFill>
+                  <a:schemeClr val="tx1"/>
+                </a:solidFill>
+                <a:latin typeface="Calibri" panose="020F0502020204030204" pitchFamily="34" charset="0"/>
+                <a:cs typeface="Calibri" panose="020F0502020204030204" pitchFamily="34" charset="0"/>
+              </a:endParaRPr>
+            </a:p>
+          </p:txBody>
+        </p:sp>
+        <mc:AlternateContent xmlns:mc="http://schemas.openxmlformats.org/markup-compatibility/2006">
+          <mc:Choice xmlns:a14="http://schemas.microsoft.com/office/drawing/2010/main" Requires="a14">
+            <p:sp>
+              <p:nvSpPr>
+                <p:cNvPr id="25" name="文本框 24">
+                  <a:extLst>
+                    <a:ext uri="{FF2B5EF4-FFF2-40B4-BE49-F238E27FC236}">
+                      <a16:creationId xmlns:a16="http://schemas.microsoft.com/office/drawing/2014/main" id="{D3503A02-B243-C908-3412-8EDC88A8E147}"/>
+                    </a:ext>
+                  </a:extLst>
+                </p:cNvPr>
+                <p:cNvSpPr txBox="1"/>
+                <p:nvPr/>
+              </p:nvSpPr>
+              <p:spPr>
+                <a:xfrm>
+                  <a:off x="6496597" y="2855988"/>
+                  <a:ext cx="461554" cy="369332"/>
+                </a:xfrm>
+                <a:prstGeom prst="rect">
+                  <a:avLst/>
+                </a:prstGeom>
+                <a:noFill/>
+              </p:spPr>
+              <p:txBody>
+                <a:bodyPr wrap="square" rtlCol="0">
+                  <a:spAutoFit/>
+                </a:bodyPr>
+                <a:lstStyle/>
+                <a:p>
+                  <a:pPr/>
+                  <a14:m>
+                    <m:oMathPara xmlns:m="http://schemas.openxmlformats.org/officeDocument/2006/math">
+                      <m:oMathParaPr>
+                        <m:jc m:val="centerGroup"/>
+                      </m:oMathParaPr>
+                      <m:oMath xmlns:m="http://schemas.openxmlformats.org/officeDocument/2006/math">
+                        <m:sSub>
+                          <m:sSubPr>
+                            <m:ctrlPr>
+                              <a:rPr kumimoji="1" lang="en-US" altLang="zh-CN" b="0" i="1" dirty="0" smtClean="0">
+                                <a:latin typeface="Cambria Math" panose="02040503050406030204" pitchFamily="18" charset="0"/>
+                              </a:rPr>
+                            </m:ctrlPr>
+                          </m:sSubPr>
+                          <m:e>
+                            <m:r>
+                              <a:rPr kumimoji="1" lang="en-US" altLang="zh-CN" b="0" i="1" dirty="0" smtClean="0">
+                                <a:latin typeface="Cambria Math" panose="02040503050406030204" pitchFamily="18" charset="0"/>
+                              </a:rPr>
+                              <m:t>𝑞</m:t>
+                            </m:r>
+                          </m:e>
+                          <m:sub>
+                            <m:r>
+                              <a:rPr kumimoji="1" lang="en-US" altLang="zh-CN" b="0" i="1" dirty="0" smtClean="0">
+                                <a:latin typeface="Cambria Math" panose="02040503050406030204" pitchFamily="18" charset="0"/>
+                              </a:rPr>
+                              <m:t>𝑖</m:t>
+                            </m:r>
+                          </m:sub>
+                        </m:sSub>
+                        <m:r>
+                          <a:rPr kumimoji="1" lang="zh-CN" altLang="en-US" i="1" dirty="0" smtClean="0">
+                            <a:latin typeface="Cambria Math" panose="02040503050406030204" pitchFamily="18" charset="0"/>
+                          </a:rPr>
+                          <m:t> </m:t>
+                        </m:r>
+                      </m:oMath>
+                    </m:oMathPara>
+                  </a14:m>
+                  <a:endParaRPr kumimoji="1" lang="zh-CN" altLang="en-US" dirty="0"/>
+                </a:p>
+              </p:txBody>
+            </p:sp>
+          </mc:Choice>
+          <mc:Fallback>
+            <p:sp>
+              <p:nvSpPr>
+                <p:cNvPr id="25" name="文本框 24">
+                  <a:extLst>
+                    <a:ext uri="{FF2B5EF4-FFF2-40B4-BE49-F238E27FC236}">
+                      <a16:creationId xmlns:a16="http://schemas.microsoft.com/office/drawing/2014/main" id="{D3503A02-B243-C908-3412-8EDC88A8E147}"/>
+                    </a:ext>
+                  </a:extLst>
+                </p:cNvPr>
+                <p:cNvSpPr txBox="1">
+                  <a:spLocks noRot="1" noChangeAspect="1" noMove="1" noResize="1" noEditPoints="1" noAdjustHandles="1" noChangeArrowheads="1" noChangeShapeType="1" noTextEdit="1"/>
+                </p:cNvSpPr>
+                <p:nvPr/>
+              </p:nvSpPr>
+              <p:spPr>
+                <a:xfrm>
+                  <a:off x="6496597" y="2855988"/>
+                  <a:ext cx="461554" cy="369332"/>
+                </a:xfrm>
+                <a:prstGeom prst="rect">
+                  <a:avLst/>
+                </a:prstGeom>
+                <a:blipFill>
+                  <a:blip r:embed="rId15"/>
+                  <a:stretch>
+                    <a:fillRect b="-16667"/>
+                  </a:stretch>
+                </a:blipFill>
+              </p:spPr>
+              <p:txBody>
+                <a:bodyPr/>
+                <a:lstStyle/>
+                <a:p>
+                  <a:r>
+                    <a:rPr lang="zh-CN" altLang="en-US">
+                      <a:noFill/>
+                    </a:rPr>
+                    <a:t> </a:t>
+                  </a:r>
+                </a:p>
+              </p:txBody>
+            </p:sp>
+          </mc:Fallback>
+        </mc:AlternateContent>
+        <mc:AlternateContent xmlns:mc="http://schemas.openxmlformats.org/markup-compatibility/2006">
+          <mc:Choice xmlns:a14="http://schemas.microsoft.com/office/drawing/2010/main" Requires="a14">
+            <p:sp>
+              <p:nvSpPr>
+                <p:cNvPr id="26" name="文本框 25">
+                  <a:extLst>
+                    <a:ext uri="{FF2B5EF4-FFF2-40B4-BE49-F238E27FC236}">
+                      <a16:creationId xmlns:a16="http://schemas.microsoft.com/office/drawing/2014/main" id="{E312FC32-ADB8-1474-4F26-9F47377E0524}"/>
+                    </a:ext>
+                  </a:extLst>
+                </p:cNvPr>
+                <p:cNvSpPr txBox="1"/>
+                <p:nvPr/>
+              </p:nvSpPr>
+              <p:spPr>
+                <a:xfrm>
+                  <a:off x="7067010" y="3183259"/>
+                  <a:ext cx="461554" cy="369332"/>
+                </a:xfrm>
+                <a:prstGeom prst="rect">
+                  <a:avLst/>
+                </a:prstGeom>
+                <a:noFill/>
+              </p:spPr>
+              <p:txBody>
+                <a:bodyPr wrap="square" rtlCol="0">
+                  <a:spAutoFit/>
+                </a:bodyPr>
+                <a:lstStyle/>
+                <a:p>
+                  <a:pPr/>
+                  <a14:m>
+                    <m:oMathPara xmlns:m="http://schemas.openxmlformats.org/officeDocument/2006/math">
+                      <m:oMathParaPr>
+                        <m:jc m:val="centerGroup"/>
+                      </m:oMathParaPr>
+                      <m:oMath xmlns:m="http://schemas.openxmlformats.org/officeDocument/2006/math">
+                        <m:r>
+                          <a:rPr kumimoji="1" lang="zh-CN" altLang="en-US" b="1" i="1" dirty="0" smtClean="0">
+                            <a:solidFill>
+                              <a:srgbClr val="FF0000"/>
+                            </a:solidFill>
+                            <a:latin typeface="Cambria Math" panose="02040503050406030204" pitchFamily="18" charset="0"/>
+                          </a:rPr>
+                          <m:t>∗</m:t>
+                        </m:r>
+                      </m:oMath>
+                    </m:oMathPara>
+                  </a14:m>
+                  <a:endParaRPr kumimoji="1" lang="zh-CN" altLang="en-US" b="1" dirty="0">
+                    <a:solidFill>
+                      <a:srgbClr val="FF0000"/>
+                    </a:solidFill>
+                  </a:endParaRPr>
+                </a:p>
+              </p:txBody>
+            </p:sp>
+          </mc:Choice>
+          <mc:Fallback>
+            <p:sp>
+              <p:nvSpPr>
+                <p:cNvPr id="26" name="文本框 25">
+                  <a:extLst>
+                    <a:ext uri="{FF2B5EF4-FFF2-40B4-BE49-F238E27FC236}">
+                      <a16:creationId xmlns:a16="http://schemas.microsoft.com/office/drawing/2014/main" id="{E312FC32-ADB8-1474-4F26-9F47377E0524}"/>
+                    </a:ext>
+                  </a:extLst>
+                </p:cNvPr>
+                <p:cNvSpPr txBox="1">
+                  <a:spLocks noRot="1" noChangeAspect="1" noMove="1" noResize="1" noEditPoints="1" noAdjustHandles="1" noChangeArrowheads="1" noChangeShapeType="1" noTextEdit="1"/>
+                </p:cNvSpPr>
+                <p:nvPr/>
+              </p:nvSpPr>
+              <p:spPr>
+                <a:xfrm>
+                  <a:off x="7067010" y="3183259"/>
+                  <a:ext cx="461554" cy="369332"/>
+                </a:xfrm>
+                <a:prstGeom prst="rect">
+                  <a:avLst/>
+                </a:prstGeom>
+                <a:blipFill>
+                  <a:blip r:embed="rId13"/>
+                  <a:stretch>
+                    <a:fillRect/>
+                  </a:stretch>
+                </a:blipFill>
+              </p:spPr>
+              <p:txBody>
+                <a:bodyPr/>
+                <a:lstStyle/>
+                <a:p>
+                  <a:r>
+                    <a:rPr lang="zh-CN" altLang="en-US">
+                      <a:noFill/>
+                    </a:rPr>
+                    <a:t> </a:t>
+                  </a:r>
+                </a:p>
+              </p:txBody>
+            </p:sp>
+          </mc:Fallback>
+        </mc:AlternateContent>
+        <p:sp>
+          <p:nvSpPr>
+            <p:cNvPr id="27" name="双中括号 26">
+              <a:extLst>
+                <a:ext uri="{FF2B5EF4-FFF2-40B4-BE49-F238E27FC236}">
+                  <a16:creationId xmlns:a16="http://schemas.microsoft.com/office/drawing/2014/main" id="{4943CC6A-2EB3-0729-5C38-582C7DFC36D7}"/>
+                </a:ext>
+              </a:extLst>
+            </p:cNvPr>
+            <p:cNvSpPr/>
+            <p:nvPr/>
+          </p:nvSpPr>
+          <p:spPr>
+            <a:xfrm>
+              <a:off x="7520943" y="2429580"/>
+              <a:ext cx="3096257" cy="1466612"/>
+            </a:xfrm>
+            <a:prstGeom prst="bracketPair">
+              <a:avLst>
+                <a:gd name="adj" fmla="val 8491"/>
+              </a:avLst>
+            </a:prstGeom>
+            <a:ln>
+              <a:solidFill>
+                <a:schemeClr val="tx1"/>
+              </a:solidFill>
+            </a:ln>
+          </p:spPr>
+          <p:style>
+            <a:lnRef idx="2">
+              <a:schemeClr val="accent1"/>
+            </a:lnRef>
+            <a:fillRef idx="0">
+              <a:schemeClr val="accent1"/>
+            </a:fillRef>
+            <a:effectRef idx="1">
+              <a:schemeClr val="accent1"/>
+            </a:effectRef>
+            <a:fontRef idx="minor">
+              <a:schemeClr val="tx1"/>
+            </a:fontRef>
+          </p:style>
+          <p:txBody>
+            <a:bodyPr rtlCol="0" anchor="ctr"/>
+            <a:lstStyle/>
+            <a:p>
+              <a:pPr algn="ctr"/>
+              <a:endParaRPr kumimoji="1" lang="zh-CN" altLang="en-US"/>
+            </a:p>
+          </p:txBody>
+        </p:sp>
+        <p:sp>
+          <p:nvSpPr>
+            <p:cNvPr id="30" name="矩形 29">
+              <a:extLst>
+                <a:ext uri="{FF2B5EF4-FFF2-40B4-BE49-F238E27FC236}">
+                  <a16:creationId xmlns:a16="http://schemas.microsoft.com/office/drawing/2014/main" id="{2FC989D1-6446-8FF0-A9F0-863EDC95FE08}"/>
+                </a:ext>
+              </a:extLst>
+            </p:cNvPr>
+            <p:cNvSpPr/>
+            <p:nvPr/>
+          </p:nvSpPr>
+          <p:spPr>
+            <a:xfrm>
+              <a:off x="5131529" y="3283017"/>
+              <a:ext cx="748937" cy="169817"/>
+            </a:xfrm>
+            <a:prstGeom prst="rect">
+              <a:avLst/>
+            </a:prstGeom>
+            <a:solidFill>
+              <a:srgbClr val="92D050"/>
+            </a:solidFill>
+            <a:ln>
+              <a:solidFill>
+                <a:schemeClr val="tx1">
+                  <a:lumMod val="95000"/>
+                  <a:lumOff val="5000"/>
+                </a:schemeClr>
+              </a:solidFill>
+            </a:ln>
+          </p:spPr>
+          <p:style>
+            <a:lnRef idx="2">
+              <a:schemeClr val="accent1">
+                <a:shade val="15000"/>
+              </a:schemeClr>
+            </a:lnRef>
+            <a:fillRef idx="1">
+              <a:schemeClr val="accent1"/>
+            </a:fillRef>
+            <a:effectRef idx="0">
+              <a:schemeClr val="accent1"/>
+            </a:effectRef>
+            <a:fontRef idx="minor">
+              <a:schemeClr val="lt1"/>
+            </a:fontRef>
+          </p:style>
+          <p:txBody>
+            <a:bodyPr rtlCol="0" anchor="ctr"/>
+            <a:lstStyle/>
+            <a:p>
+              <a:pPr algn="ctr"/>
+              <a:endParaRPr kumimoji="1" lang="zh-CN" altLang="en-US" dirty="0">
+                <a:solidFill>
+                  <a:schemeClr val="tx1"/>
+                </a:solidFill>
+                <a:latin typeface="Calibri" panose="020F0502020204030204" pitchFamily="34" charset="0"/>
+                <a:cs typeface="Calibri" panose="020F0502020204030204" pitchFamily="34" charset="0"/>
+              </a:endParaRPr>
+            </a:p>
+          </p:txBody>
+        </p:sp>
+        <mc:AlternateContent xmlns:mc="http://schemas.openxmlformats.org/markup-compatibility/2006">
+          <mc:Choice xmlns:a14="http://schemas.microsoft.com/office/drawing/2010/main" Requires="a14">
+            <p:sp>
+              <p:nvSpPr>
+                <p:cNvPr id="31" name="文本框 30">
+                  <a:extLst>
+                    <a:ext uri="{FF2B5EF4-FFF2-40B4-BE49-F238E27FC236}">
+                      <a16:creationId xmlns:a16="http://schemas.microsoft.com/office/drawing/2014/main" id="{CE2A9B37-957B-7212-8680-F7AB603E39F0}"/>
+                    </a:ext>
+                  </a:extLst>
+                </p:cNvPr>
+                <p:cNvSpPr txBox="1"/>
+                <p:nvPr/>
+              </p:nvSpPr>
+              <p:spPr>
+                <a:xfrm>
+                  <a:off x="5252361" y="2855988"/>
+                  <a:ext cx="461554" cy="369332"/>
+                </a:xfrm>
+                <a:prstGeom prst="rect">
+                  <a:avLst/>
+                </a:prstGeom>
+                <a:noFill/>
+              </p:spPr>
+              <p:txBody>
+                <a:bodyPr wrap="square" rtlCol="0">
+                  <a:spAutoFit/>
+                </a:bodyPr>
+                <a:lstStyle/>
+                <a:p>
+                  <a:pPr/>
+                  <a14:m>
+                    <m:oMathPara xmlns:m="http://schemas.openxmlformats.org/officeDocument/2006/math">
+                      <m:oMathParaPr>
+                        <m:jc m:val="centerGroup"/>
+                      </m:oMathParaPr>
+                      <m:oMath xmlns:m="http://schemas.openxmlformats.org/officeDocument/2006/math">
+                        <m:sSub>
+                          <m:sSubPr>
+                            <m:ctrlPr>
+                              <a:rPr kumimoji="1" lang="en-US" altLang="zh-CN" b="0" i="1" dirty="0" smtClean="0">
+                                <a:latin typeface="Cambria Math" panose="02040503050406030204" pitchFamily="18" charset="0"/>
+                              </a:rPr>
+                            </m:ctrlPr>
+                          </m:sSubPr>
+                          <m:e>
+                            <m:r>
+                              <a:rPr kumimoji="1" lang="en-US" altLang="zh-CN" b="0" i="1" dirty="0" smtClean="0">
+                                <a:latin typeface="Cambria Math" panose="02040503050406030204" pitchFamily="18" charset="0"/>
+                              </a:rPr>
+                              <m:t>𝑜</m:t>
+                            </m:r>
+                          </m:e>
+                          <m:sub>
+                            <m:r>
+                              <a:rPr kumimoji="1" lang="en-US" altLang="zh-CN" b="0" i="1" dirty="0" smtClean="0">
+                                <a:latin typeface="Cambria Math" panose="02040503050406030204" pitchFamily="18" charset="0"/>
+                              </a:rPr>
+                              <m:t>𝑖</m:t>
+                            </m:r>
+                          </m:sub>
+                        </m:sSub>
+                        <m:r>
+                          <a:rPr kumimoji="1" lang="zh-CN" altLang="en-US" i="1" dirty="0" smtClean="0">
+                            <a:latin typeface="Cambria Math" panose="02040503050406030204" pitchFamily="18" charset="0"/>
+                          </a:rPr>
+                          <m:t> </m:t>
+                        </m:r>
+                      </m:oMath>
+                    </m:oMathPara>
+                  </a14:m>
+                  <a:endParaRPr kumimoji="1" lang="zh-CN" altLang="en-US" dirty="0"/>
+                </a:p>
+              </p:txBody>
+            </p:sp>
+          </mc:Choice>
+          <mc:Fallback>
+            <p:sp>
+              <p:nvSpPr>
+                <p:cNvPr id="31" name="文本框 30">
+                  <a:extLst>
+                    <a:ext uri="{FF2B5EF4-FFF2-40B4-BE49-F238E27FC236}">
+                      <a16:creationId xmlns:a16="http://schemas.microsoft.com/office/drawing/2014/main" id="{CE2A9B37-957B-7212-8680-F7AB603E39F0}"/>
+                    </a:ext>
+                  </a:extLst>
+                </p:cNvPr>
+                <p:cNvSpPr txBox="1">
+                  <a:spLocks noRot="1" noChangeAspect="1" noMove="1" noResize="1" noEditPoints="1" noAdjustHandles="1" noChangeArrowheads="1" noChangeShapeType="1" noTextEdit="1"/>
+                </p:cNvSpPr>
+                <p:nvPr/>
+              </p:nvSpPr>
+              <p:spPr>
+                <a:xfrm>
+                  <a:off x="5252361" y="2855988"/>
+                  <a:ext cx="461554" cy="369332"/>
+                </a:xfrm>
+                <a:prstGeom prst="rect">
+                  <a:avLst/>
+                </a:prstGeom>
+                <a:blipFill>
+                  <a:blip r:embed="rId16"/>
+                  <a:stretch>
+                    <a:fillRect b="-16667"/>
+                  </a:stretch>
+                </a:blipFill>
+              </p:spPr>
+              <p:txBody>
+                <a:bodyPr/>
+                <a:lstStyle/>
+                <a:p>
+                  <a:r>
+                    <a:rPr lang="zh-CN" altLang="en-US">
+                      <a:noFill/>
+                    </a:rPr>
+                    <a:t> </a:t>
+                  </a:r>
+                </a:p>
+              </p:txBody>
+            </p:sp>
+          </mc:Fallback>
+        </mc:AlternateContent>
+        <mc:AlternateContent xmlns:mc="http://schemas.openxmlformats.org/markup-compatibility/2006">
+          <mc:Choice xmlns:a14="http://schemas.microsoft.com/office/drawing/2010/main" Requires="a14">
+            <p:sp>
+              <p:nvSpPr>
+                <p:cNvPr id="32" name="文本框 31">
+                  <a:extLst>
+                    <a:ext uri="{FF2B5EF4-FFF2-40B4-BE49-F238E27FC236}">
+                      <a16:creationId xmlns:a16="http://schemas.microsoft.com/office/drawing/2014/main" id="{462403DE-A227-FE15-9355-43797A2BB5BF}"/>
+                    </a:ext>
+                  </a:extLst>
+                </p:cNvPr>
+                <p:cNvSpPr txBox="1"/>
+                <p:nvPr/>
+              </p:nvSpPr>
+              <p:spPr>
+                <a:xfrm>
+                  <a:off x="5869581" y="3183259"/>
+                  <a:ext cx="461554" cy="369332"/>
+                </a:xfrm>
+                <a:prstGeom prst="rect">
+                  <a:avLst/>
+                </a:prstGeom>
+                <a:noFill/>
+              </p:spPr>
+              <p:txBody>
+                <a:bodyPr wrap="square" rtlCol="0">
+                  <a:spAutoFit/>
+                </a:bodyPr>
+                <a:lstStyle/>
+                <a:p>
+                  <a:pPr/>
+                  <a14:m>
+                    <m:oMathPara xmlns:m="http://schemas.openxmlformats.org/officeDocument/2006/math">
+                      <m:oMathParaPr>
+                        <m:jc m:val="centerGroup"/>
+                      </m:oMathParaPr>
+                      <m:oMath xmlns:m="http://schemas.openxmlformats.org/officeDocument/2006/math">
+                        <m:r>
+                          <a:rPr kumimoji="1" lang="en-US" altLang="zh-CN" b="0" i="1" dirty="0" smtClean="0">
+                            <a:latin typeface="Cambria Math" panose="02040503050406030204" pitchFamily="18" charset="0"/>
+                          </a:rPr>
+                          <m:t>=</m:t>
+                        </m:r>
+                      </m:oMath>
+                    </m:oMathPara>
+                  </a14:m>
+                  <a:endParaRPr kumimoji="1" lang="zh-CN" altLang="en-US" dirty="0"/>
+                </a:p>
+              </p:txBody>
+            </p:sp>
+          </mc:Choice>
+          <mc:Fallback>
+            <p:sp>
+              <p:nvSpPr>
+                <p:cNvPr id="32" name="文本框 31">
+                  <a:extLst>
+                    <a:ext uri="{FF2B5EF4-FFF2-40B4-BE49-F238E27FC236}">
+                      <a16:creationId xmlns:a16="http://schemas.microsoft.com/office/drawing/2014/main" id="{462403DE-A227-FE15-9355-43797A2BB5BF}"/>
+                    </a:ext>
+                  </a:extLst>
+                </p:cNvPr>
+                <p:cNvSpPr txBox="1">
+                  <a:spLocks noRot="1" noChangeAspect="1" noMove="1" noResize="1" noEditPoints="1" noAdjustHandles="1" noChangeArrowheads="1" noChangeShapeType="1" noTextEdit="1"/>
+                </p:cNvSpPr>
+                <p:nvPr/>
+              </p:nvSpPr>
+              <p:spPr>
+                <a:xfrm>
+                  <a:off x="5869581" y="3183259"/>
+                  <a:ext cx="461554" cy="369332"/>
+                </a:xfrm>
+                <a:prstGeom prst="rect">
+                  <a:avLst/>
+                </a:prstGeom>
+                <a:blipFill>
+                  <a:blip r:embed="rId17"/>
+                  <a:stretch>
+                    <a:fillRect/>
+                  </a:stretch>
+                </a:blipFill>
+              </p:spPr>
+              <p:txBody>
+                <a:bodyPr/>
+                <a:lstStyle/>
+                <a:p>
+                  <a:r>
+                    <a:rPr lang="zh-CN" altLang="en-US">
+                      <a:noFill/>
+                    </a:rPr>
+                    <a:t> </a:t>
+                  </a:r>
+                </a:p>
+              </p:txBody>
+            </p:sp>
+          </mc:Fallback>
+        </mc:AlternateContent>
+        <p:sp>
+          <p:nvSpPr>
+            <p:cNvPr id="35" name="文本框 34">
+              <a:extLst>
+                <a:ext uri="{FF2B5EF4-FFF2-40B4-BE49-F238E27FC236}">
+                  <a16:creationId xmlns:a16="http://schemas.microsoft.com/office/drawing/2014/main" id="{2DA6319B-B7FA-549F-AA21-61518BCB8F26}"/>
+                </a:ext>
+              </a:extLst>
+            </p:cNvPr>
+            <p:cNvSpPr txBox="1"/>
+            <p:nvPr/>
+          </p:nvSpPr>
+          <p:spPr>
+            <a:xfrm>
+              <a:off x="6958151" y="1612259"/>
+              <a:ext cx="3021869" cy="646331"/>
+            </a:xfrm>
+            <a:prstGeom prst="rect">
+              <a:avLst/>
+            </a:prstGeom>
+            <a:noFill/>
+          </p:spPr>
+          <p:txBody>
+            <a:bodyPr wrap="square" rtlCol="0">
+              <a:spAutoFit/>
+            </a:bodyPr>
+            <a:lstStyle/>
+            <a:p>
+              <a:r>
+                <a:rPr kumimoji="1" lang="zh-CN" altLang="en-US" sz="1200" dirty="0">
+                  <a:latin typeface="Microsoft YaHei" panose="020B0503020204020204" pitchFamily="34" charset="-122"/>
+                  <a:ea typeface="Microsoft YaHei" panose="020B0503020204020204" pitchFamily="34" charset="-122"/>
+                </a:rPr>
+                <a:t>依赖于输入对</a:t>
+              </a:r>
+              <a:r>
+                <a:rPr kumimoji="1" lang="en-US" altLang="zh-CN" sz="1200" dirty="0">
+                  <a:latin typeface="Microsoft YaHei" panose="020B0503020204020204" pitchFamily="34" charset="-122"/>
+                  <a:ea typeface="Microsoft YaHei" panose="020B0503020204020204" pitchFamily="34" charset="-122"/>
+                </a:rPr>
+                <a:t>RNN</a:t>
+              </a:r>
+              <a:r>
+                <a:rPr kumimoji="1" lang="zh-CN" altLang="en-US" sz="1200" dirty="0">
+                  <a:latin typeface="Microsoft YaHei" panose="020B0503020204020204" pitchFamily="34" charset="-122"/>
+                  <a:ea typeface="Microsoft YaHei" panose="020B0503020204020204" pitchFamily="34" charset="-122"/>
+                </a:rPr>
+                <a:t>的历史状态进行衰减，这里和</a:t>
+              </a:r>
+              <a:r>
+                <a:rPr kumimoji="1" lang="en-US" altLang="zh-CN" sz="1200" dirty="0">
+                  <a:latin typeface="Microsoft YaHei" panose="020B0503020204020204" pitchFamily="34" charset="-122"/>
+                  <a:ea typeface="Microsoft YaHei" panose="020B0503020204020204" pitchFamily="34" charset="-122"/>
+                </a:rPr>
+                <a:t>mamba</a:t>
+              </a:r>
+              <a:r>
+                <a:rPr kumimoji="1" lang="zh-CN" altLang="en-US" sz="1200" dirty="0">
+                  <a:latin typeface="Microsoft YaHei" panose="020B0503020204020204" pitchFamily="34" charset="-122"/>
+                  <a:ea typeface="Microsoft YaHei" panose="020B0503020204020204" pitchFamily="34" charset="-122"/>
+                </a:rPr>
+                <a:t>很类似，通过一个双层</a:t>
+              </a:r>
+              <a:r>
+                <a:rPr kumimoji="1" lang="en-US" altLang="zh-CN" sz="1200" dirty="0">
+                  <a:latin typeface="Microsoft YaHei" panose="020B0503020204020204" pitchFamily="34" charset="-122"/>
+                  <a:ea typeface="Microsoft YaHei" panose="020B0503020204020204" pitchFamily="34" charset="-122"/>
+                </a:rPr>
+                <a:t>DNN</a:t>
+              </a:r>
+              <a:r>
+                <a:rPr kumimoji="1" lang="zh-CN" altLang="en-US" sz="1200" dirty="0">
+                  <a:latin typeface="Microsoft YaHei" panose="020B0503020204020204" pitchFamily="34" charset="-122"/>
+                  <a:ea typeface="Microsoft YaHei" panose="020B0503020204020204" pitchFamily="34" charset="-122"/>
+                </a:rPr>
+                <a:t>学习得到。</a:t>
+              </a:r>
+            </a:p>
+          </p:txBody>
+        </p:sp>
+        <p:cxnSp>
+          <p:nvCxnSpPr>
+            <p:cNvPr id="37" name="曲线连接符 36">
+              <a:extLst>
+                <a:ext uri="{FF2B5EF4-FFF2-40B4-BE49-F238E27FC236}">
+                  <a16:creationId xmlns:a16="http://schemas.microsoft.com/office/drawing/2014/main" id="{1F0030D2-7D57-5192-E7A2-06AADDE7B320}"/>
+                </a:ext>
+              </a:extLst>
+            </p:cNvPr>
+            <p:cNvCxnSpPr>
+              <a:cxnSpLocks/>
+              <a:stCxn id="35" idx="2"/>
+              <a:endCxn id="20" idx="0"/>
+            </p:cNvCxnSpPr>
+            <p:nvPr/>
+          </p:nvCxnSpPr>
+          <p:spPr>
+            <a:xfrm rot="5400000">
+              <a:off x="7728820" y="2253190"/>
+              <a:ext cx="734866" cy="745667"/>
+            </a:xfrm>
+            <a:prstGeom prst="curvedConnector3">
+              <a:avLst/>
+            </a:prstGeom>
+            <a:ln>
+              <a:solidFill>
+                <a:schemeClr val="tx1">
+                  <a:lumMod val="50000"/>
+                  <a:lumOff val="50000"/>
+                </a:schemeClr>
+              </a:solidFill>
+              <a:tailEnd type="triangle" w="med" len="lg"/>
+            </a:ln>
+          </p:spPr>
+          <p:style>
+            <a:lnRef idx="2">
+              <a:schemeClr val="accent1"/>
+            </a:lnRef>
+            <a:fillRef idx="0">
+              <a:schemeClr val="accent1"/>
+            </a:fillRef>
+            <a:effectRef idx="1">
+              <a:schemeClr val="accent1"/>
+            </a:effectRef>
+            <a:fontRef idx="minor">
+              <a:schemeClr val="tx1"/>
+            </a:fontRef>
+          </p:style>
+        </p:cxnSp>
+        <mc:AlternateContent xmlns:mc="http://schemas.openxmlformats.org/markup-compatibility/2006">
+          <mc:Choice xmlns:a14="http://schemas.microsoft.com/office/drawing/2010/main" Requires="a14">
+            <p:sp>
+              <p:nvSpPr>
+                <p:cNvPr id="23" name="文本框 22">
+                  <a:extLst>
+                    <a:ext uri="{FF2B5EF4-FFF2-40B4-BE49-F238E27FC236}">
+                      <a16:creationId xmlns:a16="http://schemas.microsoft.com/office/drawing/2014/main" id="{D1AE639A-3924-D84A-2F91-405E4BE32D01}"/>
+                    </a:ext>
+                  </a:extLst>
+                </p:cNvPr>
+                <p:cNvSpPr txBox="1"/>
+                <p:nvPr/>
+              </p:nvSpPr>
+              <p:spPr>
+                <a:xfrm>
+                  <a:off x="7395457" y="3697850"/>
+                  <a:ext cx="861782" cy="396519"/>
+                </a:xfrm>
+                <a:prstGeom prst="rect">
+                  <a:avLst/>
+                </a:prstGeom>
+                <a:noFill/>
+              </p:spPr>
+              <p:txBody>
+                <a:bodyPr wrap="square">
+                  <a:spAutoFit/>
+                </a:bodyPr>
+                <a:lstStyle/>
+                <a:p>
+                  <a:pPr algn="ctr"/>
+                  <a14:m>
+                    <m:oMathPara xmlns:m="http://schemas.openxmlformats.org/officeDocument/2006/math">
+                      <m:oMathParaPr>
+                        <m:jc m:val="centerGroup"/>
+                      </m:oMathParaPr>
+                      <m:oMath xmlns:m="http://schemas.openxmlformats.org/officeDocument/2006/math">
+                        <m:sSub>
+                          <m:sSubPr>
+                            <m:ctrlPr>
+                              <a:rPr kumimoji="1" lang="en-US" altLang="zh-CN" sz="1800" b="0" i="1" smtClean="0">
+                                <a:solidFill>
+                                  <a:schemeClr val="tx1"/>
+                                </a:solidFill>
+                                <a:latin typeface="Cambria Math" panose="02040503050406030204" pitchFamily="18" charset="0"/>
+                                <a:cs typeface="Calibri" panose="020F0502020204030204" pitchFamily="34" charset="0"/>
+                              </a:rPr>
+                            </m:ctrlPr>
+                          </m:sSubPr>
+                          <m:e>
+                            <m:r>
+                              <a:rPr kumimoji="1" lang="en-US" altLang="zh-CN" sz="1800" b="0" i="1" smtClean="0">
+                                <a:solidFill>
+                                  <a:schemeClr val="tx1"/>
+                                </a:solidFill>
+                                <a:latin typeface="Cambria Math" panose="02040503050406030204" pitchFamily="18" charset="0"/>
+                                <a:cs typeface="Calibri" panose="020F0502020204030204" pitchFamily="34" charset="0"/>
+                              </a:rPr>
+                              <m:t>𝑔</m:t>
+                            </m:r>
+                          </m:e>
+                          <m:sub>
+                            <m:sSub>
+                              <m:sSubPr>
+                                <m:ctrlPr>
+                                  <a:rPr kumimoji="1" lang="en-US" altLang="zh-CN" sz="1800" b="0" i="1" smtClean="0">
+                                    <a:solidFill>
+                                      <a:schemeClr val="tx1"/>
+                                    </a:solidFill>
+                                    <a:latin typeface="Cambria Math" panose="02040503050406030204" pitchFamily="18" charset="0"/>
+                                    <a:cs typeface="Calibri" panose="020F0502020204030204" pitchFamily="34" charset="0"/>
+                                  </a:rPr>
+                                </m:ctrlPr>
+                              </m:sSubPr>
+                              <m:e>
+                                <m:r>
+                                  <a:rPr kumimoji="1" lang="en-US" altLang="zh-CN" sz="1800" b="0" i="1" smtClean="0">
+                                    <a:solidFill>
+                                      <a:schemeClr val="tx1"/>
+                                    </a:solidFill>
+                                    <a:latin typeface="Cambria Math" panose="02040503050406030204" pitchFamily="18" charset="0"/>
+                                    <a:cs typeface="Calibri" panose="020F0502020204030204" pitchFamily="34" charset="0"/>
+                                  </a:rPr>
+                                  <m:t>𝑘</m:t>
+                                </m:r>
+                              </m:e>
+                              <m:sub>
+                                <m:r>
+                                  <a:rPr kumimoji="1" lang="en-US" altLang="zh-CN" sz="1800" b="0" i="1" smtClean="0">
+                                    <a:solidFill>
+                                      <a:schemeClr val="tx1"/>
+                                    </a:solidFill>
+                                    <a:latin typeface="Cambria Math" panose="02040503050406030204" pitchFamily="18" charset="0"/>
+                                    <a:cs typeface="Calibri" panose="020F0502020204030204" pitchFamily="34" charset="0"/>
+                                  </a:rPr>
+                                  <m:t>𝑖</m:t>
+                                </m:r>
+                              </m:sub>
+                            </m:sSub>
+                          </m:sub>
+                        </m:sSub>
+                      </m:oMath>
+                    </m:oMathPara>
+                  </a14:m>
+                  <a:endParaRPr kumimoji="1" lang="zh-CN" altLang="en-US" sz="1800" dirty="0">
+                    <a:solidFill>
+                      <a:schemeClr val="tx1"/>
+                    </a:solidFill>
+                    <a:latin typeface="Calibri" panose="020F0502020204030204" pitchFamily="34" charset="0"/>
+                    <a:cs typeface="Calibri" panose="020F0502020204030204" pitchFamily="34" charset="0"/>
+                  </a:endParaRPr>
+                </a:p>
+              </p:txBody>
+            </p:sp>
+          </mc:Choice>
+          <mc:Fallback>
+            <p:sp>
+              <p:nvSpPr>
+                <p:cNvPr id="23" name="文本框 22">
+                  <a:extLst>
+                    <a:ext uri="{FF2B5EF4-FFF2-40B4-BE49-F238E27FC236}">
+                      <a16:creationId xmlns:a16="http://schemas.microsoft.com/office/drawing/2014/main" id="{D1AE639A-3924-D84A-2F91-405E4BE32D01}"/>
+                    </a:ext>
+                  </a:extLst>
+                </p:cNvPr>
+                <p:cNvSpPr txBox="1">
+                  <a:spLocks noRot="1" noChangeAspect="1" noMove="1" noResize="1" noEditPoints="1" noAdjustHandles="1" noChangeArrowheads="1" noChangeShapeType="1" noTextEdit="1"/>
+                </p:cNvSpPr>
+                <p:nvPr/>
+              </p:nvSpPr>
+              <p:spPr>
+                <a:xfrm>
+                  <a:off x="7395457" y="3697850"/>
+                  <a:ext cx="861782" cy="396519"/>
+                </a:xfrm>
+                <a:prstGeom prst="rect">
+                  <a:avLst/>
+                </a:prstGeom>
+                <a:blipFill>
+                  <a:blip r:embed="rId18"/>
+                  <a:stretch>
+                    <a:fillRect b="-6250"/>
+                  </a:stretch>
+                </a:blipFill>
+              </p:spPr>
+              <p:txBody>
+                <a:bodyPr/>
+                <a:lstStyle/>
+                <a:p>
+                  <a:r>
+                    <a:rPr lang="zh-CN" altLang="en-US">
+                      <a:noFill/>
+                    </a:rPr>
+                    <a:t> </a:t>
+                  </a:r>
+                </a:p>
+              </p:txBody>
+            </p:sp>
+          </mc:Fallback>
+        </mc:AlternateContent>
+      </p:grpSp>
     </p:spTree>
     <p:extLst>
       <p:ext uri="{BB962C8B-B14F-4D97-AF65-F5344CB8AC3E}">
@@ -20302,8 +20129,8 @@
           <a:chExt cx="0" cy="0"/>
         </a:xfrm>
       </p:grpSpPr>
-      <mc:AlternateContent xmlns:mc="http://schemas.openxmlformats.org/markup-compatibility/2006" xmlns:a14="http://schemas.microsoft.com/office/drawing/2010/main">
-        <mc:Choice Requires="a14">
+      <mc:AlternateContent xmlns:mc="http://schemas.openxmlformats.org/markup-compatibility/2006">
+        <mc:Choice xmlns:a14="http://schemas.microsoft.com/office/drawing/2010/main" Requires="a14">
           <p:sp>
             <p:nvSpPr>
               <p:cNvPr id="5" name="矩形 4">
@@ -20318,7 +20145,7 @@
             </p:nvSpPr>
             <p:spPr>
               <a:xfrm>
-                <a:off x="2665549" y="3660745"/>
+                <a:off x="1383559" y="3429000"/>
                 <a:ext cx="748937" cy="2203269"/>
               </a:xfrm>
               <a:prstGeom prst="rect">
@@ -20377,7 +20204,7 @@
             </p:txBody>
           </p:sp>
         </mc:Choice>
-        <mc:Fallback xmlns="">
+        <mc:Fallback>
           <p:sp>
             <p:nvSpPr>
               <p:cNvPr id="5" name="矩形 4">
@@ -20394,7 +20221,7 @@
             </p:nvSpPr>
             <p:spPr>
               <a:xfrm>
-                <a:off x="2665549" y="3660745"/>
+                <a:off x="1383559" y="3429000"/>
                 <a:ext cx="748937" cy="2203269"/>
               </a:xfrm>
               <a:prstGeom prst="rect">
@@ -20422,8 +20249,8 @@
           </p:sp>
         </mc:Fallback>
       </mc:AlternateContent>
-      <mc:AlternateContent xmlns:mc="http://schemas.openxmlformats.org/markup-compatibility/2006" xmlns:a14="http://schemas.microsoft.com/office/drawing/2010/main">
-        <mc:Choice Requires="a14">
+      <mc:AlternateContent xmlns:mc="http://schemas.openxmlformats.org/markup-compatibility/2006">
+        <mc:Choice xmlns:a14="http://schemas.microsoft.com/office/drawing/2010/main" Requires="a14">
           <p:sp>
             <p:nvSpPr>
               <p:cNvPr id="6" name="矩形 5">
@@ -20438,7 +20265,7 @@
             </p:nvSpPr>
             <p:spPr>
               <a:xfrm>
-                <a:off x="3549469" y="2569996"/>
+                <a:off x="2169403" y="2544596"/>
                 <a:ext cx="2203269" cy="748938"/>
               </a:xfrm>
               <a:prstGeom prst="rect">
@@ -20497,7 +20324,7 @@
             </p:txBody>
           </p:sp>
         </mc:Choice>
-        <mc:Fallback xmlns="">
+        <mc:Fallback>
           <p:sp>
             <p:nvSpPr>
               <p:cNvPr id="6" name="矩形 5">
@@ -20514,7 +20341,7 @@
             </p:nvSpPr>
             <p:spPr>
               <a:xfrm>
-                <a:off x="3549469" y="2569996"/>
+                <a:off x="2169403" y="2544596"/>
                 <a:ext cx="2203269" cy="748938"/>
               </a:xfrm>
               <a:prstGeom prst="rect">
@@ -20556,7 +20383,7 @@
         </p:nvSpPr>
         <p:spPr>
           <a:xfrm>
-            <a:off x="2665549" y="3897813"/>
+            <a:off x="1383559" y="3666068"/>
             <a:ext cx="348584" cy="157722"/>
           </a:xfrm>
           <a:prstGeom prst="rect">
@@ -20597,8 +20424,8 @@
           </a:p>
         </p:txBody>
       </p:sp>
-      <mc:AlternateContent xmlns:mc="http://schemas.openxmlformats.org/markup-compatibility/2006" xmlns:a14="http://schemas.microsoft.com/office/drawing/2010/main">
-        <mc:Choice Requires="a14">
+      <mc:AlternateContent xmlns:mc="http://schemas.openxmlformats.org/markup-compatibility/2006">
+        <mc:Choice xmlns:a14="http://schemas.microsoft.com/office/drawing/2010/main" Requires="a14">
           <p:sp>
             <p:nvSpPr>
               <p:cNvPr id="3" name="矩形 2">
@@ -20613,7 +20440,7 @@
             </p:nvSpPr>
             <p:spPr>
               <a:xfrm>
-                <a:off x="3549469" y="1714862"/>
+                <a:off x="2169403" y="1689462"/>
                 <a:ext cx="2203269" cy="748938"/>
               </a:xfrm>
               <a:prstGeom prst="rect">
@@ -20672,7 +20499,7 @@
             </p:txBody>
           </p:sp>
         </mc:Choice>
-        <mc:Fallback xmlns="">
+        <mc:Fallback>
           <p:sp>
             <p:nvSpPr>
               <p:cNvPr id="3" name="矩形 2">
@@ -20689,7 +20516,7 @@
             </p:nvSpPr>
             <p:spPr>
               <a:xfrm>
-                <a:off x="3549469" y="1714862"/>
+                <a:off x="2169403" y="1689462"/>
                 <a:ext cx="2203269" cy="748938"/>
               </a:xfrm>
               <a:prstGeom prst="rect">
@@ -20731,7 +20558,7 @@
         </p:nvSpPr>
         <p:spPr>
           <a:xfrm rot="16200000">
-            <a:off x="3740815" y="2665427"/>
+            <a:off x="2360749" y="2640027"/>
             <a:ext cx="348584" cy="157722"/>
           </a:xfrm>
           <a:prstGeom prst="rect">
@@ -20786,7 +20613,7 @@
         </p:nvSpPr>
         <p:spPr>
           <a:xfrm rot="16200000">
-            <a:off x="3740815" y="1817607"/>
+            <a:off x="2360749" y="1792207"/>
             <a:ext cx="348584" cy="157722"/>
           </a:xfrm>
           <a:prstGeom prst="rect">
@@ -20843,7 +20670,7 @@
         </p:nvCxnSpPr>
         <p:spPr>
           <a:xfrm>
-            <a:off x="3993969" y="1722175"/>
+            <a:off x="2613903" y="1696775"/>
             <a:ext cx="0" cy="1592404"/>
           </a:xfrm>
           <a:prstGeom prst="line">
@@ -20865,8 +20692,8 @@
           </a:fontRef>
         </p:style>
       </p:cxnSp>
-      <mc:AlternateContent xmlns:mc="http://schemas.openxmlformats.org/markup-compatibility/2006" xmlns:a14="http://schemas.microsoft.com/office/drawing/2010/main">
-        <mc:Choice Requires="a14">
+      <mc:AlternateContent xmlns:mc="http://schemas.openxmlformats.org/markup-compatibility/2006">
+        <mc:Choice xmlns:a14="http://schemas.microsoft.com/office/drawing/2010/main" Requires="a14">
           <p:sp>
             <p:nvSpPr>
               <p:cNvPr id="45" name="文本框 44">
@@ -20881,7 +20708,7 @@
             </p:nvSpPr>
             <p:spPr>
               <a:xfrm>
-                <a:off x="1744133" y="3853563"/>
+                <a:off x="462143" y="3621818"/>
                 <a:ext cx="812594" cy="246221"/>
               </a:xfrm>
               <a:prstGeom prst="rect">
@@ -20922,7 +20749,7 @@
             </p:txBody>
           </p:sp>
         </mc:Choice>
-        <mc:Fallback xmlns="">
+        <mc:Fallback>
           <p:sp>
             <p:nvSpPr>
               <p:cNvPr id="45" name="文本框 44">
@@ -20939,7 +20766,7 @@
             </p:nvSpPr>
             <p:spPr>
               <a:xfrm>
-                <a:off x="1744133" y="3853563"/>
+                <a:off x="462143" y="3621818"/>
                 <a:ext cx="812594" cy="246221"/>
               </a:xfrm>
               <a:prstGeom prst="rect">
@@ -20948,7 +20775,7 @@
               <a:blipFill>
                 <a:blip r:embed="rId5"/>
                 <a:stretch>
-                  <a:fillRect l="-6154" r="-4615"/>
+                  <a:fillRect l="-4615" r="-4615" b="-5000"/>
                 </a:stretch>
               </a:blipFill>
             </p:spPr>
@@ -20967,8 +20794,8 @@
           </p:sp>
         </mc:Fallback>
       </mc:AlternateContent>
-      <mc:AlternateContent xmlns:mc="http://schemas.openxmlformats.org/markup-compatibility/2006" xmlns:a14="http://schemas.microsoft.com/office/drawing/2010/main">
-        <mc:Choice Requires="a14">
+      <mc:AlternateContent xmlns:mc="http://schemas.openxmlformats.org/markup-compatibility/2006">
+        <mc:Choice xmlns:a14="http://schemas.microsoft.com/office/drawing/2010/main" Requires="a14">
           <p:sp>
             <p:nvSpPr>
               <p:cNvPr id="47" name="文本框 46">
@@ -20983,7 +20810,7 @@
             </p:nvSpPr>
             <p:spPr>
               <a:xfrm>
-                <a:off x="3657601" y="3000245"/>
+                <a:off x="2277535" y="2974845"/>
                 <a:ext cx="812594" cy="246221"/>
               </a:xfrm>
               <a:prstGeom prst="rect">
@@ -21024,7 +20851,7 @@
             </p:txBody>
           </p:sp>
         </mc:Choice>
-        <mc:Fallback xmlns="">
+        <mc:Fallback>
           <p:sp>
             <p:nvSpPr>
               <p:cNvPr id="47" name="文本框 46">
@@ -21041,7 +20868,7 @@
             </p:nvSpPr>
             <p:spPr>
               <a:xfrm>
-                <a:off x="3657601" y="3000245"/>
+                <a:off x="2277535" y="2974845"/>
                 <a:ext cx="812594" cy="246221"/>
               </a:xfrm>
               <a:prstGeom prst="rect">
@@ -21050,7 +20877,7 @@
               <a:blipFill>
                 <a:blip r:embed="rId6"/>
                 <a:stretch>
-                  <a:fillRect l="-6250" r="-6250" b="-5000"/>
+                  <a:fillRect l="-4615" r="-4615" b="-5000"/>
                 </a:stretch>
               </a:blipFill>
             </p:spPr>
@@ -21069,8 +20896,8 @@
           </p:sp>
         </mc:Fallback>
       </mc:AlternateContent>
-      <mc:AlternateContent xmlns:mc="http://schemas.openxmlformats.org/markup-compatibility/2006" xmlns:a14="http://schemas.microsoft.com/office/drawing/2010/main">
-        <mc:Choice Requires="a14">
+      <mc:AlternateContent xmlns:mc="http://schemas.openxmlformats.org/markup-compatibility/2006">
+        <mc:Choice xmlns:a14="http://schemas.microsoft.com/office/drawing/2010/main" Requires="a14">
           <p:sp>
             <p:nvSpPr>
               <p:cNvPr id="48" name="文本框 47">
@@ -21085,7 +20912,7 @@
             </p:nvSpPr>
             <p:spPr>
               <a:xfrm>
-                <a:off x="3295270" y="1526235"/>
+                <a:off x="1915204" y="1500835"/>
                 <a:ext cx="246221" cy="926738"/>
               </a:xfrm>
               <a:prstGeom prst="rect">
@@ -21126,7 +20953,7 @@
             </p:txBody>
           </p:sp>
         </mc:Choice>
-        <mc:Fallback xmlns="">
+        <mc:Fallback>
           <p:sp>
             <p:nvSpPr>
               <p:cNvPr id="48" name="文本框 47">
@@ -21143,7 +20970,7 @@
             </p:nvSpPr>
             <p:spPr>
               <a:xfrm>
-                <a:off x="3295270" y="1526235"/>
+                <a:off x="1915204" y="1500835"/>
                 <a:ext cx="246221" cy="926738"/>
               </a:xfrm>
               <a:prstGeom prst="rect">
@@ -21152,7 +20979,7 @@
               <a:blipFill>
                 <a:blip r:embed="rId7"/>
                 <a:stretch>
-                  <a:fillRect r="-10000"/>
+                  <a:fillRect r="-4762"/>
                 </a:stretch>
               </a:blipFill>
             </p:spPr>
@@ -21171,8 +20998,8 @@
           </p:sp>
         </mc:Fallback>
       </mc:AlternateContent>
-      <mc:AlternateContent xmlns:mc="http://schemas.openxmlformats.org/markup-compatibility/2006" xmlns:a14="http://schemas.microsoft.com/office/drawing/2010/main">
-        <mc:Choice Requires="a14">
+      <mc:AlternateContent xmlns:mc="http://schemas.openxmlformats.org/markup-compatibility/2006">
+        <mc:Choice xmlns:a14="http://schemas.microsoft.com/office/drawing/2010/main" Requires="a14">
           <p:sp>
             <p:nvSpPr>
               <p:cNvPr id="49" name="文本框 48">
@@ -21187,7 +21014,7 @@
             </p:nvSpPr>
             <p:spPr>
               <a:xfrm>
-                <a:off x="5114077" y="1466966"/>
+                <a:off x="3734011" y="1441566"/>
                 <a:ext cx="812594" cy="246221"/>
               </a:xfrm>
               <a:prstGeom prst="rect">
@@ -21228,7 +21055,7 @@
             </p:txBody>
           </p:sp>
         </mc:Choice>
-        <mc:Fallback xmlns="">
+        <mc:Fallback>
           <p:sp>
             <p:nvSpPr>
               <p:cNvPr id="49" name="文本框 48">
@@ -21245,7 +21072,7 @@
             </p:nvSpPr>
             <p:spPr>
               <a:xfrm>
-                <a:off x="5114077" y="1466966"/>
+                <a:off x="3734011" y="1441566"/>
                 <a:ext cx="812594" cy="246221"/>
               </a:xfrm>
               <a:prstGeom prst="rect">
@@ -21254,7 +21081,7 @@
               <a:blipFill>
                 <a:blip r:embed="rId8"/>
                 <a:stretch>
-                  <a:fillRect l="-4615" r="-4615" b="-10000"/>
+                  <a:fillRect l="-6154" r="-3077" b="-10000"/>
                 </a:stretch>
               </a:blipFill>
             </p:spPr>
@@ -21289,7 +21116,7 @@
         </p:nvCxnSpPr>
         <p:spPr>
           <a:xfrm>
-            <a:off x="3527758" y="1424631"/>
+            <a:off x="2147692" y="1399231"/>
             <a:ext cx="2203269" cy="0"/>
           </a:xfrm>
           <a:prstGeom prst="straightConnector1">
@@ -21317,48 +21144,6 @@
           </a:fontRef>
         </p:style>
       </p:cxnSp>
-      <p:sp>
-        <p:nvSpPr>
-          <p:cNvPr id="56" name="文本框 55">
-            <a:extLst>
-              <a:ext uri="{FF2B5EF4-FFF2-40B4-BE49-F238E27FC236}">
-                <a16:creationId xmlns:a16="http://schemas.microsoft.com/office/drawing/2014/main" id="{DE5A3C49-3C47-737C-2697-A500E2FE1132}"/>
-              </a:ext>
-            </a:extLst>
-          </p:cNvPr>
-          <p:cNvSpPr txBox="1"/>
-          <p:nvPr/>
-        </p:nvSpPr>
-        <p:spPr>
-          <a:xfrm>
-            <a:off x="3295270" y="1047348"/>
-            <a:ext cx="2818214" cy="338554"/>
-          </a:xfrm>
-          <a:prstGeom prst="rect">
-            <a:avLst/>
-          </a:prstGeom>
-          <a:noFill/>
-        </p:spPr>
-        <p:txBody>
-          <a:bodyPr wrap="square" rtlCol="0">
-            <a:spAutoFit/>
-          </a:bodyPr>
-          <a:lstStyle/>
-          <a:p>
-            <a:r>
-              <a:rPr kumimoji="1" lang="zh-CN" altLang="en-US" sz="1600" i="1" dirty="0">
-                <a:solidFill>
-                  <a:schemeClr val="tx1">
-                    <a:lumMod val="50000"/>
-                    <a:lumOff val="50000"/>
-                  </a:schemeClr>
-                </a:solidFill>
-              </a:rPr>
-              <a:t>在序列长度方向循环</a:t>
-            </a:r>
-          </a:p>
-        </p:txBody>
-      </p:sp>
       <p:cxnSp>
         <p:nvCxnSpPr>
           <p:cNvPr id="57" name="直线箭头连接符 56">
@@ -21375,7 +21160,7 @@
         </p:nvCxnSpPr>
         <p:spPr>
           <a:xfrm>
-            <a:off x="2571127" y="3660745"/>
+            <a:off x="1289137" y="3429000"/>
             <a:ext cx="0" cy="2203269"/>
           </a:xfrm>
           <a:prstGeom prst="straightConnector1">
@@ -21419,7 +21204,7 @@
         </p:nvCxnSpPr>
         <p:spPr>
           <a:xfrm>
-            <a:off x="3236003" y="1726981"/>
+            <a:off x="1855937" y="1701581"/>
             <a:ext cx="0" cy="338972"/>
           </a:xfrm>
           <a:prstGeom prst="straightConnector1">
@@ -21461,7 +21246,7 @@
         </p:nvSpPr>
         <p:spPr>
           <a:xfrm>
-            <a:off x="3836246" y="708794"/>
+            <a:off x="2348815" y="1039388"/>
             <a:ext cx="1477561" cy="338554"/>
           </a:xfrm>
           <a:prstGeom prst="rect">
@@ -21521,7 +21306,7 @@
         </p:nvSpPr>
         <p:spPr>
           <a:xfrm>
-            <a:off x="2798689" y="1391459"/>
+            <a:off x="1418623" y="1366059"/>
             <a:ext cx="430887" cy="1553006"/>
           </a:xfrm>
           <a:prstGeom prst="rect">
@@ -21567,6 +21352,1811 @@
           </a:p>
         </p:txBody>
       </p:sp>
+      <p:grpSp>
+        <p:nvGrpSpPr>
+          <p:cNvPr id="37" name="组合 36">
+            <a:extLst>
+              <a:ext uri="{FF2B5EF4-FFF2-40B4-BE49-F238E27FC236}">
+                <a16:creationId xmlns:a16="http://schemas.microsoft.com/office/drawing/2014/main" id="{07C652CD-4EF6-1117-AC22-0F8187B83FF3}"/>
+              </a:ext>
+            </a:extLst>
+          </p:cNvPr>
+          <p:cNvGrpSpPr/>
+          <p:nvPr/>
+        </p:nvGrpSpPr>
+        <p:grpSpPr>
+          <a:xfrm>
+            <a:off x="4829869" y="1399231"/>
+            <a:ext cx="2230778" cy="3255178"/>
+            <a:chOff x="5672670" y="1764512"/>
+            <a:chExt cx="2230778" cy="3255178"/>
+          </a:xfrm>
+        </p:grpSpPr>
+        <mc:AlternateContent xmlns:mc="http://schemas.openxmlformats.org/markup-compatibility/2006">
+          <mc:Choice xmlns:a14="http://schemas.microsoft.com/office/drawing/2010/main" Requires="a14">
+            <p:sp>
+              <p:nvSpPr>
+                <p:cNvPr id="2" name="矩形 1">
+                  <a:extLst>
+                    <a:ext uri="{FF2B5EF4-FFF2-40B4-BE49-F238E27FC236}">
+                      <a16:creationId xmlns:a16="http://schemas.microsoft.com/office/drawing/2014/main" id="{28F93C71-B801-CD29-401D-14480530BD80}"/>
+                    </a:ext>
+                  </a:extLst>
+                </p:cNvPr>
+                <p:cNvSpPr/>
+                <p:nvPr/>
+              </p:nvSpPr>
+              <p:spPr>
+                <a:xfrm>
+                  <a:off x="6007766" y="2027667"/>
+                  <a:ext cx="994168" cy="384202"/>
+                </a:xfrm>
+                <a:prstGeom prst="rect">
+                  <a:avLst/>
+                </a:prstGeom>
+                <a:solidFill>
+                  <a:schemeClr val="accent5">
+                    <a:lumMod val="20000"/>
+                    <a:lumOff val="80000"/>
+                  </a:schemeClr>
+                </a:solidFill>
+              </p:spPr>
+              <p:style>
+                <a:lnRef idx="2">
+                  <a:schemeClr val="accent1">
+                    <a:shade val="15000"/>
+                  </a:schemeClr>
+                </a:lnRef>
+                <a:fillRef idx="1">
+                  <a:schemeClr val="accent1"/>
+                </a:fillRef>
+                <a:effectRef idx="0">
+                  <a:schemeClr val="accent1"/>
+                </a:effectRef>
+                <a:fontRef idx="minor">
+                  <a:schemeClr val="lt1"/>
+                </a:fontRef>
+              </p:style>
+              <p:txBody>
+                <a:bodyPr rtlCol="0" anchor="ctr"/>
+                <a:lstStyle/>
+                <a:p>
+                  <a:pPr algn="ctr"/>
+                  <a14:m>
+                    <m:oMathPara xmlns:m="http://schemas.openxmlformats.org/officeDocument/2006/math">
+                      <m:oMathParaPr>
+                        <m:jc m:val="centerGroup"/>
+                      </m:oMathParaPr>
+                      <m:oMath xmlns:m="http://schemas.openxmlformats.org/officeDocument/2006/math">
+                        <m:r>
+                          <a:rPr kumimoji="1" lang="en-US" altLang="zh-CN" b="0" i="1" smtClean="0">
+                            <a:solidFill>
+                              <a:schemeClr val="tx1"/>
+                            </a:solidFill>
+                            <a:latin typeface="Cambria Math" panose="02040503050406030204" pitchFamily="18" charset="0"/>
+                            <a:cs typeface="Calibri" panose="020F0502020204030204" pitchFamily="34" charset="0"/>
+                          </a:rPr>
+                          <m:t>𝑏</m:t>
+                        </m:r>
+                        <m:r>
+                          <a:rPr kumimoji="1" lang="en-US" altLang="zh-CN" b="0" i="1" smtClean="0">
+                            <a:solidFill>
+                              <a:schemeClr val="tx1"/>
+                            </a:solidFill>
+                            <a:latin typeface="Cambria Math" panose="02040503050406030204" pitchFamily="18" charset="0"/>
+                            <a:cs typeface="Calibri" panose="020F0502020204030204" pitchFamily="34" charset="0"/>
+                          </a:rPr>
+                          <m:t>_</m:t>
+                        </m:r>
+                        <m:r>
+                          <a:rPr kumimoji="1" lang="en-US" altLang="zh-CN" b="0" i="1" smtClean="0">
+                            <a:solidFill>
+                              <a:schemeClr val="tx1"/>
+                            </a:solidFill>
+                            <a:latin typeface="Cambria Math" panose="02040503050406030204" pitchFamily="18" charset="0"/>
+                            <a:cs typeface="Calibri" panose="020F0502020204030204" pitchFamily="34" charset="0"/>
+                          </a:rPr>
+                          <m:t>𝑘</m:t>
+                        </m:r>
+                      </m:oMath>
+                    </m:oMathPara>
+                  </a14:m>
+                  <a:endParaRPr kumimoji="1" lang="zh-CN" altLang="en-US" dirty="0">
+                    <a:solidFill>
+                      <a:schemeClr val="tx1"/>
+                    </a:solidFill>
+                    <a:latin typeface="Calibri" panose="020F0502020204030204" pitchFamily="34" charset="0"/>
+                    <a:cs typeface="Calibri" panose="020F0502020204030204" pitchFamily="34" charset="0"/>
+                  </a:endParaRPr>
+                </a:p>
+              </p:txBody>
+            </p:sp>
+          </mc:Choice>
+          <mc:Fallback>
+            <p:sp>
+              <p:nvSpPr>
+                <p:cNvPr id="2" name="矩形 1">
+                  <a:extLst>
+                    <a:ext uri="{FF2B5EF4-FFF2-40B4-BE49-F238E27FC236}">
+                      <a16:creationId xmlns:a16="http://schemas.microsoft.com/office/drawing/2014/main" id="{28F93C71-B801-CD29-401D-14480530BD80}"/>
+                    </a:ext>
+                  </a:extLst>
+                </p:cNvPr>
+                <p:cNvSpPr>
+                  <a:spLocks noRot="1" noChangeAspect="1" noMove="1" noResize="1" noEditPoints="1" noAdjustHandles="1" noChangeArrowheads="1" noChangeShapeType="1" noTextEdit="1"/>
+                </p:cNvSpPr>
+                <p:nvPr/>
+              </p:nvSpPr>
+              <p:spPr>
+                <a:xfrm>
+                  <a:off x="6007766" y="2027667"/>
+                  <a:ext cx="994168" cy="384202"/>
+                </a:xfrm>
+                <a:prstGeom prst="rect">
+                  <a:avLst/>
+                </a:prstGeom>
+                <a:blipFill>
+                  <a:blip r:embed="rId9"/>
+                  <a:stretch>
+                    <a:fillRect/>
+                  </a:stretch>
+                </a:blipFill>
+              </p:spPr>
+              <p:txBody>
+                <a:bodyPr/>
+                <a:lstStyle/>
+                <a:p>
+                  <a:r>
+                    <a:rPr lang="zh-CN" altLang="en-US">
+                      <a:noFill/>
+                    </a:rPr>
+                    <a:t> </a:t>
+                  </a:r>
+                </a:p>
+              </p:txBody>
+            </p:sp>
+          </mc:Fallback>
+        </mc:AlternateContent>
+        <mc:AlternateContent xmlns:mc="http://schemas.openxmlformats.org/markup-compatibility/2006">
+          <mc:Choice xmlns:a14="http://schemas.microsoft.com/office/drawing/2010/main" Requires="a14">
+            <p:sp>
+              <p:nvSpPr>
+                <p:cNvPr id="7" name="文本框 6">
+                  <a:extLst>
+                    <a:ext uri="{FF2B5EF4-FFF2-40B4-BE49-F238E27FC236}">
+                      <a16:creationId xmlns:a16="http://schemas.microsoft.com/office/drawing/2014/main" id="{1E59D4B0-74ED-9E67-9BB0-8C8A1535BC90}"/>
+                    </a:ext>
+                  </a:extLst>
+                </p:cNvPr>
+                <p:cNvSpPr txBox="1"/>
+                <p:nvPr/>
+              </p:nvSpPr>
+              <p:spPr>
+                <a:xfrm>
+                  <a:off x="5672670" y="2122058"/>
+                  <a:ext cx="317074" cy="246221"/>
+                </a:xfrm>
+                <a:prstGeom prst="rect">
+                  <a:avLst/>
+                </a:prstGeom>
+                <a:noFill/>
+              </p:spPr>
+              <p:txBody>
+                <a:bodyPr wrap="none" lIns="0" tIns="0" rIns="0" bIns="0" rtlCol="0">
+                  <a:spAutoFit/>
+                </a:bodyPr>
+                <a:lstStyle/>
+                <a:p>
+                  <a:pPr/>
+                  <a14:m>
+                    <m:oMathPara xmlns:m="http://schemas.openxmlformats.org/officeDocument/2006/math">
+                      <m:oMathParaPr>
+                        <m:jc m:val="centerGroup"/>
+                      </m:oMathParaPr>
+                      <m:oMath xmlns:m="http://schemas.openxmlformats.org/officeDocument/2006/math">
+                        <m:r>
+                          <a:rPr kumimoji="1" lang="en-US" altLang="zh-CN" sz="1600" b="0" i="1" smtClean="0">
+                            <a:latin typeface="Cambria Math" panose="02040503050406030204" pitchFamily="18" charset="0"/>
+                          </a:rPr>
+                          <m:t>𝐵𝑇</m:t>
+                        </m:r>
+                      </m:oMath>
+                    </m:oMathPara>
+                  </a14:m>
+                  <a:endParaRPr kumimoji="1" lang="zh-CN" altLang="en-US" sz="1600" dirty="0"/>
+                </a:p>
+              </p:txBody>
+            </p:sp>
+          </mc:Choice>
+          <mc:Fallback>
+            <p:sp>
+              <p:nvSpPr>
+                <p:cNvPr id="7" name="文本框 6">
+                  <a:extLst>
+                    <a:ext uri="{FF2B5EF4-FFF2-40B4-BE49-F238E27FC236}">
+                      <a16:creationId xmlns:a16="http://schemas.microsoft.com/office/drawing/2014/main" id="{1E59D4B0-74ED-9E67-9BB0-8C8A1535BC90}"/>
+                    </a:ext>
+                  </a:extLst>
+                </p:cNvPr>
+                <p:cNvSpPr txBox="1">
+                  <a:spLocks noRot="1" noChangeAspect="1" noMove="1" noResize="1" noEditPoints="1" noAdjustHandles="1" noChangeArrowheads="1" noChangeShapeType="1" noTextEdit="1"/>
+                </p:cNvSpPr>
+                <p:nvPr/>
+              </p:nvSpPr>
+              <p:spPr>
+                <a:xfrm>
+                  <a:off x="5672670" y="2122058"/>
+                  <a:ext cx="317074" cy="246221"/>
+                </a:xfrm>
+                <a:prstGeom prst="rect">
+                  <a:avLst/>
+                </a:prstGeom>
+                <a:blipFill>
+                  <a:blip r:embed="rId10"/>
+                  <a:stretch>
+                    <a:fillRect l="-15385" r="-11538" b="-5000"/>
+                  </a:stretch>
+                </a:blipFill>
+              </p:spPr>
+              <p:txBody>
+                <a:bodyPr/>
+                <a:lstStyle/>
+                <a:p>
+                  <a:r>
+                    <a:rPr lang="zh-CN" altLang="en-US">
+                      <a:noFill/>
+                    </a:rPr>
+                    <a:t> </a:t>
+                  </a:r>
+                </a:p>
+              </p:txBody>
+            </p:sp>
+          </mc:Fallback>
+        </mc:AlternateContent>
+        <mc:AlternateContent xmlns:mc="http://schemas.openxmlformats.org/markup-compatibility/2006">
+          <mc:Choice xmlns:a14="http://schemas.microsoft.com/office/drawing/2010/main" Requires="a14">
+            <p:sp>
+              <p:nvSpPr>
+                <p:cNvPr id="8" name="文本框 7">
+                  <a:extLst>
+                    <a:ext uri="{FF2B5EF4-FFF2-40B4-BE49-F238E27FC236}">
+                      <a16:creationId xmlns:a16="http://schemas.microsoft.com/office/drawing/2014/main" id="{0A9CA15D-ED3A-0A8F-7404-0757D2CC5207}"/>
+                    </a:ext>
+                  </a:extLst>
+                </p:cNvPr>
+                <p:cNvSpPr txBox="1"/>
+                <p:nvPr/>
+              </p:nvSpPr>
+              <p:spPr>
+                <a:xfrm>
+                  <a:off x="6346313" y="1764512"/>
+                  <a:ext cx="339645" cy="246221"/>
+                </a:xfrm>
+                <a:prstGeom prst="rect">
+                  <a:avLst/>
+                </a:prstGeom>
+                <a:noFill/>
+              </p:spPr>
+              <p:txBody>
+                <a:bodyPr wrap="none" lIns="0" tIns="0" rIns="0" bIns="0" rtlCol="0">
+                  <a:spAutoFit/>
+                </a:bodyPr>
+                <a:lstStyle/>
+                <a:p>
+                  <a:pPr/>
+                  <a14:m>
+                    <m:oMathPara xmlns:m="http://schemas.openxmlformats.org/officeDocument/2006/math">
+                      <m:oMathParaPr>
+                        <m:jc m:val="centerGroup"/>
+                      </m:oMathParaPr>
+                      <m:oMath xmlns:m="http://schemas.openxmlformats.org/officeDocument/2006/math">
+                        <m:r>
+                          <a:rPr kumimoji="1" lang="en-US" altLang="zh-CN" sz="1600" b="0" i="1" smtClean="0">
+                            <a:latin typeface="Cambria Math" panose="02040503050406030204" pitchFamily="18" charset="0"/>
+                          </a:rPr>
+                          <m:t>𝐵𝐾</m:t>
+                        </m:r>
+                      </m:oMath>
+                    </m:oMathPara>
+                  </a14:m>
+                  <a:endParaRPr kumimoji="1" lang="zh-CN" altLang="en-US" sz="1600" dirty="0"/>
+                </a:p>
+              </p:txBody>
+            </p:sp>
+          </mc:Choice>
+          <mc:Fallback>
+            <p:sp>
+              <p:nvSpPr>
+                <p:cNvPr id="8" name="文本框 7">
+                  <a:extLst>
+                    <a:ext uri="{FF2B5EF4-FFF2-40B4-BE49-F238E27FC236}">
+                      <a16:creationId xmlns:a16="http://schemas.microsoft.com/office/drawing/2014/main" id="{0A9CA15D-ED3A-0A8F-7404-0757D2CC5207}"/>
+                    </a:ext>
+                  </a:extLst>
+                </p:cNvPr>
+                <p:cNvSpPr txBox="1">
+                  <a:spLocks noRot="1" noChangeAspect="1" noMove="1" noResize="1" noEditPoints="1" noAdjustHandles="1" noChangeArrowheads="1" noChangeShapeType="1" noTextEdit="1"/>
+                </p:cNvSpPr>
+                <p:nvPr/>
+              </p:nvSpPr>
+              <p:spPr>
+                <a:xfrm>
+                  <a:off x="6346313" y="1764512"/>
+                  <a:ext cx="339645" cy="246221"/>
+                </a:xfrm>
+                <a:prstGeom prst="rect">
+                  <a:avLst/>
+                </a:prstGeom>
+                <a:blipFill>
+                  <a:blip r:embed="rId11"/>
+                  <a:stretch>
+                    <a:fillRect l="-10714" r="-10714" b="-10000"/>
+                  </a:stretch>
+                </a:blipFill>
+              </p:spPr>
+              <p:txBody>
+                <a:bodyPr/>
+                <a:lstStyle/>
+                <a:p>
+                  <a:r>
+                    <a:rPr lang="zh-CN" altLang="en-US">
+                      <a:noFill/>
+                    </a:rPr>
+                    <a:t> </a:t>
+                  </a:r>
+                </a:p>
+              </p:txBody>
+            </p:sp>
+          </mc:Fallback>
+        </mc:AlternateContent>
+        <p:grpSp>
+          <p:nvGrpSpPr>
+            <p:cNvPr id="13" name="组合 12">
+              <a:extLst>
+                <a:ext uri="{FF2B5EF4-FFF2-40B4-BE49-F238E27FC236}">
+                  <a16:creationId xmlns:a16="http://schemas.microsoft.com/office/drawing/2014/main" id="{05B0CA56-B3C2-C141-29FA-BB5F7AAD53F8}"/>
+                </a:ext>
+              </a:extLst>
+            </p:cNvPr>
+            <p:cNvGrpSpPr/>
+            <p:nvPr/>
+          </p:nvGrpSpPr>
+          <p:grpSpPr>
+            <a:xfrm>
+              <a:off x="5681681" y="2450598"/>
+              <a:ext cx="1329264" cy="647357"/>
+              <a:chOff x="7239003" y="1241519"/>
+              <a:chExt cx="1329264" cy="647357"/>
+            </a:xfrm>
+          </p:grpSpPr>
+          <mc:AlternateContent xmlns:mc="http://schemas.openxmlformats.org/markup-compatibility/2006">
+            <mc:Choice xmlns:a14="http://schemas.microsoft.com/office/drawing/2010/main" Requires="a14">
+              <p:sp>
+                <p:nvSpPr>
+                  <p:cNvPr id="9" name="矩形 8">
+                    <a:extLst>
+                      <a:ext uri="{FF2B5EF4-FFF2-40B4-BE49-F238E27FC236}">
+                        <a16:creationId xmlns:a16="http://schemas.microsoft.com/office/drawing/2014/main" id="{B6F22890-ADFB-3AE9-5BB0-754F77B91AE4}"/>
+                      </a:ext>
+                    </a:extLst>
+                  </p:cNvPr>
+                  <p:cNvSpPr/>
+                  <p:nvPr/>
+                </p:nvSpPr>
+                <p:spPr>
+                  <a:xfrm>
+                    <a:off x="7574099" y="1504674"/>
+                    <a:ext cx="994168" cy="384202"/>
+                  </a:xfrm>
+                  <a:prstGeom prst="rect">
+                    <a:avLst/>
+                  </a:prstGeom>
+                  <a:solidFill>
+                    <a:schemeClr val="accent5">
+                      <a:lumMod val="20000"/>
+                      <a:lumOff val="80000"/>
+                    </a:schemeClr>
+                  </a:solidFill>
+                </p:spPr>
+                <p:style>
+                  <a:lnRef idx="2">
+                    <a:schemeClr val="accent1">
+                      <a:shade val="15000"/>
+                    </a:schemeClr>
+                  </a:lnRef>
+                  <a:fillRef idx="1">
+                    <a:schemeClr val="accent1"/>
+                  </a:fillRef>
+                  <a:effectRef idx="0">
+                    <a:schemeClr val="accent1"/>
+                  </a:effectRef>
+                  <a:fontRef idx="minor">
+                    <a:schemeClr val="lt1"/>
+                  </a:fontRef>
+                </p:style>
+                <p:txBody>
+                  <a:bodyPr rtlCol="0" anchor="ctr"/>
+                  <a:lstStyle/>
+                  <a:p>
+                    <a:pPr algn="ctr"/>
+                    <a14:m>
+                      <m:oMathPara xmlns:m="http://schemas.openxmlformats.org/officeDocument/2006/math">
+                        <m:oMathParaPr>
+                          <m:jc m:val="centerGroup"/>
+                        </m:oMathParaPr>
+                        <m:oMath xmlns:m="http://schemas.openxmlformats.org/officeDocument/2006/math">
+                          <m:r>
+                            <a:rPr kumimoji="1" lang="en-US" altLang="zh-CN" b="0" i="1" smtClean="0">
+                              <a:solidFill>
+                                <a:schemeClr val="tx1"/>
+                              </a:solidFill>
+                              <a:latin typeface="Cambria Math" panose="02040503050406030204" pitchFamily="18" charset="0"/>
+                              <a:cs typeface="Calibri" panose="020F0502020204030204" pitchFamily="34" charset="0"/>
+                            </a:rPr>
+                            <m:t>𝑏</m:t>
+                          </m:r>
+                          <m:r>
+                            <a:rPr kumimoji="1" lang="en-US" altLang="zh-CN" b="0" i="1" smtClean="0">
+                              <a:solidFill>
+                                <a:schemeClr val="tx1"/>
+                              </a:solidFill>
+                              <a:latin typeface="Cambria Math" panose="02040503050406030204" pitchFamily="18" charset="0"/>
+                              <a:cs typeface="Calibri" panose="020F0502020204030204" pitchFamily="34" charset="0"/>
+                            </a:rPr>
+                            <m:t>_</m:t>
+                          </m:r>
+                          <m:r>
+                            <a:rPr kumimoji="1" lang="en-US" altLang="zh-CN" b="0" i="1" smtClean="0">
+                              <a:solidFill>
+                                <a:schemeClr val="tx1"/>
+                              </a:solidFill>
+                              <a:latin typeface="Cambria Math" panose="02040503050406030204" pitchFamily="18" charset="0"/>
+                              <a:cs typeface="Calibri" panose="020F0502020204030204" pitchFamily="34" charset="0"/>
+                            </a:rPr>
+                            <m:t>𝑔</m:t>
+                          </m:r>
+                        </m:oMath>
+                      </m:oMathPara>
+                    </a14:m>
+                    <a:endParaRPr kumimoji="1" lang="zh-CN" altLang="en-US" dirty="0">
+                      <a:solidFill>
+                        <a:schemeClr val="tx1"/>
+                      </a:solidFill>
+                      <a:latin typeface="Calibri" panose="020F0502020204030204" pitchFamily="34" charset="0"/>
+                      <a:cs typeface="Calibri" panose="020F0502020204030204" pitchFamily="34" charset="0"/>
+                    </a:endParaRPr>
+                  </a:p>
+                </p:txBody>
+              </p:sp>
+            </mc:Choice>
+            <mc:Fallback>
+              <p:sp>
+                <p:nvSpPr>
+                  <p:cNvPr id="9" name="矩形 8">
+                    <a:extLst>
+                      <a:ext uri="{FF2B5EF4-FFF2-40B4-BE49-F238E27FC236}">
+                        <a16:creationId xmlns:a16="http://schemas.microsoft.com/office/drawing/2014/main" id="{B6F22890-ADFB-3AE9-5BB0-754F77B91AE4}"/>
+                      </a:ext>
+                    </a:extLst>
+                  </p:cNvPr>
+                  <p:cNvSpPr>
+                    <a:spLocks noRot="1" noChangeAspect="1" noMove="1" noResize="1" noEditPoints="1" noAdjustHandles="1" noChangeArrowheads="1" noChangeShapeType="1" noTextEdit="1"/>
+                  </p:cNvSpPr>
+                  <p:nvPr/>
+                </p:nvSpPr>
+                <p:spPr>
+                  <a:xfrm>
+                    <a:off x="7574099" y="1504674"/>
+                    <a:ext cx="994168" cy="384202"/>
+                  </a:xfrm>
+                  <a:prstGeom prst="rect">
+                    <a:avLst/>
+                  </a:prstGeom>
+                  <a:blipFill>
+                    <a:blip r:embed="rId12"/>
+                    <a:stretch>
+                      <a:fillRect/>
+                    </a:stretch>
+                  </a:blipFill>
+                </p:spPr>
+                <p:txBody>
+                  <a:bodyPr/>
+                  <a:lstStyle/>
+                  <a:p>
+                    <a:r>
+                      <a:rPr lang="zh-CN" altLang="en-US">
+                        <a:noFill/>
+                      </a:rPr>
+                      <a:t> </a:t>
+                    </a:r>
+                  </a:p>
+                </p:txBody>
+              </p:sp>
+            </mc:Fallback>
+          </mc:AlternateContent>
+          <mc:AlternateContent xmlns:mc="http://schemas.openxmlformats.org/markup-compatibility/2006">
+            <mc:Choice xmlns:a14="http://schemas.microsoft.com/office/drawing/2010/main" Requires="a14">
+              <p:sp>
+                <p:nvSpPr>
+                  <p:cNvPr id="11" name="文本框 10">
+                    <a:extLst>
+                      <a:ext uri="{FF2B5EF4-FFF2-40B4-BE49-F238E27FC236}">
+                        <a16:creationId xmlns:a16="http://schemas.microsoft.com/office/drawing/2014/main" id="{70D2C761-2654-16E1-49FE-B7FC09A8E006}"/>
+                      </a:ext>
+                    </a:extLst>
+                  </p:cNvPr>
+                  <p:cNvSpPr txBox="1"/>
+                  <p:nvPr/>
+                </p:nvSpPr>
+                <p:spPr>
+                  <a:xfrm>
+                    <a:off x="7239003" y="1599065"/>
+                    <a:ext cx="317074" cy="246221"/>
+                  </a:xfrm>
+                  <a:prstGeom prst="rect">
+                    <a:avLst/>
+                  </a:prstGeom>
+                  <a:noFill/>
+                </p:spPr>
+                <p:txBody>
+                  <a:bodyPr wrap="none" lIns="0" tIns="0" rIns="0" bIns="0" rtlCol="0">
+                    <a:spAutoFit/>
+                  </a:bodyPr>
+                  <a:lstStyle/>
+                  <a:p>
+                    <a:pPr/>
+                    <a14:m>
+                      <m:oMathPara xmlns:m="http://schemas.openxmlformats.org/officeDocument/2006/math">
+                        <m:oMathParaPr>
+                          <m:jc m:val="centerGroup"/>
+                        </m:oMathParaPr>
+                        <m:oMath xmlns:m="http://schemas.openxmlformats.org/officeDocument/2006/math">
+                          <m:r>
+                            <a:rPr kumimoji="1" lang="en-US" altLang="zh-CN" sz="1600" b="0" i="1" smtClean="0">
+                              <a:latin typeface="Cambria Math" panose="02040503050406030204" pitchFamily="18" charset="0"/>
+                            </a:rPr>
+                            <m:t>𝐵𝑇</m:t>
+                          </m:r>
+                        </m:oMath>
+                      </m:oMathPara>
+                    </a14:m>
+                    <a:endParaRPr kumimoji="1" lang="zh-CN" altLang="en-US" sz="1600" dirty="0"/>
+                  </a:p>
+                </p:txBody>
+              </p:sp>
+            </mc:Choice>
+            <mc:Fallback>
+              <p:sp>
+                <p:nvSpPr>
+                  <p:cNvPr id="11" name="文本框 10">
+                    <a:extLst>
+                      <a:ext uri="{FF2B5EF4-FFF2-40B4-BE49-F238E27FC236}">
+                        <a16:creationId xmlns:a16="http://schemas.microsoft.com/office/drawing/2014/main" id="{70D2C761-2654-16E1-49FE-B7FC09A8E006}"/>
+                      </a:ext>
+                    </a:extLst>
+                  </p:cNvPr>
+                  <p:cNvSpPr txBox="1">
+                    <a:spLocks noRot="1" noChangeAspect="1" noMove="1" noResize="1" noEditPoints="1" noAdjustHandles="1" noChangeArrowheads="1" noChangeShapeType="1" noTextEdit="1"/>
+                  </p:cNvSpPr>
+                  <p:nvPr/>
+                </p:nvSpPr>
+                <p:spPr>
+                  <a:xfrm>
+                    <a:off x="7239003" y="1599065"/>
+                    <a:ext cx="317074" cy="246221"/>
+                  </a:xfrm>
+                  <a:prstGeom prst="rect">
+                    <a:avLst/>
+                  </a:prstGeom>
+                  <a:blipFill>
+                    <a:blip r:embed="rId13"/>
+                    <a:stretch>
+                      <a:fillRect l="-15385" r="-7692" b="-10000"/>
+                    </a:stretch>
+                  </a:blipFill>
+                </p:spPr>
+                <p:txBody>
+                  <a:bodyPr/>
+                  <a:lstStyle/>
+                  <a:p>
+                    <a:r>
+                      <a:rPr lang="zh-CN" altLang="en-US">
+                        <a:noFill/>
+                      </a:rPr>
+                      <a:t> </a:t>
+                    </a:r>
+                  </a:p>
+                </p:txBody>
+              </p:sp>
+            </mc:Fallback>
+          </mc:AlternateContent>
+          <mc:AlternateContent xmlns:mc="http://schemas.openxmlformats.org/markup-compatibility/2006">
+            <mc:Choice xmlns:a14="http://schemas.microsoft.com/office/drawing/2010/main" Requires="a14">
+              <p:sp>
+                <p:nvSpPr>
+                  <p:cNvPr id="12" name="文本框 11">
+                    <a:extLst>
+                      <a:ext uri="{FF2B5EF4-FFF2-40B4-BE49-F238E27FC236}">
+                        <a16:creationId xmlns:a16="http://schemas.microsoft.com/office/drawing/2014/main" id="{8C8E3656-C13B-C671-8DEA-6310036FF217}"/>
+                      </a:ext>
+                    </a:extLst>
+                  </p:cNvPr>
+                  <p:cNvSpPr txBox="1"/>
+                  <p:nvPr/>
+                </p:nvSpPr>
+                <p:spPr>
+                  <a:xfrm>
+                    <a:off x="7912646" y="1241519"/>
+                    <a:ext cx="339645" cy="246221"/>
+                  </a:xfrm>
+                  <a:prstGeom prst="rect">
+                    <a:avLst/>
+                  </a:prstGeom>
+                  <a:noFill/>
+                </p:spPr>
+                <p:txBody>
+                  <a:bodyPr wrap="none" lIns="0" tIns="0" rIns="0" bIns="0" rtlCol="0">
+                    <a:spAutoFit/>
+                  </a:bodyPr>
+                  <a:lstStyle/>
+                  <a:p>
+                    <a:pPr/>
+                    <a14:m>
+                      <m:oMathPara xmlns:m="http://schemas.openxmlformats.org/officeDocument/2006/math">
+                        <m:oMathParaPr>
+                          <m:jc m:val="centerGroup"/>
+                        </m:oMathParaPr>
+                        <m:oMath xmlns:m="http://schemas.openxmlformats.org/officeDocument/2006/math">
+                          <m:r>
+                            <a:rPr kumimoji="1" lang="en-US" altLang="zh-CN" sz="1600" b="0" i="1" smtClean="0">
+                              <a:latin typeface="Cambria Math" panose="02040503050406030204" pitchFamily="18" charset="0"/>
+                            </a:rPr>
+                            <m:t>𝐵𝐾</m:t>
+                          </m:r>
+                        </m:oMath>
+                      </m:oMathPara>
+                    </a14:m>
+                    <a:endParaRPr kumimoji="1" lang="zh-CN" altLang="en-US" sz="1600" dirty="0"/>
+                  </a:p>
+                </p:txBody>
+              </p:sp>
+            </mc:Choice>
+            <mc:Fallback>
+              <p:sp>
+                <p:nvSpPr>
+                  <p:cNvPr id="12" name="文本框 11">
+                    <a:extLst>
+                      <a:ext uri="{FF2B5EF4-FFF2-40B4-BE49-F238E27FC236}">
+                        <a16:creationId xmlns:a16="http://schemas.microsoft.com/office/drawing/2014/main" id="{8C8E3656-C13B-C671-8DEA-6310036FF217}"/>
+                      </a:ext>
+                    </a:extLst>
+                  </p:cNvPr>
+                  <p:cNvSpPr txBox="1">
+                    <a:spLocks noRot="1" noChangeAspect="1" noMove="1" noResize="1" noEditPoints="1" noAdjustHandles="1" noChangeArrowheads="1" noChangeShapeType="1" noTextEdit="1"/>
+                  </p:cNvSpPr>
+                  <p:nvPr/>
+                </p:nvSpPr>
+                <p:spPr>
+                  <a:xfrm>
+                    <a:off x="7912646" y="1241519"/>
+                    <a:ext cx="339645" cy="246221"/>
+                  </a:xfrm>
+                  <a:prstGeom prst="rect">
+                    <a:avLst/>
+                  </a:prstGeom>
+                  <a:blipFill>
+                    <a:blip r:embed="rId14"/>
+                    <a:stretch>
+                      <a:fillRect l="-10714" r="-10714" b="-5000"/>
+                    </a:stretch>
+                  </a:blipFill>
+                </p:spPr>
+                <p:txBody>
+                  <a:bodyPr/>
+                  <a:lstStyle/>
+                  <a:p>
+                    <a:r>
+                      <a:rPr lang="zh-CN" altLang="en-US">
+                        <a:noFill/>
+                      </a:rPr>
+                      <a:t> </a:t>
+                    </a:r>
+                  </a:p>
+                </p:txBody>
+              </p:sp>
+            </mc:Fallback>
+          </mc:AlternateContent>
+        </p:grpSp>
+        <p:sp>
+          <p:nvSpPr>
+            <p:cNvPr id="56" name="文本框 55">
+              <a:extLst>
+                <a:ext uri="{FF2B5EF4-FFF2-40B4-BE49-F238E27FC236}">
+                  <a16:creationId xmlns:a16="http://schemas.microsoft.com/office/drawing/2014/main" id="{DE5A3C49-3C47-737C-2697-A500E2FE1132}"/>
+                </a:ext>
+              </a:extLst>
+            </p:cNvPr>
+            <p:cNvSpPr txBox="1"/>
+            <p:nvPr/>
+          </p:nvSpPr>
+          <p:spPr>
+            <a:xfrm>
+              <a:off x="5835257" y="3206944"/>
+              <a:ext cx="2068191" cy="584775"/>
+            </a:xfrm>
+            <a:prstGeom prst="rect">
+              <a:avLst/>
+            </a:prstGeom>
+            <a:noFill/>
+          </p:spPr>
+          <p:txBody>
+            <a:bodyPr wrap="square" rtlCol="0">
+              <a:spAutoFit/>
+            </a:bodyPr>
+            <a:lstStyle/>
+            <a:p>
+              <a:r>
+                <a:rPr kumimoji="1" lang="en-US" altLang="zh-CN" sz="1600" i="1" dirty="0">
+                  <a:solidFill>
+                    <a:schemeClr val="tx1">
+                      <a:lumMod val="50000"/>
+                      <a:lumOff val="50000"/>
+                    </a:schemeClr>
+                  </a:solidFill>
+                </a:rPr>
+                <a:t>Kernel</a:t>
+              </a:r>
+              <a:r>
+                <a:rPr kumimoji="1" lang="zh-CN" altLang="en-US" sz="1600" i="1" dirty="0">
+                  <a:solidFill>
+                    <a:schemeClr val="tx1">
+                      <a:lumMod val="50000"/>
+                      <a:lumOff val="50000"/>
+                    </a:schemeClr>
+                  </a:solidFill>
+                </a:rPr>
+                <a:t>内部的循环，在序列长度方向循环</a:t>
+              </a:r>
+            </a:p>
+          </p:txBody>
+        </p:sp>
+        <mc:AlternateContent xmlns:mc="http://schemas.openxmlformats.org/markup-compatibility/2006">
+          <mc:Choice xmlns:a14="http://schemas.microsoft.com/office/drawing/2010/main" Requires="a14">
+            <p:sp>
+              <p:nvSpPr>
+                <p:cNvPr id="15" name="矩形 14">
+                  <a:extLst>
+                    <a:ext uri="{FF2B5EF4-FFF2-40B4-BE49-F238E27FC236}">
+                      <a16:creationId xmlns:a16="http://schemas.microsoft.com/office/drawing/2014/main" id="{BD211226-F908-9CDB-69CE-462036B51110}"/>
+                    </a:ext>
+                  </a:extLst>
+                </p:cNvPr>
+                <p:cNvSpPr/>
+                <p:nvPr/>
+              </p:nvSpPr>
+              <p:spPr>
+                <a:xfrm>
+                  <a:off x="6029838" y="3893985"/>
+                  <a:ext cx="994168" cy="384202"/>
+                </a:xfrm>
+                <a:prstGeom prst="rect">
+                  <a:avLst/>
+                </a:prstGeom>
+                <a:solidFill>
+                  <a:schemeClr val="accent5">
+                    <a:lumMod val="20000"/>
+                    <a:lumOff val="80000"/>
+                  </a:schemeClr>
+                </a:solidFill>
+              </p:spPr>
+              <p:style>
+                <a:lnRef idx="2">
+                  <a:schemeClr val="accent1">
+                    <a:shade val="15000"/>
+                  </a:schemeClr>
+                </a:lnRef>
+                <a:fillRef idx="1">
+                  <a:schemeClr val="accent1"/>
+                </a:fillRef>
+                <a:effectRef idx="0">
+                  <a:schemeClr val="accent1"/>
+                </a:effectRef>
+                <a:fontRef idx="minor">
+                  <a:schemeClr val="lt1"/>
+                </a:fontRef>
+              </p:style>
+              <p:txBody>
+                <a:bodyPr rtlCol="0" anchor="ctr"/>
+                <a:lstStyle/>
+                <a:p>
+                  <a:pPr algn="ctr"/>
+                  <a14:m>
+                    <m:oMathPara xmlns:m="http://schemas.openxmlformats.org/officeDocument/2006/math">
+                      <m:oMathParaPr>
+                        <m:jc m:val="centerGroup"/>
+                      </m:oMathParaPr>
+                      <m:oMath xmlns:m="http://schemas.openxmlformats.org/officeDocument/2006/math">
+                        <m:r>
+                          <a:rPr kumimoji="1" lang="en-US" altLang="zh-CN" b="0" i="1" smtClean="0">
+                            <a:solidFill>
+                              <a:schemeClr val="tx1"/>
+                            </a:solidFill>
+                            <a:latin typeface="Cambria Math" panose="02040503050406030204" pitchFamily="18" charset="0"/>
+                            <a:cs typeface="Calibri" panose="020F0502020204030204" pitchFamily="34" charset="0"/>
+                          </a:rPr>
+                          <m:t>𝑞</m:t>
+                        </m:r>
+                      </m:oMath>
+                    </m:oMathPara>
+                  </a14:m>
+                  <a:endParaRPr kumimoji="1" lang="zh-CN" altLang="en-US" dirty="0">
+                    <a:solidFill>
+                      <a:schemeClr val="tx1"/>
+                    </a:solidFill>
+                    <a:latin typeface="Calibri" panose="020F0502020204030204" pitchFamily="34" charset="0"/>
+                    <a:cs typeface="Calibri" panose="020F0502020204030204" pitchFamily="34" charset="0"/>
+                  </a:endParaRPr>
+                </a:p>
+              </p:txBody>
+            </p:sp>
+          </mc:Choice>
+          <mc:Fallback>
+            <p:sp>
+              <p:nvSpPr>
+                <p:cNvPr id="15" name="矩形 14">
+                  <a:extLst>
+                    <a:ext uri="{FF2B5EF4-FFF2-40B4-BE49-F238E27FC236}">
+                      <a16:creationId xmlns:a16="http://schemas.microsoft.com/office/drawing/2014/main" id="{BD211226-F908-9CDB-69CE-462036B51110}"/>
+                    </a:ext>
+                  </a:extLst>
+                </p:cNvPr>
+                <p:cNvSpPr>
+                  <a:spLocks noRot="1" noChangeAspect="1" noMove="1" noResize="1" noEditPoints="1" noAdjustHandles="1" noChangeArrowheads="1" noChangeShapeType="1" noTextEdit="1"/>
+                </p:cNvSpPr>
+                <p:nvPr/>
+              </p:nvSpPr>
+              <p:spPr>
+                <a:xfrm>
+                  <a:off x="6029838" y="3893985"/>
+                  <a:ext cx="994168" cy="384202"/>
+                </a:xfrm>
+                <a:prstGeom prst="rect">
+                  <a:avLst/>
+                </a:prstGeom>
+                <a:blipFill>
+                  <a:blip r:embed="rId15"/>
+                  <a:stretch>
+                    <a:fillRect b="-3030"/>
+                  </a:stretch>
+                </a:blipFill>
+              </p:spPr>
+              <p:txBody>
+                <a:bodyPr/>
+                <a:lstStyle/>
+                <a:p>
+                  <a:r>
+                    <a:rPr lang="zh-CN" altLang="en-US">
+                      <a:noFill/>
+                    </a:rPr>
+                    <a:t> </a:t>
+                  </a:r>
+                </a:p>
+              </p:txBody>
+            </p:sp>
+          </mc:Fallback>
+        </mc:AlternateContent>
+        <mc:AlternateContent xmlns:mc="http://schemas.openxmlformats.org/markup-compatibility/2006">
+          <mc:Choice xmlns:a14="http://schemas.microsoft.com/office/drawing/2010/main" Requires="a14">
+            <p:sp>
+              <p:nvSpPr>
+                <p:cNvPr id="16" name="文本框 15">
+                  <a:extLst>
+                    <a:ext uri="{FF2B5EF4-FFF2-40B4-BE49-F238E27FC236}">
+                      <a16:creationId xmlns:a16="http://schemas.microsoft.com/office/drawing/2014/main" id="{9FD6329F-782E-ACFA-1136-502B0A270DDF}"/>
+                    </a:ext>
+                  </a:extLst>
+                </p:cNvPr>
+                <p:cNvSpPr txBox="1"/>
+                <p:nvPr/>
+              </p:nvSpPr>
+              <p:spPr>
+                <a:xfrm>
+                  <a:off x="5694742" y="3988376"/>
+                  <a:ext cx="317074" cy="246221"/>
+                </a:xfrm>
+                <a:prstGeom prst="rect">
+                  <a:avLst/>
+                </a:prstGeom>
+                <a:noFill/>
+              </p:spPr>
+              <p:txBody>
+                <a:bodyPr wrap="none" lIns="0" tIns="0" rIns="0" bIns="0" rtlCol="0">
+                  <a:spAutoFit/>
+                </a:bodyPr>
+                <a:lstStyle/>
+                <a:p>
+                  <a:pPr/>
+                  <a14:m>
+                    <m:oMathPara xmlns:m="http://schemas.openxmlformats.org/officeDocument/2006/math">
+                      <m:oMathParaPr>
+                        <m:jc m:val="centerGroup"/>
+                      </m:oMathParaPr>
+                      <m:oMath xmlns:m="http://schemas.openxmlformats.org/officeDocument/2006/math">
+                        <m:r>
+                          <a:rPr kumimoji="1" lang="en-US" altLang="zh-CN" sz="1600" b="0" i="1" smtClean="0">
+                            <a:latin typeface="Cambria Math" panose="02040503050406030204" pitchFamily="18" charset="0"/>
+                          </a:rPr>
+                          <m:t>𝐵𝑇</m:t>
+                        </m:r>
+                      </m:oMath>
+                    </m:oMathPara>
+                  </a14:m>
+                  <a:endParaRPr kumimoji="1" lang="zh-CN" altLang="en-US" sz="1600" dirty="0"/>
+                </a:p>
+              </p:txBody>
+            </p:sp>
+          </mc:Choice>
+          <mc:Fallback>
+            <p:sp>
+              <p:nvSpPr>
+                <p:cNvPr id="16" name="文本框 15">
+                  <a:extLst>
+                    <a:ext uri="{FF2B5EF4-FFF2-40B4-BE49-F238E27FC236}">
+                      <a16:creationId xmlns:a16="http://schemas.microsoft.com/office/drawing/2014/main" id="{9FD6329F-782E-ACFA-1136-502B0A270DDF}"/>
+                    </a:ext>
+                  </a:extLst>
+                </p:cNvPr>
+                <p:cNvSpPr txBox="1">
+                  <a:spLocks noRot="1" noChangeAspect="1" noMove="1" noResize="1" noEditPoints="1" noAdjustHandles="1" noChangeArrowheads="1" noChangeShapeType="1" noTextEdit="1"/>
+                </p:cNvSpPr>
+                <p:nvPr/>
+              </p:nvSpPr>
+              <p:spPr>
+                <a:xfrm>
+                  <a:off x="5694742" y="3988376"/>
+                  <a:ext cx="317074" cy="246221"/>
+                </a:xfrm>
+                <a:prstGeom prst="rect">
+                  <a:avLst/>
+                </a:prstGeom>
+                <a:blipFill>
+                  <a:blip r:embed="rId16"/>
+                  <a:stretch>
+                    <a:fillRect l="-15385" r="-7692" b="-10000"/>
+                  </a:stretch>
+                </a:blipFill>
+              </p:spPr>
+              <p:txBody>
+                <a:bodyPr/>
+                <a:lstStyle/>
+                <a:p>
+                  <a:r>
+                    <a:rPr lang="zh-CN" altLang="en-US">
+                      <a:noFill/>
+                    </a:rPr>
+                    <a:t> </a:t>
+                  </a:r>
+                </a:p>
+              </p:txBody>
+            </p:sp>
+          </mc:Fallback>
+        </mc:AlternateContent>
+        <p:sp>
+          <p:nvSpPr>
+            <p:cNvPr id="18" name="矩形 17">
+              <a:extLst>
+                <a:ext uri="{FF2B5EF4-FFF2-40B4-BE49-F238E27FC236}">
+                  <a16:creationId xmlns:a16="http://schemas.microsoft.com/office/drawing/2014/main" id="{EAB72426-63B2-1FCB-C1D6-72260213B4CC}"/>
+                </a:ext>
+              </a:extLst>
+            </p:cNvPr>
+            <p:cNvSpPr/>
+            <p:nvPr/>
+          </p:nvSpPr>
+          <p:spPr>
+            <a:xfrm>
+              <a:off x="6222938" y="3888310"/>
+              <a:ext cx="87145" cy="384202"/>
+            </a:xfrm>
+            <a:prstGeom prst="rect">
+              <a:avLst/>
+            </a:prstGeom>
+            <a:solidFill>
+              <a:schemeClr val="accent5">
+                <a:lumMod val="75000"/>
+              </a:schemeClr>
+            </a:solidFill>
+            <a:ln>
+              <a:noFill/>
+            </a:ln>
+          </p:spPr>
+          <p:style>
+            <a:lnRef idx="2">
+              <a:schemeClr val="accent1">
+                <a:shade val="15000"/>
+              </a:schemeClr>
+            </a:lnRef>
+            <a:fillRef idx="1">
+              <a:schemeClr val="accent1"/>
+            </a:fillRef>
+            <a:effectRef idx="0">
+              <a:schemeClr val="accent1"/>
+            </a:effectRef>
+            <a:fontRef idx="minor">
+              <a:schemeClr val="lt1"/>
+            </a:fontRef>
+          </p:style>
+          <p:txBody>
+            <a:bodyPr rtlCol="0" anchor="ctr"/>
+            <a:lstStyle/>
+            <a:p>
+              <a:pPr algn="ctr"/>
+              <a:endParaRPr kumimoji="1" lang="zh-CN" altLang="en-US" dirty="0">
+                <a:solidFill>
+                  <a:schemeClr val="tx1"/>
+                </a:solidFill>
+                <a:latin typeface="Calibri" panose="020F0502020204030204" pitchFamily="34" charset="0"/>
+                <a:cs typeface="Calibri" panose="020F0502020204030204" pitchFamily="34" charset="0"/>
+              </a:endParaRPr>
+            </a:p>
+          </p:txBody>
+        </p:sp>
+        <p:cxnSp>
+          <p:nvCxnSpPr>
+            <p:cNvPr id="20" name="直线箭头连接符 19">
+              <a:extLst>
+                <a:ext uri="{FF2B5EF4-FFF2-40B4-BE49-F238E27FC236}">
+                  <a16:creationId xmlns:a16="http://schemas.microsoft.com/office/drawing/2014/main" id="{41996D0A-A3FD-9461-73E7-37D026B37882}"/>
+                </a:ext>
+              </a:extLst>
+            </p:cNvPr>
+            <p:cNvCxnSpPr/>
+            <p:nvPr/>
+          </p:nvCxnSpPr>
+          <p:spPr>
+            <a:xfrm>
+              <a:off x="6029838" y="3785178"/>
+              <a:ext cx="994168" cy="0"/>
+            </a:xfrm>
+            <a:prstGeom prst="straightConnector1">
+              <a:avLst/>
+            </a:prstGeom>
+            <a:ln>
+              <a:tailEnd type="triangle"/>
+            </a:ln>
+          </p:spPr>
+          <p:style>
+            <a:lnRef idx="2">
+              <a:schemeClr val="accent1"/>
+            </a:lnRef>
+            <a:fillRef idx="0">
+              <a:schemeClr val="accent1"/>
+            </a:fillRef>
+            <a:effectRef idx="1">
+              <a:schemeClr val="accent1"/>
+            </a:effectRef>
+            <a:fontRef idx="minor">
+              <a:schemeClr val="tx1"/>
+            </a:fontRef>
+          </p:style>
+        </p:cxnSp>
+        <p:sp>
+          <p:nvSpPr>
+            <p:cNvPr id="25" name="矩形 24">
+              <a:extLst>
+                <a:ext uri="{FF2B5EF4-FFF2-40B4-BE49-F238E27FC236}">
+                  <a16:creationId xmlns:a16="http://schemas.microsoft.com/office/drawing/2014/main" id="{1D5C6118-164E-D1B1-5EC8-BF2ADDEAA522}"/>
+                </a:ext>
+              </a:extLst>
+            </p:cNvPr>
+            <p:cNvSpPr/>
+            <p:nvPr/>
+          </p:nvSpPr>
+          <p:spPr>
+            <a:xfrm>
+              <a:off x="7173533" y="3900236"/>
+              <a:ext cx="87145" cy="384202"/>
+            </a:xfrm>
+            <a:prstGeom prst="rect">
+              <a:avLst/>
+            </a:prstGeom>
+            <a:solidFill>
+              <a:schemeClr val="accent5">
+                <a:lumMod val="75000"/>
+              </a:schemeClr>
+            </a:solidFill>
+            <a:ln>
+              <a:noFill/>
+            </a:ln>
+          </p:spPr>
+          <p:style>
+            <a:lnRef idx="2">
+              <a:schemeClr val="accent1">
+                <a:shade val="15000"/>
+              </a:schemeClr>
+            </a:lnRef>
+            <a:fillRef idx="1">
+              <a:schemeClr val="accent1"/>
+            </a:fillRef>
+            <a:effectRef idx="0">
+              <a:schemeClr val="accent1"/>
+            </a:effectRef>
+            <a:fontRef idx="minor">
+              <a:schemeClr val="lt1"/>
+            </a:fontRef>
+          </p:style>
+          <p:txBody>
+            <a:bodyPr rtlCol="0" anchor="ctr"/>
+            <a:lstStyle/>
+            <a:p>
+              <a:pPr algn="ctr"/>
+              <a:endParaRPr kumimoji="1" lang="zh-CN" altLang="en-US" dirty="0">
+                <a:solidFill>
+                  <a:schemeClr val="tx1"/>
+                </a:solidFill>
+                <a:latin typeface="Calibri" panose="020F0502020204030204" pitchFamily="34" charset="0"/>
+                <a:cs typeface="Calibri" panose="020F0502020204030204" pitchFamily="34" charset="0"/>
+              </a:endParaRPr>
+            </a:p>
+          </p:txBody>
+        </p:sp>
+        <mc:AlternateContent xmlns:mc="http://schemas.openxmlformats.org/markup-compatibility/2006">
+          <mc:Choice xmlns:a14="http://schemas.microsoft.com/office/drawing/2010/main" Requires="a14">
+            <p:sp>
+              <p:nvSpPr>
+                <p:cNvPr id="26" name="文本框 25">
+                  <a:extLst>
+                    <a:ext uri="{FF2B5EF4-FFF2-40B4-BE49-F238E27FC236}">
+                      <a16:creationId xmlns:a16="http://schemas.microsoft.com/office/drawing/2014/main" id="{109C7A3F-ECFA-143B-B6F0-1077016E66D3}"/>
+                    </a:ext>
+                  </a:extLst>
+                </p:cNvPr>
+                <p:cNvSpPr txBox="1"/>
+                <p:nvPr/>
+              </p:nvSpPr>
+              <p:spPr>
+                <a:xfrm>
+                  <a:off x="7280116" y="3988376"/>
+                  <a:ext cx="317074" cy="246221"/>
+                </a:xfrm>
+                <a:prstGeom prst="rect">
+                  <a:avLst/>
+                </a:prstGeom>
+                <a:noFill/>
+              </p:spPr>
+              <p:txBody>
+                <a:bodyPr wrap="square" lIns="0" tIns="0" rIns="0" bIns="0" rtlCol="0">
+                  <a:spAutoFit/>
+                </a:bodyPr>
+                <a:lstStyle/>
+                <a:p>
+                  <a:pPr/>
+                  <a14:m>
+                    <m:oMathPara xmlns:m="http://schemas.openxmlformats.org/officeDocument/2006/math">
+                      <m:oMathParaPr>
+                        <m:jc m:val="centerGroup"/>
+                      </m:oMathParaPr>
+                      <m:oMath xmlns:m="http://schemas.openxmlformats.org/officeDocument/2006/math">
+                        <m:r>
+                          <a:rPr kumimoji="1" lang="en-US" altLang="zh-CN" sz="1600" b="0" i="1" smtClean="0">
+                            <a:latin typeface="Cambria Math" panose="02040503050406030204" pitchFamily="18" charset="0"/>
+                          </a:rPr>
+                          <m:t>_</m:t>
+                        </m:r>
+                        <m:r>
+                          <a:rPr kumimoji="1" lang="en-US" altLang="zh-CN" sz="1600" b="0" i="1" smtClean="0">
+                            <a:latin typeface="Cambria Math" panose="02040503050406030204" pitchFamily="18" charset="0"/>
+                          </a:rPr>
+                          <m:t>𝑞</m:t>
+                        </m:r>
+                      </m:oMath>
+                    </m:oMathPara>
+                  </a14:m>
+                  <a:endParaRPr kumimoji="1" lang="zh-CN" altLang="en-US" sz="1600" dirty="0"/>
+                </a:p>
+              </p:txBody>
+            </p:sp>
+          </mc:Choice>
+          <mc:Fallback>
+            <p:sp>
+              <p:nvSpPr>
+                <p:cNvPr id="26" name="文本框 25">
+                  <a:extLst>
+                    <a:ext uri="{FF2B5EF4-FFF2-40B4-BE49-F238E27FC236}">
+                      <a16:creationId xmlns:a16="http://schemas.microsoft.com/office/drawing/2014/main" id="{109C7A3F-ECFA-143B-B6F0-1077016E66D3}"/>
+                    </a:ext>
+                  </a:extLst>
+                </p:cNvPr>
+                <p:cNvSpPr txBox="1">
+                  <a:spLocks noRot="1" noChangeAspect="1" noMove="1" noResize="1" noEditPoints="1" noAdjustHandles="1" noChangeArrowheads="1" noChangeShapeType="1" noTextEdit="1"/>
+                </p:cNvSpPr>
+                <p:nvPr/>
+              </p:nvSpPr>
+              <p:spPr>
+                <a:xfrm>
+                  <a:off x="7280116" y="3988376"/>
+                  <a:ext cx="317074" cy="246221"/>
+                </a:xfrm>
+                <a:prstGeom prst="rect">
+                  <a:avLst/>
+                </a:prstGeom>
+                <a:blipFill>
+                  <a:blip r:embed="rId17"/>
+                  <a:stretch>
+                    <a:fillRect b="-25000"/>
+                  </a:stretch>
+                </a:blipFill>
+              </p:spPr>
+              <p:txBody>
+                <a:bodyPr/>
+                <a:lstStyle/>
+                <a:p>
+                  <a:r>
+                    <a:rPr lang="zh-CN" altLang="en-US">
+                      <a:noFill/>
+                    </a:rPr>
+                    <a:t> </a:t>
+                  </a:r>
+                </a:p>
+              </p:txBody>
+            </p:sp>
+          </mc:Fallback>
+        </mc:AlternateContent>
+        <p:grpSp>
+          <p:nvGrpSpPr>
+            <p:cNvPr id="36" name="组合 35">
+              <a:extLst>
+                <a:ext uri="{FF2B5EF4-FFF2-40B4-BE49-F238E27FC236}">
+                  <a16:creationId xmlns:a16="http://schemas.microsoft.com/office/drawing/2014/main" id="{D90C0D12-469B-8A01-35E8-C3B8DE9470F1}"/>
+                </a:ext>
+              </a:extLst>
+            </p:cNvPr>
+            <p:cNvGrpSpPr/>
+            <p:nvPr/>
+          </p:nvGrpSpPr>
+          <p:grpSpPr>
+            <a:xfrm>
+              <a:off x="5694742" y="4369450"/>
+              <a:ext cx="1910915" cy="650240"/>
+              <a:chOff x="5694742" y="4581119"/>
+              <a:chExt cx="1910915" cy="650240"/>
+            </a:xfrm>
+          </p:grpSpPr>
+          <mc:AlternateContent xmlns:mc="http://schemas.openxmlformats.org/markup-compatibility/2006">
+            <mc:Choice xmlns:a14="http://schemas.microsoft.com/office/drawing/2010/main" Requires="a14">
+              <p:sp>
+                <p:nvSpPr>
+                  <p:cNvPr id="27" name="矩形 26">
+                    <a:extLst>
+                      <a:ext uri="{FF2B5EF4-FFF2-40B4-BE49-F238E27FC236}">
+                        <a16:creationId xmlns:a16="http://schemas.microsoft.com/office/drawing/2014/main" id="{0612248F-DCB0-5F2D-1F9C-0EAB8DE9C2D7}"/>
+                      </a:ext>
+                    </a:extLst>
+                  </p:cNvPr>
+                  <p:cNvSpPr/>
+                  <p:nvPr/>
+                </p:nvSpPr>
+                <p:spPr>
+                  <a:xfrm>
+                    <a:off x="6029838" y="4586794"/>
+                    <a:ext cx="994168" cy="384202"/>
+                  </a:xfrm>
+                  <a:prstGeom prst="rect">
+                    <a:avLst/>
+                  </a:prstGeom>
+                  <a:solidFill>
+                    <a:schemeClr val="accent5">
+                      <a:lumMod val="20000"/>
+                      <a:lumOff val="80000"/>
+                    </a:schemeClr>
+                  </a:solidFill>
+                </p:spPr>
+                <p:style>
+                  <a:lnRef idx="2">
+                    <a:schemeClr val="accent1">
+                      <a:shade val="15000"/>
+                    </a:schemeClr>
+                  </a:lnRef>
+                  <a:fillRef idx="1">
+                    <a:schemeClr val="accent1"/>
+                  </a:fillRef>
+                  <a:effectRef idx="0">
+                    <a:schemeClr val="accent1"/>
+                  </a:effectRef>
+                  <a:fontRef idx="minor">
+                    <a:schemeClr val="lt1"/>
+                  </a:fontRef>
+                </p:style>
+                <p:txBody>
+                  <a:bodyPr rtlCol="0" anchor="ctr"/>
+                  <a:lstStyle/>
+                  <a:p>
+                    <a:pPr algn="ctr"/>
+                    <a14:m>
+                      <m:oMathPara xmlns:m="http://schemas.openxmlformats.org/officeDocument/2006/math">
+                        <m:oMathParaPr>
+                          <m:jc m:val="centerGroup"/>
+                        </m:oMathParaPr>
+                        <m:oMath xmlns:m="http://schemas.openxmlformats.org/officeDocument/2006/math">
+                          <m:r>
+                            <a:rPr kumimoji="1" lang="en-US" altLang="zh-CN" b="0" i="1" smtClean="0">
+                              <a:solidFill>
+                                <a:schemeClr val="tx1"/>
+                              </a:solidFill>
+                              <a:latin typeface="Cambria Math" panose="02040503050406030204" pitchFamily="18" charset="0"/>
+                              <a:cs typeface="Calibri" panose="020F0502020204030204" pitchFamily="34" charset="0"/>
+                            </a:rPr>
+                            <m:t>𝑔</m:t>
+                          </m:r>
+                        </m:oMath>
+                      </m:oMathPara>
+                    </a14:m>
+                    <a:endParaRPr kumimoji="1" lang="zh-CN" altLang="en-US" dirty="0">
+                      <a:solidFill>
+                        <a:schemeClr val="tx1"/>
+                      </a:solidFill>
+                      <a:latin typeface="Calibri" panose="020F0502020204030204" pitchFamily="34" charset="0"/>
+                      <a:cs typeface="Calibri" panose="020F0502020204030204" pitchFamily="34" charset="0"/>
+                    </a:endParaRPr>
+                  </a:p>
+                </p:txBody>
+              </p:sp>
+            </mc:Choice>
+            <mc:Fallback>
+              <p:sp>
+                <p:nvSpPr>
+                  <p:cNvPr id="27" name="矩形 26">
+                    <a:extLst>
+                      <a:ext uri="{FF2B5EF4-FFF2-40B4-BE49-F238E27FC236}">
+                        <a16:creationId xmlns:a16="http://schemas.microsoft.com/office/drawing/2014/main" id="{0612248F-DCB0-5F2D-1F9C-0EAB8DE9C2D7}"/>
+                      </a:ext>
+                    </a:extLst>
+                  </p:cNvPr>
+                  <p:cNvSpPr>
+                    <a:spLocks noRot="1" noChangeAspect="1" noMove="1" noResize="1" noEditPoints="1" noAdjustHandles="1" noChangeArrowheads="1" noChangeShapeType="1" noTextEdit="1"/>
+                  </p:cNvSpPr>
+                  <p:nvPr/>
+                </p:nvSpPr>
+                <p:spPr>
+                  <a:xfrm>
+                    <a:off x="6029838" y="4586794"/>
+                    <a:ext cx="994168" cy="384202"/>
+                  </a:xfrm>
+                  <a:prstGeom prst="rect">
+                    <a:avLst/>
+                  </a:prstGeom>
+                  <a:blipFill>
+                    <a:blip r:embed="rId18"/>
+                    <a:stretch>
+                      <a:fillRect/>
+                    </a:stretch>
+                  </a:blipFill>
+                </p:spPr>
+                <p:txBody>
+                  <a:bodyPr/>
+                  <a:lstStyle/>
+                  <a:p>
+                    <a:r>
+                      <a:rPr lang="zh-CN" altLang="en-US">
+                        <a:noFill/>
+                      </a:rPr>
+                      <a:t> </a:t>
+                    </a:r>
+                  </a:p>
+                </p:txBody>
+              </p:sp>
+            </mc:Fallback>
+          </mc:AlternateContent>
+          <mc:AlternateContent xmlns:mc="http://schemas.openxmlformats.org/markup-compatibility/2006">
+            <mc:Choice xmlns:a14="http://schemas.microsoft.com/office/drawing/2010/main" Requires="a14">
+              <p:sp>
+                <p:nvSpPr>
+                  <p:cNvPr id="29" name="文本框 28">
+                    <a:extLst>
+                      <a:ext uri="{FF2B5EF4-FFF2-40B4-BE49-F238E27FC236}">
+                        <a16:creationId xmlns:a16="http://schemas.microsoft.com/office/drawing/2014/main" id="{7FD48AE9-010C-AF33-7AE1-FA9749211D25}"/>
+                      </a:ext>
+                    </a:extLst>
+                  </p:cNvPr>
+                  <p:cNvSpPr txBox="1"/>
+                  <p:nvPr/>
+                </p:nvSpPr>
+                <p:spPr>
+                  <a:xfrm>
+                    <a:off x="5694742" y="4681185"/>
+                    <a:ext cx="317074" cy="246221"/>
+                  </a:xfrm>
+                  <a:prstGeom prst="rect">
+                    <a:avLst/>
+                  </a:prstGeom>
+                  <a:noFill/>
+                </p:spPr>
+                <p:txBody>
+                  <a:bodyPr wrap="none" lIns="0" tIns="0" rIns="0" bIns="0" rtlCol="0">
+                    <a:spAutoFit/>
+                  </a:bodyPr>
+                  <a:lstStyle/>
+                  <a:p>
+                    <a:pPr/>
+                    <a14:m>
+                      <m:oMathPara xmlns:m="http://schemas.openxmlformats.org/officeDocument/2006/math">
+                        <m:oMathParaPr>
+                          <m:jc m:val="centerGroup"/>
+                        </m:oMathParaPr>
+                        <m:oMath xmlns:m="http://schemas.openxmlformats.org/officeDocument/2006/math">
+                          <m:r>
+                            <a:rPr kumimoji="1" lang="en-US" altLang="zh-CN" sz="1600" b="0" i="1" smtClean="0">
+                              <a:latin typeface="Cambria Math" panose="02040503050406030204" pitchFamily="18" charset="0"/>
+                            </a:rPr>
+                            <m:t>𝐵𝑇</m:t>
+                          </m:r>
+                        </m:oMath>
+                      </m:oMathPara>
+                    </a14:m>
+                    <a:endParaRPr kumimoji="1" lang="zh-CN" altLang="en-US" sz="1600" dirty="0"/>
+                  </a:p>
+                </p:txBody>
+              </p:sp>
+            </mc:Choice>
+            <mc:Fallback>
+              <p:sp>
+                <p:nvSpPr>
+                  <p:cNvPr id="29" name="文本框 28">
+                    <a:extLst>
+                      <a:ext uri="{FF2B5EF4-FFF2-40B4-BE49-F238E27FC236}">
+                        <a16:creationId xmlns:a16="http://schemas.microsoft.com/office/drawing/2014/main" id="{7FD48AE9-010C-AF33-7AE1-FA9749211D25}"/>
+                      </a:ext>
+                    </a:extLst>
+                  </p:cNvPr>
+                  <p:cNvSpPr txBox="1">
+                    <a:spLocks noRot="1" noChangeAspect="1" noMove="1" noResize="1" noEditPoints="1" noAdjustHandles="1" noChangeArrowheads="1" noChangeShapeType="1" noTextEdit="1"/>
+                  </p:cNvSpPr>
+                  <p:nvPr/>
+                </p:nvSpPr>
+                <p:spPr>
+                  <a:xfrm>
+                    <a:off x="5694742" y="4681185"/>
+                    <a:ext cx="317074" cy="246221"/>
+                  </a:xfrm>
+                  <a:prstGeom prst="rect">
+                    <a:avLst/>
+                  </a:prstGeom>
+                  <a:blipFill>
+                    <a:blip r:embed="rId19"/>
+                    <a:stretch>
+                      <a:fillRect l="-15385" r="-7692" b="-5000"/>
+                    </a:stretch>
+                  </a:blipFill>
+                </p:spPr>
+                <p:txBody>
+                  <a:bodyPr/>
+                  <a:lstStyle/>
+                  <a:p>
+                    <a:r>
+                      <a:rPr lang="zh-CN" altLang="en-US">
+                        <a:noFill/>
+                      </a:rPr>
+                      <a:t> </a:t>
+                    </a:r>
+                  </a:p>
+                </p:txBody>
+              </p:sp>
+            </mc:Fallback>
+          </mc:AlternateContent>
+          <mc:AlternateContent xmlns:mc="http://schemas.openxmlformats.org/markup-compatibility/2006">
+            <mc:Choice xmlns:a14="http://schemas.microsoft.com/office/drawing/2010/main" Requires="a14">
+              <p:sp>
+                <p:nvSpPr>
+                  <p:cNvPr id="30" name="文本框 29">
+                    <a:extLst>
+                      <a:ext uri="{FF2B5EF4-FFF2-40B4-BE49-F238E27FC236}">
+                        <a16:creationId xmlns:a16="http://schemas.microsoft.com/office/drawing/2014/main" id="{EA89422B-44FE-3821-2A01-B725765F708D}"/>
+                      </a:ext>
+                    </a:extLst>
+                  </p:cNvPr>
+                  <p:cNvSpPr txBox="1"/>
+                  <p:nvPr/>
+                </p:nvSpPr>
+                <p:spPr>
+                  <a:xfrm>
+                    <a:off x="6359374" y="4985138"/>
+                    <a:ext cx="339645" cy="246221"/>
+                  </a:xfrm>
+                  <a:prstGeom prst="rect">
+                    <a:avLst/>
+                  </a:prstGeom>
+                  <a:noFill/>
+                </p:spPr>
+                <p:txBody>
+                  <a:bodyPr wrap="none" lIns="0" tIns="0" rIns="0" bIns="0" rtlCol="0">
+                    <a:spAutoFit/>
+                  </a:bodyPr>
+                  <a:lstStyle/>
+                  <a:p>
+                    <a:pPr/>
+                    <a14:m>
+                      <m:oMathPara xmlns:m="http://schemas.openxmlformats.org/officeDocument/2006/math">
+                        <m:oMathParaPr>
+                          <m:jc m:val="centerGroup"/>
+                        </m:oMathParaPr>
+                        <m:oMath xmlns:m="http://schemas.openxmlformats.org/officeDocument/2006/math">
+                          <m:r>
+                            <a:rPr kumimoji="1" lang="en-US" altLang="zh-CN" sz="1600" b="0" i="1" smtClean="0">
+                              <a:latin typeface="Cambria Math" panose="02040503050406030204" pitchFamily="18" charset="0"/>
+                            </a:rPr>
+                            <m:t>𝐵𝐾</m:t>
+                          </m:r>
+                        </m:oMath>
+                      </m:oMathPara>
+                    </a14:m>
+                    <a:endParaRPr kumimoji="1" lang="zh-CN" altLang="en-US" sz="1600" dirty="0"/>
+                  </a:p>
+                </p:txBody>
+              </p:sp>
+            </mc:Choice>
+            <mc:Fallback>
+              <p:sp>
+                <p:nvSpPr>
+                  <p:cNvPr id="30" name="文本框 29">
+                    <a:extLst>
+                      <a:ext uri="{FF2B5EF4-FFF2-40B4-BE49-F238E27FC236}">
+                        <a16:creationId xmlns:a16="http://schemas.microsoft.com/office/drawing/2014/main" id="{EA89422B-44FE-3821-2A01-B725765F708D}"/>
+                      </a:ext>
+                    </a:extLst>
+                  </p:cNvPr>
+                  <p:cNvSpPr txBox="1">
+                    <a:spLocks noRot="1" noChangeAspect="1" noMove="1" noResize="1" noEditPoints="1" noAdjustHandles="1" noChangeArrowheads="1" noChangeShapeType="1" noTextEdit="1"/>
+                  </p:cNvSpPr>
+                  <p:nvPr/>
+                </p:nvSpPr>
+                <p:spPr>
+                  <a:xfrm>
+                    <a:off x="6359374" y="4985138"/>
+                    <a:ext cx="339645" cy="246221"/>
+                  </a:xfrm>
+                  <a:prstGeom prst="rect">
+                    <a:avLst/>
+                  </a:prstGeom>
+                  <a:blipFill>
+                    <a:blip r:embed="rId20"/>
+                    <a:stretch>
+                      <a:fillRect l="-10714" r="-10714" b="-5000"/>
+                    </a:stretch>
+                  </a:blipFill>
+                </p:spPr>
+                <p:txBody>
+                  <a:bodyPr/>
+                  <a:lstStyle/>
+                  <a:p>
+                    <a:r>
+                      <a:rPr lang="zh-CN" altLang="en-US">
+                        <a:noFill/>
+                      </a:rPr>
+                      <a:t> </a:t>
+                    </a:r>
+                  </a:p>
+                </p:txBody>
+              </p:sp>
+            </mc:Fallback>
+          </mc:AlternateContent>
+          <p:sp>
+            <p:nvSpPr>
+              <p:cNvPr id="31" name="矩形 30">
+                <a:extLst>
+                  <a:ext uri="{FF2B5EF4-FFF2-40B4-BE49-F238E27FC236}">
+                    <a16:creationId xmlns:a16="http://schemas.microsoft.com/office/drawing/2014/main" id="{820D274D-CD7F-79D4-2A89-1E2C0FDC9333}"/>
+                  </a:ext>
+                </a:extLst>
+              </p:cNvPr>
+              <p:cNvSpPr/>
+              <p:nvPr/>
+            </p:nvSpPr>
+            <p:spPr>
+              <a:xfrm>
+                <a:off x="6222938" y="4581119"/>
+                <a:ext cx="87145" cy="384202"/>
+              </a:xfrm>
+              <a:prstGeom prst="rect">
+                <a:avLst/>
+              </a:prstGeom>
+              <a:solidFill>
+                <a:schemeClr val="accent5">
+                  <a:lumMod val="75000"/>
+                </a:schemeClr>
+              </a:solidFill>
+              <a:ln>
+                <a:noFill/>
+              </a:ln>
+            </p:spPr>
+            <p:style>
+              <a:lnRef idx="2">
+                <a:schemeClr val="accent1">
+                  <a:shade val="15000"/>
+                </a:schemeClr>
+              </a:lnRef>
+              <a:fillRef idx="1">
+                <a:schemeClr val="accent1"/>
+              </a:fillRef>
+              <a:effectRef idx="0">
+                <a:schemeClr val="accent1"/>
+              </a:effectRef>
+              <a:fontRef idx="minor">
+                <a:schemeClr val="lt1"/>
+              </a:fontRef>
+            </p:style>
+            <p:txBody>
+              <a:bodyPr rtlCol="0" anchor="ctr"/>
+              <a:lstStyle/>
+              <a:p>
+                <a:pPr algn="ctr"/>
+                <a:endParaRPr kumimoji="1" lang="zh-CN" altLang="en-US" dirty="0">
+                  <a:solidFill>
+                    <a:schemeClr val="tx1"/>
+                  </a:solidFill>
+                  <a:latin typeface="Calibri" panose="020F0502020204030204" pitchFamily="34" charset="0"/>
+                  <a:cs typeface="Calibri" panose="020F0502020204030204" pitchFamily="34" charset="0"/>
+                </a:endParaRPr>
+              </a:p>
+            </p:txBody>
+          </p:sp>
+          <p:sp>
+            <p:nvSpPr>
+              <p:cNvPr id="33" name="矩形 32">
+                <a:extLst>
+                  <a:ext uri="{FF2B5EF4-FFF2-40B4-BE49-F238E27FC236}">
+                    <a16:creationId xmlns:a16="http://schemas.microsoft.com/office/drawing/2014/main" id="{BC0D4950-7955-FDA8-52BF-22D75AC5513C}"/>
+                  </a:ext>
+                </a:extLst>
+              </p:cNvPr>
+              <p:cNvSpPr/>
+              <p:nvPr/>
+            </p:nvSpPr>
+            <p:spPr>
+              <a:xfrm>
+                <a:off x="7173533" y="4593045"/>
+                <a:ext cx="87145" cy="384202"/>
+              </a:xfrm>
+              <a:prstGeom prst="rect">
+                <a:avLst/>
+              </a:prstGeom>
+              <a:solidFill>
+                <a:schemeClr val="accent5">
+                  <a:lumMod val="75000"/>
+                </a:schemeClr>
+              </a:solidFill>
+              <a:ln>
+                <a:noFill/>
+              </a:ln>
+            </p:spPr>
+            <p:style>
+              <a:lnRef idx="2">
+                <a:schemeClr val="accent1">
+                  <a:shade val="15000"/>
+                </a:schemeClr>
+              </a:lnRef>
+              <a:fillRef idx="1">
+                <a:schemeClr val="accent1"/>
+              </a:fillRef>
+              <a:effectRef idx="0">
+                <a:schemeClr val="accent1"/>
+              </a:effectRef>
+              <a:fontRef idx="minor">
+                <a:schemeClr val="lt1"/>
+              </a:fontRef>
+            </p:style>
+            <p:txBody>
+              <a:bodyPr rtlCol="0" anchor="ctr"/>
+              <a:lstStyle/>
+              <a:p>
+                <a:pPr algn="ctr"/>
+                <a:endParaRPr kumimoji="1" lang="zh-CN" altLang="en-US" dirty="0">
+                  <a:solidFill>
+                    <a:schemeClr val="tx1"/>
+                  </a:solidFill>
+                  <a:latin typeface="Calibri" panose="020F0502020204030204" pitchFamily="34" charset="0"/>
+                  <a:cs typeface="Calibri" panose="020F0502020204030204" pitchFamily="34" charset="0"/>
+                </a:endParaRPr>
+              </a:p>
+            </p:txBody>
+          </p:sp>
+          <mc:AlternateContent xmlns:mc="http://schemas.openxmlformats.org/markup-compatibility/2006">
+            <mc:Choice xmlns:a14="http://schemas.microsoft.com/office/drawing/2010/main" Requires="a14">
+              <p:sp>
+                <p:nvSpPr>
+                  <p:cNvPr id="35" name="文本框 34">
+                    <a:extLst>
+                      <a:ext uri="{FF2B5EF4-FFF2-40B4-BE49-F238E27FC236}">
+                        <a16:creationId xmlns:a16="http://schemas.microsoft.com/office/drawing/2014/main" id="{BD69E8D3-9904-761F-D560-12E8916992A5}"/>
+                      </a:ext>
+                    </a:extLst>
+                  </p:cNvPr>
+                  <p:cNvSpPr txBox="1"/>
+                  <p:nvPr/>
+                </p:nvSpPr>
+                <p:spPr>
+                  <a:xfrm>
+                    <a:off x="7288583" y="4681185"/>
+                    <a:ext cx="317074" cy="246221"/>
+                  </a:xfrm>
+                  <a:prstGeom prst="rect">
+                    <a:avLst/>
+                  </a:prstGeom>
+                  <a:noFill/>
+                </p:spPr>
+                <p:txBody>
+                  <a:bodyPr wrap="square" lIns="0" tIns="0" rIns="0" bIns="0" rtlCol="0">
+                    <a:spAutoFit/>
+                  </a:bodyPr>
+                  <a:lstStyle/>
+                  <a:p>
+                    <a:pPr/>
+                    <a14:m>
+                      <m:oMathPara xmlns:m="http://schemas.openxmlformats.org/officeDocument/2006/math">
+                        <m:oMathParaPr>
+                          <m:jc m:val="centerGroup"/>
+                        </m:oMathParaPr>
+                        <m:oMath xmlns:m="http://schemas.openxmlformats.org/officeDocument/2006/math">
+                          <m:r>
+                            <a:rPr kumimoji="1" lang="en-US" altLang="zh-CN" sz="1600" b="0" i="1" smtClean="0">
+                              <a:latin typeface="Cambria Math" panose="02040503050406030204" pitchFamily="18" charset="0"/>
+                            </a:rPr>
+                            <m:t>𝑔𝑞</m:t>
+                          </m:r>
+                        </m:oMath>
+                      </m:oMathPara>
+                    </a14:m>
+                    <a:endParaRPr kumimoji="1" lang="zh-CN" altLang="en-US" sz="1600" dirty="0"/>
+                  </a:p>
+                </p:txBody>
+              </p:sp>
+            </mc:Choice>
+            <mc:Fallback>
+              <p:sp>
+                <p:nvSpPr>
+                  <p:cNvPr id="35" name="文本框 34">
+                    <a:extLst>
+                      <a:ext uri="{FF2B5EF4-FFF2-40B4-BE49-F238E27FC236}">
+                        <a16:creationId xmlns:a16="http://schemas.microsoft.com/office/drawing/2014/main" id="{BD69E8D3-9904-761F-D560-12E8916992A5}"/>
+                      </a:ext>
+                    </a:extLst>
+                  </p:cNvPr>
+                  <p:cNvSpPr txBox="1">
+                    <a:spLocks noRot="1" noChangeAspect="1" noMove="1" noResize="1" noEditPoints="1" noAdjustHandles="1" noChangeArrowheads="1" noChangeShapeType="1" noTextEdit="1"/>
+                  </p:cNvSpPr>
+                  <p:nvPr/>
+                </p:nvSpPr>
+                <p:spPr>
+                  <a:xfrm>
+                    <a:off x="7288583" y="4681185"/>
+                    <a:ext cx="317074" cy="246221"/>
+                  </a:xfrm>
+                  <a:prstGeom prst="rect">
+                    <a:avLst/>
+                  </a:prstGeom>
+                  <a:blipFill>
+                    <a:blip r:embed="rId21"/>
+                    <a:stretch>
+                      <a:fillRect l="-11538" r="-7692" b="-25000"/>
+                    </a:stretch>
+                  </a:blipFill>
+                </p:spPr>
+                <p:txBody>
+                  <a:bodyPr/>
+                  <a:lstStyle/>
+                  <a:p>
+                    <a:r>
+                      <a:rPr lang="zh-CN" altLang="en-US">
+                        <a:noFill/>
+                      </a:rPr>
+                      <a:t> </a:t>
+                    </a:r>
+                  </a:p>
+                </p:txBody>
+              </p:sp>
+            </mc:Fallback>
+          </mc:AlternateContent>
+        </p:grpSp>
+      </p:grpSp>
     </p:spTree>
     <p:extLst>
       <p:ext uri="{BB962C8B-B14F-4D97-AF65-F5344CB8AC3E}">
@@ -21583,42 +23173,42 @@
 <file path=ppt/theme/theme1.xml><?xml version="1.0" encoding="utf-8"?>
 <a:theme xmlns:a="http://schemas.openxmlformats.org/drawingml/2006/main" name="Office 主题​​">
   <a:themeElements>
-    <a:clrScheme name="字幕">
+    <a:clrScheme name="纸张">
       <a:dk1>
-        <a:srgbClr val="000000"/>
+        <a:sysClr val="windowText" lastClr="000000"/>
       </a:dk1>
       <a:lt1>
         <a:sysClr val="window" lastClr="FFFFFF"/>
       </a:lt1>
       <a:dk2>
-        <a:srgbClr val="5E5E5E"/>
+        <a:srgbClr val="444D26"/>
       </a:dk2>
       <a:lt2>
-        <a:srgbClr val="DDDDDD"/>
+        <a:srgbClr val="FEFAC9"/>
       </a:lt2>
       <a:accent1>
-        <a:srgbClr val="418AB3"/>
+        <a:srgbClr val="A5B592"/>
       </a:accent1>
       <a:accent2>
-        <a:srgbClr val="A6B727"/>
+        <a:srgbClr val="F3A447"/>
       </a:accent2>
       <a:accent3>
-        <a:srgbClr val="F69200"/>
+        <a:srgbClr val="E7BC29"/>
       </a:accent3>
       <a:accent4>
-        <a:srgbClr val="838383"/>
+        <a:srgbClr val="D092A7"/>
       </a:accent4>
       <a:accent5>
-        <a:srgbClr val="FEC306"/>
+        <a:srgbClr val="9C85C0"/>
       </a:accent5>
       <a:accent6>
-        <a:srgbClr val="DF5327"/>
+        <a:srgbClr val="809EC2"/>
       </a:accent6>
       <a:hlink>
-        <a:srgbClr val="F59E00"/>
+        <a:srgbClr val="8E58B6"/>
       </a:hlink>
       <a:folHlink>
-        <a:srgbClr val="B2B2B2"/>
+        <a:srgbClr val="7F6F6F"/>
       </a:folHlink>
     </a:clrScheme>
     <a:fontScheme name="Office">

--- a/gla/figures/gated_linear_attention.pptx
+++ b/gla/figures/gated_linear_attention.pptx
@@ -5,15 +5,16 @@
     <p:sldMasterId id="2147483648" r:id="rId1"/>
   </p:sldMasterIdLst>
   <p:notesMasterIdLst>
-    <p:notesMasterId r:id="rId8"/>
+    <p:notesMasterId r:id="rId9"/>
   </p:notesMasterIdLst>
   <p:sldIdLst>
     <p:sldId id="256" r:id="rId2"/>
     <p:sldId id="257" r:id="rId3"/>
-    <p:sldId id="258" r:id="rId4"/>
-    <p:sldId id="261" r:id="rId5"/>
-    <p:sldId id="259" r:id="rId6"/>
-    <p:sldId id="260" r:id="rId7"/>
+    <p:sldId id="262" r:id="rId4"/>
+    <p:sldId id="258" r:id="rId5"/>
+    <p:sldId id="261" r:id="rId6"/>
+    <p:sldId id="259" r:id="rId7"/>
+    <p:sldId id="260" r:id="rId8"/>
   </p:sldIdLst>
   <p:sldSz cx="12192000" cy="6858000"/>
   <p:notesSz cx="6858000" cy="9144000"/>
@@ -115,12 +116,12 @@
   <p:extLst>
     <p:ext uri="{EFAFB233-063F-42B5-8137-9DF3F51BA10A}">
       <p15:sldGuideLst xmlns:p15="http://schemas.microsoft.com/office/powerpoint/2012/main">
-        <p15:guide id="1" orient="horz" pos="346" userDrawn="1">
+        <p15:guide id="1" orient="horz" pos="3906" userDrawn="1">
           <p15:clr>
             <a:srgbClr val="A4A3A4"/>
           </p15:clr>
         </p15:guide>
-        <p15:guide id="2" pos="2570" userDrawn="1">
+        <p15:guide id="2" pos="7197" userDrawn="1">
           <p15:clr>
             <a:srgbClr val="A4A3A4"/>
           </p15:clr>
@@ -227,7 +228,7 @@
           <a:p>
             <a:fld id="{6A3D4BF0-8A3B-5645-B26E-DC10AE83E29C}" type="datetimeFigureOut">
               <a:rPr kumimoji="1" lang="zh-CN" altLang="en-US" smtClean="0"/>
-              <a:t>2024/7/8</a:t>
+              <a:t>2024/7/10</a:t>
             </a:fld>
             <a:endParaRPr kumimoji="1" lang="zh-CN" altLang="en-US"/>
           </a:p>
@@ -725,7 +726,7 @@
           <a:p>
             <a:fld id="{80B26E25-A30C-4F48-94C0-D22EAF05D14A}" type="datetimeFigureOut">
               <a:rPr kumimoji="1" lang="zh-CN" altLang="en-US" smtClean="0"/>
-              <a:t>2024/7/8</a:t>
+              <a:t>2024/7/10</a:t>
             </a:fld>
             <a:endParaRPr kumimoji="1" lang="zh-CN" altLang="en-US"/>
           </a:p>
@@ -923,7 +924,7 @@
           <a:p>
             <a:fld id="{80B26E25-A30C-4F48-94C0-D22EAF05D14A}" type="datetimeFigureOut">
               <a:rPr kumimoji="1" lang="zh-CN" altLang="en-US" smtClean="0"/>
-              <a:t>2024/7/8</a:t>
+              <a:t>2024/7/10</a:t>
             </a:fld>
             <a:endParaRPr kumimoji="1" lang="zh-CN" altLang="en-US"/>
           </a:p>
@@ -1131,7 +1132,7 @@
           <a:p>
             <a:fld id="{80B26E25-A30C-4F48-94C0-D22EAF05D14A}" type="datetimeFigureOut">
               <a:rPr kumimoji="1" lang="zh-CN" altLang="en-US" smtClean="0"/>
-              <a:t>2024/7/8</a:t>
+              <a:t>2024/7/10</a:t>
             </a:fld>
             <a:endParaRPr kumimoji="1" lang="zh-CN" altLang="en-US"/>
           </a:p>
@@ -1329,7 +1330,7 @@
           <a:p>
             <a:fld id="{80B26E25-A30C-4F48-94C0-D22EAF05D14A}" type="datetimeFigureOut">
               <a:rPr kumimoji="1" lang="zh-CN" altLang="en-US" smtClean="0"/>
-              <a:t>2024/7/8</a:t>
+              <a:t>2024/7/10</a:t>
             </a:fld>
             <a:endParaRPr kumimoji="1" lang="zh-CN" altLang="en-US"/>
           </a:p>
@@ -1604,7 +1605,7 @@
           <a:p>
             <a:fld id="{80B26E25-A30C-4F48-94C0-D22EAF05D14A}" type="datetimeFigureOut">
               <a:rPr kumimoji="1" lang="zh-CN" altLang="en-US" smtClean="0"/>
-              <a:t>2024/7/8</a:t>
+              <a:t>2024/7/10</a:t>
             </a:fld>
             <a:endParaRPr kumimoji="1" lang="zh-CN" altLang="en-US"/>
           </a:p>
@@ -1869,7 +1870,7 @@
           <a:p>
             <a:fld id="{80B26E25-A30C-4F48-94C0-D22EAF05D14A}" type="datetimeFigureOut">
               <a:rPr kumimoji="1" lang="zh-CN" altLang="en-US" smtClean="0"/>
-              <a:t>2024/7/8</a:t>
+              <a:t>2024/7/10</a:t>
             </a:fld>
             <a:endParaRPr kumimoji="1" lang="zh-CN" altLang="en-US"/>
           </a:p>
@@ -2281,7 +2282,7 @@
           <a:p>
             <a:fld id="{80B26E25-A30C-4F48-94C0-D22EAF05D14A}" type="datetimeFigureOut">
               <a:rPr kumimoji="1" lang="zh-CN" altLang="en-US" smtClean="0"/>
-              <a:t>2024/7/8</a:t>
+              <a:t>2024/7/10</a:t>
             </a:fld>
             <a:endParaRPr kumimoji="1" lang="zh-CN" altLang="en-US"/>
           </a:p>
@@ -2422,7 +2423,7 @@
           <a:p>
             <a:fld id="{80B26E25-A30C-4F48-94C0-D22EAF05D14A}" type="datetimeFigureOut">
               <a:rPr kumimoji="1" lang="zh-CN" altLang="en-US" smtClean="0"/>
-              <a:t>2024/7/8</a:t>
+              <a:t>2024/7/10</a:t>
             </a:fld>
             <a:endParaRPr kumimoji="1" lang="zh-CN" altLang="en-US"/>
           </a:p>
@@ -2535,7 +2536,7 @@
           <a:p>
             <a:fld id="{80B26E25-A30C-4F48-94C0-D22EAF05D14A}" type="datetimeFigureOut">
               <a:rPr kumimoji="1" lang="zh-CN" altLang="en-US" smtClean="0"/>
-              <a:t>2024/7/8</a:t>
+              <a:t>2024/7/10</a:t>
             </a:fld>
             <a:endParaRPr kumimoji="1" lang="zh-CN" altLang="en-US"/>
           </a:p>
@@ -2846,7 +2847,7 @@
           <a:p>
             <a:fld id="{80B26E25-A30C-4F48-94C0-D22EAF05D14A}" type="datetimeFigureOut">
               <a:rPr kumimoji="1" lang="zh-CN" altLang="en-US" smtClean="0"/>
-              <a:t>2024/7/8</a:t>
+              <a:t>2024/7/10</a:t>
             </a:fld>
             <a:endParaRPr kumimoji="1" lang="zh-CN" altLang="en-US"/>
           </a:p>
@@ -3134,7 +3135,7 @@
           <a:p>
             <a:fld id="{80B26E25-A30C-4F48-94C0-D22EAF05D14A}" type="datetimeFigureOut">
               <a:rPr kumimoji="1" lang="zh-CN" altLang="en-US" smtClean="0"/>
-              <a:t>2024/7/8</a:t>
+              <a:t>2024/7/10</a:t>
             </a:fld>
             <a:endParaRPr kumimoji="1" lang="zh-CN" altLang="en-US"/>
           </a:p>
@@ -3375,7 +3376,7 @@
           <a:p>
             <a:fld id="{80B26E25-A30C-4F48-94C0-D22EAF05D14A}" type="datetimeFigureOut">
               <a:rPr kumimoji="1" lang="zh-CN" altLang="en-US" smtClean="0"/>
-              <a:t>2024/7/8</a:t>
+              <a:t>2024/7/10</a:t>
             </a:fld>
             <a:endParaRPr kumimoji="1" lang="zh-CN" altLang="en-US"/>
           </a:p>
@@ -12797,8 +12798,8 @@
           </p:sp>
         </mc:Fallback>
       </mc:AlternateContent>
-      <mc:AlternateContent xmlns:mc="http://schemas.openxmlformats.org/markup-compatibility/2006">
-        <mc:Choice xmlns:a14="http://schemas.microsoft.com/office/drawing/2010/main" Requires="a14">
+      <mc:AlternateContent xmlns:mc="http://schemas.openxmlformats.org/markup-compatibility/2006" xmlns:a14="http://schemas.microsoft.com/office/drawing/2010/main">
+        <mc:Choice Requires="a14">
           <p:sp>
             <p:nvSpPr>
               <p:cNvPr id="3" name="文本框 2">
@@ -12855,7 +12856,7 @@
             </p:txBody>
           </p:sp>
         </mc:Choice>
-        <mc:Fallback>
+        <mc:Fallback xmlns="">
           <p:sp>
             <p:nvSpPr>
               <p:cNvPr id="3" name="文本框 2">
@@ -12900,8 +12901,8 @@
           </p:sp>
         </mc:Fallback>
       </mc:AlternateContent>
-      <mc:AlternateContent xmlns:mc="http://schemas.openxmlformats.org/markup-compatibility/2006">
-        <mc:Choice xmlns:a14="http://schemas.microsoft.com/office/drawing/2010/main" Requires="a14">
+      <mc:AlternateContent xmlns:mc="http://schemas.openxmlformats.org/markup-compatibility/2006" xmlns:a14="http://schemas.microsoft.com/office/drawing/2010/main">
+        <mc:Choice Requires="a14">
           <p:sp>
             <p:nvSpPr>
               <p:cNvPr id="4" name="文本框 3">
@@ -12958,7 +12959,7 @@
             </p:txBody>
           </p:sp>
         </mc:Choice>
-        <mc:Fallback>
+        <mc:Fallback xmlns="">
           <p:sp>
             <p:nvSpPr>
               <p:cNvPr id="4" name="文本框 3">
@@ -13003,8 +13004,8 @@
           </p:sp>
         </mc:Fallback>
       </mc:AlternateContent>
-      <mc:AlternateContent xmlns:mc="http://schemas.openxmlformats.org/markup-compatibility/2006">
-        <mc:Choice xmlns:a14="http://schemas.microsoft.com/office/drawing/2010/main" Requires="a14">
+      <mc:AlternateContent xmlns:mc="http://schemas.openxmlformats.org/markup-compatibility/2006" xmlns:a14="http://schemas.microsoft.com/office/drawing/2010/main">
+        <mc:Choice Requires="a14">
           <p:sp>
             <p:nvSpPr>
               <p:cNvPr id="5" name="文本框 4">
@@ -13061,7 +13062,7 @@
             </p:txBody>
           </p:sp>
         </mc:Choice>
-        <mc:Fallback>
+        <mc:Fallback xmlns="">
           <p:sp>
             <p:nvSpPr>
               <p:cNvPr id="5" name="文本框 4">
@@ -13106,8 +13107,8 @@
           </p:sp>
         </mc:Fallback>
       </mc:AlternateContent>
-      <mc:AlternateContent xmlns:mc="http://schemas.openxmlformats.org/markup-compatibility/2006">
-        <mc:Choice xmlns:a14="http://schemas.microsoft.com/office/drawing/2010/main" Requires="a14">
+      <mc:AlternateContent xmlns:mc="http://schemas.openxmlformats.org/markup-compatibility/2006" xmlns:a14="http://schemas.microsoft.com/office/drawing/2010/main">
+        <mc:Choice Requires="a14">
           <p:sp>
             <p:nvSpPr>
               <p:cNvPr id="6" name="文本框 5">
@@ -13164,7 +13165,7 @@
             </p:txBody>
           </p:sp>
         </mc:Choice>
-        <mc:Fallback>
+        <mc:Fallback xmlns="">
           <p:sp>
             <p:nvSpPr>
               <p:cNvPr id="6" name="文本框 5">
@@ -13209,8 +13210,8 @@
           </p:sp>
         </mc:Fallback>
       </mc:AlternateContent>
-      <mc:AlternateContent xmlns:mc="http://schemas.openxmlformats.org/markup-compatibility/2006">
-        <mc:Choice xmlns:a14="http://schemas.microsoft.com/office/drawing/2010/main" Requires="a14">
+      <mc:AlternateContent xmlns:mc="http://schemas.openxmlformats.org/markup-compatibility/2006" xmlns:a14="http://schemas.microsoft.com/office/drawing/2010/main">
+        <mc:Choice Requires="a14">
           <p:sp>
             <p:nvSpPr>
               <p:cNvPr id="7" name="文本框 6">
@@ -13267,7 +13268,7 @@
             </p:txBody>
           </p:sp>
         </mc:Choice>
-        <mc:Fallback>
+        <mc:Fallback xmlns="">
           <p:sp>
             <p:nvSpPr>
               <p:cNvPr id="7" name="文本框 6">
@@ -14524,8 +14525,8 @@
               <a:chExt cx="2805240" cy="1432559"/>
             </a:xfrm>
           </p:grpSpPr>
-          <mc:AlternateContent xmlns:mc="http://schemas.openxmlformats.org/markup-compatibility/2006">
-            <mc:Choice xmlns:a14="http://schemas.microsoft.com/office/drawing/2010/main" Requires="a14">
+          <mc:AlternateContent xmlns:mc="http://schemas.openxmlformats.org/markup-compatibility/2006" xmlns:a14="http://schemas.microsoft.com/office/drawing/2010/main">
+            <mc:Choice Requires="a14">
               <p:sp>
                 <p:nvSpPr>
                   <p:cNvPr id="14" name="文本框 13">
@@ -14600,7 +14601,7 @@
                 </p:txBody>
               </p:sp>
             </mc:Choice>
-            <mc:Fallback>
+            <mc:Fallback xmlns="">
               <p:sp>
                 <p:nvSpPr>
                   <p:cNvPr id="14" name="文本框 13">
@@ -14777,8 +14778,8 @@
               </a:p>
             </p:txBody>
           </p:sp>
-          <mc:AlternateContent xmlns:mc="http://schemas.openxmlformats.org/markup-compatibility/2006">
-            <mc:Choice xmlns:a14="http://schemas.microsoft.com/office/drawing/2010/main" Requires="a14">
+          <mc:AlternateContent xmlns:mc="http://schemas.openxmlformats.org/markup-compatibility/2006" xmlns:a14="http://schemas.microsoft.com/office/drawing/2010/main">
+            <mc:Choice Requires="a14">
               <p:sp>
                 <p:nvSpPr>
                   <p:cNvPr id="12" name="矩形 11">
@@ -14892,7 +14893,7 @@
                 </p:txBody>
               </p:sp>
             </mc:Choice>
-            <mc:Fallback>
+            <mc:Fallback xmlns="">
               <p:sp>
                 <p:nvSpPr>
                   <p:cNvPr id="12" name="矩形 11">
@@ -14945,8 +14946,8 @@
               </p:sp>
             </mc:Fallback>
           </mc:AlternateContent>
-          <mc:AlternateContent xmlns:mc="http://schemas.openxmlformats.org/markup-compatibility/2006">
-            <mc:Choice xmlns:a14="http://schemas.microsoft.com/office/drawing/2010/main" Requires="a14">
+          <mc:AlternateContent xmlns:mc="http://schemas.openxmlformats.org/markup-compatibility/2006" xmlns:a14="http://schemas.microsoft.com/office/drawing/2010/main">
+            <mc:Choice Requires="a14">
               <p:sp>
                 <p:nvSpPr>
                   <p:cNvPr id="13" name="文本框 12">
@@ -15021,7 +15022,7 @@
                 </p:txBody>
               </p:sp>
             </mc:Choice>
-            <mc:Fallback>
+            <mc:Fallback xmlns="">
               <p:sp>
                 <p:nvSpPr>
                   <p:cNvPr id="13" name="文本框 12">
@@ -15066,8 +15067,8 @@
               </p:sp>
             </mc:Fallback>
           </mc:AlternateContent>
-          <mc:AlternateContent xmlns:mc="http://schemas.openxmlformats.org/markup-compatibility/2006">
-            <mc:Choice xmlns:a14="http://schemas.microsoft.com/office/drawing/2010/main" Requires="a14">
+          <mc:AlternateContent xmlns:mc="http://schemas.openxmlformats.org/markup-compatibility/2006" xmlns:a14="http://schemas.microsoft.com/office/drawing/2010/main">
+            <mc:Choice Requires="a14">
               <p:sp>
                 <p:nvSpPr>
                   <p:cNvPr id="15" name="矩形 14">
@@ -15191,7 +15192,7 @@
                 </p:txBody>
               </p:sp>
             </mc:Choice>
-            <mc:Fallback>
+            <mc:Fallback xmlns="">
               <p:sp>
                 <p:nvSpPr>
                   <p:cNvPr id="15" name="矩形 14">
@@ -15244,8 +15245,8 @@
               </p:sp>
             </mc:Fallback>
           </mc:AlternateContent>
-          <mc:AlternateContent xmlns:mc="http://schemas.openxmlformats.org/markup-compatibility/2006">
-            <mc:Choice xmlns:a14="http://schemas.microsoft.com/office/drawing/2010/main" Requires="a14">
+          <mc:AlternateContent xmlns:mc="http://schemas.openxmlformats.org/markup-compatibility/2006" xmlns:a14="http://schemas.microsoft.com/office/drawing/2010/main">
+            <mc:Choice Requires="a14">
               <p:sp>
                 <p:nvSpPr>
                   <p:cNvPr id="21" name="文本框 20">
@@ -15302,7 +15303,7 @@
                 </p:txBody>
               </p:sp>
             </mc:Choice>
-            <mc:Fallback>
+            <mc:Fallback xmlns="">
               <p:sp>
                 <p:nvSpPr>
                   <p:cNvPr id="21" name="文本框 20">
@@ -15347,8 +15348,8 @@
               </p:sp>
             </mc:Fallback>
           </mc:AlternateContent>
-          <mc:AlternateContent xmlns:mc="http://schemas.openxmlformats.org/markup-compatibility/2006">
-            <mc:Choice xmlns:a14="http://schemas.microsoft.com/office/drawing/2010/main" Requires="a14">
+          <mc:AlternateContent xmlns:mc="http://schemas.openxmlformats.org/markup-compatibility/2006" xmlns:a14="http://schemas.microsoft.com/office/drawing/2010/main">
+            <mc:Choice Requires="a14">
               <p:sp>
                 <p:nvSpPr>
                   <p:cNvPr id="22" name="文本框 21">
@@ -15398,7 +15399,7 @@
                 </p:txBody>
               </p:sp>
             </mc:Choice>
-            <mc:Fallback>
+            <mc:Fallback xmlns="">
               <p:sp>
                 <p:nvSpPr>
                   <p:cNvPr id="22" name="文本框 21">
@@ -15507,8 +15508,8 @@
             </a:p>
           </p:txBody>
         </p:sp>
-        <mc:AlternateContent xmlns:mc="http://schemas.openxmlformats.org/markup-compatibility/2006">
-          <mc:Choice xmlns:a14="http://schemas.microsoft.com/office/drawing/2010/main" Requires="a14">
+        <mc:AlternateContent xmlns:mc="http://schemas.openxmlformats.org/markup-compatibility/2006" xmlns:a14="http://schemas.microsoft.com/office/drawing/2010/main">
+          <mc:Choice Requires="a14">
             <p:sp>
               <p:nvSpPr>
                 <p:cNvPr id="25" name="文本框 24">
@@ -15583,7 +15584,7 @@
               </p:txBody>
             </p:sp>
           </mc:Choice>
-          <mc:Fallback>
+          <mc:Fallback xmlns="">
             <p:sp>
               <p:nvSpPr>
                 <p:cNvPr id="25" name="文本框 24">
@@ -15628,8 +15629,8 @@
             </p:sp>
           </mc:Fallback>
         </mc:AlternateContent>
-        <mc:AlternateContent xmlns:mc="http://schemas.openxmlformats.org/markup-compatibility/2006">
-          <mc:Choice xmlns:a14="http://schemas.microsoft.com/office/drawing/2010/main" Requires="a14">
+        <mc:AlternateContent xmlns:mc="http://schemas.openxmlformats.org/markup-compatibility/2006" xmlns:a14="http://schemas.microsoft.com/office/drawing/2010/main">
+          <mc:Choice Requires="a14">
             <p:sp>
               <p:nvSpPr>
                 <p:cNvPr id="26" name="文本框 25">
@@ -15686,7 +15687,7 @@
               </p:txBody>
             </p:sp>
           </mc:Choice>
-          <mc:Fallback>
+          <mc:Fallback xmlns="">
             <p:sp>
               <p:nvSpPr>
                 <p:cNvPr id="26" name="文本框 25">
@@ -15845,8 +15846,8 @@
             </a:p>
           </p:txBody>
         </p:sp>
-        <mc:AlternateContent xmlns:mc="http://schemas.openxmlformats.org/markup-compatibility/2006">
-          <mc:Choice xmlns:a14="http://schemas.microsoft.com/office/drawing/2010/main" Requires="a14">
+        <mc:AlternateContent xmlns:mc="http://schemas.openxmlformats.org/markup-compatibility/2006" xmlns:a14="http://schemas.microsoft.com/office/drawing/2010/main">
+          <mc:Choice Requires="a14">
             <p:sp>
               <p:nvSpPr>
                 <p:cNvPr id="31" name="文本框 30">
@@ -15921,7 +15922,7 @@
               </p:txBody>
             </p:sp>
           </mc:Choice>
-          <mc:Fallback>
+          <mc:Fallback xmlns="">
             <p:sp>
               <p:nvSpPr>
                 <p:cNvPr id="31" name="文本框 30">
@@ -15966,8 +15967,8 @@
             </p:sp>
           </mc:Fallback>
         </mc:AlternateContent>
-        <mc:AlternateContent xmlns:mc="http://schemas.openxmlformats.org/markup-compatibility/2006">
-          <mc:Choice xmlns:a14="http://schemas.microsoft.com/office/drawing/2010/main" Requires="a14">
+        <mc:AlternateContent xmlns:mc="http://schemas.openxmlformats.org/markup-compatibility/2006" xmlns:a14="http://schemas.microsoft.com/office/drawing/2010/main">
+          <mc:Choice Requires="a14">
             <p:sp>
               <p:nvSpPr>
                 <p:cNvPr id="32" name="文本框 31">
@@ -16017,7 +16018,7 @@
               </p:txBody>
             </p:sp>
           </mc:Choice>
-          <mc:Fallback>
+          <mc:Fallback xmlns="">
             <p:sp>
               <p:nvSpPr>
                 <p:cNvPr id="32" name="文本框 31">
@@ -16191,8 +16192,8 @@
             </a:fontRef>
           </p:style>
         </p:cxnSp>
-        <mc:AlternateContent xmlns:mc="http://schemas.openxmlformats.org/markup-compatibility/2006">
-          <mc:Choice xmlns:a14="http://schemas.microsoft.com/office/drawing/2010/main" Requires="a14">
+        <mc:AlternateContent xmlns:mc="http://schemas.openxmlformats.org/markup-compatibility/2006" xmlns:a14="http://schemas.microsoft.com/office/drawing/2010/main">
+          <mc:Choice Requires="a14">
             <p:sp>
               <p:nvSpPr>
                 <p:cNvPr id="23" name="文本框 22">
@@ -16306,7 +16307,7 @@
               </p:txBody>
             </p:sp>
           </mc:Choice>
-          <mc:Fallback>
+          <mc:Fallback xmlns="">
             <p:sp>
               <p:nvSpPr>
                 <p:cNvPr id="23" name="文本框 22">
@@ -16382,8 +16383,2681 @@
           <a:chExt cx="0" cy="0"/>
         </a:xfrm>
       </p:grpSpPr>
-      <mc:AlternateContent xmlns:mc="http://schemas.openxmlformats.org/markup-compatibility/2006">
-        <mc:Choice xmlns:a14="http://schemas.microsoft.com/office/drawing/2010/main" Requires="a14">
+      <p:grpSp>
+        <p:nvGrpSpPr>
+          <p:cNvPr id="87" name="组合 86">
+            <a:extLst>
+              <a:ext uri="{FF2B5EF4-FFF2-40B4-BE49-F238E27FC236}">
+                <a16:creationId xmlns:a16="http://schemas.microsoft.com/office/drawing/2014/main" id="{BCD1D303-ED47-4D5A-17E6-ED8697433341}"/>
+              </a:ext>
+            </a:extLst>
+          </p:cNvPr>
+          <p:cNvGrpSpPr/>
+          <p:nvPr/>
+        </p:nvGrpSpPr>
+        <p:grpSpPr>
+          <a:xfrm>
+            <a:off x="1835150" y="968374"/>
+            <a:ext cx="6972511" cy="3390700"/>
+            <a:chOff x="1231900" y="66674"/>
+            <a:chExt cx="6972511" cy="3390700"/>
+          </a:xfrm>
+        </p:grpSpPr>
+        <p:sp>
+          <p:nvSpPr>
+            <p:cNvPr id="3" name="矩形 2">
+              <a:extLst>
+                <a:ext uri="{FF2B5EF4-FFF2-40B4-BE49-F238E27FC236}">
+                  <a16:creationId xmlns:a16="http://schemas.microsoft.com/office/drawing/2014/main" id="{8619B98C-EABB-B5FF-07FA-22E62EA24A60}"/>
+                </a:ext>
+              </a:extLst>
+            </p:cNvPr>
+            <p:cNvSpPr/>
+            <p:nvPr/>
+          </p:nvSpPr>
+          <p:spPr>
+            <a:xfrm>
+              <a:off x="2031999" y="2311399"/>
+              <a:ext cx="1371600" cy="762000"/>
+            </a:xfrm>
+            <a:prstGeom prst="rect">
+              <a:avLst/>
+            </a:prstGeom>
+            <a:noFill/>
+          </p:spPr>
+          <p:style>
+            <a:lnRef idx="2">
+              <a:schemeClr val="accent1">
+                <a:shade val="15000"/>
+              </a:schemeClr>
+            </a:lnRef>
+            <a:fillRef idx="1">
+              <a:schemeClr val="accent1"/>
+            </a:fillRef>
+            <a:effectRef idx="0">
+              <a:schemeClr val="accent1"/>
+            </a:effectRef>
+            <a:fontRef idx="minor">
+              <a:schemeClr val="lt1"/>
+            </a:fontRef>
+          </p:style>
+          <p:txBody>
+            <a:bodyPr rtlCol="0" anchor="ctr"/>
+            <a:lstStyle/>
+            <a:p>
+              <a:pPr algn="ctr"/>
+              <a:endParaRPr kumimoji="1" lang="zh-CN" altLang="en-US"/>
+            </a:p>
+          </p:txBody>
+        </p:sp>
+        <p:sp>
+          <p:nvSpPr>
+            <p:cNvPr id="10" name="矩形 9">
+              <a:extLst>
+                <a:ext uri="{FF2B5EF4-FFF2-40B4-BE49-F238E27FC236}">
+                  <a16:creationId xmlns:a16="http://schemas.microsoft.com/office/drawing/2014/main" id="{F7D2D8CB-C729-6E01-8CE2-E31522BAD4FC}"/>
+                </a:ext>
+              </a:extLst>
+            </p:cNvPr>
+            <p:cNvSpPr/>
+            <p:nvPr/>
+          </p:nvSpPr>
+          <p:spPr>
+            <a:xfrm>
+              <a:off x="3742266" y="2311399"/>
+              <a:ext cx="1371600" cy="762000"/>
+            </a:xfrm>
+            <a:prstGeom prst="rect">
+              <a:avLst/>
+            </a:prstGeom>
+            <a:noFill/>
+          </p:spPr>
+          <p:style>
+            <a:lnRef idx="2">
+              <a:schemeClr val="accent1">
+                <a:shade val="15000"/>
+              </a:schemeClr>
+            </a:lnRef>
+            <a:fillRef idx="1">
+              <a:schemeClr val="accent1"/>
+            </a:fillRef>
+            <a:effectRef idx="0">
+              <a:schemeClr val="accent1"/>
+            </a:effectRef>
+            <a:fontRef idx="minor">
+              <a:schemeClr val="lt1"/>
+            </a:fontRef>
+          </p:style>
+          <p:txBody>
+            <a:bodyPr rtlCol="0" anchor="ctr"/>
+            <a:lstStyle/>
+            <a:p>
+              <a:pPr algn="ctr"/>
+              <a:endParaRPr kumimoji="1" lang="zh-CN" altLang="en-US" dirty="0">
+                <a:solidFill>
+                  <a:schemeClr val="tx1"/>
+                </a:solidFill>
+              </a:endParaRPr>
+            </a:p>
+          </p:txBody>
+        </p:sp>
+        <mc:AlternateContent xmlns:mc="http://schemas.openxmlformats.org/markup-compatibility/2006">
+          <mc:Choice xmlns:a14="http://schemas.microsoft.com/office/drawing/2010/main" Requires="a14">
+            <p:sp>
+              <p:nvSpPr>
+                <p:cNvPr id="38" name="文本框 37">
+                  <a:extLst>
+                    <a:ext uri="{FF2B5EF4-FFF2-40B4-BE49-F238E27FC236}">
+                      <a16:creationId xmlns:a16="http://schemas.microsoft.com/office/drawing/2014/main" id="{1291803D-5165-D313-2052-2331FE468B88}"/>
+                    </a:ext>
+                  </a:extLst>
+                </p:cNvPr>
+                <p:cNvSpPr txBox="1"/>
+                <p:nvPr/>
+              </p:nvSpPr>
+              <p:spPr>
+                <a:xfrm>
+                  <a:off x="3285067" y="2499266"/>
+                  <a:ext cx="609600" cy="369332"/>
+                </a:xfrm>
+                <a:prstGeom prst="rect">
+                  <a:avLst/>
+                </a:prstGeom>
+                <a:noFill/>
+              </p:spPr>
+              <p:txBody>
+                <a:bodyPr wrap="square">
+                  <a:spAutoFit/>
+                </a:bodyPr>
+                <a:lstStyle/>
+                <a:p>
+                  <a:pPr algn="ctr"/>
+                  <a14:m>
+                    <m:oMathPara xmlns:m="http://schemas.openxmlformats.org/officeDocument/2006/math">
+                      <m:oMathParaPr>
+                        <m:jc m:val="centerGroup"/>
+                      </m:oMathParaPr>
+                      <m:oMath xmlns:m="http://schemas.openxmlformats.org/officeDocument/2006/math">
+                        <m:r>
+                          <a:rPr kumimoji="1" lang="en-US" altLang="zh-CN" b="0" i="1" smtClean="0">
+                            <a:solidFill>
+                              <a:schemeClr val="tx1"/>
+                            </a:solidFill>
+                            <a:latin typeface="Cambria Math" panose="02040503050406030204" pitchFamily="18" charset="0"/>
+                          </a:rPr>
+                          <m:t>⊙</m:t>
+                        </m:r>
+                      </m:oMath>
+                    </m:oMathPara>
+                  </a14:m>
+                  <a:endParaRPr kumimoji="1" lang="zh-CN" altLang="en-US" dirty="0">
+                    <a:solidFill>
+                      <a:schemeClr val="tx1"/>
+                    </a:solidFill>
+                  </a:endParaRPr>
+                </a:p>
+              </p:txBody>
+            </p:sp>
+          </mc:Choice>
+          <mc:Fallback>
+            <p:sp>
+              <p:nvSpPr>
+                <p:cNvPr id="38" name="文本框 37">
+                  <a:extLst>
+                    <a:ext uri="{FF2B5EF4-FFF2-40B4-BE49-F238E27FC236}">
+                      <a16:creationId xmlns:a16="http://schemas.microsoft.com/office/drawing/2014/main" id="{1291803D-5165-D313-2052-2331FE468B88}"/>
+                    </a:ext>
+                  </a:extLst>
+                </p:cNvPr>
+                <p:cNvSpPr txBox="1">
+                  <a:spLocks noRot="1" noChangeAspect="1" noMove="1" noResize="1" noEditPoints="1" noAdjustHandles="1" noChangeArrowheads="1" noChangeShapeType="1" noTextEdit="1"/>
+                </p:cNvSpPr>
+                <p:nvPr/>
+              </p:nvSpPr>
+              <p:spPr>
+                <a:xfrm>
+                  <a:off x="3285067" y="2499266"/>
+                  <a:ext cx="609600" cy="369332"/>
+                </a:xfrm>
+                <a:prstGeom prst="rect">
+                  <a:avLst/>
+                </a:prstGeom>
+                <a:blipFill>
+                  <a:blip r:embed="rId2"/>
+                  <a:stretch>
+                    <a:fillRect b="-6667"/>
+                  </a:stretch>
+                </a:blipFill>
+              </p:spPr>
+              <p:txBody>
+                <a:bodyPr/>
+                <a:lstStyle/>
+                <a:p>
+                  <a:r>
+                    <a:rPr lang="zh-CN" altLang="en-US">
+                      <a:noFill/>
+                    </a:rPr>
+                    <a:t> </a:t>
+                  </a:r>
+                </a:p>
+              </p:txBody>
+            </p:sp>
+          </mc:Fallback>
+        </mc:AlternateContent>
+        <mc:AlternateContent xmlns:mc="http://schemas.openxmlformats.org/markup-compatibility/2006">
+          <mc:Choice xmlns:a14="http://schemas.microsoft.com/office/drawing/2010/main" Requires="a14">
+            <p:sp>
+              <p:nvSpPr>
+                <p:cNvPr id="39" name="文本框 38">
+                  <a:extLst>
+                    <a:ext uri="{FF2B5EF4-FFF2-40B4-BE49-F238E27FC236}">
+                      <a16:creationId xmlns:a16="http://schemas.microsoft.com/office/drawing/2014/main" id="{15B6FE29-1D4F-0FE9-85B4-33275D7207B1}"/>
+                    </a:ext>
+                  </a:extLst>
+                </p:cNvPr>
+                <p:cNvSpPr txBox="1"/>
+                <p:nvPr/>
+              </p:nvSpPr>
+              <p:spPr>
+                <a:xfrm>
+                  <a:off x="6882293" y="1318666"/>
+                  <a:ext cx="609600" cy="369332"/>
+                </a:xfrm>
+                <a:prstGeom prst="rect">
+                  <a:avLst/>
+                </a:prstGeom>
+                <a:noFill/>
+              </p:spPr>
+              <p:txBody>
+                <a:bodyPr wrap="square">
+                  <a:spAutoFit/>
+                </a:bodyPr>
+                <a:lstStyle/>
+                <a:p>
+                  <a:pPr algn="ctr"/>
+                  <a14:m>
+                    <m:oMathPara xmlns:m="http://schemas.openxmlformats.org/officeDocument/2006/math">
+                      <m:oMathParaPr>
+                        <m:jc m:val="centerGroup"/>
+                      </m:oMathParaPr>
+                      <m:oMath xmlns:m="http://schemas.openxmlformats.org/officeDocument/2006/math">
+                        <m:r>
+                          <a:rPr kumimoji="1" lang="en-US" altLang="zh-CN" b="0" i="1" smtClean="0">
+                            <a:solidFill>
+                              <a:schemeClr val="tx1"/>
+                            </a:solidFill>
+                            <a:latin typeface="Cambria Math" panose="02040503050406030204" pitchFamily="18" charset="0"/>
+                          </a:rPr>
+                          <m:t>/</m:t>
+                        </m:r>
+                      </m:oMath>
+                    </m:oMathPara>
+                  </a14:m>
+                  <a:endParaRPr kumimoji="1" lang="zh-CN" altLang="en-US" dirty="0">
+                    <a:solidFill>
+                      <a:schemeClr val="tx1"/>
+                    </a:solidFill>
+                  </a:endParaRPr>
+                </a:p>
+              </p:txBody>
+            </p:sp>
+          </mc:Choice>
+          <mc:Fallback>
+            <p:sp>
+              <p:nvSpPr>
+                <p:cNvPr id="39" name="文本框 38">
+                  <a:extLst>
+                    <a:ext uri="{FF2B5EF4-FFF2-40B4-BE49-F238E27FC236}">
+                      <a16:creationId xmlns:a16="http://schemas.microsoft.com/office/drawing/2014/main" id="{15B6FE29-1D4F-0FE9-85B4-33275D7207B1}"/>
+                    </a:ext>
+                  </a:extLst>
+                </p:cNvPr>
+                <p:cNvSpPr txBox="1">
+                  <a:spLocks noRot="1" noChangeAspect="1" noMove="1" noResize="1" noEditPoints="1" noAdjustHandles="1" noChangeArrowheads="1" noChangeShapeType="1" noTextEdit="1"/>
+                </p:cNvSpPr>
+                <p:nvPr/>
+              </p:nvSpPr>
+              <p:spPr>
+                <a:xfrm>
+                  <a:off x="6882293" y="1318666"/>
+                  <a:ext cx="609600" cy="369332"/>
+                </a:xfrm>
+                <a:prstGeom prst="rect">
+                  <a:avLst/>
+                </a:prstGeom>
+                <a:blipFill>
+                  <a:blip r:embed="rId3"/>
+                  <a:stretch>
+                    <a:fillRect b="-12903"/>
+                  </a:stretch>
+                </a:blipFill>
+              </p:spPr>
+              <p:txBody>
+                <a:bodyPr/>
+                <a:lstStyle/>
+                <a:p>
+                  <a:r>
+                    <a:rPr lang="zh-CN" altLang="en-US">
+                      <a:noFill/>
+                    </a:rPr>
+                    <a:t> </a:t>
+                  </a:r>
+                </a:p>
+              </p:txBody>
+            </p:sp>
+          </mc:Fallback>
+        </mc:AlternateContent>
+        <p:sp>
+          <p:nvSpPr>
+            <p:cNvPr id="41" name="双中括号 40">
+              <a:extLst>
+                <a:ext uri="{FF2B5EF4-FFF2-40B4-BE49-F238E27FC236}">
+                  <a16:creationId xmlns:a16="http://schemas.microsoft.com/office/drawing/2014/main" id="{15D26222-53C4-2CBE-2F05-A75D912DEABF}"/>
+                </a:ext>
+              </a:extLst>
+            </p:cNvPr>
+            <p:cNvSpPr/>
+            <p:nvPr/>
+          </p:nvSpPr>
+          <p:spPr>
+            <a:xfrm>
+              <a:off x="1938868" y="2184398"/>
+              <a:ext cx="3268132" cy="1016000"/>
+            </a:xfrm>
+            <a:prstGeom prst="bracketPair">
+              <a:avLst>
+                <a:gd name="adj" fmla="val 6667"/>
+              </a:avLst>
+            </a:prstGeom>
+            <a:ln>
+              <a:solidFill>
+                <a:schemeClr val="tx1"/>
+              </a:solidFill>
+            </a:ln>
+          </p:spPr>
+          <p:style>
+            <a:lnRef idx="2">
+              <a:schemeClr val="accent1"/>
+            </a:lnRef>
+            <a:fillRef idx="0">
+              <a:schemeClr val="accent1"/>
+            </a:fillRef>
+            <a:effectRef idx="1">
+              <a:schemeClr val="accent1"/>
+            </a:effectRef>
+            <a:fontRef idx="minor">
+              <a:schemeClr val="tx1"/>
+            </a:fontRef>
+          </p:style>
+          <p:txBody>
+            <a:bodyPr rtlCol="0" anchor="ctr"/>
+            <a:lstStyle/>
+            <a:p>
+              <a:pPr algn="ctr"/>
+              <a:endParaRPr kumimoji="1" lang="zh-CN" altLang="en-US"/>
+            </a:p>
+          </p:txBody>
+        </p:sp>
+        <p:sp>
+          <p:nvSpPr>
+            <p:cNvPr id="42" name="双中括号 41">
+              <a:extLst>
+                <a:ext uri="{FF2B5EF4-FFF2-40B4-BE49-F238E27FC236}">
+                  <a16:creationId xmlns:a16="http://schemas.microsoft.com/office/drawing/2014/main" id="{96E023C3-1DEF-A9D0-3B1A-4A57A5F75D97}"/>
+                </a:ext>
+              </a:extLst>
+            </p:cNvPr>
+            <p:cNvSpPr/>
+            <p:nvPr/>
+          </p:nvSpPr>
+          <p:spPr>
+            <a:xfrm>
+              <a:off x="5867868" y="794949"/>
+              <a:ext cx="2336543" cy="1364048"/>
+            </a:xfrm>
+            <a:prstGeom prst="bracketPair">
+              <a:avLst>
+                <a:gd name="adj" fmla="val 6201"/>
+              </a:avLst>
+            </a:prstGeom>
+            <a:ln>
+              <a:solidFill>
+                <a:schemeClr val="tx1"/>
+              </a:solidFill>
+            </a:ln>
+          </p:spPr>
+          <p:style>
+            <a:lnRef idx="2">
+              <a:schemeClr val="accent1"/>
+            </a:lnRef>
+            <a:fillRef idx="0">
+              <a:schemeClr val="accent1"/>
+            </a:fillRef>
+            <a:effectRef idx="1">
+              <a:schemeClr val="accent1"/>
+            </a:effectRef>
+            <a:fontRef idx="minor">
+              <a:schemeClr val="tx1"/>
+            </a:fontRef>
+          </p:style>
+          <p:txBody>
+            <a:bodyPr rtlCol="0" anchor="ctr"/>
+            <a:lstStyle/>
+            <a:p>
+              <a:pPr algn="ctr"/>
+              <a:endParaRPr kumimoji="1" lang="zh-CN" altLang="en-US"/>
+            </a:p>
+          </p:txBody>
+        </p:sp>
+        <p:cxnSp>
+          <p:nvCxnSpPr>
+            <p:cNvPr id="45" name="直线箭头连接符 44">
+              <a:extLst>
+                <a:ext uri="{FF2B5EF4-FFF2-40B4-BE49-F238E27FC236}">
+                  <a16:creationId xmlns:a16="http://schemas.microsoft.com/office/drawing/2014/main" id="{67734753-D8F3-44E3-830E-EA86F642C81A}"/>
+                </a:ext>
+              </a:extLst>
+            </p:cNvPr>
+            <p:cNvCxnSpPr/>
+            <p:nvPr/>
+          </p:nvCxnSpPr>
+          <p:spPr>
+            <a:xfrm>
+              <a:off x="2031999" y="2235200"/>
+              <a:ext cx="1371600" cy="0"/>
+            </a:xfrm>
+            <a:prstGeom prst="straightConnector1">
+              <a:avLst/>
+            </a:prstGeom>
+            <a:ln>
+              <a:headEnd type="triangle"/>
+              <a:tailEnd type="triangle"/>
+            </a:ln>
+          </p:spPr>
+          <p:style>
+            <a:lnRef idx="2">
+              <a:schemeClr val="accent1"/>
+            </a:lnRef>
+            <a:fillRef idx="0">
+              <a:schemeClr val="accent1"/>
+            </a:fillRef>
+            <a:effectRef idx="1">
+              <a:schemeClr val="accent1"/>
+            </a:effectRef>
+            <a:fontRef idx="minor">
+              <a:schemeClr val="tx1"/>
+            </a:fontRef>
+          </p:style>
+        </p:cxnSp>
+        <mc:AlternateContent xmlns:mc="http://schemas.openxmlformats.org/markup-compatibility/2006">
+          <mc:Choice xmlns:a14="http://schemas.microsoft.com/office/drawing/2010/main" Requires="a14">
+            <p:sp>
+              <p:nvSpPr>
+                <p:cNvPr id="46" name="文本框 45">
+                  <a:extLst>
+                    <a:ext uri="{FF2B5EF4-FFF2-40B4-BE49-F238E27FC236}">
+                      <a16:creationId xmlns:a16="http://schemas.microsoft.com/office/drawing/2014/main" id="{88F4E3F6-B049-0F12-6FD0-7B3A2FBB4830}"/>
+                    </a:ext>
+                  </a:extLst>
+                </p:cNvPr>
+                <p:cNvSpPr txBox="1"/>
+                <p:nvPr/>
+              </p:nvSpPr>
+              <p:spPr>
+                <a:xfrm>
+                  <a:off x="2561474" y="1945501"/>
+                  <a:ext cx="312650" cy="276999"/>
+                </a:xfrm>
+                <a:prstGeom prst="rect">
+                  <a:avLst/>
+                </a:prstGeom>
+                <a:noFill/>
+              </p:spPr>
+              <p:txBody>
+                <a:bodyPr wrap="none" lIns="0" tIns="0" rIns="0" bIns="0" rtlCol="0">
+                  <a:spAutoFit/>
+                </a:bodyPr>
+                <a:lstStyle/>
+                <a:p>
+                  <a14:m>
+                    <m:oMathPara xmlns:m="http://schemas.openxmlformats.org/officeDocument/2006/math">
+                      <m:oMathParaPr>
+                        <m:jc m:val="centerGroup"/>
+                      </m:oMathParaPr>
+                      <m:oMath xmlns:m="http://schemas.openxmlformats.org/officeDocument/2006/math">
+                        <m:sSub>
+                          <m:sSubPr>
+                            <m:ctrlPr>
+                              <a:rPr kumimoji="1" lang="en-US" altLang="zh-CN" b="0" i="1" smtClean="0">
+                                <a:latin typeface="Cambria Math" panose="02040503050406030204" pitchFamily="18" charset="0"/>
+                              </a:rPr>
+                            </m:ctrlPr>
+                          </m:sSubPr>
+                          <m:e>
+                            <m:r>
+                              <a:rPr kumimoji="1" lang="en-US" altLang="zh-CN" b="0" i="1" smtClean="0">
+                                <a:latin typeface="Cambria Math" panose="02040503050406030204" pitchFamily="18" charset="0"/>
+                              </a:rPr>
+                              <m:t>𝑑</m:t>
+                            </m:r>
+                          </m:e>
+                          <m:sub>
+                            <m:r>
+                              <a:rPr kumimoji="1" lang="en-US" altLang="zh-CN" b="0" i="1" smtClean="0">
+                                <a:latin typeface="Cambria Math" panose="02040503050406030204" pitchFamily="18" charset="0"/>
+                              </a:rPr>
+                              <m:t>𝑘</m:t>
+                            </m:r>
+                          </m:sub>
+                        </m:sSub>
+                      </m:oMath>
+                    </m:oMathPara>
+                  </a14:m>
+                  <a:endParaRPr kumimoji="1" lang="zh-CN" altLang="en-US" dirty="0"/>
+                </a:p>
+              </p:txBody>
+            </p:sp>
+          </mc:Choice>
+          <mc:Fallback>
+            <p:sp>
+              <p:nvSpPr>
+                <p:cNvPr id="46" name="文本框 45">
+                  <a:extLst>
+                    <a:ext uri="{FF2B5EF4-FFF2-40B4-BE49-F238E27FC236}">
+                      <a16:creationId xmlns:a16="http://schemas.microsoft.com/office/drawing/2014/main" id="{88F4E3F6-B049-0F12-6FD0-7B3A2FBB4830}"/>
+                    </a:ext>
+                  </a:extLst>
+                </p:cNvPr>
+                <p:cNvSpPr txBox="1">
+                  <a:spLocks noRot="1" noChangeAspect="1" noMove="1" noResize="1" noEditPoints="1" noAdjustHandles="1" noChangeArrowheads="1" noChangeShapeType="1" noTextEdit="1"/>
+                </p:cNvSpPr>
+                <p:nvPr/>
+              </p:nvSpPr>
+              <p:spPr>
+                <a:xfrm>
+                  <a:off x="2561474" y="1945501"/>
+                  <a:ext cx="312650" cy="276999"/>
+                </a:xfrm>
+                <a:prstGeom prst="rect">
+                  <a:avLst/>
+                </a:prstGeom>
+                <a:blipFill>
+                  <a:blip r:embed="rId4"/>
+                  <a:stretch>
+                    <a:fillRect l="-20000" r="-4000" b="-13043"/>
+                  </a:stretch>
+                </a:blipFill>
+              </p:spPr>
+              <p:txBody>
+                <a:bodyPr/>
+                <a:lstStyle/>
+                <a:p>
+                  <a:r>
+                    <a:rPr lang="zh-CN" altLang="en-US">
+                      <a:noFill/>
+                    </a:rPr>
+                    <a:t> </a:t>
+                  </a:r>
+                </a:p>
+              </p:txBody>
+            </p:sp>
+          </mc:Fallback>
+        </mc:AlternateContent>
+        <p:cxnSp>
+          <p:nvCxnSpPr>
+            <p:cNvPr id="47" name="直线箭头连接符 46">
+              <a:extLst>
+                <a:ext uri="{FF2B5EF4-FFF2-40B4-BE49-F238E27FC236}">
+                  <a16:creationId xmlns:a16="http://schemas.microsoft.com/office/drawing/2014/main" id="{A31BA463-3F57-CEE7-2493-B8008AB4978A}"/>
+                </a:ext>
+              </a:extLst>
+            </p:cNvPr>
+            <p:cNvCxnSpPr>
+              <a:cxnSpLocks/>
+            </p:cNvCxnSpPr>
+            <p:nvPr/>
+          </p:nvCxnSpPr>
+          <p:spPr>
+            <a:xfrm>
+              <a:off x="3327399" y="2311399"/>
+              <a:ext cx="0" cy="762000"/>
+            </a:xfrm>
+            <a:prstGeom prst="straightConnector1">
+              <a:avLst/>
+            </a:prstGeom>
+            <a:ln>
+              <a:headEnd type="triangle"/>
+              <a:tailEnd type="triangle"/>
+            </a:ln>
+          </p:spPr>
+          <p:style>
+            <a:lnRef idx="2">
+              <a:schemeClr val="accent1"/>
+            </a:lnRef>
+            <a:fillRef idx="0">
+              <a:schemeClr val="accent1"/>
+            </a:fillRef>
+            <a:effectRef idx="1">
+              <a:schemeClr val="accent1"/>
+            </a:effectRef>
+            <a:fontRef idx="minor">
+              <a:schemeClr val="tx1"/>
+            </a:fontRef>
+          </p:style>
+        </p:cxnSp>
+        <mc:AlternateContent xmlns:mc="http://schemas.openxmlformats.org/markup-compatibility/2006">
+          <mc:Choice xmlns:a14="http://schemas.microsoft.com/office/drawing/2010/main" Requires="a14">
+            <p:sp>
+              <p:nvSpPr>
+                <p:cNvPr id="50" name="文本框 49">
+                  <a:extLst>
+                    <a:ext uri="{FF2B5EF4-FFF2-40B4-BE49-F238E27FC236}">
+                      <a16:creationId xmlns:a16="http://schemas.microsoft.com/office/drawing/2014/main" id="{895897A5-57FE-673C-7F8A-13FD1164DB9A}"/>
+                    </a:ext>
+                  </a:extLst>
+                </p:cNvPr>
+                <p:cNvSpPr txBox="1"/>
+                <p:nvPr/>
+              </p:nvSpPr>
+              <p:spPr>
+                <a:xfrm>
+                  <a:off x="3095726" y="2591599"/>
+                  <a:ext cx="175626" cy="276999"/>
+                </a:xfrm>
+                <a:prstGeom prst="rect">
+                  <a:avLst/>
+                </a:prstGeom>
+                <a:noFill/>
+              </p:spPr>
+              <p:txBody>
+                <a:bodyPr wrap="none" lIns="0" tIns="0" rIns="0" bIns="0" rtlCol="0">
+                  <a:spAutoFit/>
+                </a:bodyPr>
+                <a:lstStyle/>
+                <a:p>
+                  <a14:m>
+                    <m:oMathPara xmlns:m="http://schemas.openxmlformats.org/officeDocument/2006/math">
+                      <m:oMathParaPr>
+                        <m:jc m:val="centerGroup"/>
+                      </m:oMathParaPr>
+                      <m:oMath xmlns:m="http://schemas.openxmlformats.org/officeDocument/2006/math">
+                        <m:r>
+                          <a:rPr kumimoji="1" lang="en-US" altLang="zh-CN" b="0" i="1" smtClean="0">
+                            <a:latin typeface="Cambria Math" panose="02040503050406030204" pitchFamily="18" charset="0"/>
+                          </a:rPr>
+                          <m:t>𝑐</m:t>
+                        </m:r>
+                      </m:oMath>
+                    </m:oMathPara>
+                  </a14:m>
+                  <a:endParaRPr kumimoji="1" lang="zh-CN" altLang="en-US" dirty="0"/>
+                </a:p>
+              </p:txBody>
+            </p:sp>
+          </mc:Choice>
+          <mc:Fallback>
+            <p:sp>
+              <p:nvSpPr>
+                <p:cNvPr id="50" name="文本框 49">
+                  <a:extLst>
+                    <a:ext uri="{FF2B5EF4-FFF2-40B4-BE49-F238E27FC236}">
+                      <a16:creationId xmlns:a16="http://schemas.microsoft.com/office/drawing/2014/main" id="{895897A5-57FE-673C-7F8A-13FD1164DB9A}"/>
+                    </a:ext>
+                  </a:extLst>
+                </p:cNvPr>
+                <p:cNvSpPr txBox="1">
+                  <a:spLocks noRot="1" noChangeAspect="1" noMove="1" noResize="1" noEditPoints="1" noAdjustHandles="1" noChangeArrowheads="1" noChangeShapeType="1" noTextEdit="1"/>
+                </p:cNvSpPr>
+                <p:nvPr/>
+              </p:nvSpPr>
+              <p:spPr>
+                <a:xfrm>
+                  <a:off x="3095726" y="2591599"/>
+                  <a:ext cx="175626" cy="276999"/>
+                </a:xfrm>
+                <a:prstGeom prst="rect">
+                  <a:avLst/>
+                </a:prstGeom>
+                <a:blipFill>
+                  <a:blip r:embed="rId5"/>
+                  <a:stretch>
+                    <a:fillRect l="-20000" r="-6667"/>
+                  </a:stretch>
+                </a:blipFill>
+              </p:spPr>
+              <p:txBody>
+                <a:bodyPr/>
+                <a:lstStyle/>
+                <a:p>
+                  <a:r>
+                    <a:rPr lang="zh-CN" altLang="en-US">
+                      <a:noFill/>
+                    </a:rPr>
+                    <a:t> </a:t>
+                  </a:r>
+                </a:p>
+              </p:txBody>
+            </p:sp>
+          </mc:Fallback>
+        </mc:AlternateContent>
+        <mc:AlternateContent xmlns:mc="http://schemas.openxmlformats.org/markup-compatibility/2006">
+          <mc:Choice xmlns:a14="http://schemas.microsoft.com/office/drawing/2010/main" Requires="a14">
+            <p:sp>
+              <p:nvSpPr>
+                <p:cNvPr id="51" name="文本框 50">
+                  <a:extLst>
+                    <a:ext uri="{FF2B5EF4-FFF2-40B4-BE49-F238E27FC236}">
+                      <a16:creationId xmlns:a16="http://schemas.microsoft.com/office/drawing/2014/main" id="{1A6687C3-26B5-8C45-5EB8-49F1FD258829}"/>
+                    </a:ext>
+                  </a:extLst>
+                </p:cNvPr>
+                <p:cNvSpPr txBox="1"/>
+                <p:nvPr/>
+              </p:nvSpPr>
+              <p:spPr>
+                <a:xfrm>
+                  <a:off x="2031999" y="2717798"/>
+                  <a:ext cx="376458" cy="369332"/>
+                </a:xfrm>
+                <a:prstGeom prst="rect">
+                  <a:avLst/>
+                </a:prstGeom>
+                <a:noFill/>
+              </p:spPr>
+              <p:txBody>
+                <a:bodyPr wrap="square" rtlCol="0">
+                  <a:spAutoFit/>
+                </a:bodyPr>
+                <a:lstStyle/>
+                <a:p>
+                  <a14:m>
+                    <m:oMathPara xmlns:m="http://schemas.openxmlformats.org/officeDocument/2006/math">
+                      <m:oMathParaPr>
+                        <m:jc m:val="centerGroup"/>
+                      </m:oMathParaPr>
+                      <m:oMath xmlns:m="http://schemas.openxmlformats.org/officeDocument/2006/math">
+                        <m:r>
+                          <a:rPr kumimoji="1" lang="en-US" altLang="zh-CN" b="1" i="1" smtClean="0">
+                            <a:solidFill>
+                              <a:srgbClr val="00B0F0"/>
+                            </a:solidFill>
+                            <a:latin typeface="Cambria Math" panose="02040503050406030204" pitchFamily="18" charset="0"/>
+                          </a:rPr>
+                          <m:t>𝑸</m:t>
+                        </m:r>
+                      </m:oMath>
+                    </m:oMathPara>
+                  </a14:m>
+                  <a:endParaRPr kumimoji="1" lang="zh-CN" altLang="en-US" b="1" dirty="0">
+                    <a:solidFill>
+                      <a:srgbClr val="00B0F0"/>
+                    </a:solidFill>
+                  </a:endParaRPr>
+                </a:p>
+              </p:txBody>
+            </p:sp>
+          </mc:Choice>
+          <mc:Fallback>
+            <p:sp>
+              <p:nvSpPr>
+                <p:cNvPr id="51" name="文本框 50">
+                  <a:extLst>
+                    <a:ext uri="{FF2B5EF4-FFF2-40B4-BE49-F238E27FC236}">
+                      <a16:creationId xmlns:a16="http://schemas.microsoft.com/office/drawing/2014/main" id="{1A6687C3-26B5-8C45-5EB8-49F1FD258829}"/>
+                    </a:ext>
+                  </a:extLst>
+                </p:cNvPr>
+                <p:cNvSpPr txBox="1">
+                  <a:spLocks noRot="1" noChangeAspect="1" noMove="1" noResize="1" noEditPoints="1" noAdjustHandles="1" noChangeArrowheads="1" noChangeShapeType="1" noTextEdit="1"/>
+                </p:cNvSpPr>
+                <p:nvPr/>
+              </p:nvSpPr>
+              <p:spPr>
+                <a:xfrm>
+                  <a:off x="2031999" y="2717798"/>
+                  <a:ext cx="376458" cy="369332"/>
+                </a:xfrm>
+                <a:prstGeom prst="rect">
+                  <a:avLst/>
+                </a:prstGeom>
+                <a:blipFill>
+                  <a:blip r:embed="rId6"/>
+                  <a:stretch>
+                    <a:fillRect b="-10345"/>
+                  </a:stretch>
+                </a:blipFill>
+              </p:spPr>
+              <p:txBody>
+                <a:bodyPr/>
+                <a:lstStyle/>
+                <a:p>
+                  <a:r>
+                    <a:rPr lang="zh-CN" altLang="en-US">
+                      <a:noFill/>
+                    </a:rPr>
+                    <a:t> </a:t>
+                  </a:r>
+                </a:p>
+              </p:txBody>
+            </p:sp>
+          </mc:Fallback>
+        </mc:AlternateContent>
+        <mc:AlternateContent xmlns:mc="http://schemas.openxmlformats.org/markup-compatibility/2006">
+          <mc:Choice xmlns:a14="http://schemas.microsoft.com/office/drawing/2010/main" Requires="a14">
+            <p:sp>
+              <p:nvSpPr>
+                <p:cNvPr id="52" name="文本框 51">
+                  <a:extLst>
+                    <a:ext uri="{FF2B5EF4-FFF2-40B4-BE49-F238E27FC236}">
+                      <a16:creationId xmlns:a16="http://schemas.microsoft.com/office/drawing/2014/main" id="{D69534AE-1EDB-E5D5-3324-2CE7068A4A3E}"/>
+                    </a:ext>
+                  </a:extLst>
+                </p:cNvPr>
+                <p:cNvSpPr txBox="1"/>
+                <p:nvPr/>
+              </p:nvSpPr>
+              <p:spPr>
+                <a:xfrm>
+                  <a:off x="3753005" y="2717798"/>
+                  <a:ext cx="376458" cy="369332"/>
+                </a:xfrm>
+                <a:prstGeom prst="rect">
+                  <a:avLst/>
+                </a:prstGeom>
+                <a:noFill/>
+              </p:spPr>
+              <p:txBody>
+                <a:bodyPr wrap="square" rtlCol="0">
+                  <a:spAutoFit/>
+                </a:bodyPr>
+                <a:lstStyle/>
+                <a:p>
+                  <a14:m>
+                    <m:oMathPara xmlns:m="http://schemas.openxmlformats.org/officeDocument/2006/math">
+                      <m:oMathParaPr>
+                        <m:jc m:val="centerGroup"/>
+                      </m:oMathParaPr>
+                      <m:oMath xmlns:m="http://schemas.openxmlformats.org/officeDocument/2006/math">
+                        <m:r>
+                          <a:rPr kumimoji="1" lang="en-US" altLang="zh-CN" b="1" i="1" smtClean="0">
+                            <a:solidFill>
+                              <a:srgbClr val="00B0F0"/>
+                            </a:solidFill>
+                            <a:latin typeface="Cambria Math" panose="02040503050406030204" pitchFamily="18" charset="0"/>
+                          </a:rPr>
+                          <m:t>𝑩</m:t>
+                        </m:r>
+                      </m:oMath>
+                    </m:oMathPara>
+                  </a14:m>
+                  <a:endParaRPr kumimoji="1" lang="zh-CN" altLang="en-US" b="1" dirty="0">
+                    <a:solidFill>
+                      <a:srgbClr val="00B0F0"/>
+                    </a:solidFill>
+                  </a:endParaRPr>
+                </a:p>
+              </p:txBody>
+            </p:sp>
+          </mc:Choice>
+          <mc:Fallback>
+            <p:sp>
+              <p:nvSpPr>
+                <p:cNvPr id="52" name="文本框 51">
+                  <a:extLst>
+                    <a:ext uri="{FF2B5EF4-FFF2-40B4-BE49-F238E27FC236}">
+                      <a16:creationId xmlns:a16="http://schemas.microsoft.com/office/drawing/2014/main" id="{D69534AE-1EDB-E5D5-3324-2CE7068A4A3E}"/>
+                    </a:ext>
+                  </a:extLst>
+                </p:cNvPr>
+                <p:cNvSpPr txBox="1">
+                  <a:spLocks noRot="1" noChangeAspect="1" noMove="1" noResize="1" noEditPoints="1" noAdjustHandles="1" noChangeArrowheads="1" noChangeShapeType="1" noTextEdit="1"/>
+                </p:cNvSpPr>
+                <p:nvPr/>
+              </p:nvSpPr>
+              <p:spPr>
+                <a:xfrm>
+                  <a:off x="3753005" y="2717798"/>
+                  <a:ext cx="376458" cy="369332"/>
+                </a:xfrm>
+                <a:prstGeom prst="rect">
+                  <a:avLst/>
+                </a:prstGeom>
+                <a:blipFill>
+                  <a:blip r:embed="rId7"/>
+                  <a:stretch>
+                    <a:fillRect/>
+                  </a:stretch>
+                </a:blipFill>
+              </p:spPr>
+              <p:txBody>
+                <a:bodyPr/>
+                <a:lstStyle/>
+                <a:p>
+                  <a:r>
+                    <a:rPr lang="zh-CN" altLang="en-US">
+                      <a:noFill/>
+                    </a:rPr>
+                    <a:t> </a:t>
+                  </a:r>
+                </a:p>
+              </p:txBody>
+            </p:sp>
+          </mc:Fallback>
+        </mc:AlternateContent>
+        <p:cxnSp>
+          <p:nvCxnSpPr>
+            <p:cNvPr id="59" name="直线箭头连接符 58">
+              <a:extLst>
+                <a:ext uri="{FF2B5EF4-FFF2-40B4-BE49-F238E27FC236}">
+                  <a16:creationId xmlns:a16="http://schemas.microsoft.com/office/drawing/2014/main" id="{773DDECB-8C4C-4CA8-2F96-70FE6E1460DF}"/>
+                </a:ext>
+              </a:extLst>
+            </p:cNvPr>
+            <p:cNvCxnSpPr/>
+            <p:nvPr/>
+          </p:nvCxnSpPr>
+          <p:spPr>
+            <a:xfrm>
+              <a:off x="3725642" y="2245495"/>
+              <a:ext cx="1371600" cy="0"/>
+            </a:xfrm>
+            <a:prstGeom prst="straightConnector1">
+              <a:avLst/>
+            </a:prstGeom>
+            <a:ln>
+              <a:headEnd type="triangle"/>
+              <a:tailEnd type="triangle"/>
+            </a:ln>
+          </p:spPr>
+          <p:style>
+            <a:lnRef idx="2">
+              <a:schemeClr val="accent1"/>
+            </a:lnRef>
+            <a:fillRef idx="0">
+              <a:schemeClr val="accent1"/>
+            </a:fillRef>
+            <a:effectRef idx="1">
+              <a:schemeClr val="accent1"/>
+            </a:effectRef>
+            <a:fontRef idx="minor">
+              <a:schemeClr val="tx1"/>
+            </a:fontRef>
+          </p:style>
+        </p:cxnSp>
+        <mc:AlternateContent xmlns:mc="http://schemas.openxmlformats.org/markup-compatibility/2006">
+          <mc:Choice xmlns:a14="http://schemas.microsoft.com/office/drawing/2010/main" Requires="a14">
+            <p:sp>
+              <p:nvSpPr>
+                <p:cNvPr id="60" name="文本框 59">
+                  <a:extLst>
+                    <a:ext uri="{FF2B5EF4-FFF2-40B4-BE49-F238E27FC236}">
+                      <a16:creationId xmlns:a16="http://schemas.microsoft.com/office/drawing/2014/main" id="{DA577714-DDFC-1590-AA91-E6563D94ADB4}"/>
+                    </a:ext>
+                  </a:extLst>
+                </p:cNvPr>
+                <p:cNvSpPr txBox="1"/>
+                <p:nvPr/>
+              </p:nvSpPr>
+              <p:spPr>
+                <a:xfrm>
+                  <a:off x="4233336" y="1955796"/>
+                  <a:ext cx="312650" cy="276999"/>
+                </a:xfrm>
+                <a:prstGeom prst="rect">
+                  <a:avLst/>
+                </a:prstGeom>
+                <a:noFill/>
+              </p:spPr>
+              <p:txBody>
+                <a:bodyPr wrap="none" lIns="0" tIns="0" rIns="0" bIns="0" rtlCol="0">
+                  <a:spAutoFit/>
+                </a:bodyPr>
+                <a:lstStyle/>
+                <a:p>
+                  <a14:m>
+                    <m:oMathPara xmlns:m="http://schemas.openxmlformats.org/officeDocument/2006/math">
+                      <m:oMathParaPr>
+                        <m:jc m:val="centerGroup"/>
+                      </m:oMathParaPr>
+                      <m:oMath xmlns:m="http://schemas.openxmlformats.org/officeDocument/2006/math">
+                        <m:sSub>
+                          <m:sSubPr>
+                            <m:ctrlPr>
+                              <a:rPr kumimoji="1" lang="en-US" altLang="zh-CN" b="0" i="1" smtClean="0">
+                                <a:latin typeface="Cambria Math" panose="02040503050406030204" pitchFamily="18" charset="0"/>
+                              </a:rPr>
+                            </m:ctrlPr>
+                          </m:sSubPr>
+                          <m:e>
+                            <m:r>
+                              <a:rPr kumimoji="1" lang="en-US" altLang="zh-CN" b="0" i="1" smtClean="0">
+                                <a:latin typeface="Cambria Math" panose="02040503050406030204" pitchFamily="18" charset="0"/>
+                              </a:rPr>
+                              <m:t>𝑑</m:t>
+                            </m:r>
+                          </m:e>
+                          <m:sub>
+                            <m:r>
+                              <a:rPr kumimoji="1" lang="en-US" altLang="zh-CN" b="0" i="1" smtClean="0">
+                                <a:latin typeface="Cambria Math" panose="02040503050406030204" pitchFamily="18" charset="0"/>
+                              </a:rPr>
+                              <m:t>𝑘</m:t>
+                            </m:r>
+                          </m:sub>
+                        </m:sSub>
+                      </m:oMath>
+                    </m:oMathPara>
+                  </a14:m>
+                  <a:endParaRPr kumimoji="1" lang="zh-CN" altLang="en-US" dirty="0"/>
+                </a:p>
+              </p:txBody>
+            </p:sp>
+          </mc:Choice>
+          <mc:Fallback>
+            <p:sp>
+              <p:nvSpPr>
+                <p:cNvPr id="60" name="文本框 59">
+                  <a:extLst>
+                    <a:ext uri="{FF2B5EF4-FFF2-40B4-BE49-F238E27FC236}">
+                      <a16:creationId xmlns:a16="http://schemas.microsoft.com/office/drawing/2014/main" id="{DA577714-DDFC-1590-AA91-E6563D94ADB4}"/>
+                    </a:ext>
+                  </a:extLst>
+                </p:cNvPr>
+                <p:cNvSpPr txBox="1">
+                  <a:spLocks noRot="1" noChangeAspect="1" noMove="1" noResize="1" noEditPoints="1" noAdjustHandles="1" noChangeArrowheads="1" noChangeShapeType="1" noTextEdit="1"/>
+                </p:cNvSpPr>
+                <p:nvPr/>
+              </p:nvSpPr>
+              <p:spPr>
+                <a:xfrm>
+                  <a:off x="4233336" y="1955796"/>
+                  <a:ext cx="312650" cy="276999"/>
+                </a:xfrm>
+                <a:prstGeom prst="rect">
+                  <a:avLst/>
+                </a:prstGeom>
+                <a:blipFill>
+                  <a:blip r:embed="rId8"/>
+                  <a:stretch>
+                    <a:fillRect l="-15385" r="-3846" b="-18182"/>
+                  </a:stretch>
+                </a:blipFill>
+              </p:spPr>
+              <p:txBody>
+                <a:bodyPr/>
+                <a:lstStyle/>
+                <a:p>
+                  <a:r>
+                    <a:rPr lang="zh-CN" altLang="en-US">
+                      <a:noFill/>
+                    </a:rPr>
+                    <a:t> </a:t>
+                  </a:r>
+                </a:p>
+              </p:txBody>
+            </p:sp>
+          </mc:Fallback>
+        </mc:AlternateContent>
+        <p:sp>
+          <p:nvSpPr>
+            <p:cNvPr id="61" name="矩形 60">
+              <a:extLst>
+                <a:ext uri="{FF2B5EF4-FFF2-40B4-BE49-F238E27FC236}">
+                  <a16:creationId xmlns:a16="http://schemas.microsoft.com/office/drawing/2014/main" id="{98C7B3BD-DA17-7560-9795-C5F9040E499C}"/>
+                </a:ext>
+              </a:extLst>
+            </p:cNvPr>
+            <p:cNvSpPr/>
+            <p:nvPr/>
+          </p:nvSpPr>
+          <p:spPr>
+            <a:xfrm>
+              <a:off x="2031999" y="2550069"/>
+              <a:ext cx="1371600" cy="87249"/>
+            </a:xfrm>
+            <a:prstGeom prst="rect">
+              <a:avLst/>
+            </a:prstGeom>
+            <a:solidFill>
+              <a:schemeClr val="accent4">
+                <a:lumMod val="75000"/>
+              </a:schemeClr>
+            </a:solidFill>
+            <a:ln>
+              <a:noFill/>
+            </a:ln>
+          </p:spPr>
+          <p:style>
+            <a:lnRef idx="2">
+              <a:schemeClr val="accent1">
+                <a:shade val="15000"/>
+              </a:schemeClr>
+            </a:lnRef>
+            <a:fillRef idx="1">
+              <a:schemeClr val="accent1"/>
+            </a:fillRef>
+            <a:effectRef idx="0">
+              <a:schemeClr val="accent1"/>
+            </a:effectRef>
+            <a:fontRef idx="minor">
+              <a:schemeClr val="lt1"/>
+            </a:fontRef>
+          </p:style>
+          <p:txBody>
+            <a:bodyPr rtlCol="0" anchor="ctr"/>
+            <a:lstStyle/>
+            <a:p>
+              <a:pPr algn="ctr"/>
+              <a:endParaRPr kumimoji="1" lang="zh-CN" altLang="en-US"/>
+            </a:p>
+          </p:txBody>
+        </p:sp>
+        <mc:AlternateContent xmlns:mc="http://schemas.openxmlformats.org/markup-compatibility/2006">
+          <mc:Choice xmlns:a14="http://schemas.microsoft.com/office/drawing/2010/main" Requires="a14">
+            <p:sp>
+              <p:nvSpPr>
+                <p:cNvPr id="62" name="文本框 61">
+                  <a:extLst>
+                    <a:ext uri="{FF2B5EF4-FFF2-40B4-BE49-F238E27FC236}">
+                      <a16:creationId xmlns:a16="http://schemas.microsoft.com/office/drawing/2014/main" id="{9B7AE34D-7DAF-CDD1-7DAF-D322BAF47879}"/>
+                    </a:ext>
+                  </a:extLst>
+                </p:cNvPr>
+                <p:cNvSpPr txBox="1"/>
+                <p:nvPr/>
+              </p:nvSpPr>
+              <p:spPr>
+                <a:xfrm>
+                  <a:off x="1585692" y="2420902"/>
+                  <a:ext cx="376458" cy="369332"/>
+                </a:xfrm>
+                <a:prstGeom prst="rect">
+                  <a:avLst/>
+                </a:prstGeom>
+                <a:noFill/>
+              </p:spPr>
+              <p:txBody>
+                <a:bodyPr wrap="square" rtlCol="0">
+                  <a:spAutoFit/>
+                </a:bodyPr>
+                <a:lstStyle/>
+                <a:p>
+                  <a14:m>
+                    <m:oMathPara xmlns:m="http://schemas.openxmlformats.org/officeDocument/2006/math">
+                      <m:oMathParaPr>
+                        <m:jc m:val="centerGroup"/>
+                      </m:oMathParaPr>
+                      <m:oMath xmlns:m="http://schemas.openxmlformats.org/officeDocument/2006/math">
+                        <m:sSub>
+                          <m:sSubPr>
+                            <m:ctrlPr>
+                              <a:rPr kumimoji="1" lang="en-US" altLang="zh-CN" i="1" smtClean="0">
+                                <a:solidFill>
+                                  <a:schemeClr val="accent4">
+                                    <a:lumMod val="50000"/>
+                                  </a:schemeClr>
+                                </a:solidFill>
+                                <a:latin typeface="Cambria Math" panose="02040503050406030204" pitchFamily="18" charset="0"/>
+                              </a:rPr>
+                            </m:ctrlPr>
+                          </m:sSubPr>
+                          <m:e>
+                            <m:r>
+                              <a:rPr kumimoji="1" lang="en-US" altLang="zh-CN" b="0" i="1" smtClean="0">
+                                <a:solidFill>
+                                  <a:schemeClr val="accent4">
+                                    <a:lumMod val="50000"/>
+                                  </a:schemeClr>
+                                </a:solidFill>
+                                <a:latin typeface="Cambria Math" panose="02040503050406030204" pitchFamily="18" charset="0"/>
+                              </a:rPr>
+                              <m:t>𝑞</m:t>
+                            </m:r>
+                          </m:e>
+                          <m:sub>
+                            <m:r>
+                              <a:rPr kumimoji="1" lang="en-US" altLang="zh-CN" b="0" i="1" smtClean="0">
+                                <a:solidFill>
+                                  <a:schemeClr val="accent4">
+                                    <a:lumMod val="50000"/>
+                                  </a:schemeClr>
+                                </a:solidFill>
+                                <a:latin typeface="Cambria Math" panose="02040503050406030204" pitchFamily="18" charset="0"/>
+                              </a:rPr>
+                              <m:t>𝑖</m:t>
+                            </m:r>
+                          </m:sub>
+                        </m:sSub>
+                      </m:oMath>
+                    </m:oMathPara>
+                  </a14:m>
+                  <a:endParaRPr kumimoji="1" lang="zh-CN" altLang="en-US" dirty="0">
+                    <a:solidFill>
+                      <a:schemeClr val="accent4">
+                        <a:lumMod val="50000"/>
+                      </a:schemeClr>
+                    </a:solidFill>
+                  </a:endParaRPr>
+                </a:p>
+              </p:txBody>
+            </p:sp>
+          </mc:Choice>
+          <mc:Fallback>
+            <p:sp>
+              <p:nvSpPr>
+                <p:cNvPr id="62" name="文本框 61">
+                  <a:extLst>
+                    <a:ext uri="{FF2B5EF4-FFF2-40B4-BE49-F238E27FC236}">
+                      <a16:creationId xmlns:a16="http://schemas.microsoft.com/office/drawing/2014/main" id="{9B7AE34D-7DAF-CDD1-7DAF-D322BAF47879}"/>
+                    </a:ext>
+                  </a:extLst>
+                </p:cNvPr>
+                <p:cNvSpPr txBox="1">
+                  <a:spLocks noRot="1" noChangeAspect="1" noMove="1" noResize="1" noEditPoints="1" noAdjustHandles="1" noChangeArrowheads="1" noChangeShapeType="1" noTextEdit="1"/>
+                </p:cNvSpPr>
+                <p:nvPr/>
+              </p:nvSpPr>
+              <p:spPr>
+                <a:xfrm>
+                  <a:off x="1585692" y="2420902"/>
+                  <a:ext cx="376458" cy="369332"/>
+                </a:xfrm>
+                <a:prstGeom prst="rect">
+                  <a:avLst/>
+                </a:prstGeom>
+                <a:blipFill>
+                  <a:blip r:embed="rId9"/>
+                  <a:stretch>
+                    <a:fillRect b="-6667"/>
+                  </a:stretch>
+                </a:blipFill>
+              </p:spPr>
+              <p:txBody>
+                <a:bodyPr/>
+                <a:lstStyle/>
+                <a:p>
+                  <a:r>
+                    <a:rPr lang="zh-CN" altLang="en-US">
+                      <a:noFill/>
+                    </a:rPr>
+                    <a:t> </a:t>
+                  </a:r>
+                </a:p>
+              </p:txBody>
+            </p:sp>
+          </mc:Fallback>
+        </mc:AlternateContent>
+        <p:sp>
+          <p:nvSpPr>
+            <p:cNvPr id="63" name="矩形 62">
+              <a:extLst>
+                <a:ext uri="{FF2B5EF4-FFF2-40B4-BE49-F238E27FC236}">
+                  <a16:creationId xmlns:a16="http://schemas.microsoft.com/office/drawing/2014/main" id="{314592F8-DF67-E437-E435-3ABDF1838F36}"/>
+                </a:ext>
+              </a:extLst>
+            </p:cNvPr>
+            <p:cNvSpPr/>
+            <p:nvPr/>
+          </p:nvSpPr>
+          <p:spPr>
+            <a:xfrm>
+              <a:off x="3742266" y="2561989"/>
+              <a:ext cx="1371600" cy="87249"/>
+            </a:xfrm>
+            <a:prstGeom prst="rect">
+              <a:avLst/>
+            </a:prstGeom>
+            <a:solidFill>
+              <a:schemeClr val="accent4">
+                <a:lumMod val="75000"/>
+              </a:schemeClr>
+            </a:solidFill>
+            <a:ln>
+              <a:noFill/>
+            </a:ln>
+          </p:spPr>
+          <p:style>
+            <a:lnRef idx="2">
+              <a:schemeClr val="accent1">
+                <a:shade val="15000"/>
+              </a:schemeClr>
+            </a:lnRef>
+            <a:fillRef idx="1">
+              <a:schemeClr val="accent1"/>
+            </a:fillRef>
+            <a:effectRef idx="0">
+              <a:schemeClr val="accent1"/>
+            </a:effectRef>
+            <a:fontRef idx="minor">
+              <a:schemeClr val="lt1"/>
+            </a:fontRef>
+          </p:style>
+          <p:txBody>
+            <a:bodyPr rtlCol="0" anchor="ctr"/>
+            <a:lstStyle/>
+            <a:p>
+              <a:pPr algn="ctr"/>
+              <a:endParaRPr kumimoji="1" lang="zh-CN" altLang="en-US"/>
+            </a:p>
+          </p:txBody>
+        </p:sp>
+        <p:grpSp>
+          <p:nvGrpSpPr>
+            <p:cNvPr id="77" name="组合 76">
+              <a:extLst>
+                <a:ext uri="{FF2B5EF4-FFF2-40B4-BE49-F238E27FC236}">
+                  <a16:creationId xmlns:a16="http://schemas.microsoft.com/office/drawing/2014/main" id="{7AA3DA05-85C2-7A15-0C7C-C0BFF53A5123}"/>
+                </a:ext>
+              </a:extLst>
+            </p:cNvPr>
+            <p:cNvGrpSpPr/>
+            <p:nvPr/>
+          </p:nvGrpSpPr>
+          <p:grpSpPr>
+            <a:xfrm>
+              <a:off x="5907926" y="794951"/>
+              <a:ext cx="1137255" cy="1371601"/>
+              <a:chOff x="5907926" y="794951"/>
+              <a:chExt cx="1137255" cy="1371601"/>
+            </a:xfrm>
+          </p:grpSpPr>
+          <mc:AlternateContent xmlns:mc="http://schemas.openxmlformats.org/markup-compatibility/2006">
+            <mc:Choice xmlns:a14="http://schemas.microsoft.com/office/drawing/2010/main" Requires="a14">
+              <p:sp>
+                <p:nvSpPr>
+                  <p:cNvPr id="53" name="文本框 52">
+                    <a:extLst>
+                      <a:ext uri="{FF2B5EF4-FFF2-40B4-BE49-F238E27FC236}">
+                        <a16:creationId xmlns:a16="http://schemas.microsoft.com/office/drawing/2014/main" id="{53921320-26C4-CC01-C834-8266D93A3F8D}"/>
+                      </a:ext>
+                    </a:extLst>
+                  </p:cNvPr>
+                  <p:cNvSpPr txBox="1"/>
+                  <p:nvPr/>
+                </p:nvSpPr>
+                <p:spPr>
+                  <a:xfrm>
+                    <a:off x="6661927" y="1793442"/>
+                    <a:ext cx="376458" cy="369332"/>
+                  </a:xfrm>
+                  <a:prstGeom prst="rect">
+                    <a:avLst/>
+                  </a:prstGeom>
+                  <a:noFill/>
+                </p:spPr>
+                <p:txBody>
+                  <a:bodyPr wrap="square" rtlCol="0">
+                    <a:spAutoFit/>
+                  </a:bodyPr>
+                  <a:lstStyle/>
+                  <a:p>
+                    <a14:m>
+                      <m:oMathPara xmlns:m="http://schemas.openxmlformats.org/officeDocument/2006/math">
+                        <m:oMathParaPr>
+                          <m:jc m:val="centerGroup"/>
+                        </m:oMathParaPr>
+                        <m:oMath xmlns:m="http://schemas.openxmlformats.org/officeDocument/2006/math">
+                          <m:r>
+                            <a:rPr kumimoji="1" lang="en-US" altLang="zh-CN" b="1" i="1" smtClean="0">
+                              <a:solidFill>
+                                <a:srgbClr val="00B0F0"/>
+                              </a:solidFill>
+                              <a:latin typeface="Cambria Math" panose="02040503050406030204" pitchFamily="18" charset="0"/>
+                            </a:rPr>
+                            <m:t>𝑲</m:t>
+                          </m:r>
+                        </m:oMath>
+                      </m:oMathPara>
+                    </a14:m>
+                    <a:endParaRPr kumimoji="1" lang="zh-CN" altLang="en-US" b="1" dirty="0">
+                      <a:solidFill>
+                        <a:srgbClr val="00B0F0"/>
+                      </a:solidFill>
+                    </a:endParaRPr>
+                  </a:p>
+                </p:txBody>
+              </p:sp>
+            </mc:Choice>
+            <mc:Fallback>
+              <p:sp>
+                <p:nvSpPr>
+                  <p:cNvPr id="53" name="文本框 52">
+                    <a:extLst>
+                      <a:ext uri="{FF2B5EF4-FFF2-40B4-BE49-F238E27FC236}">
+                        <a16:creationId xmlns:a16="http://schemas.microsoft.com/office/drawing/2014/main" id="{53921320-26C4-CC01-C834-8266D93A3F8D}"/>
+                      </a:ext>
+                    </a:extLst>
+                  </p:cNvPr>
+                  <p:cNvSpPr txBox="1">
+                    <a:spLocks noRot="1" noChangeAspect="1" noMove="1" noResize="1" noEditPoints="1" noAdjustHandles="1" noChangeArrowheads="1" noChangeShapeType="1" noTextEdit="1"/>
+                  </p:cNvSpPr>
+                  <p:nvPr/>
+                </p:nvSpPr>
+                <p:spPr>
+                  <a:xfrm>
+                    <a:off x="6661927" y="1793442"/>
+                    <a:ext cx="376458" cy="369332"/>
+                  </a:xfrm>
+                  <a:prstGeom prst="rect">
+                    <a:avLst/>
+                  </a:prstGeom>
+                  <a:blipFill>
+                    <a:blip r:embed="rId10"/>
+                    <a:stretch>
+                      <a:fillRect/>
+                    </a:stretch>
+                  </a:blipFill>
+                </p:spPr>
+                <p:txBody>
+                  <a:bodyPr/>
+                  <a:lstStyle/>
+                  <a:p>
+                    <a:r>
+                      <a:rPr lang="zh-CN" altLang="en-US">
+                        <a:noFill/>
+                      </a:rPr>
+                      <a:t> </a:t>
+                    </a:r>
+                  </a:p>
+                </p:txBody>
+              </p:sp>
+            </mc:Fallback>
+          </mc:AlternateContent>
+          <p:cxnSp>
+            <p:nvCxnSpPr>
+              <p:cNvPr id="55" name="直线箭头连接符 54">
+                <a:extLst>
+                  <a:ext uri="{FF2B5EF4-FFF2-40B4-BE49-F238E27FC236}">
+                    <a16:creationId xmlns:a16="http://schemas.microsoft.com/office/drawing/2014/main" id="{8E5E01A9-9057-1B54-C5B9-60F1113A4F6F}"/>
+                  </a:ext>
+                </a:extLst>
+              </p:cNvPr>
+              <p:cNvCxnSpPr/>
+              <p:nvPr/>
+            </p:nvCxnSpPr>
+            <p:spPr>
+              <a:xfrm rot="16200000">
+                <a:off x="5529650" y="1480751"/>
+                <a:ext cx="1371600" cy="0"/>
+              </a:xfrm>
+              <a:prstGeom prst="straightConnector1">
+                <a:avLst/>
+              </a:prstGeom>
+              <a:ln>
+                <a:headEnd type="triangle"/>
+                <a:tailEnd type="triangle"/>
+              </a:ln>
+            </p:spPr>
+            <p:style>
+              <a:lnRef idx="2">
+                <a:schemeClr val="accent1"/>
+              </a:lnRef>
+              <a:fillRef idx="0">
+                <a:schemeClr val="accent1"/>
+              </a:fillRef>
+              <a:effectRef idx="1">
+                <a:schemeClr val="accent1"/>
+              </a:effectRef>
+              <a:fontRef idx="minor">
+                <a:schemeClr val="tx1"/>
+              </a:fontRef>
+            </p:style>
+          </p:cxnSp>
+          <mc:AlternateContent xmlns:mc="http://schemas.openxmlformats.org/markup-compatibility/2006">
+            <mc:Choice xmlns:a14="http://schemas.microsoft.com/office/drawing/2010/main" Requires="a14">
+              <p:sp>
+                <p:nvSpPr>
+                  <p:cNvPr id="56" name="文本框 55">
+                    <a:extLst>
+                      <a:ext uri="{FF2B5EF4-FFF2-40B4-BE49-F238E27FC236}">
+                        <a16:creationId xmlns:a16="http://schemas.microsoft.com/office/drawing/2014/main" id="{52ACD338-AED9-58C3-1BEB-ACDC02FE44B5}"/>
+                      </a:ext>
+                    </a:extLst>
+                  </p:cNvPr>
+                  <p:cNvSpPr txBox="1"/>
+                  <p:nvPr/>
+                </p:nvSpPr>
+                <p:spPr>
+                  <a:xfrm>
+                    <a:off x="5907926" y="1342252"/>
+                    <a:ext cx="312650" cy="276999"/>
+                  </a:xfrm>
+                  <a:prstGeom prst="rect">
+                    <a:avLst/>
+                  </a:prstGeom>
+                  <a:noFill/>
+                </p:spPr>
+                <p:txBody>
+                  <a:bodyPr wrap="none" lIns="0" tIns="0" rIns="0" bIns="0" rtlCol="0">
+                    <a:spAutoFit/>
+                  </a:bodyPr>
+                  <a:lstStyle/>
+                  <a:p>
+                    <a14:m>
+                      <m:oMathPara xmlns:m="http://schemas.openxmlformats.org/officeDocument/2006/math">
+                        <m:oMathParaPr>
+                          <m:jc m:val="centerGroup"/>
+                        </m:oMathParaPr>
+                        <m:oMath xmlns:m="http://schemas.openxmlformats.org/officeDocument/2006/math">
+                          <m:sSub>
+                            <m:sSubPr>
+                              <m:ctrlPr>
+                                <a:rPr kumimoji="1" lang="en-US" altLang="zh-CN" b="0" i="1" smtClean="0">
+                                  <a:latin typeface="Cambria Math" panose="02040503050406030204" pitchFamily="18" charset="0"/>
+                                </a:rPr>
+                              </m:ctrlPr>
+                            </m:sSubPr>
+                            <m:e>
+                              <m:r>
+                                <a:rPr kumimoji="1" lang="en-US" altLang="zh-CN" b="0" i="1" smtClean="0">
+                                  <a:latin typeface="Cambria Math" panose="02040503050406030204" pitchFamily="18" charset="0"/>
+                                </a:rPr>
+                                <m:t>𝑑</m:t>
+                              </m:r>
+                            </m:e>
+                            <m:sub>
+                              <m:r>
+                                <a:rPr kumimoji="1" lang="en-US" altLang="zh-CN" b="0" i="1" smtClean="0">
+                                  <a:latin typeface="Cambria Math" panose="02040503050406030204" pitchFamily="18" charset="0"/>
+                                </a:rPr>
+                                <m:t>𝑘</m:t>
+                              </m:r>
+                            </m:sub>
+                          </m:sSub>
+                        </m:oMath>
+                      </m:oMathPara>
+                    </a14:m>
+                    <a:endParaRPr kumimoji="1" lang="zh-CN" altLang="en-US" dirty="0"/>
+                  </a:p>
+                </p:txBody>
+              </p:sp>
+            </mc:Choice>
+            <mc:Fallback>
+              <p:sp>
+                <p:nvSpPr>
+                  <p:cNvPr id="56" name="文本框 55">
+                    <a:extLst>
+                      <a:ext uri="{FF2B5EF4-FFF2-40B4-BE49-F238E27FC236}">
+                        <a16:creationId xmlns:a16="http://schemas.microsoft.com/office/drawing/2014/main" id="{52ACD338-AED9-58C3-1BEB-ACDC02FE44B5}"/>
+                      </a:ext>
+                    </a:extLst>
+                  </p:cNvPr>
+                  <p:cNvSpPr txBox="1">
+                    <a:spLocks noRot="1" noChangeAspect="1" noMove="1" noResize="1" noEditPoints="1" noAdjustHandles="1" noChangeArrowheads="1" noChangeShapeType="1" noTextEdit="1"/>
+                  </p:cNvSpPr>
+                  <p:nvPr/>
+                </p:nvSpPr>
+                <p:spPr>
+                  <a:xfrm>
+                    <a:off x="5907926" y="1342252"/>
+                    <a:ext cx="312650" cy="276999"/>
+                  </a:xfrm>
+                  <a:prstGeom prst="rect">
+                    <a:avLst/>
+                  </a:prstGeom>
+                  <a:blipFill>
+                    <a:blip r:embed="rId11"/>
+                    <a:stretch>
+                      <a:fillRect l="-15385" b="-13043"/>
+                    </a:stretch>
+                  </a:blipFill>
+                </p:spPr>
+                <p:txBody>
+                  <a:bodyPr/>
+                  <a:lstStyle/>
+                  <a:p>
+                    <a:r>
+                      <a:rPr lang="zh-CN" altLang="en-US">
+                        <a:noFill/>
+                      </a:rPr>
+                      <a:t> </a:t>
+                    </a:r>
+                  </a:p>
+                </p:txBody>
+              </p:sp>
+            </mc:Fallback>
+          </mc:AlternateContent>
+          <p:sp>
+            <p:nvSpPr>
+              <p:cNvPr id="34" name="矩形 33">
+                <a:extLst>
+                  <a:ext uri="{FF2B5EF4-FFF2-40B4-BE49-F238E27FC236}">
+                    <a16:creationId xmlns:a16="http://schemas.microsoft.com/office/drawing/2014/main" id="{90446E35-A922-35F2-857B-192A5C6E0167}"/>
+                  </a:ext>
+                </a:extLst>
+              </p:cNvPr>
+              <p:cNvSpPr/>
+              <p:nvPr/>
+            </p:nvSpPr>
+            <p:spPr>
+              <a:xfrm rot="16200000">
+                <a:off x="5978381" y="1099751"/>
+                <a:ext cx="1371600" cy="762000"/>
+              </a:xfrm>
+              <a:prstGeom prst="rect">
+                <a:avLst/>
+              </a:prstGeom>
+              <a:noFill/>
+            </p:spPr>
+            <p:style>
+              <a:lnRef idx="2">
+                <a:schemeClr val="accent1">
+                  <a:shade val="15000"/>
+                </a:schemeClr>
+              </a:lnRef>
+              <a:fillRef idx="1">
+                <a:schemeClr val="accent1"/>
+              </a:fillRef>
+              <a:effectRef idx="0">
+                <a:schemeClr val="accent1"/>
+              </a:effectRef>
+              <a:fontRef idx="minor">
+                <a:schemeClr val="lt1"/>
+              </a:fontRef>
+            </p:style>
+            <p:txBody>
+              <a:bodyPr rtlCol="0" anchor="ctr"/>
+              <a:lstStyle/>
+              <a:p>
+                <a:pPr algn="ctr"/>
+                <a:endParaRPr kumimoji="1" lang="zh-CN" altLang="en-US"/>
+              </a:p>
+            </p:txBody>
+          </p:sp>
+          <p:sp>
+            <p:nvSpPr>
+              <p:cNvPr id="64" name="矩形 63">
+                <a:extLst>
+                  <a:ext uri="{FF2B5EF4-FFF2-40B4-BE49-F238E27FC236}">
+                    <a16:creationId xmlns:a16="http://schemas.microsoft.com/office/drawing/2014/main" id="{6982D72A-6EFE-FFE7-8484-BAE3266D2E5A}"/>
+                  </a:ext>
+                </a:extLst>
+              </p:cNvPr>
+              <p:cNvSpPr/>
+              <p:nvPr/>
+            </p:nvSpPr>
+            <p:spPr>
+              <a:xfrm rot="16200000">
+                <a:off x="5863072" y="1437127"/>
+                <a:ext cx="1371600" cy="87249"/>
+              </a:xfrm>
+              <a:prstGeom prst="rect">
+                <a:avLst/>
+              </a:prstGeom>
+              <a:solidFill>
+                <a:schemeClr val="tx2">
+                  <a:lumMod val="60000"/>
+                  <a:lumOff val="40000"/>
+                </a:schemeClr>
+              </a:solidFill>
+              <a:ln>
+                <a:noFill/>
+              </a:ln>
+            </p:spPr>
+            <p:style>
+              <a:lnRef idx="2">
+                <a:schemeClr val="accent1">
+                  <a:shade val="15000"/>
+                </a:schemeClr>
+              </a:lnRef>
+              <a:fillRef idx="1">
+                <a:schemeClr val="accent1"/>
+              </a:fillRef>
+              <a:effectRef idx="0">
+                <a:schemeClr val="accent1"/>
+              </a:effectRef>
+              <a:fontRef idx="minor">
+                <a:schemeClr val="lt1"/>
+              </a:fontRef>
+            </p:style>
+            <p:txBody>
+              <a:bodyPr rtlCol="0" anchor="ctr"/>
+              <a:lstStyle/>
+              <a:p>
+                <a:pPr algn="ctr"/>
+                <a:endParaRPr kumimoji="1" lang="zh-CN" altLang="en-US"/>
+              </a:p>
+            </p:txBody>
+          </p:sp>
+        </p:grpSp>
+        <mc:AlternateContent xmlns:mc="http://schemas.openxmlformats.org/markup-compatibility/2006">
+          <mc:Choice xmlns:a14="http://schemas.microsoft.com/office/drawing/2010/main" Requires="a14">
+            <p:sp>
+              <p:nvSpPr>
+                <p:cNvPr id="66" name="文本框 65">
+                  <a:extLst>
+                    <a:ext uri="{FF2B5EF4-FFF2-40B4-BE49-F238E27FC236}">
+                      <a16:creationId xmlns:a16="http://schemas.microsoft.com/office/drawing/2014/main" id="{B7212D7D-FF88-49C5-4661-9F3DC659A7FE}"/>
+                    </a:ext>
+                  </a:extLst>
+                </p:cNvPr>
+                <p:cNvSpPr txBox="1"/>
+                <p:nvPr/>
+              </p:nvSpPr>
+              <p:spPr>
+                <a:xfrm>
+                  <a:off x="6360643" y="376569"/>
+                  <a:ext cx="376458" cy="391646"/>
+                </a:xfrm>
+                <a:prstGeom prst="rect">
+                  <a:avLst/>
+                </a:prstGeom>
+                <a:noFill/>
+              </p:spPr>
+              <p:txBody>
+                <a:bodyPr wrap="square" rtlCol="0">
+                  <a:spAutoFit/>
+                </a:bodyPr>
+                <a:lstStyle/>
+                <a:p>
+                  <a14:m>
+                    <m:oMathPara xmlns:m="http://schemas.openxmlformats.org/officeDocument/2006/math">
+                      <m:oMathParaPr>
+                        <m:jc m:val="centerGroup"/>
+                      </m:oMathParaPr>
+                      <m:oMath xmlns:m="http://schemas.openxmlformats.org/officeDocument/2006/math">
+                        <m:sSub>
+                          <m:sSubPr>
+                            <m:ctrlPr>
+                              <a:rPr kumimoji="1" lang="en-US" altLang="zh-CN" b="0" i="1" smtClean="0">
+                                <a:solidFill>
+                                  <a:schemeClr val="tx2">
+                                    <a:lumMod val="75000"/>
+                                  </a:schemeClr>
+                                </a:solidFill>
+                                <a:latin typeface="Cambria Math" panose="02040503050406030204" pitchFamily="18" charset="0"/>
+                              </a:rPr>
+                            </m:ctrlPr>
+                          </m:sSubPr>
+                          <m:e>
+                            <m:r>
+                              <a:rPr kumimoji="1" lang="en-US" altLang="zh-CN" i="1" smtClean="0">
+                                <a:solidFill>
+                                  <a:schemeClr val="tx2">
+                                    <a:lumMod val="75000"/>
+                                  </a:schemeClr>
+                                </a:solidFill>
+                                <a:latin typeface="Cambria Math" panose="02040503050406030204" pitchFamily="18" charset="0"/>
+                              </a:rPr>
+                              <m:t>𝑘</m:t>
+                            </m:r>
+                          </m:e>
+                          <m:sub>
+                            <m:r>
+                              <a:rPr kumimoji="1" lang="en-US" altLang="zh-CN" b="0" i="1" smtClean="0">
+                                <a:solidFill>
+                                  <a:schemeClr val="tx2">
+                                    <a:lumMod val="75000"/>
+                                  </a:schemeClr>
+                                </a:solidFill>
+                                <a:latin typeface="Cambria Math" panose="02040503050406030204" pitchFamily="18" charset="0"/>
+                              </a:rPr>
+                              <m:t>𝑗</m:t>
+                            </m:r>
+                          </m:sub>
+                        </m:sSub>
+                      </m:oMath>
+                    </m:oMathPara>
+                  </a14:m>
+                  <a:endParaRPr kumimoji="1" lang="zh-CN" altLang="en-US" dirty="0">
+                    <a:solidFill>
+                      <a:schemeClr val="tx2">
+                        <a:lumMod val="75000"/>
+                      </a:schemeClr>
+                    </a:solidFill>
+                  </a:endParaRPr>
+                </a:p>
+              </p:txBody>
+            </p:sp>
+          </mc:Choice>
+          <mc:Fallback>
+            <p:sp>
+              <p:nvSpPr>
+                <p:cNvPr id="66" name="文本框 65">
+                  <a:extLst>
+                    <a:ext uri="{FF2B5EF4-FFF2-40B4-BE49-F238E27FC236}">
+                      <a16:creationId xmlns:a16="http://schemas.microsoft.com/office/drawing/2014/main" id="{B7212D7D-FF88-49C5-4661-9F3DC659A7FE}"/>
+                    </a:ext>
+                  </a:extLst>
+                </p:cNvPr>
+                <p:cNvSpPr txBox="1">
+                  <a:spLocks noRot="1" noChangeAspect="1" noMove="1" noResize="1" noEditPoints="1" noAdjustHandles="1" noChangeArrowheads="1" noChangeShapeType="1" noTextEdit="1"/>
+                </p:cNvSpPr>
+                <p:nvPr/>
+              </p:nvSpPr>
+              <p:spPr>
+                <a:xfrm>
+                  <a:off x="6360643" y="376569"/>
+                  <a:ext cx="376458" cy="391646"/>
+                </a:xfrm>
+                <a:prstGeom prst="rect">
+                  <a:avLst/>
+                </a:prstGeom>
+                <a:blipFill>
+                  <a:blip r:embed="rId12"/>
+                  <a:stretch>
+                    <a:fillRect b="-9375"/>
+                  </a:stretch>
+                </a:blipFill>
+              </p:spPr>
+              <p:txBody>
+                <a:bodyPr/>
+                <a:lstStyle/>
+                <a:p>
+                  <a:r>
+                    <a:rPr lang="zh-CN" altLang="en-US">
+                      <a:noFill/>
+                    </a:rPr>
+                    <a:t> </a:t>
+                  </a:r>
+                </a:p>
+              </p:txBody>
+            </p:sp>
+          </mc:Fallback>
+        </mc:AlternateContent>
+        <mc:AlternateContent xmlns:mc="http://schemas.openxmlformats.org/markup-compatibility/2006">
+          <mc:Choice xmlns:a14="http://schemas.microsoft.com/office/drawing/2010/main" Requires="a14">
+            <p:sp>
+              <p:nvSpPr>
+                <p:cNvPr id="67" name="文本框 66">
+                  <a:extLst>
+                    <a:ext uri="{FF2B5EF4-FFF2-40B4-BE49-F238E27FC236}">
+                      <a16:creationId xmlns:a16="http://schemas.microsoft.com/office/drawing/2014/main" id="{A37BDD49-D0A2-25C8-3549-01A27C2BFEBD}"/>
+                    </a:ext>
+                  </a:extLst>
+                </p:cNvPr>
+                <p:cNvSpPr txBox="1"/>
+                <p:nvPr/>
+              </p:nvSpPr>
+              <p:spPr>
+                <a:xfrm>
+                  <a:off x="5175405" y="2410270"/>
+                  <a:ext cx="376458" cy="369332"/>
+                </a:xfrm>
+                <a:prstGeom prst="rect">
+                  <a:avLst/>
+                </a:prstGeom>
+                <a:noFill/>
+              </p:spPr>
+              <p:txBody>
+                <a:bodyPr wrap="square" rtlCol="0">
+                  <a:spAutoFit/>
+                </a:bodyPr>
+                <a:lstStyle/>
+                <a:p>
+                  <a14:m>
+                    <m:oMathPara xmlns:m="http://schemas.openxmlformats.org/officeDocument/2006/math">
+                      <m:oMathParaPr>
+                        <m:jc m:val="centerGroup"/>
+                      </m:oMathParaPr>
+                      <m:oMath xmlns:m="http://schemas.openxmlformats.org/officeDocument/2006/math">
+                        <m:sSub>
+                          <m:sSubPr>
+                            <m:ctrlPr>
+                              <a:rPr kumimoji="1" lang="en-US" altLang="zh-CN" b="0" i="1" smtClean="0">
+                                <a:solidFill>
+                                  <a:schemeClr val="accent4">
+                                    <a:lumMod val="50000"/>
+                                  </a:schemeClr>
+                                </a:solidFill>
+                                <a:latin typeface="Cambria Math" panose="02040503050406030204" pitchFamily="18" charset="0"/>
+                              </a:rPr>
+                            </m:ctrlPr>
+                          </m:sSubPr>
+                          <m:e>
+                            <m:r>
+                              <a:rPr kumimoji="1" lang="en-US" altLang="zh-CN" b="0" i="1" smtClean="0">
+                                <a:solidFill>
+                                  <a:schemeClr val="accent4">
+                                    <a:lumMod val="50000"/>
+                                  </a:schemeClr>
+                                </a:solidFill>
+                                <a:latin typeface="Cambria Math" panose="02040503050406030204" pitchFamily="18" charset="0"/>
+                              </a:rPr>
+                              <m:t>𝑏</m:t>
+                            </m:r>
+                          </m:e>
+                          <m:sub>
+                            <m:r>
+                              <a:rPr kumimoji="1" lang="en-US" altLang="zh-CN" b="0" i="1" smtClean="0">
+                                <a:solidFill>
+                                  <a:schemeClr val="accent4">
+                                    <a:lumMod val="50000"/>
+                                  </a:schemeClr>
+                                </a:solidFill>
+                                <a:latin typeface="Cambria Math" panose="02040503050406030204" pitchFamily="18" charset="0"/>
+                              </a:rPr>
+                              <m:t>𝑖</m:t>
+                            </m:r>
+                          </m:sub>
+                        </m:sSub>
+                      </m:oMath>
+                    </m:oMathPara>
+                  </a14:m>
+                  <a:endParaRPr kumimoji="1" lang="zh-CN" altLang="en-US" dirty="0">
+                    <a:solidFill>
+                      <a:schemeClr val="accent4">
+                        <a:lumMod val="50000"/>
+                      </a:schemeClr>
+                    </a:solidFill>
+                  </a:endParaRPr>
+                </a:p>
+              </p:txBody>
+            </p:sp>
+          </mc:Choice>
+          <mc:Fallback>
+            <p:sp>
+              <p:nvSpPr>
+                <p:cNvPr id="67" name="文本框 66">
+                  <a:extLst>
+                    <a:ext uri="{FF2B5EF4-FFF2-40B4-BE49-F238E27FC236}">
+                      <a16:creationId xmlns:a16="http://schemas.microsoft.com/office/drawing/2014/main" id="{A37BDD49-D0A2-25C8-3549-01A27C2BFEBD}"/>
+                    </a:ext>
+                  </a:extLst>
+                </p:cNvPr>
+                <p:cNvSpPr txBox="1">
+                  <a:spLocks noRot="1" noChangeAspect="1" noMove="1" noResize="1" noEditPoints="1" noAdjustHandles="1" noChangeArrowheads="1" noChangeShapeType="1" noTextEdit="1"/>
+                </p:cNvSpPr>
+                <p:nvPr/>
+              </p:nvSpPr>
+              <p:spPr>
+                <a:xfrm>
+                  <a:off x="5175405" y="2410270"/>
+                  <a:ext cx="376458" cy="369332"/>
+                </a:xfrm>
+                <a:prstGeom prst="rect">
+                  <a:avLst/>
+                </a:prstGeom>
+                <a:blipFill>
+                  <a:blip r:embed="rId13"/>
+                  <a:stretch>
+                    <a:fillRect/>
+                  </a:stretch>
+                </a:blipFill>
+              </p:spPr>
+              <p:txBody>
+                <a:bodyPr/>
+                <a:lstStyle/>
+                <a:p>
+                  <a:r>
+                    <a:rPr lang="zh-CN" altLang="en-US">
+                      <a:noFill/>
+                    </a:rPr>
+                    <a:t> </a:t>
+                  </a:r>
+                </a:p>
+              </p:txBody>
+            </p:sp>
+          </mc:Fallback>
+        </mc:AlternateContent>
+        <p:grpSp>
+          <p:nvGrpSpPr>
+            <p:cNvPr id="78" name="组合 77">
+              <a:extLst>
+                <a:ext uri="{FF2B5EF4-FFF2-40B4-BE49-F238E27FC236}">
+                  <a16:creationId xmlns:a16="http://schemas.microsoft.com/office/drawing/2014/main" id="{46402BF8-414E-C50B-1C51-BE9FC761F262}"/>
+                </a:ext>
+              </a:extLst>
+            </p:cNvPr>
+            <p:cNvGrpSpPr/>
+            <p:nvPr/>
+          </p:nvGrpSpPr>
+          <p:grpSpPr>
+            <a:xfrm>
+              <a:off x="7258875" y="376569"/>
+              <a:ext cx="763083" cy="1800678"/>
+              <a:chOff x="7620353" y="376569"/>
+              <a:chExt cx="763083" cy="1800678"/>
+            </a:xfrm>
+          </p:grpSpPr>
+          <mc:AlternateContent xmlns:mc="http://schemas.openxmlformats.org/markup-compatibility/2006">
+            <mc:Choice xmlns:a14="http://schemas.microsoft.com/office/drawing/2010/main" Requires="a14">
+              <p:sp>
+                <p:nvSpPr>
+                  <p:cNvPr id="54" name="文本框 53">
+                    <a:extLst>
+                      <a:ext uri="{FF2B5EF4-FFF2-40B4-BE49-F238E27FC236}">
+                        <a16:creationId xmlns:a16="http://schemas.microsoft.com/office/drawing/2014/main" id="{C27A626E-B732-B106-C95A-A2C4ECE31B32}"/>
+                      </a:ext>
+                    </a:extLst>
+                  </p:cNvPr>
+                  <p:cNvSpPr txBox="1"/>
+                  <p:nvPr/>
+                </p:nvSpPr>
+                <p:spPr>
+                  <a:xfrm>
+                    <a:off x="8006978" y="1807915"/>
+                    <a:ext cx="376458" cy="369332"/>
+                  </a:xfrm>
+                  <a:prstGeom prst="rect">
+                    <a:avLst/>
+                  </a:prstGeom>
+                  <a:noFill/>
+                </p:spPr>
+                <p:txBody>
+                  <a:bodyPr wrap="square" rtlCol="0">
+                    <a:spAutoFit/>
+                  </a:bodyPr>
+                  <a:lstStyle/>
+                  <a:p>
+                    <a14:m>
+                      <m:oMathPara xmlns:m="http://schemas.openxmlformats.org/officeDocument/2006/math">
+                        <m:oMathParaPr>
+                          <m:jc m:val="centerGroup"/>
+                        </m:oMathParaPr>
+                        <m:oMath xmlns:m="http://schemas.openxmlformats.org/officeDocument/2006/math">
+                          <m:r>
+                            <a:rPr kumimoji="1" lang="en-US" altLang="zh-CN" b="1" i="1" smtClean="0">
+                              <a:solidFill>
+                                <a:srgbClr val="00B0F0"/>
+                              </a:solidFill>
+                              <a:latin typeface="Cambria Math" panose="02040503050406030204" pitchFamily="18" charset="0"/>
+                            </a:rPr>
+                            <m:t>𝑩</m:t>
+                          </m:r>
+                        </m:oMath>
+                      </m:oMathPara>
+                    </a14:m>
+                    <a:endParaRPr kumimoji="1" lang="zh-CN" altLang="en-US" b="1" dirty="0">
+                      <a:solidFill>
+                        <a:srgbClr val="00B0F0"/>
+                      </a:solidFill>
+                    </a:endParaRPr>
+                  </a:p>
+                </p:txBody>
+              </p:sp>
+            </mc:Choice>
+            <mc:Fallback>
+              <p:sp>
+                <p:nvSpPr>
+                  <p:cNvPr id="54" name="文本框 53">
+                    <a:extLst>
+                      <a:ext uri="{FF2B5EF4-FFF2-40B4-BE49-F238E27FC236}">
+                        <a16:creationId xmlns:a16="http://schemas.microsoft.com/office/drawing/2014/main" id="{C27A626E-B732-B106-C95A-A2C4ECE31B32}"/>
+                      </a:ext>
+                    </a:extLst>
+                  </p:cNvPr>
+                  <p:cNvSpPr txBox="1">
+                    <a:spLocks noRot="1" noChangeAspect="1" noMove="1" noResize="1" noEditPoints="1" noAdjustHandles="1" noChangeArrowheads="1" noChangeShapeType="1" noTextEdit="1"/>
+                  </p:cNvSpPr>
+                  <p:nvPr/>
+                </p:nvSpPr>
+                <p:spPr>
+                  <a:xfrm>
+                    <a:off x="8006978" y="1807915"/>
+                    <a:ext cx="376458" cy="369332"/>
+                  </a:xfrm>
+                  <a:prstGeom prst="rect">
+                    <a:avLst/>
+                  </a:prstGeom>
+                  <a:blipFill>
+                    <a:blip r:embed="rId14"/>
+                    <a:stretch>
+                      <a:fillRect/>
+                    </a:stretch>
+                  </a:blipFill>
+                </p:spPr>
+                <p:txBody>
+                  <a:bodyPr/>
+                  <a:lstStyle/>
+                  <a:p>
+                    <a:r>
+                      <a:rPr lang="zh-CN" altLang="en-US">
+                        <a:noFill/>
+                      </a:rPr>
+                      <a:t> </a:t>
+                    </a:r>
+                  </a:p>
+                </p:txBody>
+              </p:sp>
+            </mc:Fallback>
+          </mc:AlternateContent>
+          <p:sp>
+            <p:nvSpPr>
+              <p:cNvPr id="40" name="矩形 39">
+                <a:extLst>
+                  <a:ext uri="{FF2B5EF4-FFF2-40B4-BE49-F238E27FC236}">
+                    <a16:creationId xmlns:a16="http://schemas.microsoft.com/office/drawing/2014/main" id="{A553D20C-D8B6-112E-135C-56279D901A7C}"/>
+                  </a:ext>
+                </a:extLst>
+              </p:cNvPr>
+              <p:cNvSpPr/>
+              <p:nvPr/>
+            </p:nvSpPr>
+            <p:spPr>
+              <a:xfrm rot="16200000">
+                <a:off x="7315553" y="1099751"/>
+                <a:ext cx="1371600" cy="762000"/>
+              </a:xfrm>
+              <a:prstGeom prst="rect">
+                <a:avLst/>
+              </a:prstGeom>
+              <a:noFill/>
+            </p:spPr>
+            <p:style>
+              <a:lnRef idx="2">
+                <a:schemeClr val="accent1">
+                  <a:shade val="15000"/>
+                </a:schemeClr>
+              </a:lnRef>
+              <a:fillRef idx="1">
+                <a:schemeClr val="accent1"/>
+              </a:fillRef>
+              <a:effectRef idx="0">
+                <a:schemeClr val="accent1"/>
+              </a:effectRef>
+              <a:fontRef idx="minor">
+                <a:schemeClr val="lt1"/>
+              </a:fontRef>
+            </p:style>
+            <p:txBody>
+              <a:bodyPr rtlCol="0" anchor="ctr"/>
+              <a:lstStyle/>
+              <a:p>
+                <a:pPr algn="ctr"/>
+                <a:endParaRPr kumimoji="1" lang="zh-CN" altLang="en-US" dirty="0">
+                  <a:solidFill>
+                    <a:schemeClr val="tx1"/>
+                  </a:solidFill>
+                </a:endParaRPr>
+              </a:p>
+            </p:txBody>
+          </p:sp>
+          <p:sp>
+            <p:nvSpPr>
+              <p:cNvPr id="65" name="矩形 64">
+                <a:extLst>
+                  <a:ext uri="{FF2B5EF4-FFF2-40B4-BE49-F238E27FC236}">
+                    <a16:creationId xmlns:a16="http://schemas.microsoft.com/office/drawing/2014/main" id="{6F86B697-6CC3-4E9B-EE1A-1257BB8758FA}"/>
+                  </a:ext>
+                </a:extLst>
+              </p:cNvPr>
+              <p:cNvSpPr/>
+              <p:nvPr/>
+            </p:nvSpPr>
+            <p:spPr>
+              <a:xfrm rot="16200000">
+                <a:off x="7191539" y="1437126"/>
+                <a:ext cx="1371600" cy="87249"/>
+              </a:xfrm>
+              <a:prstGeom prst="rect">
+                <a:avLst/>
+              </a:prstGeom>
+              <a:solidFill>
+                <a:schemeClr val="tx2">
+                  <a:lumMod val="60000"/>
+                  <a:lumOff val="40000"/>
+                </a:schemeClr>
+              </a:solidFill>
+              <a:ln>
+                <a:noFill/>
+              </a:ln>
+            </p:spPr>
+            <p:style>
+              <a:lnRef idx="2">
+                <a:schemeClr val="accent1">
+                  <a:shade val="15000"/>
+                </a:schemeClr>
+              </a:lnRef>
+              <a:fillRef idx="1">
+                <a:schemeClr val="accent1"/>
+              </a:fillRef>
+              <a:effectRef idx="0">
+                <a:schemeClr val="accent1"/>
+              </a:effectRef>
+              <a:fontRef idx="minor">
+                <a:schemeClr val="lt1"/>
+              </a:fontRef>
+            </p:style>
+            <p:txBody>
+              <a:bodyPr rtlCol="0" anchor="ctr"/>
+              <a:lstStyle/>
+              <a:p>
+                <a:pPr algn="ctr"/>
+                <a:endParaRPr kumimoji="1" lang="zh-CN" altLang="en-US"/>
+              </a:p>
+            </p:txBody>
+          </p:sp>
+          <mc:AlternateContent xmlns:mc="http://schemas.openxmlformats.org/markup-compatibility/2006">
+            <mc:Choice xmlns:a14="http://schemas.microsoft.com/office/drawing/2010/main" Requires="a14">
+              <p:sp>
+                <p:nvSpPr>
+                  <p:cNvPr id="68" name="文本框 67">
+                    <a:extLst>
+                      <a:ext uri="{FF2B5EF4-FFF2-40B4-BE49-F238E27FC236}">
+                        <a16:creationId xmlns:a16="http://schemas.microsoft.com/office/drawing/2014/main" id="{408E9025-513A-1C58-7412-666DD504E69E}"/>
+                      </a:ext>
+                    </a:extLst>
+                  </p:cNvPr>
+                  <p:cNvSpPr txBox="1"/>
+                  <p:nvPr/>
+                </p:nvSpPr>
+                <p:spPr>
+                  <a:xfrm>
+                    <a:off x="7689110" y="376569"/>
+                    <a:ext cx="376458" cy="391646"/>
+                  </a:xfrm>
+                  <a:prstGeom prst="rect">
+                    <a:avLst/>
+                  </a:prstGeom>
+                  <a:noFill/>
+                </p:spPr>
+                <p:txBody>
+                  <a:bodyPr wrap="square" rtlCol="0">
+                    <a:spAutoFit/>
+                  </a:bodyPr>
+                  <a:lstStyle/>
+                  <a:p>
+                    <a14:m>
+                      <m:oMathPara xmlns:m="http://schemas.openxmlformats.org/officeDocument/2006/math">
+                        <m:oMathParaPr>
+                          <m:jc m:val="centerGroup"/>
+                        </m:oMathParaPr>
+                        <m:oMath xmlns:m="http://schemas.openxmlformats.org/officeDocument/2006/math">
+                          <m:sSub>
+                            <m:sSubPr>
+                              <m:ctrlPr>
+                                <a:rPr kumimoji="1" lang="en-US" altLang="zh-CN" b="0" i="1" smtClean="0">
+                                  <a:solidFill>
+                                    <a:schemeClr val="tx2">
+                                      <a:lumMod val="75000"/>
+                                    </a:schemeClr>
+                                  </a:solidFill>
+                                  <a:latin typeface="Cambria Math" panose="02040503050406030204" pitchFamily="18" charset="0"/>
+                                </a:rPr>
+                              </m:ctrlPr>
+                            </m:sSubPr>
+                            <m:e>
+                              <m:r>
+                                <a:rPr kumimoji="1" lang="en-US" altLang="zh-CN" b="0" i="1" smtClean="0">
+                                  <a:solidFill>
+                                    <a:schemeClr val="tx2">
+                                      <a:lumMod val="75000"/>
+                                    </a:schemeClr>
+                                  </a:solidFill>
+                                  <a:latin typeface="Cambria Math" panose="02040503050406030204" pitchFamily="18" charset="0"/>
+                                </a:rPr>
+                                <m:t>𝑏</m:t>
+                              </m:r>
+                            </m:e>
+                            <m:sub>
+                              <m:r>
+                                <a:rPr kumimoji="1" lang="en-US" altLang="zh-CN" b="0" i="1" smtClean="0">
+                                  <a:solidFill>
+                                    <a:schemeClr val="tx2">
+                                      <a:lumMod val="75000"/>
+                                    </a:schemeClr>
+                                  </a:solidFill>
+                                  <a:latin typeface="Cambria Math" panose="02040503050406030204" pitchFamily="18" charset="0"/>
+                                </a:rPr>
+                                <m:t>𝑗</m:t>
+                              </m:r>
+                            </m:sub>
+                          </m:sSub>
+                        </m:oMath>
+                      </m:oMathPara>
+                    </a14:m>
+                    <a:endParaRPr kumimoji="1" lang="zh-CN" altLang="en-US" dirty="0">
+                      <a:solidFill>
+                        <a:schemeClr val="tx2">
+                          <a:lumMod val="75000"/>
+                        </a:schemeClr>
+                      </a:solidFill>
+                    </a:endParaRPr>
+                  </a:p>
+                </p:txBody>
+              </p:sp>
+            </mc:Choice>
+            <mc:Fallback>
+              <p:sp>
+                <p:nvSpPr>
+                  <p:cNvPr id="68" name="文本框 67">
+                    <a:extLst>
+                      <a:ext uri="{FF2B5EF4-FFF2-40B4-BE49-F238E27FC236}">
+                        <a16:creationId xmlns:a16="http://schemas.microsoft.com/office/drawing/2014/main" id="{408E9025-513A-1C58-7412-666DD504E69E}"/>
+                      </a:ext>
+                    </a:extLst>
+                  </p:cNvPr>
+                  <p:cNvSpPr txBox="1">
+                    <a:spLocks noRot="1" noChangeAspect="1" noMove="1" noResize="1" noEditPoints="1" noAdjustHandles="1" noChangeArrowheads="1" noChangeShapeType="1" noTextEdit="1"/>
+                  </p:cNvSpPr>
+                  <p:nvPr/>
+                </p:nvSpPr>
+                <p:spPr>
+                  <a:xfrm>
+                    <a:off x="7689110" y="376569"/>
+                    <a:ext cx="376458" cy="391646"/>
+                  </a:xfrm>
+                  <a:prstGeom prst="rect">
+                    <a:avLst/>
+                  </a:prstGeom>
+                  <a:blipFill>
+                    <a:blip r:embed="rId15"/>
+                    <a:stretch>
+                      <a:fillRect b="-9375"/>
+                    </a:stretch>
+                  </a:blipFill>
+                </p:spPr>
+                <p:txBody>
+                  <a:bodyPr/>
+                  <a:lstStyle/>
+                  <a:p>
+                    <a:r>
+                      <a:rPr lang="zh-CN" altLang="en-US">
+                        <a:noFill/>
+                      </a:rPr>
+                      <a:t> </a:t>
+                    </a:r>
+                  </a:p>
+                </p:txBody>
+              </p:sp>
+            </mc:Fallback>
+          </mc:AlternateContent>
+        </p:grpSp>
+        <p:sp>
+          <p:nvSpPr>
+            <p:cNvPr id="70" name="矩形 69">
+              <a:extLst>
+                <a:ext uri="{FF2B5EF4-FFF2-40B4-BE49-F238E27FC236}">
+                  <a16:creationId xmlns:a16="http://schemas.microsoft.com/office/drawing/2014/main" id="{2525440A-0FCB-0DD9-9B43-59659BCAE1FA}"/>
+                </a:ext>
+              </a:extLst>
+            </p:cNvPr>
+            <p:cNvSpPr/>
+            <p:nvPr/>
+          </p:nvSpPr>
+          <p:spPr>
+            <a:xfrm>
+              <a:off x="6283181" y="2308660"/>
+              <a:ext cx="778470" cy="778470"/>
+            </a:xfrm>
+            <a:prstGeom prst="rect">
+              <a:avLst/>
+            </a:prstGeom>
+            <a:noFill/>
+          </p:spPr>
+          <p:style>
+            <a:lnRef idx="2">
+              <a:schemeClr val="accent1">
+                <a:shade val="15000"/>
+              </a:schemeClr>
+            </a:lnRef>
+            <a:fillRef idx="1">
+              <a:schemeClr val="accent1"/>
+            </a:fillRef>
+            <a:effectRef idx="0">
+              <a:schemeClr val="accent1"/>
+            </a:effectRef>
+            <a:fontRef idx="minor">
+              <a:schemeClr val="lt1"/>
+            </a:fontRef>
+          </p:style>
+          <p:txBody>
+            <a:bodyPr rtlCol="0" anchor="ctr"/>
+            <a:lstStyle/>
+            <a:p>
+              <a:pPr algn="ctr"/>
+              <a:endParaRPr kumimoji="1" lang="zh-CN" altLang="en-US"/>
+            </a:p>
+          </p:txBody>
+        </p:sp>
+        <mc:AlternateContent xmlns:mc="http://schemas.openxmlformats.org/markup-compatibility/2006">
+          <mc:Choice xmlns:a14="http://schemas.microsoft.com/office/drawing/2010/main" Requires="a14">
+            <p:sp>
+              <p:nvSpPr>
+                <p:cNvPr id="71" name="文本框 70">
+                  <a:extLst>
+                    <a:ext uri="{FF2B5EF4-FFF2-40B4-BE49-F238E27FC236}">
+                      <a16:creationId xmlns:a16="http://schemas.microsoft.com/office/drawing/2014/main" id="{239E9A50-E72A-3260-0FAC-21976CE7D761}"/>
+                    </a:ext>
+                  </a:extLst>
+                </p:cNvPr>
+                <p:cNvSpPr txBox="1"/>
+                <p:nvPr/>
+              </p:nvSpPr>
+              <p:spPr>
+                <a:xfrm>
+                  <a:off x="6484187" y="2683930"/>
+                  <a:ext cx="376458" cy="369332"/>
+                </a:xfrm>
+                <a:prstGeom prst="rect">
+                  <a:avLst/>
+                </a:prstGeom>
+                <a:noFill/>
+              </p:spPr>
+              <p:txBody>
+                <a:bodyPr wrap="square" rtlCol="0">
+                  <a:spAutoFit/>
+                </a:bodyPr>
+                <a:lstStyle/>
+                <a:p>
+                  <a14:m>
+                    <m:oMathPara xmlns:m="http://schemas.openxmlformats.org/officeDocument/2006/math">
+                      <m:oMathParaPr>
+                        <m:jc m:val="centerGroup"/>
+                      </m:oMathParaPr>
+                      <m:oMath xmlns:m="http://schemas.openxmlformats.org/officeDocument/2006/math">
+                        <m:r>
+                          <a:rPr kumimoji="1" lang="en-US" altLang="zh-CN" b="1" i="1" smtClean="0">
+                            <a:solidFill>
+                              <a:srgbClr val="00B0F0"/>
+                            </a:solidFill>
+                            <a:latin typeface="Cambria Math" panose="02040503050406030204" pitchFamily="18" charset="0"/>
+                          </a:rPr>
+                          <m:t>𝑷</m:t>
+                        </m:r>
+                      </m:oMath>
+                    </m:oMathPara>
+                  </a14:m>
+                  <a:endParaRPr kumimoji="1" lang="zh-CN" altLang="en-US" b="1" dirty="0">
+                    <a:solidFill>
+                      <a:srgbClr val="00B0F0"/>
+                    </a:solidFill>
+                  </a:endParaRPr>
+                </a:p>
+              </p:txBody>
+            </p:sp>
+          </mc:Choice>
+          <mc:Fallback>
+            <p:sp>
+              <p:nvSpPr>
+                <p:cNvPr id="71" name="文本框 70">
+                  <a:extLst>
+                    <a:ext uri="{FF2B5EF4-FFF2-40B4-BE49-F238E27FC236}">
+                      <a16:creationId xmlns:a16="http://schemas.microsoft.com/office/drawing/2014/main" id="{239E9A50-E72A-3260-0FAC-21976CE7D761}"/>
+                    </a:ext>
+                  </a:extLst>
+                </p:cNvPr>
+                <p:cNvSpPr txBox="1">
+                  <a:spLocks noRot="1" noChangeAspect="1" noMove="1" noResize="1" noEditPoints="1" noAdjustHandles="1" noChangeArrowheads="1" noChangeShapeType="1" noTextEdit="1"/>
+                </p:cNvSpPr>
+                <p:nvPr/>
+              </p:nvSpPr>
+              <p:spPr>
+                <a:xfrm>
+                  <a:off x="6484187" y="2683930"/>
+                  <a:ext cx="376458" cy="369332"/>
+                </a:xfrm>
+                <a:prstGeom prst="rect">
+                  <a:avLst/>
+                </a:prstGeom>
+                <a:blipFill>
+                  <a:blip r:embed="rId16"/>
+                  <a:stretch>
+                    <a:fillRect/>
+                  </a:stretch>
+                </a:blipFill>
+              </p:spPr>
+              <p:txBody>
+                <a:bodyPr/>
+                <a:lstStyle/>
+                <a:p>
+                  <a:r>
+                    <a:rPr lang="zh-CN" altLang="en-US">
+                      <a:noFill/>
+                    </a:rPr>
+                    <a:t> </a:t>
+                  </a:r>
+                </a:p>
+              </p:txBody>
+            </p:sp>
+          </mc:Fallback>
+        </mc:AlternateContent>
+        <p:cxnSp>
+          <p:nvCxnSpPr>
+            <p:cNvPr id="80" name="直线箭头连接符 79">
+              <a:extLst>
+                <a:ext uri="{FF2B5EF4-FFF2-40B4-BE49-F238E27FC236}">
+                  <a16:creationId xmlns:a16="http://schemas.microsoft.com/office/drawing/2014/main" id="{89131AD4-E619-4EB2-099B-C75DF7F274B3}"/>
+                </a:ext>
+              </a:extLst>
+            </p:cNvPr>
+            <p:cNvCxnSpPr/>
+            <p:nvPr/>
+          </p:nvCxnSpPr>
+          <p:spPr>
+            <a:xfrm>
+              <a:off x="1585692" y="2245495"/>
+              <a:ext cx="0" cy="841635"/>
+            </a:xfrm>
+            <a:prstGeom prst="straightConnector1">
+              <a:avLst/>
+            </a:prstGeom>
+            <a:ln w="12700">
+              <a:solidFill>
+                <a:srgbClr val="C00000"/>
+              </a:solidFill>
+              <a:tailEnd type="triangle" w="med" len="lg"/>
+            </a:ln>
+          </p:spPr>
+          <p:style>
+            <a:lnRef idx="2">
+              <a:schemeClr val="accent1"/>
+            </a:lnRef>
+            <a:fillRef idx="0">
+              <a:schemeClr val="accent1"/>
+            </a:fillRef>
+            <a:effectRef idx="1">
+              <a:schemeClr val="accent1"/>
+            </a:effectRef>
+            <a:fontRef idx="minor">
+              <a:schemeClr val="tx1"/>
+            </a:fontRef>
+          </p:style>
+        </p:cxnSp>
+        <p:sp>
+          <p:nvSpPr>
+            <p:cNvPr id="81" name="文本框 80">
+              <a:extLst>
+                <a:ext uri="{FF2B5EF4-FFF2-40B4-BE49-F238E27FC236}">
+                  <a16:creationId xmlns:a16="http://schemas.microsoft.com/office/drawing/2014/main" id="{6538F6CB-75CF-50C7-C59B-1A3B5443AC22}"/>
+                </a:ext>
+              </a:extLst>
+            </p:cNvPr>
+            <p:cNvSpPr txBox="1"/>
+            <p:nvPr/>
+          </p:nvSpPr>
+          <p:spPr>
+            <a:xfrm>
+              <a:off x="1231900" y="3149597"/>
+              <a:ext cx="730250" cy="307777"/>
+            </a:xfrm>
+            <a:prstGeom prst="rect">
+              <a:avLst/>
+            </a:prstGeom>
+            <a:noFill/>
+          </p:spPr>
+          <p:txBody>
+            <a:bodyPr wrap="square" rtlCol="0">
+              <a:spAutoFit/>
+            </a:bodyPr>
+            <a:lstStyle/>
+            <a:p>
+              <a:r>
+                <a:rPr kumimoji="1" lang="zh-CN" altLang="en-US" sz="1400" i="1" dirty="0">
+                  <a:latin typeface="Calibri" panose="020F0502020204030204" pitchFamily="34" charset="0"/>
+                  <a:cs typeface="Calibri" panose="020F0502020204030204" pitchFamily="34" charset="0"/>
+                </a:rPr>
+                <a:t>外循环</a:t>
+              </a:r>
+            </a:p>
+          </p:txBody>
+        </p:sp>
+        <p:cxnSp>
+          <p:nvCxnSpPr>
+            <p:cNvPr id="82" name="直线箭头连接符 81">
+              <a:extLst>
+                <a:ext uri="{FF2B5EF4-FFF2-40B4-BE49-F238E27FC236}">
+                  <a16:creationId xmlns:a16="http://schemas.microsoft.com/office/drawing/2014/main" id="{3E69AA43-7925-2F75-9788-766E40706063}"/>
+                </a:ext>
+              </a:extLst>
+            </p:cNvPr>
+            <p:cNvCxnSpPr>
+              <a:cxnSpLocks/>
+            </p:cNvCxnSpPr>
+            <p:nvPr/>
+          </p:nvCxnSpPr>
+          <p:spPr>
+            <a:xfrm>
+              <a:off x="6266711" y="376569"/>
+              <a:ext cx="778470" cy="0"/>
+            </a:xfrm>
+            <a:prstGeom prst="straightConnector1">
+              <a:avLst/>
+            </a:prstGeom>
+            <a:ln w="12700">
+              <a:solidFill>
+                <a:srgbClr val="C00000"/>
+              </a:solidFill>
+              <a:tailEnd type="triangle" w="med" len="lg"/>
+            </a:ln>
+          </p:spPr>
+          <p:style>
+            <a:lnRef idx="2">
+              <a:schemeClr val="accent1"/>
+            </a:lnRef>
+            <a:fillRef idx="0">
+              <a:schemeClr val="accent1"/>
+            </a:fillRef>
+            <a:effectRef idx="1">
+              <a:schemeClr val="accent1"/>
+            </a:effectRef>
+            <a:fontRef idx="minor">
+              <a:schemeClr val="tx1"/>
+            </a:fontRef>
+          </p:style>
+        </p:cxnSp>
+        <p:sp>
+          <p:nvSpPr>
+            <p:cNvPr id="83" name="文本框 82">
+              <a:extLst>
+                <a:ext uri="{FF2B5EF4-FFF2-40B4-BE49-F238E27FC236}">
+                  <a16:creationId xmlns:a16="http://schemas.microsoft.com/office/drawing/2014/main" id="{A9D3CB40-7FC6-B45C-68B5-7D4F5A2B0BC2}"/>
+                </a:ext>
+              </a:extLst>
+            </p:cNvPr>
+            <p:cNvSpPr txBox="1"/>
+            <p:nvPr/>
+          </p:nvSpPr>
+          <p:spPr>
+            <a:xfrm>
+              <a:off x="6237486" y="66674"/>
+              <a:ext cx="730250" cy="307777"/>
+            </a:xfrm>
+            <a:prstGeom prst="rect">
+              <a:avLst/>
+            </a:prstGeom>
+            <a:noFill/>
+          </p:spPr>
+          <p:txBody>
+            <a:bodyPr wrap="square" rtlCol="0">
+              <a:spAutoFit/>
+            </a:bodyPr>
+            <a:lstStyle/>
+            <a:p>
+              <a:r>
+                <a:rPr kumimoji="1" lang="zh-CN" altLang="en-US" sz="1400" i="1" dirty="0">
+                  <a:latin typeface="Calibri" panose="020F0502020204030204" pitchFamily="34" charset="0"/>
+                  <a:cs typeface="Calibri" panose="020F0502020204030204" pitchFamily="34" charset="0"/>
+                </a:rPr>
+                <a:t>内循环</a:t>
+              </a:r>
+            </a:p>
+          </p:txBody>
+        </p:sp>
+      </p:grpSp>
+    </p:spTree>
+    <p:extLst>
+      <p:ext uri="{BB962C8B-B14F-4D97-AF65-F5344CB8AC3E}">
+        <p14:creationId xmlns:p14="http://schemas.microsoft.com/office/powerpoint/2010/main" val="963049310"/>
+      </p:ext>
+    </p:extLst>
+  </p:cSld>
+  <p:clrMapOvr>
+    <a:masterClrMapping/>
+  </p:clrMapOvr>
+</p:sld>
+</file>
+
+<file path=ppt/slides/slide4.xml><?xml version="1.0" encoding="utf-8"?>
+<p:sld xmlns:a="http://schemas.openxmlformats.org/drawingml/2006/main" xmlns:r="http://schemas.openxmlformats.org/officeDocument/2006/relationships" xmlns:p="http://schemas.openxmlformats.org/presentationml/2006/main">
+  <p:cSld>
+    <p:spTree>
+      <p:nvGrpSpPr>
+        <p:cNvPr id="1" name=""/>
+        <p:cNvGrpSpPr/>
+        <p:nvPr/>
+      </p:nvGrpSpPr>
+      <p:grpSpPr>
+        <a:xfrm>
+          <a:off x="0" y="0"/>
+          <a:ext cx="0" cy="0"/>
+          <a:chOff x="0" y="0"/>
+          <a:chExt cx="0" cy="0"/>
+        </a:xfrm>
+      </p:grpSpPr>
+      <mc:AlternateContent xmlns:mc="http://schemas.openxmlformats.org/markup-compatibility/2006" xmlns:a14="http://schemas.microsoft.com/office/drawing/2010/main">
+        <mc:Choice Requires="a14">
           <p:sp>
             <p:nvSpPr>
               <p:cNvPr id="42" name="文本框 41">
@@ -16452,7 +19126,7 @@
             </p:txBody>
           </p:sp>
         </mc:Choice>
-        <mc:Fallback>
+        <mc:Fallback xmlns="">
           <p:sp>
             <p:nvSpPr>
               <p:cNvPr id="42" name="文本框 41">
@@ -16643,8 +19317,8 @@
           </a:fontRef>
         </p:style>
       </p:cxnSp>
-      <mc:AlternateContent xmlns:mc="http://schemas.openxmlformats.org/markup-compatibility/2006">
-        <mc:Choice xmlns:a14="http://schemas.microsoft.com/office/drawing/2010/main" Requires="a14">
+      <mc:AlternateContent xmlns:mc="http://schemas.openxmlformats.org/markup-compatibility/2006" xmlns:a14="http://schemas.microsoft.com/office/drawing/2010/main">
+        <mc:Choice Requires="a14">
           <p:sp>
             <p:nvSpPr>
               <p:cNvPr id="6" name="文本框 5">
@@ -16694,7 +19368,7 @@
             </p:txBody>
           </p:sp>
         </mc:Choice>
-        <mc:Fallback>
+        <mc:Fallback xmlns="">
           <p:sp>
             <p:nvSpPr>
               <p:cNvPr id="6" name="文本框 5">
@@ -16739,8 +19413,8 @@
           </p:sp>
         </mc:Fallback>
       </mc:AlternateContent>
-      <mc:AlternateContent xmlns:mc="http://schemas.openxmlformats.org/markup-compatibility/2006">
-        <mc:Choice xmlns:a14="http://schemas.microsoft.com/office/drawing/2010/main" Requires="a14">
+      <mc:AlternateContent xmlns:mc="http://schemas.openxmlformats.org/markup-compatibility/2006" xmlns:a14="http://schemas.microsoft.com/office/drawing/2010/main">
+        <mc:Choice Requires="a14">
           <p:sp>
             <p:nvSpPr>
               <p:cNvPr id="12" name="文本框 11">
@@ -16790,7 +19464,7 @@
             </p:txBody>
           </p:sp>
         </mc:Choice>
-        <mc:Fallback>
+        <mc:Fallback xmlns="">
           <p:sp>
             <p:nvSpPr>
               <p:cNvPr id="12" name="文本框 11">
@@ -16835,8 +19509,8 @@
           </p:sp>
         </mc:Fallback>
       </mc:AlternateContent>
-      <mc:AlternateContent xmlns:mc="http://schemas.openxmlformats.org/markup-compatibility/2006">
-        <mc:Choice xmlns:a14="http://schemas.microsoft.com/office/drawing/2010/main" Requires="a14">
+      <mc:AlternateContent xmlns:mc="http://schemas.openxmlformats.org/markup-compatibility/2006" xmlns:a14="http://schemas.microsoft.com/office/drawing/2010/main">
+        <mc:Choice Requires="a14">
           <p:sp>
             <p:nvSpPr>
               <p:cNvPr id="14" name="文本框 13">
@@ -16886,7 +19560,7 @@
             </p:txBody>
           </p:sp>
         </mc:Choice>
-        <mc:Fallback>
+        <mc:Fallback xmlns="">
           <p:sp>
             <p:nvSpPr>
               <p:cNvPr id="14" name="文本框 13">
@@ -17083,8 +19757,8 @@
           </a:p>
         </p:txBody>
       </p:sp>
-      <mc:AlternateContent xmlns:mc="http://schemas.openxmlformats.org/markup-compatibility/2006">
-        <mc:Choice xmlns:a14="http://schemas.microsoft.com/office/drawing/2010/main" Requires="a14">
+      <mc:AlternateContent xmlns:mc="http://schemas.openxmlformats.org/markup-compatibility/2006" xmlns:a14="http://schemas.microsoft.com/office/drawing/2010/main">
+        <mc:Choice Requires="a14">
           <p:sp>
             <p:nvSpPr>
               <p:cNvPr id="24" name="文本框 23">
@@ -17134,7 +19808,7 @@
             </p:txBody>
           </p:sp>
         </mc:Choice>
-        <mc:Fallback>
+        <mc:Fallback xmlns="">
           <p:sp>
             <p:nvSpPr>
               <p:cNvPr id="24" name="文本框 23">
@@ -17179,8 +19853,8 @@
           </p:sp>
         </mc:Fallback>
       </mc:AlternateContent>
-      <mc:AlternateContent xmlns:mc="http://schemas.openxmlformats.org/markup-compatibility/2006">
-        <mc:Choice xmlns:a14="http://schemas.microsoft.com/office/drawing/2010/main" Requires="a14">
+      <mc:AlternateContent xmlns:mc="http://schemas.openxmlformats.org/markup-compatibility/2006" xmlns:a14="http://schemas.microsoft.com/office/drawing/2010/main">
+        <mc:Choice Requires="a14">
           <p:sp>
             <p:nvSpPr>
               <p:cNvPr id="25" name="文本框 24">
@@ -17230,7 +19904,7 @@
             </p:txBody>
           </p:sp>
         </mc:Choice>
-        <mc:Fallback>
+        <mc:Fallback xmlns="">
           <p:sp>
             <p:nvSpPr>
               <p:cNvPr id="25" name="文本框 24">
@@ -17288,7 +19962,7 @@
 </p:sld>
 </file>
 
-<file path=ppt/slides/slide4.xml><?xml version="1.0" encoding="utf-8"?>
+<file path=ppt/slides/slide5.xml><?xml version="1.0" encoding="utf-8"?>
 <p:sld xmlns:a="http://schemas.openxmlformats.org/drawingml/2006/main" xmlns:r="http://schemas.openxmlformats.org/officeDocument/2006/relationships" xmlns:p="http://schemas.openxmlformats.org/presentationml/2006/main">
   <p:cSld>
     <p:spTree>
@@ -17305,8 +19979,8 @@
           <a:chExt cx="0" cy="0"/>
         </a:xfrm>
       </p:grpSpPr>
-      <mc:AlternateContent xmlns:mc="http://schemas.openxmlformats.org/markup-compatibility/2006">
-        <mc:Choice xmlns:a14="http://schemas.microsoft.com/office/drawing/2010/main" Requires="a14">
+      <mc:AlternateContent xmlns:mc="http://schemas.openxmlformats.org/markup-compatibility/2006" xmlns:a14="http://schemas.microsoft.com/office/drawing/2010/main">
+        <mc:Choice Requires="a14">
           <p:sp>
             <p:nvSpPr>
               <p:cNvPr id="42" name="文本框 41">
@@ -17375,7 +20049,7 @@
             </p:txBody>
           </p:sp>
         </mc:Choice>
-        <mc:Fallback>
+        <mc:Fallback xmlns="">
           <p:sp>
             <p:nvSpPr>
               <p:cNvPr id="42" name="文本框 41">
@@ -17567,8 +20241,8 @@
           </a:fontRef>
         </p:style>
       </p:cxnSp>
-      <mc:AlternateContent xmlns:mc="http://schemas.openxmlformats.org/markup-compatibility/2006">
-        <mc:Choice xmlns:a14="http://schemas.microsoft.com/office/drawing/2010/main" Requires="a14">
+      <mc:AlternateContent xmlns:mc="http://schemas.openxmlformats.org/markup-compatibility/2006" xmlns:a14="http://schemas.microsoft.com/office/drawing/2010/main">
+        <mc:Choice Requires="a14">
           <p:sp>
             <p:nvSpPr>
               <p:cNvPr id="6" name="文本框 5">
@@ -17618,7 +20292,7 @@
             </p:txBody>
           </p:sp>
         </mc:Choice>
-        <mc:Fallback>
+        <mc:Fallback xmlns="">
           <p:sp>
             <p:nvSpPr>
               <p:cNvPr id="6" name="文本框 5">
@@ -17663,8 +20337,8 @@
           </p:sp>
         </mc:Fallback>
       </mc:AlternateContent>
-      <mc:AlternateContent xmlns:mc="http://schemas.openxmlformats.org/markup-compatibility/2006">
-        <mc:Choice xmlns:a14="http://schemas.microsoft.com/office/drawing/2010/main" Requires="a14">
+      <mc:AlternateContent xmlns:mc="http://schemas.openxmlformats.org/markup-compatibility/2006" xmlns:a14="http://schemas.microsoft.com/office/drawing/2010/main">
+        <mc:Choice Requires="a14">
           <p:sp>
             <p:nvSpPr>
               <p:cNvPr id="12" name="文本框 11">
@@ -17714,7 +20388,7 @@
             </p:txBody>
           </p:sp>
         </mc:Choice>
-        <mc:Fallback>
+        <mc:Fallback xmlns="">
           <p:sp>
             <p:nvSpPr>
               <p:cNvPr id="12" name="文本框 11">
@@ -17759,8 +20433,8 @@
           </p:sp>
         </mc:Fallback>
       </mc:AlternateContent>
-      <mc:AlternateContent xmlns:mc="http://schemas.openxmlformats.org/markup-compatibility/2006">
-        <mc:Choice xmlns:a14="http://schemas.microsoft.com/office/drawing/2010/main" Requires="a14">
+      <mc:AlternateContent xmlns:mc="http://schemas.openxmlformats.org/markup-compatibility/2006" xmlns:a14="http://schemas.microsoft.com/office/drawing/2010/main">
+        <mc:Choice Requires="a14">
           <p:sp>
             <p:nvSpPr>
               <p:cNvPr id="14" name="文本框 13">
@@ -17816,7 +20490,7 @@
             </p:txBody>
           </p:sp>
         </mc:Choice>
-        <mc:Fallback>
+        <mc:Fallback xmlns="">
           <p:sp>
             <p:nvSpPr>
               <p:cNvPr id="14" name="文本框 13">
@@ -18263,7 +20937,7 @@
 </p:sld>
 </file>
 
-<file path=ppt/slides/slide5.xml><?xml version="1.0" encoding="utf-8"?>
+<file path=ppt/slides/slide6.xml><?xml version="1.0" encoding="utf-8"?>
 <p:sld xmlns:a="http://schemas.openxmlformats.org/drawingml/2006/main" xmlns:r="http://schemas.openxmlformats.org/officeDocument/2006/relationships" xmlns:p="http://schemas.openxmlformats.org/presentationml/2006/main">
   <p:cSld>
     <p:spTree>
@@ -18280,8 +20954,8 @@
           <a:chExt cx="0" cy="0"/>
         </a:xfrm>
       </p:grpSpPr>
-      <mc:AlternateContent xmlns:mc="http://schemas.openxmlformats.org/markup-compatibility/2006">
-        <mc:Choice xmlns:a14="http://schemas.microsoft.com/office/drawing/2010/main" Requires="a14">
+      <mc:AlternateContent xmlns:mc="http://schemas.openxmlformats.org/markup-compatibility/2006" xmlns:a14="http://schemas.microsoft.com/office/drawing/2010/main">
+        <mc:Choice Requires="a14">
           <p:sp>
             <p:nvSpPr>
               <p:cNvPr id="5" name="矩形 4">
@@ -18355,7 +21029,7 @@
             </p:txBody>
           </p:sp>
         </mc:Choice>
-        <mc:Fallback>
+        <mc:Fallback xmlns="">
           <p:sp>
             <p:nvSpPr>
               <p:cNvPr id="5" name="矩形 4">
@@ -18400,8 +21074,8 @@
           </p:sp>
         </mc:Fallback>
       </mc:AlternateContent>
-      <mc:AlternateContent xmlns:mc="http://schemas.openxmlformats.org/markup-compatibility/2006">
-        <mc:Choice xmlns:a14="http://schemas.microsoft.com/office/drawing/2010/main" Requires="a14">
+      <mc:AlternateContent xmlns:mc="http://schemas.openxmlformats.org/markup-compatibility/2006" xmlns:a14="http://schemas.microsoft.com/office/drawing/2010/main">
+        <mc:Choice Requires="a14">
           <p:sp>
             <p:nvSpPr>
               <p:cNvPr id="6" name="矩形 5">
@@ -18475,7 +21149,7 @@
             </p:txBody>
           </p:sp>
         </mc:Choice>
-        <mc:Fallback>
+        <mc:Fallback xmlns="">
           <p:sp>
             <p:nvSpPr>
               <p:cNvPr id="6" name="矩形 5">
@@ -18520,8 +21194,8 @@
           </p:sp>
         </mc:Fallback>
       </mc:AlternateContent>
-      <mc:AlternateContent xmlns:mc="http://schemas.openxmlformats.org/markup-compatibility/2006">
-        <mc:Choice xmlns:a14="http://schemas.microsoft.com/office/drawing/2010/main" Requires="a14">
+      <mc:AlternateContent xmlns:mc="http://schemas.openxmlformats.org/markup-compatibility/2006" xmlns:a14="http://schemas.microsoft.com/office/drawing/2010/main">
+        <mc:Choice Requires="a14">
           <p:sp>
             <p:nvSpPr>
               <p:cNvPr id="7" name="矩形 6">
@@ -18595,7 +21269,7 @@
             </p:txBody>
           </p:sp>
         </mc:Choice>
-        <mc:Fallback>
+        <mc:Fallback xmlns="">
           <p:sp>
             <p:nvSpPr>
               <p:cNvPr id="7" name="矩形 6">
@@ -18640,8 +21314,8 @@
           </p:sp>
         </mc:Fallback>
       </mc:AlternateContent>
-      <mc:AlternateContent xmlns:mc="http://schemas.openxmlformats.org/markup-compatibility/2006">
-        <mc:Choice xmlns:a14="http://schemas.microsoft.com/office/drawing/2010/main" Requires="a14">
+      <mc:AlternateContent xmlns:mc="http://schemas.openxmlformats.org/markup-compatibility/2006" xmlns:a14="http://schemas.microsoft.com/office/drawing/2010/main">
+        <mc:Choice Requires="a14">
           <p:sp>
             <p:nvSpPr>
               <p:cNvPr id="8" name="矩形 7">
@@ -18715,7 +21389,7 @@
             </p:txBody>
           </p:sp>
         </mc:Choice>
-        <mc:Fallback>
+        <mc:Fallback xmlns="">
           <p:sp>
             <p:nvSpPr>
               <p:cNvPr id="8" name="矩形 7">
@@ -18815,8 +21489,8 @@
           </a:p>
         </p:txBody>
       </p:sp>
-      <mc:AlternateContent xmlns:mc="http://schemas.openxmlformats.org/markup-compatibility/2006">
-        <mc:Choice xmlns:a14="http://schemas.microsoft.com/office/drawing/2010/main" Requires="a14">
+      <mc:AlternateContent xmlns:mc="http://schemas.openxmlformats.org/markup-compatibility/2006" xmlns:a14="http://schemas.microsoft.com/office/drawing/2010/main">
+        <mc:Choice Requires="a14">
           <p:sp>
             <p:nvSpPr>
               <p:cNvPr id="3" name="矩形 2">
@@ -18890,7 +21564,7 @@
             </p:txBody>
           </p:sp>
         </mc:Choice>
-        <mc:Fallback>
+        <mc:Fallback xmlns="">
           <p:sp>
             <p:nvSpPr>
               <p:cNvPr id="3" name="矩形 2">
@@ -20112,7 +22786,7 @@
 </p:sld>
 </file>
 
-<file path=ppt/slides/slide6.xml><?xml version="1.0" encoding="utf-8"?>
+<file path=ppt/slides/slide7.xml><?xml version="1.0" encoding="utf-8"?>
 <p:sld xmlns:a="http://schemas.openxmlformats.org/drawingml/2006/main" xmlns:r="http://schemas.openxmlformats.org/officeDocument/2006/relationships" xmlns:p="http://schemas.openxmlformats.org/presentationml/2006/main">
   <p:cSld>
     <p:spTree>
@@ -20129,8 +22803,8 @@
           <a:chExt cx="0" cy="0"/>
         </a:xfrm>
       </p:grpSpPr>
-      <mc:AlternateContent xmlns:mc="http://schemas.openxmlformats.org/markup-compatibility/2006">
-        <mc:Choice xmlns:a14="http://schemas.microsoft.com/office/drawing/2010/main" Requires="a14">
+      <mc:AlternateContent xmlns:mc="http://schemas.openxmlformats.org/markup-compatibility/2006" xmlns:a14="http://schemas.microsoft.com/office/drawing/2010/main">
+        <mc:Choice Requires="a14">
           <p:sp>
             <p:nvSpPr>
               <p:cNvPr id="5" name="矩形 4">
@@ -20204,7 +22878,7 @@
             </p:txBody>
           </p:sp>
         </mc:Choice>
-        <mc:Fallback>
+        <mc:Fallback xmlns="">
           <p:sp>
             <p:nvSpPr>
               <p:cNvPr id="5" name="矩形 4">
@@ -20249,8 +22923,8 @@
           </p:sp>
         </mc:Fallback>
       </mc:AlternateContent>
-      <mc:AlternateContent xmlns:mc="http://schemas.openxmlformats.org/markup-compatibility/2006">
-        <mc:Choice xmlns:a14="http://schemas.microsoft.com/office/drawing/2010/main" Requires="a14">
+      <mc:AlternateContent xmlns:mc="http://schemas.openxmlformats.org/markup-compatibility/2006" xmlns:a14="http://schemas.microsoft.com/office/drawing/2010/main">
+        <mc:Choice Requires="a14">
           <p:sp>
             <p:nvSpPr>
               <p:cNvPr id="6" name="矩形 5">
@@ -20324,7 +22998,7 @@
             </p:txBody>
           </p:sp>
         </mc:Choice>
-        <mc:Fallback>
+        <mc:Fallback xmlns="">
           <p:sp>
             <p:nvSpPr>
               <p:cNvPr id="6" name="矩形 5">
@@ -20424,8 +23098,8 @@
           </a:p>
         </p:txBody>
       </p:sp>
-      <mc:AlternateContent xmlns:mc="http://schemas.openxmlformats.org/markup-compatibility/2006">
-        <mc:Choice xmlns:a14="http://schemas.microsoft.com/office/drawing/2010/main" Requires="a14">
+      <mc:AlternateContent xmlns:mc="http://schemas.openxmlformats.org/markup-compatibility/2006" xmlns:a14="http://schemas.microsoft.com/office/drawing/2010/main">
+        <mc:Choice Requires="a14">
           <p:sp>
             <p:nvSpPr>
               <p:cNvPr id="3" name="矩形 2">
@@ -20499,7 +23173,7 @@
             </p:txBody>
           </p:sp>
         </mc:Choice>
-        <mc:Fallback>
+        <mc:Fallback xmlns="">
           <p:sp>
             <p:nvSpPr>
               <p:cNvPr id="3" name="矩形 2">
@@ -20692,8 +23366,8 @@
           </a:fontRef>
         </p:style>
       </p:cxnSp>
-      <mc:AlternateContent xmlns:mc="http://schemas.openxmlformats.org/markup-compatibility/2006">
-        <mc:Choice xmlns:a14="http://schemas.microsoft.com/office/drawing/2010/main" Requires="a14">
+      <mc:AlternateContent xmlns:mc="http://schemas.openxmlformats.org/markup-compatibility/2006" xmlns:a14="http://schemas.microsoft.com/office/drawing/2010/main">
+        <mc:Choice Requires="a14">
           <p:sp>
             <p:nvSpPr>
               <p:cNvPr id="45" name="文本框 44">
@@ -20749,7 +23423,7 @@
             </p:txBody>
           </p:sp>
         </mc:Choice>
-        <mc:Fallback>
+        <mc:Fallback xmlns="">
           <p:sp>
             <p:nvSpPr>
               <p:cNvPr id="45" name="文本框 44">
@@ -20794,8 +23468,8 @@
           </p:sp>
         </mc:Fallback>
       </mc:AlternateContent>
-      <mc:AlternateContent xmlns:mc="http://schemas.openxmlformats.org/markup-compatibility/2006">
-        <mc:Choice xmlns:a14="http://schemas.microsoft.com/office/drawing/2010/main" Requires="a14">
+      <mc:AlternateContent xmlns:mc="http://schemas.openxmlformats.org/markup-compatibility/2006" xmlns:a14="http://schemas.microsoft.com/office/drawing/2010/main">
+        <mc:Choice Requires="a14">
           <p:sp>
             <p:nvSpPr>
               <p:cNvPr id="47" name="文本框 46">
@@ -20851,7 +23525,7 @@
             </p:txBody>
           </p:sp>
         </mc:Choice>
-        <mc:Fallback>
+        <mc:Fallback xmlns="">
           <p:sp>
             <p:nvSpPr>
               <p:cNvPr id="47" name="文本框 46">
@@ -20896,8 +23570,8 @@
           </p:sp>
         </mc:Fallback>
       </mc:AlternateContent>
-      <mc:AlternateContent xmlns:mc="http://schemas.openxmlformats.org/markup-compatibility/2006">
-        <mc:Choice xmlns:a14="http://schemas.microsoft.com/office/drawing/2010/main" Requires="a14">
+      <mc:AlternateContent xmlns:mc="http://schemas.openxmlformats.org/markup-compatibility/2006" xmlns:a14="http://schemas.microsoft.com/office/drawing/2010/main">
+        <mc:Choice Requires="a14">
           <p:sp>
             <p:nvSpPr>
               <p:cNvPr id="48" name="文本框 47">
@@ -20953,7 +23627,7 @@
             </p:txBody>
           </p:sp>
         </mc:Choice>
-        <mc:Fallback>
+        <mc:Fallback xmlns="">
           <p:sp>
             <p:nvSpPr>
               <p:cNvPr id="48" name="文本框 47">
@@ -20998,8 +23672,8 @@
           </p:sp>
         </mc:Fallback>
       </mc:AlternateContent>
-      <mc:AlternateContent xmlns:mc="http://schemas.openxmlformats.org/markup-compatibility/2006">
-        <mc:Choice xmlns:a14="http://schemas.microsoft.com/office/drawing/2010/main" Requires="a14">
+      <mc:AlternateContent xmlns:mc="http://schemas.openxmlformats.org/markup-compatibility/2006" xmlns:a14="http://schemas.microsoft.com/office/drawing/2010/main">
+        <mc:Choice Requires="a14">
           <p:sp>
             <p:nvSpPr>
               <p:cNvPr id="49" name="文本框 48">
@@ -21055,7 +23729,7 @@
             </p:txBody>
           </p:sp>
         </mc:Choice>
-        <mc:Fallback>
+        <mc:Fallback xmlns="">
           <p:sp>
             <p:nvSpPr>
               <p:cNvPr id="49" name="文本框 48">
@@ -21372,8 +24046,8 @@
             <a:chExt cx="2230778" cy="3255178"/>
           </a:xfrm>
         </p:grpSpPr>
-        <mc:AlternateContent xmlns:mc="http://schemas.openxmlformats.org/markup-compatibility/2006">
-          <mc:Choice xmlns:a14="http://schemas.microsoft.com/office/drawing/2010/main" Requires="a14">
+        <mc:AlternateContent xmlns:mc="http://schemas.openxmlformats.org/markup-compatibility/2006" xmlns:a14="http://schemas.microsoft.com/office/drawing/2010/main">
+          <mc:Choice Requires="a14">
             <p:sp>
               <p:nvSpPr>
                 <p:cNvPr id="2" name="矩形 1">
@@ -21472,7 +24146,7 @@
               </p:txBody>
             </p:sp>
           </mc:Choice>
-          <mc:Fallback>
+          <mc:Fallback xmlns="">
             <p:sp>
               <p:nvSpPr>
                 <p:cNvPr id="2" name="矩形 1">
@@ -21517,8 +24191,8 @@
             </p:sp>
           </mc:Fallback>
         </mc:AlternateContent>
-        <mc:AlternateContent xmlns:mc="http://schemas.openxmlformats.org/markup-compatibility/2006">
-          <mc:Choice xmlns:a14="http://schemas.microsoft.com/office/drawing/2010/main" Requires="a14">
+        <mc:AlternateContent xmlns:mc="http://schemas.openxmlformats.org/markup-compatibility/2006" xmlns:a14="http://schemas.microsoft.com/office/drawing/2010/main">
+          <mc:Choice Requires="a14">
             <p:sp>
               <p:nvSpPr>
                 <p:cNvPr id="7" name="文本框 6">
@@ -21568,7 +24242,7 @@
               </p:txBody>
             </p:sp>
           </mc:Choice>
-          <mc:Fallback>
+          <mc:Fallback xmlns="">
             <p:sp>
               <p:nvSpPr>
                 <p:cNvPr id="7" name="文本框 6">
@@ -21613,8 +24287,8 @@
             </p:sp>
           </mc:Fallback>
         </mc:AlternateContent>
-        <mc:AlternateContent xmlns:mc="http://schemas.openxmlformats.org/markup-compatibility/2006">
-          <mc:Choice xmlns:a14="http://schemas.microsoft.com/office/drawing/2010/main" Requires="a14">
+        <mc:AlternateContent xmlns:mc="http://schemas.openxmlformats.org/markup-compatibility/2006" xmlns:a14="http://schemas.microsoft.com/office/drawing/2010/main">
+          <mc:Choice Requires="a14">
             <p:sp>
               <p:nvSpPr>
                 <p:cNvPr id="8" name="文本框 7">
@@ -21664,7 +24338,7 @@
               </p:txBody>
             </p:sp>
           </mc:Choice>
-          <mc:Fallback>
+          <mc:Fallback xmlns="">
             <p:sp>
               <p:nvSpPr>
                 <p:cNvPr id="8" name="文本框 7">
@@ -21729,8 +24403,8 @@
               <a:chExt cx="1329264" cy="647357"/>
             </a:xfrm>
           </p:grpSpPr>
-          <mc:AlternateContent xmlns:mc="http://schemas.openxmlformats.org/markup-compatibility/2006">
-            <mc:Choice xmlns:a14="http://schemas.microsoft.com/office/drawing/2010/main" Requires="a14">
+          <mc:AlternateContent xmlns:mc="http://schemas.openxmlformats.org/markup-compatibility/2006" xmlns:a14="http://schemas.microsoft.com/office/drawing/2010/main">
+            <mc:Choice Requires="a14">
               <p:sp>
                 <p:nvSpPr>
                   <p:cNvPr id="9" name="矩形 8">
@@ -21829,7 +24503,7 @@
                 </p:txBody>
               </p:sp>
             </mc:Choice>
-            <mc:Fallback>
+            <mc:Fallback xmlns="">
               <p:sp>
                 <p:nvSpPr>
                   <p:cNvPr id="9" name="矩形 8">
@@ -21874,8 +24548,8 @@
               </p:sp>
             </mc:Fallback>
           </mc:AlternateContent>
-          <mc:AlternateContent xmlns:mc="http://schemas.openxmlformats.org/markup-compatibility/2006">
-            <mc:Choice xmlns:a14="http://schemas.microsoft.com/office/drawing/2010/main" Requires="a14">
+          <mc:AlternateContent xmlns:mc="http://schemas.openxmlformats.org/markup-compatibility/2006" xmlns:a14="http://schemas.microsoft.com/office/drawing/2010/main">
+            <mc:Choice Requires="a14">
               <p:sp>
                 <p:nvSpPr>
                   <p:cNvPr id="11" name="文本框 10">
@@ -21925,7 +24599,7 @@
                 </p:txBody>
               </p:sp>
             </mc:Choice>
-            <mc:Fallback>
+            <mc:Fallback xmlns="">
               <p:sp>
                 <p:nvSpPr>
                   <p:cNvPr id="11" name="文本框 10">
@@ -21970,8 +24644,8 @@
               </p:sp>
             </mc:Fallback>
           </mc:AlternateContent>
-          <mc:AlternateContent xmlns:mc="http://schemas.openxmlformats.org/markup-compatibility/2006">
-            <mc:Choice xmlns:a14="http://schemas.microsoft.com/office/drawing/2010/main" Requires="a14">
+          <mc:AlternateContent xmlns:mc="http://schemas.openxmlformats.org/markup-compatibility/2006" xmlns:a14="http://schemas.microsoft.com/office/drawing/2010/main">
+            <mc:Choice Requires="a14">
               <p:sp>
                 <p:nvSpPr>
                   <p:cNvPr id="12" name="文本框 11">
@@ -22021,7 +24695,7 @@
                 </p:txBody>
               </p:sp>
             </mc:Choice>
-            <mc:Fallback>
+            <mc:Fallback xmlns="">
               <p:sp>
                 <p:nvSpPr>
                   <p:cNvPr id="12" name="文本框 11">
@@ -22120,8 +24794,8 @@
             </a:p>
           </p:txBody>
         </p:sp>
-        <mc:AlternateContent xmlns:mc="http://schemas.openxmlformats.org/markup-compatibility/2006">
-          <mc:Choice xmlns:a14="http://schemas.microsoft.com/office/drawing/2010/main" Requires="a14">
+        <mc:AlternateContent xmlns:mc="http://schemas.openxmlformats.org/markup-compatibility/2006" xmlns:a14="http://schemas.microsoft.com/office/drawing/2010/main">
+          <mc:Choice Requires="a14">
             <p:sp>
               <p:nvSpPr>
                 <p:cNvPr id="15" name="矩形 14">
@@ -22200,7 +24874,7 @@
               </p:txBody>
             </p:sp>
           </mc:Choice>
-          <mc:Fallback>
+          <mc:Fallback xmlns="">
             <p:sp>
               <p:nvSpPr>
                 <p:cNvPr id="15" name="矩形 14">
@@ -22245,8 +24919,8 @@
             </p:sp>
           </mc:Fallback>
         </mc:AlternateContent>
-        <mc:AlternateContent xmlns:mc="http://schemas.openxmlformats.org/markup-compatibility/2006">
-          <mc:Choice xmlns:a14="http://schemas.microsoft.com/office/drawing/2010/main" Requires="a14">
+        <mc:AlternateContent xmlns:mc="http://schemas.openxmlformats.org/markup-compatibility/2006" xmlns:a14="http://schemas.microsoft.com/office/drawing/2010/main">
+          <mc:Choice Requires="a14">
             <p:sp>
               <p:nvSpPr>
                 <p:cNvPr id="16" name="文本框 15">
@@ -22296,7 +24970,7 @@
               </p:txBody>
             </p:sp>
           </mc:Choice>
-          <mc:Fallback>
+          <mc:Fallback xmlns="">
             <p:sp>
               <p:nvSpPr>
                 <p:cNvPr id="16" name="文本框 15">
@@ -22500,8 +25174,8 @@
             </a:p>
           </p:txBody>
         </p:sp>
-        <mc:AlternateContent xmlns:mc="http://schemas.openxmlformats.org/markup-compatibility/2006">
-          <mc:Choice xmlns:a14="http://schemas.microsoft.com/office/drawing/2010/main" Requires="a14">
+        <mc:AlternateContent xmlns:mc="http://schemas.openxmlformats.org/markup-compatibility/2006" xmlns:a14="http://schemas.microsoft.com/office/drawing/2010/main">
+          <mc:Choice Requires="a14">
             <p:sp>
               <p:nvSpPr>
                 <p:cNvPr id="26" name="文本框 25">
@@ -22557,7 +25231,7 @@
               </p:txBody>
             </p:sp>
           </mc:Choice>
-          <mc:Fallback>
+          <mc:Fallback xmlns="">
             <p:sp>
               <p:nvSpPr>
                 <p:cNvPr id="26" name="文本框 25">
@@ -22622,8 +25296,8 @@
               <a:chExt cx="1910915" cy="650240"/>
             </a:xfrm>
           </p:grpSpPr>
-          <mc:AlternateContent xmlns:mc="http://schemas.openxmlformats.org/markup-compatibility/2006">
-            <mc:Choice xmlns:a14="http://schemas.microsoft.com/office/drawing/2010/main" Requires="a14">
+          <mc:AlternateContent xmlns:mc="http://schemas.openxmlformats.org/markup-compatibility/2006" xmlns:a14="http://schemas.microsoft.com/office/drawing/2010/main">
+            <mc:Choice Requires="a14">
               <p:sp>
                 <p:nvSpPr>
                   <p:cNvPr id="27" name="矩形 26">
@@ -22702,7 +25376,7 @@
                 </p:txBody>
               </p:sp>
             </mc:Choice>
-            <mc:Fallback>
+            <mc:Fallback xmlns="">
               <p:sp>
                 <p:nvSpPr>
                   <p:cNvPr id="27" name="矩形 26">
@@ -22747,8 +25421,8 @@
               </p:sp>
             </mc:Fallback>
           </mc:AlternateContent>
-          <mc:AlternateContent xmlns:mc="http://schemas.openxmlformats.org/markup-compatibility/2006">
-            <mc:Choice xmlns:a14="http://schemas.microsoft.com/office/drawing/2010/main" Requires="a14">
+          <mc:AlternateContent xmlns:mc="http://schemas.openxmlformats.org/markup-compatibility/2006" xmlns:a14="http://schemas.microsoft.com/office/drawing/2010/main">
+            <mc:Choice Requires="a14">
               <p:sp>
                 <p:nvSpPr>
                   <p:cNvPr id="29" name="文本框 28">
@@ -22798,7 +25472,7 @@
                 </p:txBody>
               </p:sp>
             </mc:Choice>
-            <mc:Fallback>
+            <mc:Fallback xmlns="">
               <p:sp>
                 <p:nvSpPr>
                   <p:cNvPr id="29" name="文本框 28">
@@ -22843,8 +25517,8 @@
               </p:sp>
             </mc:Fallback>
           </mc:AlternateContent>
-          <mc:AlternateContent xmlns:mc="http://schemas.openxmlformats.org/markup-compatibility/2006">
-            <mc:Choice xmlns:a14="http://schemas.microsoft.com/office/drawing/2010/main" Requires="a14">
+          <mc:AlternateContent xmlns:mc="http://schemas.openxmlformats.org/markup-compatibility/2006" xmlns:a14="http://schemas.microsoft.com/office/drawing/2010/main">
+            <mc:Choice Requires="a14">
               <p:sp>
                 <p:nvSpPr>
                   <p:cNvPr id="30" name="文本框 29">
@@ -22894,7 +25568,7 @@
                 </p:txBody>
               </p:sp>
             </mc:Choice>
-            <mc:Fallback>
+            <mc:Fallback xmlns="">
               <p:sp>
                 <p:nvSpPr>
                   <p:cNvPr id="30" name="文本框 29">
@@ -23059,8 +25733,8 @@
               </a:p>
             </p:txBody>
           </p:sp>
-          <mc:AlternateContent xmlns:mc="http://schemas.openxmlformats.org/markup-compatibility/2006">
-            <mc:Choice xmlns:a14="http://schemas.microsoft.com/office/drawing/2010/main" Requires="a14">
+          <mc:AlternateContent xmlns:mc="http://schemas.openxmlformats.org/markup-compatibility/2006" xmlns:a14="http://schemas.microsoft.com/office/drawing/2010/main">
+            <mc:Choice Requires="a14">
               <p:sp>
                 <p:nvSpPr>
                   <p:cNvPr id="35" name="文本框 34">
@@ -23110,7 +25784,7 @@
                 </p:txBody>
               </p:sp>
             </mc:Choice>
-            <mc:Fallback>
+            <mc:Fallback xmlns="">
               <p:sp>
                 <p:nvSpPr>
                   <p:cNvPr id="35" name="文本框 34">
